--- a/2021校招新员工转正答辩模板.pptx
+++ b/2021校招新员工转正答辩模板.pptx
@@ -9,10 +9,10 @@
     <p:sldMasterId id="2147483711" r:id="rId5"/>
   </p:sldMasterIdLst>
   <p:notesMasterIdLst>
-    <p:notesMasterId r:id="rId19"/>
+    <p:notesMasterId r:id="rId21"/>
   </p:notesMasterIdLst>
   <p:handoutMasterIdLst>
-    <p:handoutMasterId r:id="rId20"/>
+    <p:handoutMasterId r:id="rId22"/>
   </p:handoutMasterIdLst>
   <p:sldIdLst>
     <p:sldId id="328" r:id="rId6"/>
@@ -22,12 +22,14 @@
     <p:sldId id="316" r:id="rId10"/>
     <p:sldId id="312" r:id="rId11"/>
     <p:sldId id="330" r:id="rId12"/>
-    <p:sldId id="313" r:id="rId13"/>
-    <p:sldId id="332" r:id="rId14"/>
-    <p:sldId id="314" r:id="rId15"/>
-    <p:sldId id="333" r:id="rId16"/>
-    <p:sldId id="340" r:id="rId17"/>
-    <p:sldId id="258" r:id="rId18"/>
+    <p:sldId id="341" r:id="rId13"/>
+    <p:sldId id="342" r:id="rId14"/>
+    <p:sldId id="313" r:id="rId15"/>
+    <p:sldId id="332" r:id="rId16"/>
+    <p:sldId id="314" r:id="rId17"/>
+    <p:sldId id="333" r:id="rId18"/>
+    <p:sldId id="340" r:id="rId19"/>
+    <p:sldId id="258" r:id="rId20"/>
   </p:sldIdLst>
   <p:sldSz cx="9144000" cy="5143500" type="screen16x9"/>
   <p:notesSz cx="6805613" cy="9939338"/>
@@ -212,7 +214,7 @@
             <a:fld id="{A0758086-6CBF-4B38-B616-71837A3CB190}" type="datetimeFigureOut">
               <a:rPr lang="zh-CN" altLang="en-US" smtClean="0"/>
               <a:pPr/>
-              <a:t>2021/11/10</a:t>
+              <a:t>2021/12/7</a:t>
             </a:fld>
             <a:endParaRPr lang="zh-CN" altLang="en-US"/>
           </a:p>
@@ -379,7 +381,7 @@
             <a:fld id="{9FA2A696-AB4E-402F-B9F7-AE9D7F1884EE}" type="datetimeFigureOut">
               <a:rPr lang="zh-CN" altLang="en-US" smtClean="0"/>
               <a:pPr/>
-              <a:t>2021/11/10</a:t>
+              <a:t>2021/12/7</a:t>
             </a:fld>
             <a:endParaRPr lang="zh-CN" altLang="en-US"/>
           </a:p>
@@ -1474,7 +1476,7 @@
                 <a:buNone/>
                 <a:defRPr/>
               </a:pPr>
-              <a:t>8</a:t>
+              <a:t>10</a:t>
             </a:fld>
             <a:endParaRPr kumimoji="0" lang="zh-CN" altLang="en-US" sz="1200" b="0" i="0" u="none" strike="noStrike" kern="1200" cap="none" spc="0" normalizeH="0" baseline="0" noProof="0">
               <a:ln>
@@ -1616,7 +1618,7 @@
                 <a:buNone/>
                 <a:defRPr/>
               </a:pPr>
-              <a:t>9</a:t>
+              <a:t>11</a:t>
             </a:fld>
             <a:endParaRPr kumimoji="0" lang="zh-CN" altLang="en-US" sz="1200" b="0" i="0" u="none" strike="noStrike" kern="1200" cap="none" spc="0" normalizeH="0" baseline="0" noProof="0" dirty="0">
               <a:ln>
@@ -1758,7 +1760,7 @@
                 <a:buNone/>
                 <a:defRPr/>
               </a:pPr>
-              <a:t>10</a:t>
+              <a:t>12</a:t>
             </a:fld>
             <a:endParaRPr kumimoji="0" lang="zh-CN" altLang="en-US" sz="1200" b="0" i="0" u="none" strike="noStrike" kern="1200" cap="none" spc="0" normalizeH="0" baseline="0" noProof="0">
               <a:ln>
@@ -1856,7 +1858,7 @@
             <a:fld id="{5261CE45-8FD2-44C2-9FAD-56B6D96CC603}" type="slidenum">
               <a:rPr lang="zh-CN" altLang="en-US" smtClean="0"/>
               <a:pPr/>
-              <a:t>13</a:t>
+              <a:t>15</a:t>
             </a:fld>
             <a:endParaRPr lang="zh-CN" altLang="en-US"/>
           </a:p>
@@ -2050,7 +2052,7 @@
             <a:fld id="{3BCD8D5C-729E-48FB-A4C4-AA3912C6C99F}" type="datetime1">
               <a:rPr lang="zh-CN" altLang="en-US" smtClean="0"/>
               <a:pPr/>
-              <a:t>2021/11/10</a:t>
+              <a:t>2021/12/7</a:t>
             </a:fld>
             <a:endParaRPr lang="zh-CN" altLang="en-US"/>
           </a:p>
@@ -2215,7 +2217,7 @@
             <a:fld id="{F5547892-91A7-4F96-A626-3C4B143B9BE1}" type="datetime1">
               <a:rPr lang="zh-CN" altLang="en-US" smtClean="0"/>
               <a:pPr/>
-              <a:t>2021/11/10</a:t>
+              <a:t>2021/12/7</a:t>
             </a:fld>
             <a:endParaRPr lang="zh-CN" altLang="en-US"/>
           </a:p>
@@ -2390,7 +2392,7 @@
             <a:fld id="{1FFBC030-65D1-4E83-A160-C9B5A253D193}" type="datetime1">
               <a:rPr lang="zh-CN" altLang="en-US" smtClean="0"/>
               <a:pPr/>
-              <a:t>2021/11/10</a:t>
+              <a:t>2021/12/7</a:t>
             </a:fld>
             <a:endParaRPr lang="zh-CN" altLang="en-US"/>
           </a:p>
@@ -2489,7 +2491,7 @@
             <a:fld id="{25FEA529-A42D-4C17-BD7B-D542CC64E174}" type="datetime1">
               <a:rPr lang="zh-CN" altLang="en-US" smtClean="0"/>
               <a:pPr/>
-              <a:t>2021/11/10</a:t>
+              <a:t>2021/12/7</a:t>
             </a:fld>
             <a:endParaRPr lang="zh-CN" altLang="en-US"/>
           </a:p>
@@ -2769,7 +2771,7 @@
             <a:fld id="{C530584B-9900-4782-9CDA-33BAA514C274}" type="datetime1">
               <a:rPr lang="zh-CN" altLang="en-US" smtClean="0"/>
               <a:pPr/>
-              <a:t>2021/11/10</a:t>
+              <a:t>2021/12/7</a:t>
             </a:fld>
             <a:endParaRPr lang="zh-CN" altLang="en-US"/>
           </a:p>
@@ -2934,7 +2936,7 @@
             <a:fld id="{3B0B58B1-B29A-4318-8AE4-702BB5D3D5CA}" type="datetime1">
               <a:rPr lang="zh-CN" altLang="en-US" smtClean="0"/>
               <a:pPr/>
-              <a:t>2021/11/10</a:t>
+              <a:t>2021/12/7</a:t>
             </a:fld>
             <a:endParaRPr lang="zh-CN" altLang="en-US"/>
           </a:p>
@@ -3176,7 +3178,7 @@
             <a:fld id="{94351AE9-59DE-4744-B16E-F7A541CE2042}" type="datetime1">
               <a:rPr lang="zh-CN" altLang="en-US" smtClean="0"/>
               <a:pPr/>
-              <a:t>2021/11/10</a:t>
+              <a:t>2021/12/7</a:t>
             </a:fld>
             <a:endParaRPr lang="zh-CN" altLang="en-US"/>
           </a:p>
@@ -3458,7 +3460,7 @@
             <a:fld id="{36299615-D7AF-464D-AB05-F49F9840370F}" type="datetime1">
               <a:rPr lang="zh-CN" altLang="en-US" smtClean="0"/>
               <a:pPr/>
-              <a:t>2021/11/10</a:t>
+              <a:t>2021/12/7</a:t>
             </a:fld>
             <a:endParaRPr lang="zh-CN" altLang="en-US"/>
           </a:p>
@@ -3881,7 +3883,7 @@
             <a:fld id="{3103A107-D86A-4FC8-8AEA-577CEF5772CF}" type="datetime1">
               <a:rPr lang="zh-CN" altLang="en-US" smtClean="0"/>
               <a:pPr/>
-              <a:t>2021/11/10</a:t>
+              <a:t>2021/12/7</a:t>
             </a:fld>
             <a:endParaRPr lang="zh-CN" altLang="en-US"/>
           </a:p>
@@ -3995,7 +3997,7 @@
             <a:fld id="{13C882EC-F9A0-4B0D-AC98-1A3F75C72132}" type="datetime1">
               <a:rPr lang="zh-CN" altLang="en-US" smtClean="0"/>
               <a:pPr/>
-              <a:t>2021/11/10</a:t>
+              <a:t>2021/12/7</a:t>
             </a:fld>
             <a:endParaRPr lang="zh-CN" altLang="en-US"/>
           </a:p>
@@ -4087,7 +4089,7 @@
             <a:fld id="{44BBA6C3-8735-461A-AB46-2724558EE214}" type="datetime1">
               <a:rPr lang="zh-CN" altLang="en-US" smtClean="0"/>
               <a:pPr/>
-              <a:t>2021/11/10</a:t>
+              <a:t>2021/12/7</a:t>
             </a:fld>
             <a:endParaRPr lang="zh-CN" altLang="en-US"/>
           </a:p>
@@ -4259,7 +4261,7 @@
             <a:fld id="{C80FD2AE-D12D-4A61-B8BD-B7F771AB5FD0}" type="datetime1">
               <a:rPr lang="zh-CN" altLang="en-US" smtClean="0"/>
               <a:pPr/>
-              <a:t>2021/11/10</a:t>
+              <a:t>2021/12/7</a:t>
             </a:fld>
             <a:endParaRPr lang="zh-CN" altLang="en-US"/>
           </a:p>
@@ -4531,7 +4533,7 @@
             <a:fld id="{D10D2792-D371-440E-B2A3-F08F43843E11}" type="datetime1">
               <a:rPr lang="zh-CN" altLang="en-US" smtClean="0"/>
               <a:pPr/>
-              <a:t>2021/11/10</a:t>
+              <a:t>2021/12/7</a:t>
             </a:fld>
             <a:endParaRPr lang="zh-CN" altLang="en-US"/>
           </a:p>
@@ -4780,7 +4782,7 @@
             <a:fld id="{672351B1-F5D0-4DD9-831D-AD9CB67A99B7}" type="datetime1">
               <a:rPr lang="zh-CN" altLang="en-US" smtClean="0"/>
               <a:pPr/>
-              <a:t>2021/11/10</a:t>
+              <a:t>2021/12/7</a:t>
             </a:fld>
             <a:endParaRPr lang="zh-CN" altLang="en-US"/>
           </a:p>
@@ -4945,7 +4947,7 @@
             <a:fld id="{E8CB919E-7ABE-4A21-AACD-6E17DE4378BD}" type="datetime1">
               <a:rPr lang="zh-CN" altLang="en-US" smtClean="0"/>
               <a:pPr/>
-              <a:t>2021/11/10</a:t>
+              <a:t>2021/12/7</a:t>
             </a:fld>
             <a:endParaRPr lang="zh-CN" altLang="en-US"/>
           </a:p>
@@ -5120,7 +5122,7 @@
             <a:fld id="{F4F16CB4-4501-4541-9B90-E9AAE97DE9A8}" type="datetime1">
               <a:rPr lang="zh-CN" altLang="en-US" smtClean="0"/>
               <a:pPr/>
-              <a:t>2021/11/10</a:t>
+              <a:t>2021/12/7</a:t>
             </a:fld>
             <a:endParaRPr lang="zh-CN" altLang="en-US"/>
           </a:p>
@@ -5366,7 +5368,7 @@
             <a:fld id="{D06EC34F-5E06-42F3-919E-53F272063005}" type="datetimeFigureOut">
               <a:rPr lang="zh-CN" altLang="en-US" smtClean="0"/>
               <a:pPr/>
-              <a:t>2021/11/10</a:t>
+              <a:t>2021/12/7</a:t>
             </a:fld>
             <a:endParaRPr lang="zh-CN" altLang="en-US"/>
           </a:p>
@@ -5533,7 +5535,7 @@
             <a:fld id="{D06EC34F-5E06-42F3-919E-53F272063005}" type="datetimeFigureOut">
               <a:rPr lang="zh-CN" altLang="en-US" smtClean="0"/>
               <a:pPr/>
-              <a:t>2021/11/10</a:t>
+              <a:t>2021/12/7</a:t>
             </a:fld>
             <a:endParaRPr lang="zh-CN" altLang="en-US"/>
           </a:p>
@@ -5783,7 +5785,7 @@
             <a:fld id="{D06EC34F-5E06-42F3-919E-53F272063005}" type="datetimeFigureOut">
               <a:rPr lang="zh-CN" altLang="en-US" smtClean="0"/>
               <a:pPr/>
-              <a:t>2021/11/10</a:t>
+              <a:t>2021/12/7</a:t>
             </a:fld>
             <a:endParaRPr lang="zh-CN" altLang="en-US"/>
           </a:p>
@@ -6068,7 +6070,7 @@
             <a:fld id="{D06EC34F-5E06-42F3-919E-53F272063005}" type="datetimeFigureOut">
               <a:rPr lang="zh-CN" altLang="en-US" smtClean="0"/>
               <a:pPr/>
-              <a:t>2021/11/10</a:t>
+              <a:t>2021/12/7</a:t>
             </a:fld>
             <a:endParaRPr lang="zh-CN" altLang="en-US"/>
           </a:p>
@@ -6487,7 +6489,7 @@
             <a:fld id="{D06EC34F-5E06-42F3-919E-53F272063005}" type="datetimeFigureOut">
               <a:rPr lang="zh-CN" altLang="en-US" smtClean="0"/>
               <a:pPr/>
-              <a:t>2021/11/10</a:t>
+              <a:t>2021/12/7</a:t>
             </a:fld>
             <a:endParaRPr lang="zh-CN" altLang="en-US"/>
           </a:p>
@@ -6602,7 +6604,7 @@
             <a:fld id="{D06EC34F-5E06-42F3-919E-53F272063005}" type="datetimeFigureOut">
               <a:rPr lang="zh-CN" altLang="en-US" smtClean="0"/>
               <a:pPr/>
-              <a:t>2021/11/10</a:t>
+              <a:t>2021/12/7</a:t>
             </a:fld>
             <a:endParaRPr lang="zh-CN" altLang="en-US"/>
           </a:p>
@@ -6844,7 +6846,7 @@
             <a:fld id="{A2AA10E2-DC1B-4451-8B2D-FEAE5C573193}" type="datetime1">
               <a:rPr lang="zh-CN" altLang="en-US" smtClean="0"/>
               <a:pPr/>
-              <a:t>2021/11/10</a:t>
+              <a:t>2021/12/7</a:t>
             </a:fld>
             <a:endParaRPr lang="zh-CN" altLang="en-US"/>
           </a:p>
@@ -6936,7 +6938,7 @@
             <a:fld id="{D06EC34F-5E06-42F3-919E-53F272063005}" type="datetimeFigureOut">
               <a:rPr lang="zh-CN" altLang="en-US" smtClean="0"/>
               <a:pPr/>
-              <a:t>2021/11/10</a:t>
+              <a:t>2021/12/7</a:t>
             </a:fld>
             <a:endParaRPr lang="zh-CN" altLang="en-US"/>
           </a:p>
@@ -7217,7 +7219,7 @@
             <a:fld id="{D06EC34F-5E06-42F3-919E-53F272063005}" type="datetimeFigureOut">
               <a:rPr lang="zh-CN" altLang="en-US" smtClean="0"/>
               <a:pPr/>
-              <a:t>2021/11/10</a:t>
+              <a:t>2021/12/7</a:t>
             </a:fld>
             <a:endParaRPr lang="zh-CN" altLang="en-US"/>
           </a:p>
@@ -7467,7 +7469,7 @@
             <a:fld id="{D06EC34F-5E06-42F3-919E-53F272063005}" type="datetimeFigureOut">
               <a:rPr lang="zh-CN" altLang="en-US" smtClean="0"/>
               <a:pPr/>
-              <a:t>2021/11/10</a:t>
+              <a:t>2021/12/7</a:t>
             </a:fld>
             <a:endParaRPr lang="zh-CN" altLang="en-US"/>
           </a:p>
@@ -7634,7 +7636,7 @@
             <a:fld id="{D06EC34F-5E06-42F3-919E-53F272063005}" type="datetimeFigureOut">
               <a:rPr lang="zh-CN" altLang="en-US" smtClean="0"/>
               <a:pPr/>
-              <a:t>2021/11/10</a:t>
+              <a:t>2021/12/7</a:t>
             </a:fld>
             <a:endParaRPr lang="zh-CN" altLang="en-US"/>
           </a:p>
@@ -7811,7 +7813,7 @@
             <a:fld id="{D06EC34F-5E06-42F3-919E-53F272063005}" type="datetimeFigureOut">
               <a:rPr lang="zh-CN" altLang="en-US" smtClean="0"/>
               <a:pPr/>
-              <a:t>2021/11/10</a:t>
+              <a:t>2021/12/7</a:t>
             </a:fld>
             <a:endParaRPr lang="zh-CN" altLang="en-US"/>
           </a:p>
@@ -8057,7 +8059,7 @@
             <a:fld id="{12F59B4C-8E8A-44CA-A1B9-D920E54309A6}" type="datetimeFigureOut">
               <a:rPr lang="zh-CN" altLang="en-US" smtClean="0"/>
               <a:pPr/>
-              <a:t>2021/11/10</a:t>
+              <a:t>2021/12/7</a:t>
             </a:fld>
             <a:endParaRPr lang="zh-CN" altLang="en-US"/>
           </a:p>
@@ -8224,7 +8226,7 @@
             <a:fld id="{12F59B4C-8E8A-44CA-A1B9-D920E54309A6}" type="datetimeFigureOut">
               <a:rPr lang="zh-CN" altLang="en-US" smtClean="0"/>
               <a:pPr/>
-              <a:t>2021/11/10</a:t>
+              <a:t>2021/12/7</a:t>
             </a:fld>
             <a:endParaRPr lang="zh-CN" altLang="en-US"/>
           </a:p>
@@ -8467,7 +8469,7 @@
             <a:fld id="{12F59B4C-8E8A-44CA-A1B9-D920E54309A6}" type="datetimeFigureOut">
               <a:rPr lang="zh-CN" altLang="en-US" smtClean="0"/>
               <a:pPr/>
-              <a:t>2021/11/10</a:t>
+              <a:t>2021/12/7</a:t>
             </a:fld>
             <a:endParaRPr lang="zh-CN" altLang="en-US"/>
           </a:p>
@@ -8752,7 +8754,7 @@
             <a:fld id="{12F59B4C-8E8A-44CA-A1B9-D920E54309A6}" type="datetimeFigureOut">
               <a:rPr lang="zh-CN" altLang="en-US" smtClean="0"/>
               <a:pPr/>
-              <a:t>2021/11/10</a:t>
+              <a:t>2021/12/7</a:t>
             </a:fld>
             <a:endParaRPr lang="zh-CN" altLang="en-US"/>
           </a:p>
@@ -9171,7 +9173,7 @@
             <a:fld id="{12F59B4C-8E8A-44CA-A1B9-D920E54309A6}" type="datetimeFigureOut">
               <a:rPr lang="zh-CN" altLang="en-US" smtClean="0"/>
               <a:pPr/>
-              <a:t>2021/11/10</a:t>
+              <a:t>2021/12/7</a:t>
             </a:fld>
             <a:endParaRPr lang="zh-CN" altLang="en-US"/>
           </a:p>
@@ -9453,7 +9455,7 @@
             <a:fld id="{4897D235-50A1-4F89-A4E9-48DC6EB532E5}" type="datetime1">
               <a:rPr lang="zh-CN" altLang="en-US" smtClean="0"/>
               <a:pPr/>
-              <a:t>2021/11/10</a:t>
+              <a:t>2021/12/7</a:t>
             </a:fld>
             <a:endParaRPr lang="zh-CN" altLang="en-US"/>
           </a:p>
@@ -9568,7 +9570,7 @@
             <a:fld id="{12F59B4C-8E8A-44CA-A1B9-D920E54309A6}" type="datetimeFigureOut">
               <a:rPr lang="zh-CN" altLang="en-US" smtClean="0"/>
               <a:pPr/>
-              <a:t>2021/11/10</a:t>
+              <a:t>2021/12/7</a:t>
             </a:fld>
             <a:endParaRPr lang="zh-CN" altLang="en-US"/>
           </a:p>
@@ -9660,7 +9662,7 @@
             <a:fld id="{12F59B4C-8E8A-44CA-A1B9-D920E54309A6}" type="datetimeFigureOut">
               <a:rPr lang="zh-CN" altLang="en-US" smtClean="0"/>
               <a:pPr/>
-              <a:t>2021/11/10</a:t>
+              <a:t>2021/12/7</a:t>
             </a:fld>
             <a:endParaRPr lang="zh-CN" altLang="en-US"/>
           </a:p>
@@ -9934,7 +9936,7 @@
             <a:fld id="{12F59B4C-8E8A-44CA-A1B9-D920E54309A6}" type="datetimeFigureOut">
               <a:rPr lang="zh-CN" altLang="en-US" smtClean="0"/>
               <a:pPr/>
-              <a:t>2021/11/10</a:t>
+              <a:t>2021/12/7</a:t>
             </a:fld>
             <a:endParaRPr lang="zh-CN" altLang="en-US"/>
           </a:p>
@@ -10184,7 +10186,7 @@
             <a:fld id="{12F59B4C-8E8A-44CA-A1B9-D920E54309A6}" type="datetimeFigureOut">
               <a:rPr lang="zh-CN" altLang="en-US" smtClean="0"/>
               <a:pPr/>
-              <a:t>2021/11/10</a:t>
+              <a:t>2021/12/7</a:t>
             </a:fld>
             <a:endParaRPr lang="zh-CN" altLang="en-US"/>
           </a:p>
@@ -10351,7 +10353,7 @@
             <a:fld id="{12F59B4C-8E8A-44CA-A1B9-D920E54309A6}" type="datetimeFigureOut">
               <a:rPr lang="zh-CN" altLang="en-US" smtClean="0"/>
               <a:pPr/>
-              <a:t>2021/11/10</a:t>
+              <a:t>2021/12/7</a:t>
             </a:fld>
             <a:endParaRPr lang="zh-CN" altLang="en-US"/>
           </a:p>
@@ -10528,7 +10530,7 @@
             <a:fld id="{12F59B4C-8E8A-44CA-A1B9-D920E54309A6}" type="datetimeFigureOut">
               <a:rPr lang="zh-CN" altLang="en-US" smtClean="0"/>
               <a:pPr/>
-              <a:t>2021/11/10</a:t>
+              <a:t>2021/12/7</a:t>
             </a:fld>
             <a:endParaRPr lang="zh-CN" altLang="en-US"/>
           </a:p>
@@ -10774,7 +10776,7 @@
             <a:fld id="{FF6BCF88-83C7-4BF0-A68E-9AEAB5B8CAD6}" type="datetimeFigureOut">
               <a:rPr lang="zh-CN" altLang="en-US" smtClean="0"/>
               <a:pPr/>
-              <a:t>2021/11/10</a:t>
+              <a:t>2021/12/7</a:t>
             </a:fld>
             <a:endParaRPr lang="zh-CN" altLang="en-US"/>
           </a:p>
@@ -10941,7 +10943,7 @@
             <a:fld id="{FF6BCF88-83C7-4BF0-A68E-9AEAB5B8CAD6}" type="datetimeFigureOut">
               <a:rPr lang="zh-CN" altLang="en-US" smtClean="0"/>
               <a:pPr/>
-              <a:t>2021/11/10</a:t>
+              <a:t>2021/12/7</a:t>
             </a:fld>
             <a:endParaRPr lang="zh-CN" altLang="en-US"/>
           </a:p>
@@ -11184,7 +11186,7 @@
             <a:fld id="{FF6BCF88-83C7-4BF0-A68E-9AEAB5B8CAD6}" type="datetimeFigureOut">
               <a:rPr lang="zh-CN" altLang="en-US" smtClean="0"/>
               <a:pPr/>
-              <a:t>2021/11/10</a:t>
+              <a:t>2021/12/7</a:t>
             </a:fld>
             <a:endParaRPr lang="zh-CN" altLang="en-US"/>
           </a:p>
@@ -11469,7 +11471,7 @@
             <a:fld id="{FF6BCF88-83C7-4BF0-A68E-9AEAB5B8CAD6}" type="datetimeFigureOut">
               <a:rPr lang="zh-CN" altLang="en-US" smtClean="0"/>
               <a:pPr/>
-              <a:t>2021/11/10</a:t>
+              <a:t>2021/12/7</a:t>
             </a:fld>
             <a:endParaRPr lang="zh-CN" altLang="en-US"/>
           </a:p>
@@ -11885,7 +11887,7 @@
             <a:fld id="{79E4EA1F-EF06-4D0B-BE63-A616E0E6FACF}" type="datetime1">
               <a:rPr lang="zh-CN" altLang="en-US" smtClean="0"/>
               <a:pPr/>
-              <a:t>2021/11/10</a:t>
+              <a:t>2021/12/7</a:t>
             </a:fld>
             <a:endParaRPr lang="zh-CN" altLang="en-US"/>
           </a:p>
@@ -12304,7 +12306,7 @@
             <a:fld id="{FF6BCF88-83C7-4BF0-A68E-9AEAB5B8CAD6}" type="datetimeFigureOut">
               <a:rPr lang="zh-CN" altLang="en-US" smtClean="0"/>
               <a:pPr/>
-              <a:t>2021/11/10</a:t>
+              <a:t>2021/12/7</a:t>
             </a:fld>
             <a:endParaRPr lang="zh-CN" altLang="en-US"/>
           </a:p>
@@ -12419,7 +12421,7 @@
             <a:fld id="{FF6BCF88-83C7-4BF0-A68E-9AEAB5B8CAD6}" type="datetimeFigureOut">
               <a:rPr lang="zh-CN" altLang="en-US" smtClean="0"/>
               <a:pPr/>
-              <a:t>2021/11/10</a:t>
+              <a:t>2021/12/7</a:t>
             </a:fld>
             <a:endParaRPr lang="zh-CN" altLang="en-US"/>
           </a:p>
@@ -12511,7 +12513,7 @@
             <a:fld id="{FF6BCF88-83C7-4BF0-A68E-9AEAB5B8CAD6}" type="datetimeFigureOut">
               <a:rPr lang="zh-CN" altLang="en-US" smtClean="0"/>
               <a:pPr/>
-              <a:t>2021/11/10</a:t>
+              <a:t>2021/12/7</a:t>
             </a:fld>
             <a:endParaRPr lang="zh-CN" altLang="en-US"/>
           </a:p>
@@ -12785,7 +12787,7 @@
             <a:fld id="{FF6BCF88-83C7-4BF0-A68E-9AEAB5B8CAD6}" type="datetimeFigureOut">
               <a:rPr lang="zh-CN" altLang="en-US" smtClean="0"/>
               <a:pPr/>
-              <a:t>2021/11/10</a:t>
+              <a:t>2021/12/7</a:t>
             </a:fld>
             <a:endParaRPr lang="zh-CN" altLang="en-US"/>
           </a:p>
@@ -13035,7 +13037,7 @@
             <a:fld id="{FF6BCF88-83C7-4BF0-A68E-9AEAB5B8CAD6}" type="datetimeFigureOut">
               <a:rPr lang="zh-CN" altLang="en-US" smtClean="0"/>
               <a:pPr/>
-              <a:t>2021/11/10</a:t>
+              <a:t>2021/12/7</a:t>
             </a:fld>
             <a:endParaRPr lang="zh-CN" altLang="en-US"/>
           </a:p>
@@ -13202,7 +13204,7 @@
             <a:fld id="{FF6BCF88-83C7-4BF0-A68E-9AEAB5B8CAD6}" type="datetimeFigureOut">
               <a:rPr lang="zh-CN" altLang="en-US" smtClean="0"/>
               <a:pPr/>
-              <a:t>2021/11/10</a:t>
+              <a:t>2021/12/7</a:t>
             </a:fld>
             <a:endParaRPr lang="zh-CN" altLang="en-US"/>
           </a:p>
@@ -13379,7 +13381,7 @@
             <a:fld id="{FF6BCF88-83C7-4BF0-A68E-9AEAB5B8CAD6}" type="datetimeFigureOut">
               <a:rPr lang="zh-CN" altLang="en-US" smtClean="0"/>
               <a:pPr/>
-              <a:t>2021/11/10</a:t>
+              <a:t>2021/12/7</a:t>
             </a:fld>
             <a:endParaRPr lang="zh-CN" altLang="en-US"/>
           </a:p>
@@ -13493,7 +13495,7 @@
             <a:fld id="{69E81326-B574-4E3F-B283-C9FEDE559FD0}" type="datetime1">
               <a:rPr lang="zh-CN" altLang="en-US" smtClean="0"/>
               <a:pPr/>
-              <a:t>2021/11/10</a:t>
+              <a:t>2021/12/7</a:t>
             </a:fld>
             <a:endParaRPr lang="zh-CN" altLang="en-US"/>
           </a:p>
@@ -13585,7 +13587,7 @@
             <a:fld id="{25FEA529-A42D-4C17-BD7B-D542CC64E174}" type="datetime1">
               <a:rPr lang="zh-CN" altLang="en-US" smtClean="0"/>
               <a:pPr/>
-              <a:t>2021/11/10</a:t>
+              <a:t>2021/12/7</a:t>
             </a:fld>
             <a:endParaRPr lang="zh-CN" altLang="en-US"/>
           </a:p>
@@ -13868,7 +13870,7 @@
             <a:fld id="{975917CC-CA39-4E29-B802-BA5BC71B00BF}" type="datetime1">
               <a:rPr lang="zh-CN" altLang="en-US" smtClean="0"/>
               <a:pPr/>
-              <a:t>2021/11/10</a:t>
+              <a:t>2021/12/7</a:t>
             </a:fld>
             <a:endParaRPr lang="zh-CN" altLang="en-US"/>
           </a:p>
@@ -14117,7 +14119,7 @@
             <a:fld id="{270A3AC4-D4EE-436C-838A-790093E41B3C}" type="datetime1">
               <a:rPr lang="zh-CN" altLang="en-US" smtClean="0"/>
               <a:pPr/>
-              <a:t>2021/11/10</a:t>
+              <a:t>2021/12/7</a:t>
             </a:fld>
             <a:endParaRPr lang="zh-CN" altLang="en-US"/>
           </a:p>
@@ -14386,7 +14388,7 @@
             <a:fld id="{25FEA529-A42D-4C17-BD7B-D542CC64E174}" type="datetime1">
               <a:rPr lang="zh-CN" altLang="en-US" smtClean="0"/>
               <a:pPr/>
-              <a:t>2021/11/10</a:t>
+              <a:t>2021/12/7</a:t>
             </a:fld>
             <a:endParaRPr lang="zh-CN" altLang="en-US"/>
           </a:p>
@@ -14897,7 +14899,7 @@
             <a:fld id="{737543FE-E9BA-4C3B-9F03-25CBC2CBA5BD}" type="datetime1">
               <a:rPr lang="zh-CN" altLang="en-US" smtClean="0"/>
               <a:pPr/>
-              <a:t>2021/11/10</a:t>
+              <a:t>2021/12/7</a:t>
             </a:fld>
             <a:endParaRPr lang="zh-CN" altLang="en-US"/>
           </a:p>
@@ -15435,7 +15437,7 @@
             <a:fld id="{D06EC34F-5E06-42F3-919E-53F272063005}" type="datetimeFigureOut">
               <a:rPr lang="zh-CN" altLang="en-US" smtClean="0"/>
               <a:pPr/>
-              <a:t>2021/11/10</a:t>
+              <a:t>2021/12/7</a:t>
             </a:fld>
             <a:endParaRPr lang="zh-CN" altLang="en-US"/>
           </a:p>
@@ -15979,7 +15981,7 @@
             <a:fld id="{12F59B4C-8E8A-44CA-A1B9-D920E54309A6}" type="datetimeFigureOut">
               <a:rPr lang="zh-CN" altLang="en-US" smtClean="0"/>
               <a:pPr/>
-              <a:t>2021/11/10</a:t>
+              <a:t>2021/12/7</a:t>
             </a:fld>
             <a:endParaRPr lang="zh-CN" altLang="en-US"/>
           </a:p>
@@ -16523,7 +16525,7 @@
             <a:fld id="{FF6BCF88-83C7-4BF0-A68E-9AEAB5B8CAD6}" type="datetimeFigureOut">
               <a:rPr lang="zh-CN" altLang="en-US" smtClean="0"/>
               <a:pPr/>
-              <a:t>2021/11/10</a:t>
+              <a:t>2021/12/7</a:t>
             </a:fld>
             <a:endParaRPr lang="zh-CN" altLang="en-US"/>
           </a:p>
@@ -17082,7 +17084,7 @@
         </p:nvSpPr>
         <p:spPr>
           <a:xfrm>
-            <a:off x="-540568" y="1720047"/>
+            <a:off x="-396552" y="1739138"/>
             <a:ext cx="6012160" cy="1192652"/>
           </a:xfrm>
           <a:prstGeom prst="rect">
@@ -17111,16 +17113,22 @@
           </a:lstStyle>
           <a:p>
             <a:r>
-              <a:rPr lang="en-US" altLang="zh-CN" sz="4800" dirty="0" smtClean="0">
-                <a:ea typeface="黑体" pitchFamily="49" charset="-122"/>
-              </a:rPr>
-              <a:t>XXX</a:t>
-            </a:r>
-            <a:r>
               <a:rPr lang="zh-CN" altLang="en-US" sz="4800" dirty="0" smtClean="0">
                 <a:ea typeface="黑体" pitchFamily="49" charset="-122"/>
               </a:rPr>
-              <a:t>转正答辩报告</a:t>
+              <a:t>毛浪</a:t>
+            </a:r>
+            <a:r>
+              <a:rPr lang="zh-CN" altLang="en-US" sz="4800" dirty="0" smtClean="0">
+                <a:ea typeface="黑体" pitchFamily="49" charset="-122"/>
+              </a:rPr>
+              <a:t>转正</a:t>
+            </a:r>
+            <a:r>
+              <a:rPr lang="zh-CN" altLang="en-US" sz="4800" dirty="0" smtClean="0">
+                <a:ea typeface="黑体" pitchFamily="49" charset="-122"/>
+              </a:rPr>
+              <a:t>答辩报告</a:t>
             </a:r>
             <a:endParaRPr lang="en-US" sz="4800" dirty="0" smtClean="0">
               <a:ea typeface="黑体" pitchFamily="49" charset="-122"/>
@@ -17212,8 +17220,8 @@
         </p:nvSpPr>
         <p:spPr>
           <a:xfrm>
-            <a:off x="6136579" y="3147814"/>
-            <a:ext cx="2971800" cy="1600200"/>
+            <a:off x="5940152" y="3147814"/>
+            <a:ext cx="3119852" cy="1600200"/>
           </a:xfrm>
           <a:prstGeom prst="rect">
             <a:avLst/>
@@ -17371,13 +17379,31 @@
               <a:rPr lang="zh-CN" altLang="en-US" sz="2000" b="1" dirty="0" smtClean="0">
                 <a:latin typeface="宋体" charset="-122"/>
               </a:rPr>
-              <a:t>部门：</a:t>
-            </a:r>
-            <a:r>
-              <a:rPr lang="en-US" altLang="zh-CN" sz="2000" b="1" dirty="0" smtClean="0">
+              <a:t>部门</a:t>
+            </a:r>
+            <a:r>
+              <a:rPr lang="zh-CN" altLang="en-US" sz="2000" b="1" dirty="0" smtClean="0">
                 <a:latin typeface="宋体" charset="-122"/>
               </a:rPr>
-              <a:t>XXX</a:t>
+              <a:t>：</a:t>
+            </a:r>
+            <a:r>
+              <a:rPr lang="zh-CN" altLang="en-US" sz="2000" b="1" dirty="0">
+                <a:latin typeface="宋体" charset="-122"/>
+              </a:rPr>
+              <a:t>信息</a:t>
+            </a:r>
+            <a:r>
+              <a:rPr lang="zh-CN" altLang="en-US" sz="2000" b="1" dirty="0" smtClean="0">
+                <a:latin typeface="宋体" charset="-122"/>
+              </a:rPr>
+              <a:t>能力</a:t>
+            </a:r>
+            <a:r>
+              <a:rPr lang="zh-CN" altLang="en-US" sz="2000" b="1" dirty="0">
+                <a:latin typeface="宋体" charset="-122"/>
+              </a:rPr>
+              <a:t>中心</a:t>
             </a:r>
             <a:endParaRPr lang="zh-CN" altLang="en-US" sz="2000" dirty="0" smtClean="0">
               <a:latin typeface="宋体" charset="-122"/>
@@ -17402,8 +17428,17 @@
               <a:rPr lang="en-US" altLang="zh-CN" sz="2000" b="1" dirty="0" smtClean="0">
                 <a:latin typeface="宋体" charset="-122"/>
               </a:rPr>
-              <a:t> XXX</a:t>
-            </a:r>
+              <a:t> </a:t>
+            </a:r>
+            <a:r>
+              <a:rPr lang="zh-CN" altLang="en-US" sz="2000" b="1" dirty="0" smtClean="0">
+                <a:latin typeface="宋体" charset="-122"/>
+              </a:rPr>
+              <a:t>毛浪</a:t>
+            </a:r>
+            <a:endParaRPr lang="en-US" altLang="zh-CN" sz="2000" b="1" dirty="0" smtClean="0">
+              <a:latin typeface="宋体" charset="-122"/>
+            </a:endParaRPr>
           </a:p>
           <a:p>
             <a:pPr>
@@ -17436,7 +17471,7 @@
               <a:rPr lang="en-US" altLang="zh-CN" sz="2000" b="1" dirty="0" smtClean="0">
                 <a:latin typeface="宋体" charset="-122"/>
               </a:rPr>
-              <a:t>X</a:t>
+              <a:t>12</a:t>
             </a:r>
             <a:r>
               <a:rPr lang="zh-CN" altLang="en-US" sz="2000" b="1" dirty="0" smtClean="0">
@@ -17448,7 +17483,7 @@
               <a:rPr lang="en-US" altLang="zh-CN" sz="2000" b="1" dirty="0" smtClean="0">
                 <a:latin typeface="宋体" charset="-122"/>
               </a:rPr>
-              <a:t>X</a:t>
+              <a:t>14</a:t>
             </a:r>
             <a:r>
               <a:rPr lang="zh-CN" altLang="en-US" sz="2000" b="1" dirty="0" smtClean="0">
@@ -17456,6 +17491,9 @@
               </a:rPr>
               <a:t>日</a:t>
             </a:r>
+            <a:endParaRPr lang="zh-CN" altLang="en-US" sz="2000" b="1" dirty="0" smtClean="0">
+              <a:latin typeface="宋体" charset="-122"/>
+            </a:endParaRPr>
           </a:p>
         </p:txBody>
       </p:sp>
@@ -18008,7 +18046,7 @@
                 <a:ea typeface="微软雅黑" panose="020B0503020204020204" pitchFamily="34" charset="-122"/>
                 <a:cs typeface="+mn-cs"/>
               </a:rPr>
-              <a:t>4</a:t>
+              <a:t>3</a:t>
             </a:r>
             <a:endParaRPr kumimoji="0" lang="zh-CN" altLang="en-US" sz="8795" b="0" i="0" u="none" strike="noStrike" kern="1200" cap="none" spc="0" normalizeH="0" baseline="0" noProof="0" dirty="0">
               <a:ln>
@@ -18249,6 +18287,1156 @@
         </p:nvSpPr>
         <p:spPr bwMode="auto">
           <a:xfrm>
+            <a:off x="3131840" y="2503701"/>
+            <a:ext cx="2651929" cy="500097"/>
+          </a:xfrm>
+          <a:prstGeom prst="rect">
+            <a:avLst/>
+          </a:prstGeom>
+          <a:noFill/>
+          <a:ln>
+            <a:noFill/>
+          </a:ln>
+          <a:extLst>
+            <a:ext uri="{909E8E84-426E-40DD-AFC4-6F175D3DCCD1}">
+              <a14:hiddenFill xmlns:a14="http://schemas.microsoft.com/office/drawing/2010/main">
+                <a:solidFill>
+                  <a:srgbClr val="FFFFFF"/>
+                </a:solidFill>
+              </a14:hiddenFill>
+            </a:ext>
+            <a:ext uri="{91240B29-F687-4F45-9708-019B960494DF}">
+              <a14:hiddenLine xmlns:a14="http://schemas.microsoft.com/office/drawing/2010/main" w="9525">
+                <a:solidFill>
+                  <a:srgbClr val="000000"/>
+                </a:solidFill>
+                <a:miter lim="800000"/>
+                <a:headEnd/>
+                <a:tailEnd/>
+              </a14:hiddenLine>
+            </a:ext>
+          </a:extLst>
+        </p:spPr>
+        <p:txBody>
+          <a:bodyPr wrap="none" lIns="68541" tIns="34270" rIns="68541" bIns="34270">
+            <a:spAutoFit/>
+          </a:bodyPr>
+          <a:lstStyle>
+            <a:lvl1pPr eaLnBrk="0" hangingPunct="0">
+              <a:defRPr>
+                <a:solidFill>
+                  <a:schemeClr val="tx1"/>
+                </a:solidFill>
+                <a:latin typeface="Arial" panose="020B0604020202020204" pitchFamily="34" charset="0"/>
+                <a:ea typeface="宋体" panose="02010600030101010101" pitchFamily="2" charset="-122"/>
+              </a:defRPr>
+            </a:lvl1pPr>
+            <a:lvl2pPr marL="742950" indent="-285750" eaLnBrk="0" hangingPunct="0">
+              <a:defRPr>
+                <a:solidFill>
+                  <a:schemeClr val="tx1"/>
+                </a:solidFill>
+                <a:latin typeface="Arial" panose="020B0604020202020204" pitchFamily="34" charset="0"/>
+                <a:ea typeface="宋体" panose="02010600030101010101" pitchFamily="2" charset="-122"/>
+              </a:defRPr>
+            </a:lvl2pPr>
+            <a:lvl3pPr marL="1143000" indent="-228600" eaLnBrk="0" hangingPunct="0">
+              <a:defRPr>
+                <a:solidFill>
+                  <a:schemeClr val="tx1"/>
+                </a:solidFill>
+                <a:latin typeface="Arial" panose="020B0604020202020204" pitchFamily="34" charset="0"/>
+                <a:ea typeface="宋体" panose="02010600030101010101" pitchFamily="2" charset="-122"/>
+              </a:defRPr>
+            </a:lvl3pPr>
+            <a:lvl4pPr marL="1600200" indent="-228600" eaLnBrk="0" hangingPunct="0">
+              <a:defRPr>
+                <a:solidFill>
+                  <a:schemeClr val="tx1"/>
+                </a:solidFill>
+                <a:latin typeface="Arial" panose="020B0604020202020204" pitchFamily="34" charset="0"/>
+                <a:ea typeface="宋体" panose="02010600030101010101" pitchFamily="2" charset="-122"/>
+              </a:defRPr>
+            </a:lvl4pPr>
+            <a:lvl5pPr marL="2057400" indent="-228600" eaLnBrk="0" hangingPunct="0">
+              <a:defRPr>
+                <a:solidFill>
+                  <a:schemeClr val="tx1"/>
+                </a:solidFill>
+                <a:latin typeface="Arial" panose="020B0604020202020204" pitchFamily="34" charset="0"/>
+                <a:ea typeface="宋体" panose="02010600030101010101" pitchFamily="2" charset="-122"/>
+              </a:defRPr>
+            </a:lvl5pPr>
+            <a:lvl6pPr marL="2514600" indent="-228600" eaLnBrk="0" fontAlgn="base" hangingPunct="0">
+              <a:spcBef>
+                <a:spcPct val="0"/>
+              </a:spcBef>
+              <a:spcAft>
+                <a:spcPct val="0"/>
+              </a:spcAft>
+              <a:buFont typeface="Arial" panose="020B0604020202020204" pitchFamily="34" charset="0"/>
+              <a:defRPr>
+                <a:solidFill>
+                  <a:schemeClr val="tx1"/>
+                </a:solidFill>
+                <a:latin typeface="Arial" panose="020B0604020202020204" pitchFamily="34" charset="0"/>
+                <a:ea typeface="宋体" panose="02010600030101010101" pitchFamily="2" charset="-122"/>
+              </a:defRPr>
+            </a:lvl6pPr>
+            <a:lvl7pPr marL="2971800" indent="-228600" eaLnBrk="0" fontAlgn="base" hangingPunct="0">
+              <a:spcBef>
+                <a:spcPct val="0"/>
+              </a:spcBef>
+              <a:spcAft>
+                <a:spcPct val="0"/>
+              </a:spcAft>
+              <a:buFont typeface="Arial" panose="020B0604020202020204" pitchFamily="34" charset="0"/>
+              <a:defRPr>
+                <a:solidFill>
+                  <a:schemeClr val="tx1"/>
+                </a:solidFill>
+                <a:latin typeface="Arial" panose="020B0604020202020204" pitchFamily="34" charset="0"/>
+                <a:ea typeface="宋体" panose="02010600030101010101" pitchFamily="2" charset="-122"/>
+              </a:defRPr>
+            </a:lvl7pPr>
+            <a:lvl8pPr marL="3429000" indent="-228600" eaLnBrk="0" fontAlgn="base" hangingPunct="0">
+              <a:spcBef>
+                <a:spcPct val="0"/>
+              </a:spcBef>
+              <a:spcAft>
+                <a:spcPct val="0"/>
+              </a:spcAft>
+              <a:buFont typeface="Arial" panose="020B0604020202020204" pitchFamily="34" charset="0"/>
+              <a:defRPr>
+                <a:solidFill>
+                  <a:schemeClr val="tx1"/>
+                </a:solidFill>
+                <a:latin typeface="Arial" panose="020B0604020202020204" pitchFamily="34" charset="0"/>
+                <a:ea typeface="宋体" panose="02010600030101010101" pitchFamily="2" charset="-122"/>
+              </a:defRPr>
+            </a:lvl8pPr>
+            <a:lvl9pPr marL="3886200" indent="-228600" eaLnBrk="0" fontAlgn="base" hangingPunct="0">
+              <a:spcBef>
+                <a:spcPct val="0"/>
+              </a:spcBef>
+              <a:spcAft>
+                <a:spcPct val="0"/>
+              </a:spcAft>
+              <a:buFont typeface="Arial" panose="020B0604020202020204" pitchFamily="34" charset="0"/>
+              <a:defRPr>
+                <a:solidFill>
+                  <a:schemeClr val="tx1"/>
+                </a:solidFill>
+                <a:latin typeface="Arial" panose="020B0604020202020204" pitchFamily="34" charset="0"/>
+                <a:ea typeface="宋体" panose="02010600030101010101" pitchFamily="2" charset="-122"/>
+              </a:defRPr>
+            </a:lvl9pPr>
+          </a:lstStyle>
+          <a:p>
+            <a:pPr lvl="0"/>
+            <a:r>
+              <a:rPr kumimoji="0" lang="zh-CN" altLang="en-US" sz="2800" b="1" i="0" u="none" strike="noStrike" kern="1200" cap="none" spc="0" normalizeH="0" baseline="0" noProof="0" dirty="0" smtClean="0">
+                <a:ln>
+                  <a:noFill/>
+                </a:ln>
+                <a:solidFill>
+                  <a:srgbClr val="F18200"/>
+                </a:solidFill>
+                <a:effectLst/>
+                <a:uLnTx/>
+                <a:uFillTx/>
+                <a:latin typeface="微软雅黑" panose="020B0503020204020204" pitchFamily="34" charset="-122"/>
+                <a:ea typeface="微软雅黑" panose="020B0503020204020204" pitchFamily="34" charset="-122"/>
+              </a:rPr>
+              <a:t>个人优势与不足</a:t>
+            </a:r>
+            <a:endParaRPr kumimoji="0" lang="zh-CN" altLang="en-US" sz="2800" b="1" i="0" u="none" strike="noStrike" kern="1200" cap="none" spc="0" normalizeH="0" baseline="0" noProof="0" dirty="0">
+              <a:ln>
+                <a:noFill/>
+              </a:ln>
+              <a:solidFill>
+                <a:srgbClr val="F18200"/>
+              </a:solidFill>
+              <a:effectLst/>
+              <a:uLnTx/>
+              <a:uFillTx/>
+              <a:latin typeface="微软雅黑" panose="020B0503020204020204" pitchFamily="34" charset="-122"/>
+              <a:ea typeface="微软雅黑" panose="020B0503020204020204" pitchFamily="34" charset="-122"/>
+            </a:endParaRPr>
+          </a:p>
+        </p:txBody>
+      </p:sp>
+    </p:spTree>
+    <p:extLst>
+      <p:ext uri="{BB962C8B-B14F-4D97-AF65-F5344CB8AC3E}">
+        <p14:creationId xmlns:p14="http://schemas.microsoft.com/office/powerpoint/2010/main" val="1251391493"/>
+      </p:ext>
+    </p:extLst>
+  </p:cSld>
+  <p:clrMapOvr>
+    <a:masterClrMapping/>
+  </p:clrMapOvr>
+  <p:timing>
+    <p:tnLst>
+      <p:par>
+        <p:cTn id="1" dur="indefinite" restart="never" nodeType="tmRoot"/>
+      </p:par>
+    </p:tnLst>
+  </p:timing>
+</p:sld>
+</file>
+
+<file path=ppt/slides/slide11.xml><?xml version="1.0" encoding="utf-8"?>
+<p:sld xmlns:a="http://schemas.openxmlformats.org/drawingml/2006/main" xmlns:r="http://schemas.openxmlformats.org/officeDocument/2006/relationships" xmlns:p="http://schemas.openxmlformats.org/presentationml/2006/main">
+  <p:cSld>
+    <p:spTree>
+      <p:nvGrpSpPr>
+        <p:cNvPr id="1" name=""/>
+        <p:cNvGrpSpPr/>
+        <p:nvPr/>
+      </p:nvGrpSpPr>
+      <p:grpSpPr>
+        <a:xfrm>
+          <a:off x="0" y="0"/>
+          <a:ext cx="0" cy="0"/>
+          <a:chOff x="0" y="0"/>
+          <a:chExt cx="0" cy="0"/>
+        </a:xfrm>
+      </p:grpSpPr>
+      <p:sp>
+        <p:nvSpPr>
+          <p:cNvPr id="109" name="标题 1"/>
+          <p:cNvSpPr txBox="1"/>
+          <p:nvPr/>
+        </p:nvSpPr>
+        <p:spPr>
+          <a:xfrm>
+            <a:off x="1169934" y="70892"/>
+            <a:ext cx="3434751" cy="628650"/>
+          </a:xfrm>
+          <a:prstGeom prst="rect">
+            <a:avLst/>
+          </a:prstGeom>
+        </p:spPr>
+        <p:txBody>
+          <a:bodyPr vert="horz" lIns="91440" tIns="45720" rIns="91440" bIns="45720" rtlCol="0" anchor="ctr">
+            <a:normAutofit/>
+          </a:bodyPr>
+          <a:lstStyle>
+            <a:lvl1pPr algn="ctr" defTabSz="914400" rtl="0" eaLnBrk="1" latinLnBrk="0" hangingPunct="1">
+              <a:spcBef>
+                <a:spcPct val="0"/>
+              </a:spcBef>
+              <a:buNone/>
+              <a:defRPr sz="4400" kern="1200">
+                <a:solidFill>
+                  <a:schemeClr val="tx1"/>
+                </a:solidFill>
+                <a:latin typeface="+mj-lt"/>
+                <a:ea typeface="+mj-ea"/>
+                <a:cs typeface="+mj-cs"/>
+              </a:defRPr>
+            </a:lvl1pPr>
+          </a:lstStyle>
+          <a:p>
+            <a:pPr algn="l">
+              <a:defRPr/>
+            </a:pPr>
+            <a:r>
+              <a:rPr lang="zh-CN" altLang="en-US" sz="2400" b="1" dirty="0" smtClean="0">
+                <a:solidFill>
+                  <a:srgbClr val="0070C0"/>
+                </a:solidFill>
+                <a:latin typeface="微软雅黑" panose="020B0503020204020204" pitchFamily="34" charset="-122"/>
+                <a:ea typeface="微软雅黑" panose="020B0503020204020204" pitchFamily="34" charset="-122"/>
+              </a:rPr>
+              <a:t>个人优势与不足</a:t>
+            </a:r>
+            <a:endParaRPr lang="zh-CN" altLang="en-US" sz="2400" b="1" dirty="0">
+              <a:solidFill>
+                <a:srgbClr val="0070C0"/>
+              </a:solidFill>
+              <a:latin typeface="微软雅黑" panose="020B0503020204020204" pitchFamily="34" charset="-122"/>
+              <a:ea typeface="微软雅黑" panose="020B0503020204020204" pitchFamily="34" charset="-122"/>
+            </a:endParaRPr>
+          </a:p>
+        </p:txBody>
+      </p:sp>
+      <p:grpSp>
+        <p:nvGrpSpPr>
+          <p:cNvPr id="114" name="组合 113"/>
+          <p:cNvGrpSpPr/>
+          <p:nvPr/>
+        </p:nvGrpSpPr>
+        <p:grpSpPr>
+          <a:xfrm>
+            <a:off x="486664" y="127308"/>
+            <a:ext cx="528000" cy="528000"/>
+            <a:chOff x="406574" y="236732"/>
+            <a:chExt cx="612048" cy="593261"/>
+          </a:xfrm>
+          <a:effectLst/>
+        </p:grpSpPr>
+        <p:sp>
+          <p:nvSpPr>
+            <p:cNvPr id="115" name="矩形 114"/>
+            <p:cNvSpPr/>
+            <p:nvPr/>
+          </p:nvSpPr>
+          <p:spPr>
+            <a:xfrm>
+              <a:off x="406574" y="236732"/>
+              <a:ext cx="504000" cy="504000"/>
+            </a:xfrm>
+            <a:prstGeom prst="rect">
+              <a:avLst/>
+            </a:prstGeom>
+            <a:noFill/>
+            <a:ln w="28575">
+              <a:solidFill>
+                <a:srgbClr val="0180CD"/>
+              </a:solidFill>
+            </a:ln>
+          </p:spPr>
+          <p:style>
+            <a:lnRef idx="2">
+              <a:schemeClr val="accent1">
+                <a:shade val="50000"/>
+              </a:schemeClr>
+            </a:lnRef>
+            <a:fillRef idx="1">
+              <a:schemeClr val="accent1"/>
+            </a:fillRef>
+            <a:effectRef idx="0">
+              <a:schemeClr val="accent1"/>
+            </a:effectRef>
+            <a:fontRef idx="minor">
+              <a:schemeClr val="lt1"/>
+            </a:fontRef>
+          </p:style>
+          <p:txBody>
+            <a:bodyPr rtlCol="0" anchor="ctr"/>
+            <a:lstStyle/>
+            <a:p>
+              <a:pPr algn="ctr"/>
+              <a:endParaRPr lang="zh-CN" altLang="en-US" sz="2400">
+                <a:solidFill>
+                  <a:prstClr val="white"/>
+                </a:solidFill>
+              </a:endParaRPr>
+            </a:p>
+          </p:txBody>
+        </p:sp>
+        <p:sp>
+          <p:nvSpPr>
+            <p:cNvPr id="121" name="矩形 120"/>
+            <p:cNvSpPr/>
+            <p:nvPr/>
+          </p:nvSpPr>
+          <p:spPr>
+            <a:xfrm>
+              <a:off x="694606" y="512239"/>
+              <a:ext cx="324016" cy="317754"/>
+            </a:xfrm>
+            <a:prstGeom prst="rect">
+              <a:avLst/>
+            </a:prstGeom>
+            <a:solidFill>
+              <a:schemeClr val="bg1"/>
+            </a:solidFill>
+            <a:ln>
+              <a:noFill/>
+            </a:ln>
+            <a:effectLst>
+              <a:outerShdw blurRad="50800" dist="38100" dir="2700000" algn="tl" rotWithShape="0">
+                <a:prstClr val="black">
+                  <a:alpha val="40000"/>
+                </a:prstClr>
+              </a:outerShdw>
+            </a:effectLst>
+          </p:spPr>
+          <p:style>
+            <a:lnRef idx="2">
+              <a:schemeClr val="accent1">
+                <a:shade val="50000"/>
+              </a:schemeClr>
+            </a:lnRef>
+            <a:fillRef idx="1">
+              <a:schemeClr val="accent1"/>
+            </a:fillRef>
+            <a:effectRef idx="0">
+              <a:schemeClr val="accent1"/>
+            </a:effectRef>
+            <a:fontRef idx="minor">
+              <a:schemeClr val="lt1"/>
+            </a:fontRef>
+          </p:style>
+          <p:txBody>
+            <a:bodyPr rtlCol="0" anchor="ctr"/>
+            <a:lstStyle/>
+            <a:p>
+              <a:pPr algn="ctr"/>
+              <a:endParaRPr lang="zh-CN" altLang="en-US" sz="2400" dirty="0">
+                <a:solidFill>
+                  <a:prstClr val="white"/>
+                </a:solidFill>
+              </a:endParaRPr>
+            </a:p>
+          </p:txBody>
+        </p:sp>
+      </p:grpSp>
+      <p:sp>
+        <p:nvSpPr>
+          <p:cNvPr id="64" name="矩形 2"/>
+          <p:cNvSpPr>
+            <a:spLocks noChangeArrowheads="1"/>
+          </p:cNvSpPr>
+          <p:nvPr/>
+        </p:nvSpPr>
+        <p:spPr bwMode="auto">
+          <a:xfrm>
+            <a:off x="2667000" y="1995686"/>
+            <a:ext cx="3416320" cy="1323439"/>
+          </a:xfrm>
+          <a:prstGeom prst="rect">
+            <a:avLst/>
+          </a:prstGeom>
+          <a:noFill/>
+          <a:ln>
+            <a:noFill/>
+          </a:ln>
+          <a:extLst>
+            <a:ext uri="{909E8E84-426E-40DD-AFC4-6F175D3DCCD1}">
+              <a14:hiddenFill xmlns:a14="http://schemas.microsoft.com/office/drawing/2010/main">
+                <a:solidFill>
+                  <a:srgbClr val="FFFFFF"/>
+                </a:solidFill>
+              </a14:hiddenFill>
+            </a:ext>
+            <a:ext uri="{91240B29-F687-4F45-9708-019B960494DF}">
+              <a14:hiddenLine xmlns:a14="http://schemas.microsoft.com/office/drawing/2010/main" w="9525">
+                <a:solidFill>
+                  <a:srgbClr val="000000"/>
+                </a:solidFill>
+                <a:miter lim="800000"/>
+                <a:headEnd/>
+                <a:tailEnd/>
+              </a14:hiddenLine>
+            </a:ext>
+          </a:extLst>
+        </p:spPr>
+        <p:txBody>
+          <a:bodyPr wrap="none">
+            <a:spAutoFit/>
+          </a:bodyPr>
+          <a:lstStyle/>
+          <a:p>
+            <a:r>
+              <a:rPr lang="zh-CN" altLang="en-US" sz="2800" dirty="0">
+                <a:solidFill>
+                  <a:srgbClr val="FF0000"/>
+                </a:solidFill>
+                <a:latin typeface="黑体" pitchFamily="2" charset="-122"/>
+                <a:ea typeface="黑体" pitchFamily="2" charset="-122"/>
+                <a:cs typeface="经典行书简" pitchFamily="49" charset="-122"/>
+              </a:rPr>
+              <a:t>客观地进行自我</a:t>
+            </a:r>
+            <a:r>
+              <a:rPr lang="zh-CN" altLang="en-US" sz="2800" dirty="0" smtClean="0">
+                <a:solidFill>
+                  <a:srgbClr val="FF0000"/>
+                </a:solidFill>
+                <a:latin typeface="黑体" pitchFamily="2" charset="-122"/>
+                <a:ea typeface="黑体" pitchFamily="2" charset="-122"/>
+                <a:cs typeface="经典行书简" pitchFamily="49" charset="-122"/>
+              </a:rPr>
+              <a:t>评价</a:t>
+            </a:r>
+            <a:endParaRPr lang="en-US" altLang="zh-CN" sz="2800" dirty="0" smtClean="0">
+              <a:solidFill>
+                <a:srgbClr val="FF0000"/>
+              </a:solidFill>
+              <a:latin typeface="黑体" pitchFamily="2" charset="-122"/>
+              <a:ea typeface="黑体" pitchFamily="2" charset="-122"/>
+              <a:cs typeface="经典行书简" pitchFamily="49" charset="-122"/>
+            </a:endParaRPr>
+          </a:p>
+          <a:p>
+            <a:endParaRPr lang="en-US" altLang="zh-CN" sz="2800" dirty="0">
+              <a:solidFill>
+                <a:srgbClr val="FF0000"/>
+              </a:solidFill>
+              <a:latin typeface="黑体" pitchFamily="2" charset="-122"/>
+              <a:ea typeface="黑体" pitchFamily="2" charset="-122"/>
+              <a:cs typeface="经典行书简" pitchFamily="49" charset="-122"/>
+            </a:endParaRPr>
+          </a:p>
+          <a:p>
+            <a:r>
+              <a:rPr lang="zh-CN" altLang="en-US" sz="2400" dirty="0" smtClean="0">
+                <a:solidFill>
+                  <a:srgbClr val="FF0000"/>
+                </a:solidFill>
+                <a:latin typeface="黑体" pitchFamily="2" charset="-122"/>
+                <a:ea typeface="黑体" pitchFamily="2" charset="-122"/>
+                <a:cs typeface="经典行书简" pitchFamily="49" charset="-122"/>
+              </a:rPr>
+              <a:t>参考工具：</a:t>
+            </a:r>
+            <a:r>
+              <a:rPr lang="en-US" altLang="zh-CN" sz="2400" dirty="0" smtClean="0">
+                <a:solidFill>
+                  <a:srgbClr val="FF0000"/>
+                </a:solidFill>
+                <a:latin typeface="黑体" pitchFamily="2" charset="-122"/>
+                <a:ea typeface="黑体" pitchFamily="2" charset="-122"/>
+                <a:cs typeface="经典行书简" pitchFamily="49" charset="-122"/>
+              </a:rPr>
+              <a:t>SWOT</a:t>
+            </a:r>
+            <a:r>
+              <a:rPr lang="zh-CN" altLang="en-US" sz="2400" dirty="0" smtClean="0">
+                <a:solidFill>
+                  <a:srgbClr val="FF0000"/>
+                </a:solidFill>
+                <a:latin typeface="黑体" pitchFamily="2" charset="-122"/>
+                <a:ea typeface="黑体" pitchFamily="2" charset="-122"/>
+                <a:cs typeface="经典行书简" pitchFamily="49" charset="-122"/>
+              </a:rPr>
+              <a:t>分析</a:t>
+            </a:r>
+            <a:endParaRPr lang="zh-CN" altLang="en-US" sz="2400" dirty="0">
+              <a:solidFill>
+                <a:srgbClr val="FF0000"/>
+              </a:solidFill>
+              <a:latin typeface="黑体" pitchFamily="2" charset="-122"/>
+              <a:ea typeface="黑体" pitchFamily="2" charset="-122"/>
+              <a:cs typeface="经典行书简" pitchFamily="49" charset="-122"/>
+            </a:endParaRPr>
+          </a:p>
+        </p:txBody>
+      </p:sp>
+    </p:spTree>
+    <p:extLst>
+      <p:ext uri="{BB962C8B-B14F-4D97-AF65-F5344CB8AC3E}">
+        <p14:creationId xmlns:p14="http://schemas.microsoft.com/office/powerpoint/2010/main" val="3083421"/>
+      </p:ext>
+    </p:extLst>
+  </p:cSld>
+  <p:clrMapOvr>
+    <a:masterClrMapping/>
+  </p:clrMapOvr>
+  <p:timing>
+    <p:tnLst>
+      <p:par>
+        <p:cTn id="1" dur="indefinite" restart="never" nodeType="tmRoot"/>
+      </p:par>
+    </p:tnLst>
+  </p:timing>
+</p:sld>
+</file>
+
+<file path=ppt/slides/slide12.xml><?xml version="1.0" encoding="utf-8"?>
+<p:sld xmlns:a="http://schemas.openxmlformats.org/drawingml/2006/main" xmlns:r="http://schemas.openxmlformats.org/officeDocument/2006/relationships" xmlns:p="http://schemas.openxmlformats.org/presentationml/2006/main">
+  <p:cSld>
+    <p:spTree>
+      <p:nvGrpSpPr>
+        <p:cNvPr id="1" name=""/>
+        <p:cNvGrpSpPr/>
+        <p:nvPr/>
+      </p:nvGrpSpPr>
+      <p:grpSpPr>
+        <a:xfrm>
+          <a:off x="0" y="0"/>
+          <a:ext cx="0" cy="0"/>
+          <a:chOff x="0" y="0"/>
+          <a:chExt cx="0" cy="0"/>
+        </a:xfrm>
+      </p:grpSpPr>
+      <p:pic>
+        <p:nvPicPr>
+          <p:cNvPr id="3" name="图片 2" descr="图片1231121"/>
+          <p:cNvPicPr>
+            <a:picLocks noChangeAspect="1"/>
+          </p:cNvPicPr>
+          <p:nvPr/>
+        </p:nvPicPr>
+        <p:blipFill>
+          <a:blip r:embed="rId3"/>
+          <a:stretch>
+            <a:fillRect/>
+          </a:stretch>
+        </p:blipFill>
+        <p:spPr>
+          <a:xfrm>
+            <a:off x="5330550" y="2233930"/>
+            <a:ext cx="3551815" cy="2138400"/>
+          </a:xfrm>
+          <a:prstGeom prst="rect">
+            <a:avLst/>
+          </a:prstGeom>
+        </p:spPr>
+      </p:pic>
+      <p:sp>
+        <p:nvSpPr>
+          <p:cNvPr id="5" name="任意多边形: 形状 4"/>
+          <p:cNvSpPr/>
+          <p:nvPr/>
+        </p:nvSpPr>
+        <p:spPr>
+          <a:xfrm flipH="1" flipV="1">
+            <a:off x="-28800" y="828589"/>
+            <a:ext cx="4098786" cy="2043589"/>
+          </a:xfrm>
+          <a:custGeom>
+            <a:avLst/>
+            <a:gdLst>
+              <a:gd name="connsiteX0" fmla="*/ 6312310 w 6312310"/>
+              <a:gd name="connsiteY0" fmla="*/ 0 h 2625213"/>
+              <a:gd name="connsiteX1" fmla="*/ 1553497 w 6312310"/>
+              <a:gd name="connsiteY1" fmla="*/ 19665 h 2625213"/>
+              <a:gd name="connsiteX2" fmla="*/ 0 w 6312310"/>
+              <a:gd name="connsiteY2" fmla="*/ 2625213 h 2625213"/>
+              <a:gd name="connsiteX3" fmla="*/ 6312310 w 6312310"/>
+              <a:gd name="connsiteY3" fmla="*/ 2625213 h 2625213"/>
+              <a:gd name="connsiteX4" fmla="*/ 6312310 w 6312310"/>
+              <a:gd name="connsiteY4" fmla="*/ 0 h 2625213"/>
+            </a:gdLst>
+            <a:ahLst/>
+            <a:cxnLst>
+              <a:cxn ang="0">
+                <a:pos x="connsiteX0" y="connsiteY0"/>
+              </a:cxn>
+              <a:cxn ang="0">
+                <a:pos x="connsiteX1" y="connsiteY1"/>
+              </a:cxn>
+              <a:cxn ang="0">
+                <a:pos x="connsiteX2" y="connsiteY2"/>
+              </a:cxn>
+              <a:cxn ang="0">
+                <a:pos x="connsiteX3" y="connsiteY3"/>
+              </a:cxn>
+              <a:cxn ang="0">
+                <a:pos x="connsiteX4" y="connsiteY4"/>
+              </a:cxn>
+            </a:cxnLst>
+            <a:rect l="l" t="t" r="r" b="b"/>
+            <a:pathLst>
+              <a:path w="6312310" h="2625213">
+                <a:moveTo>
+                  <a:pt x="6312310" y="0"/>
+                </a:moveTo>
+                <a:lnTo>
+                  <a:pt x="1553497" y="19665"/>
+                </a:lnTo>
+                <a:lnTo>
+                  <a:pt x="0" y="2625213"/>
+                </a:lnTo>
+                <a:lnTo>
+                  <a:pt x="6312310" y="2625213"/>
+                </a:lnTo>
+                <a:lnTo>
+                  <a:pt x="6312310" y="0"/>
+                </a:lnTo>
+                <a:close/>
+              </a:path>
+            </a:pathLst>
+          </a:custGeom>
+          <a:solidFill>
+            <a:srgbClr val="0180CD"/>
+          </a:solidFill>
+          <a:ln>
+            <a:noFill/>
+          </a:ln>
+        </p:spPr>
+        <p:style>
+          <a:lnRef idx="2">
+            <a:schemeClr val="accent1">
+              <a:shade val="50000"/>
+            </a:schemeClr>
+          </a:lnRef>
+          <a:fillRef idx="1">
+            <a:schemeClr val="accent1"/>
+          </a:fillRef>
+          <a:effectRef idx="0">
+            <a:schemeClr val="accent1"/>
+          </a:effectRef>
+          <a:fontRef idx="minor">
+            <a:schemeClr val="lt1"/>
+          </a:fontRef>
+        </p:style>
+        <p:txBody>
+          <a:bodyPr rtlCol="0" anchor="ctr"/>
+          <a:lstStyle/>
+          <a:p>
+            <a:pPr marL="0" marR="0" lvl="0" indent="0" algn="ctr" defTabSz="914400" rtl="0" eaLnBrk="1" fontAlgn="auto" latinLnBrk="0" hangingPunct="1">
+              <a:lnSpc>
+                <a:spcPct val="100000"/>
+              </a:lnSpc>
+              <a:spcBef>
+                <a:spcPts val="0"/>
+              </a:spcBef>
+              <a:spcAft>
+                <a:spcPts val="0"/>
+              </a:spcAft>
+              <a:buClrTx/>
+              <a:buSzTx/>
+              <a:buFontTx/>
+              <a:buNone/>
+              <a:defRPr/>
+            </a:pPr>
+            <a:endParaRPr kumimoji="0" lang="zh-CN" altLang="en-US" sz="1800" b="0" i="0" u="none" strike="noStrike" kern="1200" cap="none" spc="0" normalizeH="0" baseline="0" noProof="0">
+              <a:ln>
+                <a:noFill/>
+              </a:ln>
+              <a:solidFill>
+                <a:prstClr val="white"/>
+              </a:solidFill>
+              <a:effectLst/>
+              <a:uLnTx/>
+              <a:uFillTx/>
+              <a:latin typeface="等线" panose="020F0502020204030204"/>
+              <a:ea typeface="等线" panose="02010600030101010101" pitchFamily="2" charset="-122"/>
+              <a:cs typeface="+mn-cs"/>
+            </a:endParaRPr>
+          </a:p>
+        </p:txBody>
+      </p:sp>
+      <p:sp>
+        <p:nvSpPr>
+          <p:cNvPr id="6" name="TextBox 12"/>
+          <p:cNvSpPr txBox="1">
+            <a:spLocks noChangeArrowheads="1"/>
+          </p:cNvSpPr>
+          <p:nvPr/>
+        </p:nvSpPr>
+        <p:spPr bwMode="auto">
+          <a:xfrm>
+            <a:off x="2300479" y="1430156"/>
+            <a:ext cx="800461" cy="1422657"/>
+          </a:xfrm>
+          <a:prstGeom prst="rect">
+            <a:avLst/>
+          </a:prstGeom>
+          <a:noFill/>
+          <a:ln>
+            <a:noFill/>
+          </a:ln>
+          <a:extLst>
+            <a:ext uri="{909E8E84-426E-40DD-AFC4-6F175D3DCCD1}">
+              <a14:hiddenFill xmlns:a14="http://schemas.microsoft.com/office/drawing/2010/main">
+                <a:solidFill>
+                  <a:srgbClr val="FFFFFF"/>
+                </a:solidFill>
+              </a14:hiddenFill>
+            </a:ext>
+            <a:ext uri="{91240B29-F687-4F45-9708-019B960494DF}">
+              <a14:hiddenLine xmlns:a14="http://schemas.microsoft.com/office/drawing/2010/main" w="9525">
+                <a:solidFill>
+                  <a:srgbClr val="000000"/>
+                </a:solidFill>
+                <a:miter lim="800000"/>
+                <a:headEnd/>
+                <a:tailEnd/>
+              </a14:hiddenLine>
+            </a:ext>
+          </a:extLst>
+        </p:spPr>
+        <p:txBody>
+          <a:bodyPr wrap="none" lIns="68541" tIns="34270" rIns="68541" bIns="34270">
+            <a:spAutoFit/>
+          </a:bodyPr>
+          <a:lstStyle>
+            <a:lvl1pPr eaLnBrk="0" hangingPunct="0">
+              <a:defRPr>
+                <a:solidFill>
+                  <a:schemeClr val="tx1"/>
+                </a:solidFill>
+                <a:latin typeface="Arial" panose="020B0604020202020204" pitchFamily="34" charset="0"/>
+                <a:ea typeface="宋体" panose="02010600030101010101" pitchFamily="2" charset="-122"/>
+              </a:defRPr>
+            </a:lvl1pPr>
+            <a:lvl2pPr marL="742950" indent="-285750" eaLnBrk="0" hangingPunct="0">
+              <a:defRPr>
+                <a:solidFill>
+                  <a:schemeClr val="tx1"/>
+                </a:solidFill>
+                <a:latin typeface="Arial" panose="020B0604020202020204" pitchFamily="34" charset="0"/>
+                <a:ea typeface="宋体" panose="02010600030101010101" pitchFamily="2" charset="-122"/>
+              </a:defRPr>
+            </a:lvl2pPr>
+            <a:lvl3pPr marL="1143000" indent="-228600" eaLnBrk="0" hangingPunct="0">
+              <a:defRPr>
+                <a:solidFill>
+                  <a:schemeClr val="tx1"/>
+                </a:solidFill>
+                <a:latin typeface="Arial" panose="020B0604020202020204" pitchFamily="34" charset="0"/>
+                <a:ea typeface="宋体" panose="02010600030101010101" pitchFamily="2" charset="-122"/>
+              </a:defRPr>
+            </a:lvl3pPr>
+            <a:lvl4pPr marL="1600200" indent="-228600" eaLnBrk="0" hangingPunct="0">
+              <a:defRPr>
+                <a:solidFill>
+                  <a:schemeClr val="tx1"/>
+                </a:solidFill>
+                <a:latin typeface="Arial" panose="020B0604020202020204" pitchFamily="34" charset="0"/>
+                <a:ea typeface="宋体" panose="02010600030101010101" pitchFamily="2" charset="-122"/>
+              </a:defRPr>
+            </a:lvl4pPr>
+            <a:lvl5pPr marL="2057400" indent="-228600" eaLnBrk="0" hangingPunct="0">
+              <a:defRPr>
+                <a:solidFill>
+                  <a:schemeClr val="tx1"/>
+                </a:solidFill>
+                <a:latin typeface="Arial" panose="020B0604020202020204" pitchFamily="34" charset="0"/>
+                <a:ea typeface="宋体" panose="02010600030101010101" pitchFamily="2" charset="-122"/>
+              </a:defRPr>
+            </a:lvl5pPr>
+            <a:lvl6pPr marL="2514600" indent="-228600" eaLnBrk="0" fontAlgn="base" hangingPunct="0">
+              <a:spcBef>
+                <a:spcPct val="0"/>
+              </a:spcBef>
+              <a:spcAft>
+                <a:spcPct val="0"/>
+              </a:spcAft>
+              <a:buFont typeface="Arial" panose="020B0604020202020204" pitchFamily="34" charset="0"/>
+              <a:defRPr>
+                <a:solidFill>
+                  <a:schemeClr val="tx1"/>
+                </a:solidFill>
+                <a:latin typeface="Arial" panose="020B0604020202020204" pitchFamily="34" charset="0"/>
+                <a:ea typeface="宋体" panose="02010600030101010101" pitchFamily="2" charset="-122"/>
+              </a:defRPr>
+            </a:lvl6pPr>
+            <a:lvl7pPr marL="2971800" indent="-228600" eaLnBrk="0" fontAlgn="base" hangingPunct="0">
+              <a:spcBef>
+                <a:spcPct val="0"/>
+              </a:spcBef>
+              <a:spcAft>
+                <a:spcPct val="0"/>
+              </a:spcAft>
+              <a:buFont typeface="Arial" panose="020B0604020202020204" pitchFamily="34" charset="0"/>
+              <a:defRPr>
+                <a:solidFill>
+                  <a:schemeClr val="tx1"/>
+                </a:solidFill>
+                <a:latin typeface="Arial" panose="020B0604020202020204" pitchFamily="34" charset="0"/>
+                <a:ea typeface="宋体" panose="02010600030101010101" pitchFamily="2" charset="-122"/>
+              </a:defRPr>
+            </a:lvl7pPr>
+            <a:lvl8pPr marL="3429000" indent="-228600" eaLnBrk="0" fontAlgn="base" hangingPunct="0">
+              <a:spcBef>
+                <a:spcPct val="0"/>
+              </a:spcBef>
+              <a:spcAft>
+                <a:spcPct val="0"/>
+              </a:spcAft>
+              <a:buFont typeface="Arial" panose="020B0604020202020204" pitchFamily="34" charset="0"/>
+              <a:defRPr>
+                <a:solidFill>
+                  <a:schemeClr val="tx1"/>
+                </a:solidFill>
+                <a:latin typeface="Arial" panose="020B0604020202020204" pitchFamily="34" charset="0"/>
+                <a:ea typeface="宋体" panose="02010600030101010101" pitchFamily="2" charset="-122"/>
+              </a:defRPr>
+            </a:lvl8pPr>
+            <a:lvl9pPr marL="3886200" indent="-228600" eaLnBrk="0" fontAlgn="base" hangingPunct="0">
+              <a:spcBef>
+                <a:spcPct val="0"/>
+              </a:spcBef>
+              <a:spcAft>
+                <a:spcPct val="0"/>
+              </a:spcAft>
+              <a:buFont typeface="Arial" panose="020B0604020202020204" pitchFamily="34" charset="0"/>
+              <a:defRPr>
+                <a:solidFill>
+                  <a:schemeClr val="tx1"/>
+                </a:solidFill>
+                <a:latin typeface="Arial" panose="020B0604020202020204" pitchFamily="34" charset="0"/>
+                <a:ea typeface="宋体" panose="02010600030101010101" pitchFamily="2" charset="-122"/>
+              </a:defRPr>
+            </a:lvl9pPr>
+          </a:lstStyle>
+          <a:p>
+            <a:pPr marL="0" marR="0" lvl="0" indent="0" algn="l" defTabSz="914400" rtl="0" eaLnBrk="1" fontAlgn="auto" latinLnBrk="0" hangingPunct="1">
+              <a:lnSpc>
+                <a:spcPct val="100000"/>
+              </a:lnSpc>
+              <a:spcBef>
+                <a:spcPts val="0"/>
+              </a:spcBef>
+              <a:spcAft>
+                <a:spcPts val="0"/>
+              </a:spcAft>
+              <a:buClrTx/>
+              <a:buSzTx/>
+              <a:buFontTx/>
+              <a:buNone/>
+              <a:defRPr/>
+            </a:pPr>
+            <a:r>
+              <a:rPr kumimoji="0" lang="en-US" altLang="zh-CN" sz="8795" b="0" i="0" u="none" strike="noStrike" kern="1200" cap="none" spc="0" normalizeH="0" baseline="0" noProof="0" dirty="0" smtClean="0">
+                <a:ln>
+                  <a:noFill/>
+                </a:ln>
+                <a:solidFill>
+                  <a:prstClr val="white"/>
+                </a:solidFill>
+                <a:effectLst>
+                  <a:outerShdw blurRad="38100" dist="38100" dir="2700000" algn="tl">
+                    <a:srgbClr val="000000">
+                      <a:alpha val="43137"/>
+                    </a:srgbClr>
+                  </a:outerShdw>
+                </a:effectLst>
+                <a:uLnTx/>
+                <a:uFillTx/>
+                <a:latin typeface="微软雅黑" panose="020B0503020204020204" pitchFamily="34" charset="-122"/>
+                <a:ea typeface="微软雅黑" panose="020B0503020204020204" pitchFamily="34" charset="-122"/>
+                <a:cs typeface="+mn-cs"/>
+              </a:rPr>
+              <a:t>4</a:t>
+            </a:r>
+            <a:endParaRPr kumimoji="0" lang="zh-CN" altLang="en-US" sz="8795" b="0" i="0" u="none" strike="noStrike" kern="1200" cap="none" spc="0" normalizeH="0" baseline="0" noProof="0" dirty="0">
+              <a:ln>
+                <a:noFill/>
+              </a:ln>
+              <a:solidFill>
+                <a:prstClr val="white"/>
+              </a:solidFill>
+              <a:effectLst>
+                <a:outerShdw blurRad="38100" dist="38100" dir="2700000" algn="tl">
+                  <a:srgbClr val="000000">
+                    <a:alpha val="43137"/>
+                  </a:srgbClr>
+                </a:outerShdw>
+              </a:effectLst>
+              <a:uLnTx/>
+              <a:uFillTx/>
+              <a:latin typeface="微软雅黑" panose="020B0503020204020204" pitchFamily="34" charset="-122"/>
+              <a:ea typeface="微软雅黑" panose="020B0503020204020204" pitchFamily="34" charset="-122"/>
+              <a:cs typeface="+mn-cs"/>
+            </a:endParaRPr>
+          </a:p>
+        </p:txBody>
+      </p:sp>
+      <p:sp>
+        <p:nvSpPr>
+          <p:cNvPr id="7" name="TextBox 2"/>
+          <p:cNvSpPr txBox="1">
+            <a:spLocks noChangeArrowheads="1"/>
+          </p:cNvSpPr>
+          <p:nvPr/>
+        </p:nvSpPr>
+        <p:spPr bwMode="auto">
+          <a:xfrm>
+            <a:off x="1456132" y="2139703"/>
+            <a:ext cx="1018416" cy="500097"/>
+          </a:xfrm>
+          <a:prstGeom prst="rect">
+            <a:avLst/>
+          </a:prstGeom>
+          <a:noFill/>
+          <a:ln>
+            <a:noFill/>
+          </a:ln>
+          <a:extLst>
+            <a:ext uri="{909E8E84-426E-40DD-AFC4-6F175D3DCCD1}">
+              <a14:hiddenFill xmlns:a14="http://schemas.microsoft.com/office/drawing/2010/main">
+                <a:solidFill>
+                  <a:srgbClr val="FFFFFF"/>
+                </a:solidFill>
+              </a14:hiddenFill>
+            </a:ext>
+            <a:ext uri="{91240B29-F687-4F45-9708-019B960494DF}">
+              <a14:hiddenLine xmlns:a14="http://schemas.microsoft.com/office/drawing/2010/main" w="9525">
+                <a:solidFill>
+                  <a:srgbClr val="000000"/>
+                </a:solidFill>
+                <a:miter lim="800000"/>
+                <a:headEnd/>
+                <a:tailEnd/>
+              </a14:hiddenLine>
+            </a:ext>
+          </a:extLst>
+        </p:spPr>
+        <p:txBody>
+          <a:bodyPr wrap="square" lIns="68541" tIns="34270" rIns="68541" bIns="34270">
+            <a:spAutoFit/>
+          </a:bodyPr>
+          <a:lstStyle>
+            <a:lvl1pPr eaLnBrk="0" hangingPunct="0">
+              <a:defRPr>
+                <a:solidFill>
+                  <a:schemeClr val="tx1"/>
+                </a:solidFill>
+                <a:latin typeface="Arial" panose="020B0604020202020204" pitchFamily="34" charset="0"/>
+                <a:ea typeface="宋体" panose="02010600030101010101" pitchFamily="2" charset="-122"/>
+              </a:defRPr>
+            </a:lvl1pPr>
+            <a:lvl2pPr marL="742950" indent="-285750" eaLnBrk="0" hangingPunct="0">
+              <a:defRPr>
+                <a:solidFill>
+                  <a:schemeClr val="tx1"/>
+                </a:solidFill>
+                <a:latin typeface="Arial" panose="020B0604020202020204" pitchFamily="34" charset="0"/>
+                <a:ea typeface="宋体" panose="02010600030101010101" pitchFamily="2" charset="-122"/>
+              </a:defRPr>
+            </a:lvl2pPr>
+            <a:lvl3pPr marL="1143000" indent="-228600" eaLnBrk="0" hangingPunct="0">
+              <a:defRPr>
+                <a:solidFill>
+                  <a:schemeClr val="tx1"/>
+                </a:solidFill>
+                <a:latin typeface="Arial" panose="020B0604020202020204" pitchFamily="34" charset="0"/>
+                <a:ea typeface="宋体" panose="02010600030101010101" pitchFamily="2" charset="-122"/>
+              </a:defRPr>
+            </a:lvl3pPr>
+            <a:lvl4pPr marL="1600200" indent="-228600" eaLnBrk="0" hangingPunct="0">
+              <a:defRPr>
+                <a:solidFill>
+                  <a:schemeClr val="tx1"/>
+                </a:solidFill>
+                <a:latin typeface="Arial" panose="020B0604020202020204" pitchFamily="34" charset="0"/>
+                <a:ea typeface="宋体" panose="02010600030101010101" pitchFamily="2" charset="-122"/>
+              </a:defRPr>
+            </a:lvl4pPr>
+            <a:lvl5pPr marL="2057400" indent="-228600" eaLnBrk="0" hangingPunct="0">
+              <a:defRPr>
+                <a:solidFill>
+                  <a:schemeClr val="tx1"/>
+                </a:solidFill>
+                <a:latin typeface="Arial" panose="020B0604020202020204" pitchFamily="34" charset="0"/>
+                <a:ea typeface="宋体" panose="02010600030101010101" pitchFamily="2" charset="-122"/>
+              </a:defRPr>
+            </a:lvl5pPr>
+            <a:lvl6pPr marL="2514600" indent="-228600" eaLnBrk="0" fontAlgn="base" hangingPunct="0">
+              <a:spcBef>
+                <a:spcPct val="0"/>
+              </a:spcBef>
+              <a:spcAft>
+                <a:spcPct val="0"/>
+              </a:spcAft>
+              <a:buFont typeface="Arial" panose="020B0604020202020204" pitchFamily="34" charset="0"/>
+              <a:defRPr>
+                <a:solidFill>
+                  <a:schemeClr val="tx1"/>
+                </a:solidFill>
+                <a:latin typeface="Arial" panose="020B0604020202020204" pitchFamily="34" charset="0"/>
+                <a:ea typeface="宋体" panose="02010600030101010101" pitchFamily="2" charset="-122"/>
+              </a:defRPr>
+            </a:lvl6pPr>
+            <a:lvl7pPr marL="2971800" indent="-228600" eaLnBrk="0" fontAlgn="base" hangingPunct="0">
+              <a:spcBef>
+                <a:spcPct val="0"/>
+              </a:spcBef>
+              <a:spcAft>
+                <a:spcPct val="0"/>
+              </a:spcAft>
+              <a:buFont typeface="Arial" panose="020B0604020202020204" pitchFamily="34" charset="0"/>
+              <a:defRPr>
+                <a:solidFill>
+                  <a:schemeClr val="tx1"/>
+                </a:solidFill>
+                <a:latin typeface="Arial" panose="020B0604020202020204" pitchFamily="34" charset="0"/>
+                <a:ea typeface="宋体" panose="02010600030101010101" pitchFamily="2" charset="-122"/>
+              </a:defRPr>
+            </a:lvl7pPr>
+            <a:lvl8pPr marL="3429000" indent="-228600" eaLnBrk="0" fontAlgn="base" hangingPunct="0">
+              <a:spcBef>
+                <a:spcPct val="0"/>
+              </a:spcBef>
+              <a:spcAft>
+                <a:spcPct val="0"/>
+              </a:spcAft>
+              <a:buFont typeface="Arial" panose="020B0604020202020204" pitchFamily="34" charset="0"/>
+              <a:defRPr>
+                <a:solidFill>
+                  <a:schemeClr val="tx1"/>
+                </a:solidFill>
+                <a:latin typeface="Arial" panose="020B0604020202020204" pitchFamily="34" charset="0"/>
+                <a:ea typeface="宋体" panose="02010600030101010101" pitchFamily="2" charset="-122"/>
+              </a:defRPr>
+            </a:lvl8pPr>
+            <a:lvl9pPr marL="3886200" indent="-228600" eaLnBrk="0" fontAlgn="base" hangingPunct="0">
+              <a:spcBef>
+                <a:spcPct val="0"/>
+              </a:spcBef>
+              <a:spcAft>
+                <a:spcPct val="0"/>
+              </a:spcAft>
+              <a:buFont typeface="Arial" panose="020B0604020202020204" pitchFamily="34" charset="0"/>
+              <a:defRPr>
+                <a:solidFill>
+                  <a:schemeClr val="tx1"/>
+                </a:solidFill>
+                <a:latin typeface="Arial" panose="020B0604020202020204" pitchFamily="34" charset="0"/>
+                <a:ea typeface="宋体" panose="02010600030101010101" pitchFamily="2" charset="-122"/>
+              </a:defRPr>
+            </a:lvl9pPr>
+          </a:lstStyle>
+          <a:p>
+            <a:pPr marL="0" marR="0" lvl="0" indent="0" algn="l" defTabSz="914400" rtl="0" eaLnBrk="1" fontAlgn="auto" latinLnBrk="0" hangingPunct="1">
+              <a:lnSpc>
+                <a:spcPct val="100000"/>
+              </a:lnSpc>
+              <a:spcBef>
+                <a:spcPts val="0"/>
+              </a:spcBef>
+              <a:spcAft>
+                <a:spcPts val="0"/>
+              </a:spcAft>
+              <a:buClrTx/>
+              <a:buSzTx/>
+              <a:buFontTx/>
+              <a:buNone/>
+              <a:defRPr/>
+            </a:pPr>
+            <a:r>
+              <a:rPr kumimoji="0" lang="en-US" altLang="zh-CN" sz="2800" b="0" i="0" u="none" strike="noStrike" kern="1200" cap="none" spc="0" normalizeH="0" baseline="0" noProof="0" dirty="0">
+                <a:ln>
+                  <a:noFill/>
+                </a:ln>
+                <a:solidFill>
+                  <a:srgbClr val="FFFFFF"/>
+                </a:solidFill>
+                <a:effectLst/>
+                <a:uLnTx/>
+                <a:uFillTx/>
+                <a:latin typeface="Arial" panose="020B0604020202020204" pitchFamily="34" charset="0"/>
+                <a:ea typeface="宋体" panose="02010600030101010101" pitchFamily="2" charset="-122"/>
+                <a:cs typeface="+mn-cs"/>
+              </a:rPr>
+              <a:t>Part</a:t>
+            </a:r>
+            <a:endParaRPr kumimoji="0" lang="zh-CN" altLang="en-US" sz="2800" b="0" i="0" u="none" strike="noStrike" kern="1200" cap="none" spc="0" normalizeH="0" baseline="0" noProof="0" dirty="0">
+              <a:ln>
+                <a:noFill/>
+              </a:ln>
+              <a:solidFill>
+                <a:srgbClr val="FFFFFF"/>
+              </a:solidFill>
+              <a:effectLst/>
+              <a:uLnTx/>
+              <a:uFillTx/>
+              <a:latin typeface="Arial" panose="020B0604020202020204" pitchFamily="34" charset="0"/>
+              <a:ea typeface="宋体" panose="02010600030101010101" pitchFamily="2" charset="-122"/>
+              <a:cs typeface="+mn-cs"/>
+            </a:endParaRPr>
+          </a:p>
+        </p:txBody>
+      </p:sp>
+      <p:sp>
+        <p:nvSpPr>
+          <p:cNvPr id="8" name="TextBox 11"/>
+          <p:cNvSpPr txBox="1">
+            <a:spLocks noChangeArrowheads="1"/>
+          </p:cNvSpPr>
+          <p:nvPr/>
+        </p:nvSpPr>
+        <p:spPr bwMode="auto">
+          <a:xfrm>
             <a:off x="3203848" y="2503701"/>
             <a:ext cx="2651929" cy="500097"/>
           </a:xfrm>
@@ -18448,7 +19636,7 @@
 </p:sld>
 </file>
 
-<file path=ppt/slides/slide11.xml><?xml version="1.0" encoding="utf-8"?>
+<file path=ppt/slides/slide13.xml><?xml version="1.0" encoding="utf-8"?>
 <p:sld xmlns:a="http://schemas.openxmlformats.org/drawingml/2006/main" xmlns:r="http://schemas.openxmlformats.org/officeDocument/2006/relationships" xmlns:p="http://schemas.openxmlformats.org/presentationml/2006/main">
   <p:cSld>
     <p:spTree>
@@ -18724,7 +19912,7 @@
 </p:sld>
 </file>
 
-<file path=ppt/slides/slide12.xml><?xml version="1.0" encoding="utf-8"?>
+<file path=ppt/slides/slide14.xml><?xml version="1.0" encoding="utf-8"?>
 <p:sld xmlns:a="http://schemas.openxmlformats.org/drawingml/2006/main" xmlns:r="http://schemas.openxmlformats.org/officeDocument/2006/relationships" xmlns:p="http://schemas.openxmlformats.org/presentationml/2006/main">
   <p:cSld>
     <p:spTree>
@@ -19635,15 +20823,7 @@
                   <a:schemeClr val="bg1"/>
                 </a:solidFill>
               </a:rPr>
-              <a:t>5-</a:t>
-            </a:r>
-            <a:r>
-              <a:rPr lang="en-US" altLang="zh-CN" sz="1600" dirty="0" smtClean="0">
-                <a:solidFill>
-                  <a:schemeClr val="bg1"/>
-                </a:solidFill>
-              </a:rPr>
-              <a:t>10</a:t>
+              <a:t>5-10</a:t>
             </a:r>
             <a:r>
               <a:rPr lang="zh-CN" altLang="en-US" sz="1600" dirty="0" smtClean="0">
@@ -19681,7 +20861,7 @@
 </p:sld>
 </file>
 
-<file path=ppt/slides/slide13.xml><?xml version="1.0" encoding="utf-8"?>
+<file path=ppt/slides/slide15.xml><?xml version="1.0" encoding="utf-8"?>
 <p:sld xmlns:a="http://schemas.openxmlformats.org/drawingml/2006/main" xmlns:r="http://schemas.openxmlformats.org/officeDocument/2006/relationships" xmlns:p="http://schemas.openxmlformats.org/presentationml/2006/main">
   <p:cSld>
     <p:spTree>
@@ -19949,7 +21129,7 @@
           <p:nvPr>
             <p:extLst>
               <p:ext uri="{D42A27DB-BD31-4B8C-83A1-F6EECF244321}">
-                <p14:modId xmlns:p14="http://schemas.microsoft.com/office/powerpoint/2010/main" val="115781463"/>
+                <p14:modId xmlns:p14="http://schemas.microsoft.com/office/powerpoint/2010/main" val="494035680"/>
               </p:ext>
             </p:extLst>
           </p:nvPr>
@@ -19990,6 +21170,10 @@
                     <a:lstStyle/>
                     <a:p>
                       <a:pPr algn="ctr"/>
+                      <a:r>
+                        <a:rPr lang="zh-CN" altLang="en-US" dirty="0" smtClean="0"/>
+                        <a:t>毛浪</a:t>
+                      </a:r>
                       <a:endParaRPr lang="zh-CN" altLang="en-US" dirty="0"/>
                     </a:p>
                   </a:txBody>
@@ -20018,6 +21202,10 @@
                     <a:lstStyle/>
                     <a:p>
                       <a:pPr algn="ctr"/>
+                      <a:r>
+                        <a:rPr lang="zh-CN" altLang="en-US" dirty="0" smtClean="0"/>
+                        <a:t>湖南女子学院</a:t>
+                      </a:r>
                       <a:endParaRPr lang="zh-CN" altLang="en-US" dirty="0"/>
                     </a:p>
                   </a:txBody>
@@ -20046,7 +21234,19 @@
                     <a:lstStyle/>
                     <a:p>
                       <a:pPr algn="ctr"/>
-                      <a:endParaRPr lang="zh-CN" altLang="en-US"/>
+                      <a:r>
+                        <a:rPr lang="zh-CN" altLang="en-US" dirty="0" smtClean="0"/>
+                        <a:t>前端</a:t>
+                      </a:r>
+                      <a:r>
+                        <a:rPr lang="en-US" altLang="zh-CN" dirty="0" smtClean="0"/>
+                        <a:t>UI</a:t>
+                      </a:r>
+                      <a:r>
+                        <a:rPr lang="zh-CN" altLang="en-US" dirty="0" smtClean="0"/>
+                        <a:t>开发工程师</a:t>
+                      </a:r>
+                      <a:endParaRPr lang="zh-CN" altLang="en-US" dirty="0"/>
                     </a:p>
                   </a:txBody>
                   <a:tcPr anchor="ctr"/>
@@ -20074,7 +21274,11 @@
                     <a:lstStyle/>
                     <a:p>
                       <a:pPr algn="ctr"/>
-                      <a:endParaRPr lang="zh-CN" altLang="en-US"/>
+                      <a:r>
+                        <a:rPr lang="zh-CN" altLang="en-US" dirty="0" smtClean="0"/>
+                        <a:t>刘长享</a:t>
+                      </a:r>
+                      <a:endParaRPr lang="zh-CN" altLang="en-US" dirty="0"/>
                     </a:p>
                   </a:txBody>
                   <a:tcPr anchor="ctr"/>
@@ -20102,6 +21306,10 @@
                     <a:lstStyle/>
                     <a:p>
                       <a:pPr algn="ctr"/>
+                      <a:r>
+                        <a:rPr lang="zh-CN" altLang="en-US" dirty="0" smtClean="0"/>
+                        <a:t>刘长享</a:t>
+                      </a:r>
                       <a:endParaRPr lang="zh-CN" altLang="en-US" dirty="0"/>
                     </a:p>
                   </a:txBody>
@@ -20320,7 +21528,7 @@
           <p:cNvPr id="9" name="标题 1">
             <a:extLst>
               <a:ext uri="{FF2B5EF4-FFF2-40B4-BE49-F238E27FC236}">
-                <a16:creationId xmlns="" xmlns:a16="http://schemas.microsoft.com/office/drawing/2014/main" id="{F60A8E69-FDEE-4D36-AECB-23B31C79EE95}"/>
+                <a16:creationId xmlns:a16="http://schemas.microsoft.com/office/drawing/2014/main" xmlns="" id="{F60A8E69-FDEE-4D36-AECB-23B31C79EE95}"/>
               </a:ext>
             </a:extLst>
           </p:cNvPr>
@@ -20524,7 +21732,7 @@
           <p:cNvPr id="12" name="TextBox 64">
             <a:extLst>
               <a:ext uri="{FF2B5EF4-FFF2-40B4-BE49-F238E27FC236}">
-                <a16:creationId xmlns="" xmlns:a16="http://schemas.microsoft.com/office/drawing/2014/main" id="{103D6AA0-184D-40B8-94A7-0859642BD342}"/>
+                <a16:creationId xmlns:a16="http://schemas.microsoft.com/office/drawing/2014/main" xmlns="" id="{103D6AA0-184D-40B8-94A7-0859642BD342}"/>
               </a:ext>
             </a:extLst>
           </p:cNvPr>
@@ -20588,7 +21796,7 @@
           <p:cNvPr id="13" name="矩形 12">
             <a:extLst>
               <a:ext uri="{FF2B5EF4-FFF2-40B4-BE49-F238E27FC236}">
-                <a16:creationId xmlns="" xmlns:a16="http://schemas.microsoft.com/office/drawing/2014/main" id="{E7E160FA-835C-4B20-8D52-E2CEF25EF70B}"/>
+                <a16:creationId xmlns:a16="http://schemas.microsoft.com/office/drawing/2014/main" xmlns="" id="{E7E160FA-835C-4B20-8D52-E2CEF25EF70B}"/>
               </a:ext>
             </a:extLst>
           </p:cNvPr>
@@ -20682,7 +21890,7 @@
           <p:cNvPr id="14" name="直接连接符 13">
             <a:extLst>
               <a:ext uri="{FF2B5EF4-FFF2-40B4-BE49-F238E27FC236}">
-                <a16:creationId xmlns="" xmlns:a16="http://schemas.microsoft.com/office/drawing/2014/main" id="{F0B280E4-EFA9-4553-AD69-028FC9038529}"/>
+                <a16:creationId xmlns:a16="http://schemas.microsoft.com/office/drawing/2014/main" xmlns="" id="{F0B280E4-EFA9-4553-AD69-028FC9038529}"/>
               </a:ext>
             </a:extLst>
           </p:cNvPr>
@@ -20725,7 +21933,7 @@
           <p:cNvPr id="17" name="TextBox 64">
             <a:extLst>
               <a:ext uri="{FF2B5EF4-FFF2-40B4-BE49-F238E27FC236}">
-                <a16:creationId xmlns="" xmlns:a16="http://schemas.microsoft.com/office/drawing/2014/main" id="{BFFE53B0-2660-4DAB-B398-185788A473F0}"/>
+                <a16:creationId xmlns:a16="http://schemas.microsoft.com/office/drawing/2014/main" xmlns="" id="{BFFE53B0-2660-4DAB-B398-185788A473F0}"/>
               </a:ext>
             </a:extLst>
           </p:cNvPr>
@@ -20789,7 +21997,7 @@
           <p:cNvPr id="19" name="矩形 18">
             <a:extLst>
               <a:ext uri="{FF2B5EF4-FFF2-40B4-BE49-F238E27FC236}">
-                <a16:creationId xmlns="" xmlns:a16="http://schemas.microsoft.com/office/drawing/2014/main" id="{027E32ED-792A-4B73-BA70-94CEEF969A79}"/>
+                <a16:creationId xmlns:a16="http://schemas.microsoft.com/office/drawing/2014/main" xmlns="" id="{027E32ED-792A-4B73-BA70-94CEEF969A79}"/>
               </a:ext>
             </a:extLst>
           </p:cNvPr>
@@ -20883,7 +22091,7 @@
           <p:cNvPr id="20" name="直接连接符 19">
             <a:extLst>
               <a:ext uri="{FF2B5EF4-FFF2-40B4-BE49-F238E27FC236}">
-                <a16:creationId xmlns="" xmlns:a16="http://schemas.microsoft.com/office/drawing/2014/main" id="{D5A011AA-F526-47BB-958A-FB7D0FF7AA60}"/>
+                <a16:creationId xmlns:a16="http://schemas.microsoft.com/office/drawing/2014/main" xmlns="" id="{D5A011AA-F526-47BB-958A-FB7D0FF7AA60}"/>
               </a:ext>
             </a:extLst>
           </p:cNvPr>
@@ -20926,7 +22134,7 @@
           <p:cNvPr id="21" name="TextBox 64">
             <a:extLst>
               <a:ext uri="{FF2B5EF4-FFF2-40B4-BE49-F238E27FC236}">
-                <a16:creationId xmlns="" xmlns:a16="http://schemas.microsoft.com/office/drawing/2014/main" id="{10850E57-7E7F-496C-B209-A957143A2D82}"/>
+                <a16:creationId xmlns:a16="http://schemas.microsoft.com/office/drawing/2014/main" xmlns="" id="{10850E57-7E7F-496C-B209-A957143A2D82}"/>
               </a:ext>
             </a:extLst>
           </p:cNvPr>
@@ -20990,7 +22198,7 @@
           <p:cNvPr id="22" name="矩形 21">
             <a:extLst>
               <a:ext uri="{FF2B5EF4-FFF2-40B4-BE49-F238E27FC236}">
-                <a16:creationId xmlns="" xmlns:a16="http://schemas.microsoft.com/office/drawing/2014/main" id="{32EB345D-197D-4FA9-BCF1-C9FE37FAED6C}"/>
+                <a16:creationId xmlns:a16="http://schemas.microsoft.com/office/drawing/2014/main" xmlns="" id="{32EB345D-197D-4FA9-BCF1-C9FE37FAED6C}"/>
               </a:ext>
             </a:extLst>
           </p:cNvPr>
@@ -21084,7 +22292,7 @@
           <p:cNvPr id="23" name="直接连接符 22">
             <a:extLst>
               <a:ext uri="{FF2B5EF4-FFF2-40B4-BE49-F238E27FC236}">
-                <a16:creationId xmlns="" xmlns:a16="http://schemas.microsoft.com/office/drawing/2014/main" id="{57A27EB1-FAB0-44BB-8A88-1C4AB2A16646}"/>
+                <a16:creationId xmlns:a16="http://schemas.microsoft.com/office/drawing/2014/main" xmlns="" id="{57A27EB1-FAB0-44BB-8A88-1C4AB2A16646}"/>
               </a:ext>
             </a:extLst>
           </p:cNvPr>
@@ -21127,7 +22335,7 @@
           <p:cNvPr id="24" name="组合 23">
             <a:extLst>
               <a:ext uri="{FF2B5EF4-FFF2-40B4-BE49-F238E27FC236}">
-                <a16:creationId xmlns="" xmlns:a16="http://schemas.microsoft.com/office/drawing/2014/main" id="{7CD300EF-F38B-40B9-82B7-C41991C73B11}"/>
+                <a16:creationId xmlns:a16="http://schemas.microsoft.com/office/drawing/2014/main" xmlns="" id="{7CD300EF-F38B-40B9-82B7-C41991C73B11}"/>
               </a:ext>
             </a:extLst>
           </p:cNvPr>
@@ -21148,7 +22356,7 @@
             <p:cNvPr id="26" name="矩形 25">
               <a:extLst>
                 <a:ext uri="{FF2B5EF4-FFF2-40B4-BE49-F238E27FC236}">
-                  <a16:creationId xmlns="" xmlns:a16="http://schemas.microsoft.com/office/drawing/2014/main" id="{C95F8077-7469-4AB1-98C2-C5FD3DDB0A0D}"/>
+                  <a16:creationId xmlns:a16="http://schemas.microsoft.com/office/drawing/2014/main" xmlns="" id="{C95F8077-7469-4AB1-98C2-C5FD3DDB0A0D}"/>
                 </a:ext>
               </a:extLst>
             </p:cNvPr>
@@ -21204,7 +22412,7 @@
             <p:cNvPr id="27" name="矩形 26">
               <a:extLst>
                 <a:ext uri="{FF2B5EF4-FFF2-40B4-BE49-F238E27FC236}">
-                  <a16:creationId xmlns="" xmlns:a16="http://schemas.microsoft.com/office/drawing/2014/main" id="{44C48717-07A7-4C3C-AA90-18447E56FB33}"/>
+                  <a16:creationId xmlns:a16="http://schemas.microsoft.com/office/drawing/2014/main" xmlns="" id="{44C48717-07A7-4C3C-AA90-18447E56FB33}"/>
                 </a:ext>
               </a:extLst>
             </p:cNvPr>
@@ -21301,7 +22509,7 @@
           <p:cNvPr id="18" name="TextBox 64">
             <a:extLst>
               <a:ext uri="{FF2B5EF4-FFF2-40B4-BE49-F238E27FC236}">
-                <a16:creationId xmlns="" xmlns:a16="http://schemas.microsoft.com/office/drawing/2014/main" id="{10850E57-7E7F-496C-B209-A957143A2D82}"/>
+                <a16:creationId xmlns:a16="http://schemas.microsoft.com/office/drawing/2014/main" xmlns="" id="{10850E57-7E7F-496C-B209-A957143A2D82}"/>
               </a:ext>
             </a:extLst>
           </p:cNvPr>
@@ -21365,7 +22573,7 @@
           <p:cNvPr id="25" name="矩形 24">
             <a:extLst>
               <a:ext uri="{FF2B5EF4-FFF2-40B4-BE49-F238E27FC236}">
-                <a16:creationId xmlns="" xmlns:a16="http://schemas.microsoft.com/office/drawing/2014/main" id="{32EB345D-197D-4FA9-BCF1-C9FE37FAED6C}"/>
+                <a16:creationId xmlns:a16="http://schemas.microsoft.com/office/drawing/2014/main" xmlns="" id="{32EB345D-197D-4FA9-BCF1-C9FE37FAED6C}"/>
               </a:ext>
             </a:extLst>
           </p:cNvPr>
@@ -21459,7 +22667,7 @@
           <p:cNvPr id="28" name="直接连接符 27">
             <a:extLst>
               <a:ext uri="{FF2B5EF4-FFF2-40B4-BE49-F238E27FC236}">
-                <a16:creationId xmlns="" xmlns:a16="http://schemas.microsoft.com/office/drawing/2014/main" id="{57A27EB1-FAB0-44BB-8A88-1C4AB2A16646}"/>
+                <a16:creationId xmlns:a16="http://schemas.microsoft.com/office/drawing/2014/main" xmlns="" id="{57A27EB1-FAB0-44BB-8A88-1C4AB2A16646}"/>
               </a:ext>
             </a:extLst>
           </p:cNvPr>
@@ -22304,7 +23512,7 @@
         </p:nvSpPr>
         <p:spPr>
           <a:xfrm>
-            <a:off x="2940928" y="3151153"/>
+            <a:off x="790769" y="3151153"/>
             <a:ext cx="2459648" cy="284693"/>
           </a:xfrm>
           <a:prstGeom prst="rect">
@@ -22332,20 +23540,7 @@
                 <a:latin typeface="微软雅黑" panose="020B0503020204020204" pitchFamily="34" charset="-122"/>
                 <a:ea typeface="微软雅黑" panose="020B0503020204020204" pitchFamily="34" charset="-122"/>
               </a:rPr>
-              <a:t>个人工作</a:t>
-            </a:r>
-            <a:r>
-              <a:rPr lang="zh-CN" altLang="en-US" sz="1400" dirty="0" smtClean="0">
-                <a:solidFill>
-                  <a:schemeClr val="tx1">
-                    <a:lumMod val="85000"/>
-                    <a:lumOff val="15000"/>
-                  </a:schemeClr>
-                </a:solidFill>
-                <a:latin typeface="微软雅黑" panose="020B0503020204020204" pitchFamily="34" charset="-122"/>
-                <a:ea typeface="微软雅黑" panose="020B0503020204020204" pitchFamily="34" charset="-122"/>
-              </a:rPr>
-              <a:t>岗位职责的理解</a:t>
+              <a:t>个人工作岗位职责的理解</a:t>
             </a:r>
             <a:endParaRPr lang="en-US" altLang="zh-CN" sz="1400" dirty="0">
               <a:solidFill>
@@ -22576,110 +23771,555 @@
       </p:grpSp>
       <p:sp>
         <p:nvSpPr>
-          <p:cNvPr id="22" name="矩形 12"/>
-          <p:cNvSpPr>
-            <a:spLocks noChangeArrowheads="1"/>
-          </p:cNvSpPr>
+          <p:cNvPr id="54" name="Rectangle 4"/>
+          <p:cNvSpPr/>
           <p:nvPr/>
         </p:nvSpPr>
-        <p:spPr bwMode="auto">
+        <p:spPr>
           <a:xfrm>
-            <a:off x="1619672" y="1731754"/>
-            <a:ext cx="5314275" cy="1200329"/>
+            <a:off x="6190557" y="2579080"/>
+            <a:ext cx="1314425" cy="219291"/>
+          </a:xfrm>
+          <a:prstGeom prst="rect">
+            <a:avLst/>
+          </a:prstGeom>
+        </p:spPr>
+        <p:txBody>
+          <a:bodyPr wrap="square">
+            <a:spAutoFit/>
+          </a:bodyPr>
+          <a:lstStyle/>
+          <a:p>
+            <a:r>
+              <a:rPr lang="en-US" sz="825" dirty="0">
+                <a:solidFill>
+                  <a:schemeClr val="bg1"/>
+                </a:solidFill>
+                <a:cs typeface="+mn-ea"/>
+                <a:sym typeface="+mn-lt"/>
+              </a:rPr>
+              <a:t>American Filmmaker</a:t>
+            </a:r>
+          </a:p>
+        </p:txBody>
+      </p:sp>
+      <p:sp>
+        <p:nvSpPr>
+          <p:cNvPr id="55" name="TextBox 21">
+            <a:extLst>
+              <a:ext uri="{FF2B5EF4-FFF2-40B4-BE49-F238E27FC236}">
+                <a16:creationId xmlns="" xmlns:a16="http://schemas.microsoft.com/office/drawing/2014/main" id="{D8936C73-30F6-42EA-91C2-9C8EFB76CE1A}"/>
+              </a:ext>
+            </a:extLst>
+          </p:cNvPr>
+          <p:cNvSpPr txBox="1"/>
+          <p:nvPr/>
+        </p:nvSpPr>
+        <p:spPr>
+          <a:xfrm>
+            <a:off x="1038226" y="1064567"/>
+            <a:ext cx="2957710" cy="461665"/>
           </a:xfrm>
           <a:prstGeom prst="rect">
             <a:avLst/>
           </a:prstGeom>
           <a:noFill/>
-          <a:ln>
-            <a:noFill/>
-          </a:ln>
-          <a:extLst>
-            <a:ext uri="{909E8E84-426E-40DD-AFC4-6F175D3DCCD1}">
-              <a14:hiddenFill xmlns:a14="http://schemas.microsoft.com/office/drawing/2010/main">
-                <a:solidFill>
-                  <a:srgbClr val="FFFFFF"/>
-                </a:solidFill>
-              </a14:hiddenFill>
-            </a:ext>
-            <a:ext uri="{91240B29-F687-4F45-9708-019B960494DF}">
-              <a14:hiddenLine xmlns:a14="http://schemas.microsoft.com/office/drawing/2010/main" w="9525">
-                <a:solidFill>
-                  <a:srgbClr val="000000"/>
-                </a:solidFill>
-                <a:miter lim="800000"/>
-                <a:headEnd/>
-                <a:tailEnd/>
-              </a14:hiddenLine>
-            </a:ext>
-          </a:extLst>
         </p:spPr>
         <p:txBody>
-          <a:bodyPr wrap="none">
+          <a:bodyPr wrap="square" rtlCol="0">
             <a:spAutoFit/>
           </a:bodyPr>
           <a:lstStyle/>
           <a:p>
             <a:r>
-              <a:rPr lang="zh-CN" altLang="en-US" sz="2800" dirty="0">
-                <a:solidFill>
-                  <a:srgbClr val="FF0000"/>
-                </a:solidFill>
-                <a:latin typeface="黑体" pitchFamily="2" charset="-122"/>
-                <a:ea typeface="黑体" pitchFamily="2" charset="-122"/>
-                <a:cs typeface="经典行书简" pitchFamily="49" charset="-122"/>
+              <a:rPr lang="zh-CN" altLang="en-US" sz="2400" dirty="0" smtClean="0">
+                <a:gradFill>
+                  <a:gsLst>
+                    <a:gs pos="0">
+                      <a:srgbClr val="5877B6"/>
+                    </a:gs>
+                    <a:gs pos="100000">
+                      <a:srgbClr val="465E96"/>
+                    </a:gs>
+                  </a:gsLst>
+                  <a:lin ang="5400000" scaled="0"/>
+                </a:gradFill>
+                <a:effectLst>
+                  <a:outerShdw blurRad="254000" dist="101600" dir="5400000" algn="ctr" rotWithShape="0">
+                    <a:srgbClr val="000000">
+                      <a:alpha val="15000"/>
+                    </a:srgbClr>
+                  </a:outerShdw>
+                </a:effectLst>
+                <a:cs typeface="+mn-ea"/>
+                <a:sym typeface="+mn-lt"/>
               </a:rPr>
-              <a:t>个人对工作（岗位）职责的</a:t>
-            </a:r>
-            <a:r>
-              <a:rPr lang="zh-CN" altLang="en-US" sz="2800" dirty="0" smtClean="0">
-                <a:solidFill>
-                  <a:srgbClr val="FF0000"/>
-                </a:solidFill>
-                <a:latin typeface="黑体" pitchFamily="2" charset="-122"/>
-                <a:ea typeface="黑体" pitchFamily="2" charset="-122"/>
-                <a:cs typeface="经典行书简" pitchFamily="49" charset="-122"/>
+              <a:t>工作职责及理解</a:t>
+            </a:r>
+            <a:r>
+              <a:rPr lang="zh-CN" altLang="en-US" sz="2400" dirty="0" smtClean="0">
+                <a:gradFill>
+                  <a:gsLst>
+                    <a:gs pos="0">
+                      <a:srgbClr val="5877B6"/>
+                    </a:gs>
+                    <a:gs pos="100000">
+                      <a:srgbClr val="465E96"/>
+                    </a:gs>
+                  </a:gsLst>
+                  <a:lin ang="5400000" scaled="0"/>
+                </a:gradFill>
+                <a:effectLst>
+                  <a:outerShdw blurRad="254000" dist="101600" dir="5400000" algn="ctr" rotWithShape="0">
+                    <a:srgbClr val="000000">
+                      <a:alpha val="15000"/>
+                    </a:srgbClr>
+                  </a:outerShdw>
+                </a:effectLst>
+                <a:cs typeface="+mn-ea"/>
+                <a:sym typeface="+mn-lt"/>
               </a:rPr>
-              <a:t>理解</a:t>
-            </a:r>
-            <a:endParaRPr lang="en-US" altLang="zh-CN" sz="2800" dirty="0" smtClean="0">
+              <a:t>概述</a:t>
+            </a:r>
+            <a:endParaRPr lang="id-ID" sz="2000" dirty="0">
+              <a:gradFill>
+                <a:gsLst>
+                  <a:gs pos="0">
+                    <a:srgbClr val="5877B6"/>
+                  </a:gs>
+                  <a:gs pos="100000">
+                    <a:srgbClr val="465E96"/>
+                  </a:gs>
+                </a:gsLst>
+                <a:lin ang="5400000" scaled="0"/>
+              </a:gradFill>
+              <a:effectLst>
+                <a:outerShdw blurRad="254000" dist="101600" dir="5400000" algn="ctr" rotWithShape="0">
+                  <a:srgbClr val="000000">
+                    <a:alpha val="15000"/>
+                  </a:srgbClr>
+                </a:outerShdw>
+              </a:effectLst>
+              <a:cs typeface="+mn-ea"/>
+              <a:sym typeface="+mn-lt"/>
+            </a:endParaRPr>
+          </a:p>
+        </p:txBody>
+      </p:sp>
+      <p:sp>
+        <p:nvSpPr>
+          <p:cNvPr id="56" name="TextBox 21">
+            <a:extLst>
+              <a:ext uri="{FF2B5EF4-FFF2-40B4-BE49-F238E27FC236}">
+                <a16:creationId xmlns="" xmlns:a16="http://schemas.microsoft.com/office/drawing/2014/main" id="{6AF77DC7-0DFA-40A6-AFFC-B469BDB148CD}"/>
+              </a:ext>
+            </a:extLst>
+          </p:cNvPr>
+          <p:cNvSpPr txBox="1"/>
+          <p:nvPr/>
+        </p:nvSpPr>
+        <p:spPr>
+          <a:xfrm>
+            <a:off x="1038226" y="1505130"/>
+            <a:ext cx="1853271" cy="261610"/>
+          </a:xfrm>
+          <a:prstGeom prst="rect">
+            <a:avLst/>
+          </a:prstGeom>
+          <a:noFill/>
+        </p:spPr>
+        <p:txBody>
+          <a:bodyPr wrap="square" rtlCol="0">
+            <a:spAutoFit/>
+          </a:bodyPr>
+          <a:lstStyle/>
+          <a:p>
+            <a:r>
+              <a:rPr lang="en-US" altLang="zh-CN" sz="1100" dirty="0">
+                <a:solidFill>
+                  <a:schemeClr val="bg1">
+                    <a:lumMod val="50000"/>
+                  </a:schemeClr>
+                </a:solidFill>
+                <a:cs typeface="+mn-ea"/>
+                <a:sym typeface="+mn-lt"/>
+              </a:rPr>
+              <a:t>GENERAL  VIEW</a:t>
+            </a:r>
+            <a:endParaRPr lang="en-US" altLang="zh-CN" sz="1100" b="1" dirty="0">
               <a:solidFill>
-                <a:srgbClr val="FF0000"/>
+                <a:schemeClr val="accent1"/>
               </a:solidFill>
-              <a:latin typeface="黑体" pitchFamily="2" charset="-122"/>
-              <a:ea typeface="黑体" pitchFamily="2" charset="-122"/>
-              <a:cs typeface="经典行书简" pitchFamily="49" charset="-122"/>
+              <a:cs typeface="+mn-ea"/>
+              <a:sym typeface="+mn-lt"/>
             </a:endParaRPr>
           </a:p>
-          <a:p>
-            <a:endParaRPr lang="en-US" altLang="zh-CN" sz="2800" dirty="0">
+        </p:txBody>
+      </p:sp>
+      <p:pic>
+        <p:nvPicPr>
+          <p:cNvPr id="57" name="图形 3">
+            <a:extLst>
+              <a:ext uri="{FF2B5EF4-FFF2-40B4-BE49-F238E27FC236}">
+                <a16:creationId xmlns="" xmlns:a16="http://schemas.microsoft.com/office/drawing/2014/main" id="{EA14D6DE-D4AF-4263-ABF1-69897892181D}"/>
+              </a:ext>
+            </a:extLst>
+          </p:cNvPr>
+          <p:cNvPicPr>
+            <a:picLocks noChangeAspect="1"/>
+          </p:cNvPicPr>
+          <p:nvPr/>
+        </p:nvPicPr>
+        <p:blipFill>
+          <a:blip r:embed="rId3">
+            <a:extLst>
+              <a:ext uri="{96DAC541-7B7A-43D3-8B79-37D633B846F1}">
+                <asvg:svgBlip xmlns="" xmlns:asvg="http://schemas.microsoft.com/office/drawing/2016/SVG/main" r:embed="rId4"/>
+              </a:ext>
+            </a:extLst>
+          </a:blip>
+          <a:stretch>
+            <a:fillRect/>
+          </a:stretch>
+        </p:blipFill>
+        <p:spPr>
+          <a:xfrm>
+            <a:off x="5179401" y="994822"/>
+            <a:ext cx="3088300" cy="3097148"/>
+          </a:xfrm>
+          <a:prstGeom prst="rect">
+            <a:avLst/>
+          </a:prstGeom>
+        </p:spPr>
+      </p:pic>
+      <p:sp>
+        <p:nvSpPr>
+          <p:cNvPr id="58" name="TextBox 53">
+            <a:extLst>
+              <a:ext uri="{FF2B5EF4-FFF2-40B4-BE49-F238E27FC236}">
+                <a16:creationId xmlns="" xmlns:a16="http://schemas.microsoft.com/office/drawing/2014/main" id="{D033B628-2683-48BF-BAB5-0961F856531A}"/>
+              </a:ext>
+            </a:extLst>
+          </p:cNvPr>
+          <p:cNvSpPr txBox="1"/>
+          <p:nvPr/>
+        </p:nvSpPr>
+        <p:spPr>
+          <a:xfrm>
+            <a:off x="2077549" y="3320053"/>
+            <a:ext cx="2999276" cy="699422"/>
+          </a:xfrm>
+          <a:prstGeom prst="rect">
+            <a:avLst/>
+          </a:prstGeom>
+          <a:noFill/>
+        </p:spPr>
+        <p:txBody>
+          <a:bodyPr wrap="square" lIns="0" tIns="0" rIns="0" bIns="0" rtlCol="0">
+            <a:spAutoFit/>
+          </a:bodyPr>
+          <a:lstStyle/>
+          <a:p>
+            <a:pPr algn="just">
+              <a:lnSpc>
+                <a:spcPct val="150000"/>
+              </a:lnSpc>
+              <a:spcAft>
+                <a:spcPts val="1200"/>
+              </a:spcAft>
+            </a:pPr>
+            <a:r>
+              <a:rPr lang="zh-CN" altLang="en-US" sz="1050" dirty="0" smtClean="0">
+                <a:solidFill>
+                  <a:schemeClr val="tx1">
+                    <a:lumMod val="65000"/>
+                    <a:lumOff val="35000"/>
+                  </a:schemeClr>
+                </a:solidFill>
+                <a:cs typeface="+mn-ea"/>
+                <a:sym typeface="+mn-lt"/>
+              </a:rPr>
+              <a:t>用户</a:t>
+            </a:r>
+            <a:r>
+              <a:rPr lang="zh-CN" altLang="en-US" sz="1050" dirty="0">
+                <a:solidFill>
+                  <a:schemeClr val="tx1">
+                    <a:lumMod val="65000"/>
+                    <a:lumOff val="35000"/>
+                  </a:schemeClr>
+                </a:solidFill>
+                <a:cs typeface="+mn-ea"/>
+                <a:sym typeface="+mn-lt"/>
+              </a:rPr>
+              <a:t>交互就是，比如看到一个按钮组件、表单</a:t>
+            </a:r>
+            <a:r>
+              <a:rPr lang="zh-CN" altLang="en-US" sz="1050" dirty="0" smtClean="0">
+                <a:solidFill>
+                  <a:schemeClr val="tx1">
+                    <a:lumMod val="65000"/>
+                    <a:lumOff val="35000"/>
+                  </a:schemeClr>
+                </a:solidFill>
+                <a:cs typeface="+mn-ea"/>
+                <a:sym typeface="+mn-lt"/>
+              </a:rPr>
+              <a:t>组件</a:t>
+            </a:r>
+            <a:r>
+              <a:rPr lang="zh-CN" altLang="en-US" sz="1050" dirty="0">
+                <a:solidFill>
+                  <a:schemeClr val="tx1">
+                    <a:lumMod val="65000"/>
+                    <a:lumOff val="35000"/>
+                  </a:schemeClr>
+                </a:solidFill>
+                <a:cs typeface="+mn-ea"/>
+                <a:sym typeface="+mn-lt"/>
+              </a:rPr>
+              <a:t>我们</a:t>
+            </a:r>
+            <a:r>
+              <a:rPr lang="zh-CN" altLang="en-US" sz="1050" dirty="0" smtClean="0">
+                <a:solidFill>
+                  <a:schemeClr val="tx1">
+                    <a:lumMod val="65000"/>
+                    <a:lumOff val="35000"/>
+                  </a:schemeClr>
+                </a:solidFill>
+                <a:cs typeface="+mn-ea"/>
+                <a:sym typeface="+mn-lt"/>
+              </a:rPr>
+              <a:t>可以</a:t>
+            </a:r>
+            <a:r>
+              <a:rPr lang="zh-CN" altLang="en-US" sz="1050" dirty="0">
+                <a:solidFill>
+                  <a:schemeClr val="tx1">
+                    <a:lumMod val="65000"/>
+                    <a:lumOff val="35000"/>
+                  </a:schemeClr>
+                </a:solidFill>
+                <a:cs typeface="+mn-ea"/>
+                <a:sym typeface="+mn-lt"/>
+              </a:rPr>
+              <a:t>点击，系统能给予你相应回馈，能增删改查一系列信息或</a:t>
+            </a:r>
+            <a:r>
+              <a:rPr lang="zh-CN" altLang="en-US" sz="1050" dirty="0" smtClean="0">
+                <a:solidFill>
+                  <a:schemeClr val="tx1">
+                    <a:lumMod val="65000"/>
+                    <a:lumOff val="35000"/>
+                  </a:schemeClr>
+                </a:solidFill>
+                <a:cs typeface="+mn-ea"/>
+                <a:sym typeface="+mn-lt"/>
+              </a:rPr>
+              <a:t>数据</a:t>
+            </a:r>
+            <a:r>
+              <a:rPr lang="en-US" altLang="zh-CN" sz="1050" dirty="0">
+                <a:solidFill>
+                  <a:schemeClr val="tx1">
+                    <a:lumMod val="65000"/>
+                    <a:lumOff val="35000"/>
+                  </a:schemeClr>
+                </a:solidFill>
+                <a:cs typeface="+mn-ea"/>
+                <a:sym typeface="+mn-lt"/>
+              </a:rPr>
+              <a:t>.</a:t>
+            </a:r>
+            <a:endParaRPr lang="zh-CN" altLang="en-US" sz="1050" dirty="0">
               <a:solidFill>
-                <a:srgbClr val="FF0000"/>
+                <a:schemeClr val="tx1">
+                  <a:lumMod val="65000"/>
+                  <a:lumOff val="35000"/>
+                </a:schemeClr>
               </a:solidFill>
-              <a:latin typeface="黑体" pitchFamily="2" charset="-122"/>
-              <a:ea typeface="黑体" pitchFamily="2" charset="-122"/>
-              <a:cs typeface="经典行书简" pitchFamily="49" charset="-122"/>
+              <a:cs typeface="+mn-ea"/>
+              <a:sym typeface="+mn-lt"/>
             </a:endParaRPr>
           </a:p>
-          <a:p>
-            <a:r>
-              <a:rPr lang="zh-CN" altLang="en-US" sz="1600" dirty="0" smtClean="0">
-                <a:solidFill>
-                  <a:srgbClr val="FF0000"/>
-                </a:solidFill>
-                <a:latin typeface="黑体" pitchFamily="2" charset="-122"/>
-                <a:ea typeface="黑体" pitchFamily="2" charset="-122"/>
-                <a:cs typeface="经典行书简" pitchFamily="49" charset="-122"/>
+        </p:txBody>
+      </p:sp>
+      <p:sp>
+        <p:nvSpPr>
+          <p:cNvPr id="59" name="TextBox 53">
+            <a:extLst>
+              <a:ext uri="{FF2B5EF4-FFF2-40B4-BE49-F238E27FC236}">
+                <a16:creationId xmlns="" xmlns:a16="http://schemas.microsoft.com/office/drawing/2014/main" id="{482D7E09-347B-4C0A-8ED1-E7D1CDEF4FFB}"/>
+              </a:ext>
+            </a:extLst>
+          </p:cNvPr>
+          <p:cNvSpPr txBox="1"/>
+          <p:nvPr/>
+        </p:nvSpPr>
+        <p:spPr>
+          <a:xfrm>
+            <a:off x="1123950" y="2071248"/>
+            <a:ext cx="3156722" cy="941796"/>
+          </a:xfrm>
+          <a:prstGeom prst="rect">
+            <a:avLst/>
+          </a:prstGeom>
+          <a:noFill/>
+        </p:spPr>
+        <p:txBody>
+          <a:bodyPr wrap="square" lIns="0" tIns="0" rIns="0" bIns="0" rtlCol="0">
+            <a:spAutoFit/>
+          </a:bodyPr>
+          <a:lstStyle/>
+          <a:p>
+            <a:pPr algn="just">
+              <a:lnSpc>
+                <a:spcPct val="150000"/>
+              </a:lnSpc>
+              <a:spcAft>
+                <a:spcPts val="1200"/>
+              </a:spcAft>
+            </a:pPr>
+            <a:r>
+              <a:rPr lang="zh-CN" altLang="en-US" sz="1050" dirty="0" smtClean="0">
+                <a:solidFill>
+                  <a:schemeClr val="tx1">
+                    <a:lumMod val="65000"/>
+                    <a:lumOff val="35000"/>
+                  </a:schemeClr>
+                </a:solidFill>
+                <a:cs typeface="+mn-ea"/>
+                <a:sym typeface="+mn-lt"/>
               </a:rPr>
-              <a:t>提示：可从本职工作内容及岗位要求等方面进行思考总结</a:t>
-            </a:r>
-            <a:endParaRPr lang="zh-CN" altLang="en-US" sz="1600" dirty="0">
+              <a:t>前端</a:t>
+            </a:r>
+            <a:r>
+              <a:rPr lang="en-US" altLang="zh-CN" sz="1050" dirty="0">
+                <a:solidFill>
+                  <a:schemeClr val="tx1">
+                    <a:lumMod val="65000"/>
+                    <a:lumOff val="35000"/>
+                  </a:schemeClr>
+                </a:solidFill>
+                <a:cs typeface="+mn-ea"/>
+                <a:sym typeface="+mn-lt"/>
+              </a:rPr>
+              <a:t>UI</a:t>
+            </a:r>
+            <a:r>
+              <a:rPr lang="zh-CN" altLang="en-US" sz="1050" dirty="0">
+                <a:solidFill>
+                  <a:schemeClr val="tx1">
+                    <a:lumMod val="65000"/>
+                    <a:lumOff val="35000"/>
+                  </a:schemeClr>
+                </a:solidFill>
+                <a:cs typeface="+mn-ea"/>
+                <a:sym typeface="+mn-lt"/>
+              </a:rPr>
+              <a:t>最终实现</a:t>
+            </a:r>
+            <a:r>
+              <a:rPr lang="en-US" altLang="zh-CN" sz="1050" dirty="0">
+                <a:solidFill>
+                  <a:schemeClr val="tx1">
+                    <a:lumMod val="65000"/>
+                    <a:lumOff val="35000"/>
+                  </a:schemeClr>
+                </a:solidFill>
+                <a:cs typeface="+mn-ea"/>
+                <a:sym typeface="+mn-lt"/>
+              </a:rPr>
+              <a:t>web</a:t>
+            </a:r>
+            <a:r>
+              <a:rPr lang="zh-CN" altLang="en-US" sz="1050" dirty="0">
+                <a:solidFill>
+                  <a:schemeClr val="tx1">
+                    <a:lumMod val="65000"/>
+                    <a:lumOff val="35000"/>
+                  </a:schemeClr>
+                </a:solidFill>
+                <a:cs typeface="+mn-ea"/>
+                <a:sym typeface="+mn-lt"/>
+              </a:rPr>
+              <a:t>或移动互联网网页视觉的呈现与用户交互，视觉呈现就是</a:t>
+            </a:r>
+            <a:r>
+              <a:rPr lang="zh-CN" altLang="en-US" sz="1050" dirty="0" smtClean="0">
+                <a:solidFill>
+                  <a:schemeClr val="tx1">
+                    <a:lumMod val="65000"/>
+                    <a:lumOff val="35000"/>
+                  </a:schemeClr>
+                </a:solidFill>
+                <a:cs typeface="+mn-ea"/>
+                <a:sym typeface="+mn-lt"/>
+              </a:rPr>
+              <a:t>我们点</a:t>
+            </a:r>
+            <a:r>
+              <a:rPr lang="zh-CN" altLang="en-US" sz="1050" dirty="0">
+                <a:solidFill>
+                  <a:schemeClr val="tx1">
+                    <a:lumMod val="65000"/>
+                    <a:lumOff val="35000"/>
+                  </a:schemeClr>
+                </a:solidFill>
+                <a:cs typeface="+mn-ea"/>
+                <a:sym typeface="+mn-lt"/>
+              </a:rPr>
+              <a:t>开一个网站或</a:t>
+            </a:r>
+            <a:r>
+              <a:rPr lang="en-US" altLang="zh-CN" sz="1050" dirty="0">
+                <a:solidFill>
+                  <a:schemeClr val="tx1">
+                    <a:lumMod val="65000"/>
+                    <a:lumOff val="35000"/>
+                  </a:schemeClr>
+                </a:solidFill>
+                <a:cs typeface="+mn-ea"/>
+                <a:sym typeface="+mn-lt"/>
+              </a:rPr>
+              <a:t>APP</a:t>
+            </a:r>
+            <a:r>
+              <a:rPr lang="zh-CN" altLang="en-US" sz="1050" dirty="0">
+                <a:solidFill>
+                  <a:schemeClr val="tx1">
+                    <a:lumMod val="65000"/>
+                    <a:lumOff val="35000"/>
+                  </a:schemeClr>
+                </a:solidFill>
+                <a:cs typeface="+mn-ea"/>
+                <a:sym typeface="+mn-lt"/>
+              </a:rPr>
+              <a:t>所看到的所有东西，包括颜色，布局，特效动画、各种组件等等</a:t>
+            </a:r>
+            <a:r>
+              <a:rPr lang="zh-CN" altLang="en-US" sz="1050" dirty="0" smtClean="0">
+                <a:solidFill>
+                  <a:schemeClr val="tx1">
+                    <a:lumMod val="65000"/>
+                    <a:lumOff val="35000"/>
+                  </a:schemeClr>
+                </a:solidFill>
+                <a:cs typeface="+mn-ea"/>
+                <a:sym typeface="+mn-lt"/>
+              </a:rPr>
+              <a:t>。</a:t>
+            </a:r>
+            <a:endParaRPr lang="zh-CN" altLang="en-US" sz="1050" dirty="0">
               <a:solidFill>
-                <a:srgbClr val="FF0000"/>
+                <a:schemeClr val="tx1">
+                  <a:lumMod val="65000"/>
+                  <a:lumOff val="35000"/>
+                </a:schemeClr>
               </a:solidFill>
-              <a:latin typeface="黑体" pitchFamily="2" charset="-122"/>
-              <a:ea typeface="黑体" pitchFamily="2" charset="-122"/>
-              <a:cs typeface="经典行书简" pitchFamily="49" charset="-122"/>
+              <a:cs typeface="+mn-ea"/>
+              <a:sym typeface="+mn-lt"/>
             </a:endParaRPr>
           </a:p>
         </p:txBody>
@@ -22697,9 +24337,546 @@
   <p:timing>
     <p:tnLst>
       <p:par>
-        <p:cTn id="1" dur="indefinite" restart="never" nodeType="tmRoot"/>
+        <p:cTn id="1" dur="indefinite" restart="never" nodeType="tmRoot">
+          <p:childTnLst>
+            <p:seq concurrent="1" nextAc="seek">
+              <p:cTn id="2" dur="indefinite" nodeType="mainSeq">
+                <p:childTnLst>
+                  <p:par>
+                    <p:cTn id="3" fill="hold">
+                      <p:stCondLst>
+                        <p:cond delay="indefinite"/>
+                        <p:cond evt="onBegin" delay="0">
+                          <p:tn val="2"/>
+                        </p:cond>
+                      </p:stCondLst>
+                      <p:childTnLst>
+                        <p:par>
+                          <p:cTn id="4" fill="hold">
+                            <p:stCondLst>
+                              <p:cond delay="0"/>
+                            </p:stCondLst>
+                            <p:childTnLst>
+                              <p:par>
+                                <p:cTn id="5" presetID="42" presetClass="entr" presetSubtype="0" fill="hold" grpId="0" nodeType="withEffect">
+                                  <p:stCondLst>
+                                    <p:cond delay="0"/>
+                                  </p:stCondLst>
+                                  <p:childTnLst>
+                                    <p:set>
+                                      <p:cBhvr>
+                                        <p:cTn id="6" dur="1" fill="hold">
+                                          <p:stCondLst>
+                                            <p:cond delay="0"/>
+                                          </p:stCondLst>
+                                        </p:cTn>
+                                        <p:tgtEl>
+                                          <p:spTgt spid="54"/>
+                                        </p:tgtEl>
+                                        <p:attrNameLst>
+                                          <p:attrName>style.visibility</p:attrName>
+                                        </p:attrNameLst>
+                                      </p:cBhvr>
+                                      <p:to>
+                                        <p:strVal val="visible"/>
+                                      </p:to>
+                                    </p:set>
+                                    <p:animEffect transition="in" filter="fade">
+                                      <p:cBhvr>
+                                        <p:cTn id="7" dur="500"/>
+                                        <p:tgtEl>
+                                          <p:spTgt spid="54"/>
+                                        </p:tgtEl>
+                                      </p:cBhvr>
+                                    </p:animEffect>
+                                    <p:anim calcmode="lin" valueType="num">
+                                      <p:cBhvr>
+                                        <p:cTn id="8" dur="500" fill="hold"/>
+                                        <p:tgtEl>
+                                          <p:spTgt spid="54"/>
+                                        </p:tgtEl>
+                                        <p:attrNameLst>
+                                          <p:attrName>ppt_x</p:attrName>
+                                        </p:attrNameLst>
+                                      </p:cBhvr>
+                                      <p:tavLst>
+                                        <p:tav tm="0">
+                                          <p:val>
+                                            <p:strVal val="#ppt_x"/>
+                                          </p:val>
+                                        </p:tav>
+                                        <p:tav tm="100000">
+                                          <p:val>
+                                            <p:strVal val="#ppt_x"/>
+                                          </p:val>
+                                        </p:tav>
+                                      </p:tavLst>
+                                    </p:anim>
+                                    <p:anim calcmode="lin" valueType="num">
+                                      <p:cBhvr>
+                                        <p:cTn id="9" dur="500" fill="hold"/>
+                                        <p:tgtEl>
+                                          <p:spTgt spid="54"/>
+                                        </p:tgtEl>
+                                        <p:attrNameLst>
+                                          <p:attrName>ppt_y</p:attrName>
+                                        </p:attrNameLst>
+                                      </p:cBhvr>
+                                      <p:tavLst>
+                                        <p:tav tm="0">
+                                          <p:val>
+                                            <p:strVal val="#ppt_y+.1"/>
+                                          </p:val>
+                                        </p:tav>
+                                        <p:tav tm="100000">
+                                          <p:val>
+                                            <p:strVal val="#ppt_y"/>
+                                          </p:val>
+                                        </p:tav>
+                                      </p:tavLst>
+                                    </p:anim>
+                                  </p:childTnLst>
+                                </p:cTn>
+                              </p:par>
+                              <p:par>
+                                <p:cTn id="10" presetID="42" presetClass="entr" presetSubtype="0" fill="hold" grpId="0" nodeType="withEffect">
+                                  <p:stCondLst>
+                                    <p:cond delay="0"/>
+                                  </p:stCondLst>
+                                  <p:childTnLst>
+                                    <p:set>
+                                      <p:cBhvr>
+                                        <p:cTn id="11" dur="1" fill="hold">
+                                          <p:stCondLst>
+                                            <p:cond delay="0"/>
+                                          </p:stCondLst>
+                                        </p:cTn>
+                                        <p:tgtEl>
+                                          <p:spTgt spid="55"/>
+                                        </p:tgtEl>
+                                        <p:attrNameLst>
+                                          <p:attrName>style.visibility</p:attrName>
+                                        </p:attrNameLst>
+                                      </p:cBhvr>
+                                      <p:to>
+                                        <p:strVal val="visible"/>
+                                      </p:to>
+                                    </p:set>
+                                    <p:animEffect transition="in" filter="fade">
+                                      <p:cBhvr>
+                                        <p:cTn id="12" dur="500"/>
+                                        <p:tgtEl>
+                                          <p:spTgt spid="55"/>
+                                        </p:tgtEl>
+                                      </p:cBhvr>
+                                    </p:animEffect>
+                                    <p:anim calcmode="lin" valueType="num">
+                                      <p:cBhvr>
+                                        <p:cTn id="13" dur="500" fill="hold"/>
+                                        <p:tgtEl>
+                                          <p:spTgt spid="55"/>
+                                        </p:tgtEl>
+                                        <p:attrNameLst>
+                                          <p:attrName>ppt_x</p:attrName>
+                                        </p:attrNameLst>
+                                      </p:cBhvr>
+                                      <p:tavLst>
+                                        <p:tav tm="0">
+                                          <p:val>
+                                            <p:strVal val="#ppt_x"/>
+                                          </p:val>
+                                        </p:tav>
+                                        <p:tav tm="100000">
+                                          <p:val>
+                                            <p:strVal val="#ppt_x"/>
+                                          </p:val>
+                                        </p:tav>
+                                      </p:tavLst>
+                                    </p:anim>
+                                    <p:anim calcmode="lin" valueType="num">
+                                      <p:cBhvr>
+                                        <p:cTn id="14" dur="500" fill="hold"/>
+                                        <p:tgtEl>
+                                          <p:spTgt spid="55"/>
+                                        </p:tgtEl>
+                                        <p:attrNameLst>
+                                          <p:attrName>ppt_y</p:attrName>
+                                        </p:attrNameLst>
+                                      </p:cBhvr>
+                                      <p:tavLst>
+                                        <p:tav tm="0">
+                                          <p:val>
+                                            <p:strVal val="#ppt_y+.1"/>
+                                          </p:val>
+                                        </p:tav>
+                                        <p:tav tm="100000">
+                                          <p:val>
+                                            <p:strVal val="#ppt_y"/>
+                                          </p:val>
+                                        </p:tav>
+                                      </p:tavLst>
+                                    </p:anim>
+                                  </p:childTnLst>
+                                </p:cTn>
+                              </p:par>
+                              <p:par>
+                                <p:cTn id="15" presetID="42" presetClass="entr" presetSubtype="0" fill="hold" grpId="0" nodeType="withEffect">
+                                  <p:stCondLst>
+                                    <p:cond delay="0"/>
+                                  </p:stCondLst>
+                                  <p:childTnLst>
+                                    <p:set>
+                                      <p:cBhvr>
+                                        <p:cTn id="16" dur="1" fill="hold">
+                                          <p:stCondLst>
+                                            <p:cond delay="0"/>
+                                          </p:stCondLst>
+                                        </p:cTn>
+                                        <p:tgtEl>
+                                          <p:spTgt spid="56"/>
+                                        </p:tgtEl>
+                                        <p:attrNameLst>
+                                          <p:attrName>style.visibility</p:attrName>
+                                        </p:attrNameLst>
+                                      </p:cBhvr>
+                                      <p:to>
+                                        <p:strVal val="visible"/>
+                                      </p:to>
+                                    </p:set>
+                                    <p:animEffect transition="in" filter="fade">
+                                      <p:cBhvr>
+                                        <p:cTn id="17" dur="500"/>
+                                        <p:tgtEl>
+                                          <p:spTgt spid="56"/>
+                                        </p:tgtEl>
+                                      </p:cBhvr>
+                                    </p:animEffect>
+                                    <p:anim calcmode="lin" valueType="num">
+                                      <p:cBhvr>
+                                        <p:cTn id="18" dur="500" fill="hold"/>
+                                        <p:tgtEl>
+                                          <p:spTgt spid="56"/>
+                                        </p:tgtEl>
+                                        <p:attrNameLst>
+                                          <p:attrName>ppt_x</p:attrName>
+                                        </p:attrNameLst>
+                                      </p:cBhvr>
+                                      <p:tavLst>
+                                        <p:tav tm="0">
+                                          <p:val>
+                                            <p:strVal val="#ppt_x"/>
+                                          </p:val>
+                                        </p:tav>
+                                        <p:tav tm="100000">
+                                          <p:val>
+                                            <p:strVal val="#ppt_x"/>
+                                          </p:val>
+                                        </p:tav>
+                                      </p:tavLst>
+                                    </p:anim>
+                                    <p:anim calcmode="lin" valueType="num">
+                                      <p:cBhvr>
+                                        <p:cTn id="19" dur="500" fill="hold"/>
+                                        <p:tgtEl>
+                                          <p:spTgt spid="56"/>
+                                        </p:tgtEl>
+                                        <p:attrNameLst>
+                                          <p:attrName>ppt_y</p:attrName>
+                                        </p:attrNameLst>
+                                      </p:cBhvr>
+                                      <p:tavLst>
+                                        <p:tav tm="0">
+                                          <p:val>
+                                            <p:strVal val="#ppt_y+.1"/>
+                                          </p:val>
+                                        </p:tav>
+                                        <p:tav tm="100000">
+                                          <p:val>
+                                            <p:strVal val="#ppt_y"/>
+                                          </p:val>
+                                        </p:tav>
+                                      </p:tavLst>
+                                    </p:anim>
+                                  </p:childTnLst>
+                                </p:cTn>
+                              </p:par>
+                              <p:par>
+                                <p:cTn id="20" presetID="42" presetClass="entr" presetSubtype="0" fill="hold" grpId="0" nodeType="withEffect">
+                                  <p:stCondLst>
+                                    <p:cond delay="0"/>
+                                  </p:stCondLst>
+                                  <p:childTnLst>
+                                    <p:set>
+                                      <p:cBhvr>
+                                        <p:cTn id="21" dur="1" fill="hold">
+                                          <p:stCondLst>
+                                            <p:cond delay="0"/>
+                                          </p:stCondLst>
+                                        </p:cTn>
+                                        <p:tgtEl>
+                                          <p:spTgt spid="59"/>
+                                        </p:tgtEl>
+                                        <p:attrNameLst>
+                                          <p:attrName>style.visibility</p:attrName>
+                                        </p:attrNameLst>
+                                      </p:cBhvr>
+                                      <p:to>
+                                        <p:strVal val="visible"/>
+                                      </p:to>
+                                    </p:set>
+                                    <p:animEffect transition="in" filter="fade">
+                                      <p:cBhvr>
+                                        <p:cTn id="22" dur="500"/>
+                                        <p:tgtEl>
+                                          <p:spTgt spid="59"/>
+                                        </p:tgtEl>
+                                      </p:cBhvr>
+                                    </p:animEffect>
+                                    <p:anim calcmode="lin" valueType="num">
+                                      <p:cBhvr>
+                                        <p:cTn id="23" dur="500" fill="hold"/>
+                                        <p:tgtEl>
+                                          <p:spTgt spid="59"/>
+                                        </p:tgtEl>
+                                        <p:attrNameLst>
+                                          <p:attrName>ppt_x</p:attrName>
+                                        </p:attrNameLst>
+                                      </p:cBhvr>
+                                      <p:tavLst>
+                                        <p:tav tm="0">
+                                          <p:val>
+                                            <p:strVal val="#ppt_x"/>
+                                          </p:val>
+                                        </p:tav>
+                                        <p:tav tm="100000">
+                                          <p:val>
+                                            <p:strVal val="#ppt_x"/>
+                                          </p:val>
+                                        </p:tav>
+                                      </p:tavLst>
+                                    </p:anim>
+                                    <p:anim calcmode="lin" valueType="num">
+                                      <p:cBhvr>
+                                        <p:cTn id="24" dur="500" fill="hold"/>
+                                        <p:tgtEl>
+                                          <p:spTgt spid="59"/>
+                                        </p:tgtEl>
+                                        <p:attrNameLst>
+                                          <p:attrName>ppt_y</p:attrName>
+                                        </p:attrNameLst>
+                                      </p:cBhvr>
+                                      <p:tavLst>
+                                        <p:tav tm="0">
+                                          <p:val>
+                                            <p:strVal val="#ppt_y+.1"/>
+                                          </p:val>
+                                        </p:tav>
+                                        <p:tav tm="100000">
+                                          <p:val>
+                                            <p:strVal val="#ppt_y"/>
+                                          </p:val>
+                                        </p:tav>
+                                      </p:tavLst>
+                                    </p:anim>
+                                  </p:childTnLst>
+                                </p:cTn>
+                              </p:par>
+                              <p:par>
+                                <p:cTn id="25" presetID="42" presetClass="entr" presetSubtype="0" fill="hold" grpId="0" nodeType="withEffect">
+                                  <p:stCondLst>
+                                    <p:cond delay="0"/>
+                                  </p:stCondLst>
+                                  <p:childTnLst>
+                                    <p:set>
+                                      <p:cBhvr>
+                                        <p:cTn id="26" dur="1" fill="hold">
+                                          <p:stCondLst>
+                                            <p:cond delay="0"/>
+                                          </p:stCondLst>
+                                        </p:cTn>
+                                        <p:tgtEl>
+                                          <p:spTgt spid="58"/>
+                                        </p:tgtEl>
+                                        <p:attrNameLst>
+                                          <p:attrName>style.visibility</p:attrName>
+                                        </p:attrNameLst>
+                                      </p:cBhvr>
+                                      <p:to>
+                                        <p:strVal val="visible"/>
+                                      </p:to>
+                                    </p:set>
+                                    <p:animEffect transition="in" filter="fade">
+                                      <p:cBhvr>
+                                        <p:cTn id="27" dur="500"/>
+                                        <p:tgtEl>
+                                          <p:spTgt spid="58"/>
+                                        </p:tgtEl>
+                                      </p:cBhvr>
+                                    </p:animEffect>
+                                    <p:anim calcmode="lin" valueType="num">
+                                      <p:cBhvr>
+                                        <p:cTn id="28" dur="500" fill="hold"/>
+                                        <p:tgtEl>
+                                          <p:spTgt spid="58"/>
+                                        </p:tgtEl>
+                                        <p:attrNameLst>
+                                          <p:attrName>ppt_x</p:attrName>
+                                        </p:attrNameLst>
+                                      </p:cBhvr>
+                                      <p:tavLst>
+                                        <p:tav tm="0">
+                                          <p:val>
+                                            <p:strVal val="#ppt_x"/>
+                                          </p:val>
+                                        </p:tav>
+                                        <p:tav tm="100000">
+                                          <p:val>
+                                            <p:strVal val="#ppt_x"/>
+                                          </p:val>
+                                        </p:tav>
+                                      </p:tavLst>
+                                    </p:anim>
+                                    <p:anim calcmode="lin" valueType="num">
+                                      <p:cBhvr>
+                                        <p:cTn id="29" dur="500" fill="hold"/>
+                                        <p:tgtEl>
+                                          <p:spTgt spid="58"/>
+                                        </p:tgtEl>
+                                        <p:attrNameLst>
+                                          <p:attrName>ppt_y</p:attrName>
+                                        </p:attrNameLst>
+                                      </p:cBhvr>
+                                      <p:tavLst>
+                                        <p:tav tm="0">
+                                          <p:val>
+                                            <p:strVal val="#ppt_y+.1"/>
+                                          </p:val>
+                                        </p:tav>
+                                        <p:tav tm="100000">
+                                          <p:val>
+                                            <p:strVal val="#ppt_y"/>
+                                          </p:val>
+                                        </p:tav>
+                                      </p:tavLst>
+                                    </p:anim>
+                                  </p:childTnLst>
+                                </p:cTn>
+                              </p:par>
+                              <p:par>
+                                <p:cTn id="30" presetID="42" presetClass="entr" presetSubtype="0" fill="hold" nodeType="withEffect">
+                                  <p:stCondLst>
+                                    <p:cond delay="0"/>
+                                  </p:stCondLst>
+                                  <p:childTnLst>
+                                    <p:set>
+                                      <p:cBhvr>
+                                        <p:cTn id="31" dur="1" fill="hold">
+                                          <p:stCondLst>
+                                            <p:cond delay="0"/>
+                                          </p:stCondLst>
+                                        </p:cTn>
+                                        <p:tgtEl>
+                                          <p:spTgt spid="57"/>
+                                        </p:tgtEl>
+                                        <p:attrNameLst>
+                                          <p:attrName>style.visibility</p:attrName>
+                                        </p:attrNameLst>
+                                      </p:cBhvr>
+                                      <p:to>
+                                        <p:strVal val="visible"/>
+                                      </p:to>
+                                    </p:set>
+                                    <p:animEffect transition="in" filter="fade">
+                                      <p:cBhvr>
+                                        <p:cTn id="32" dur="500"/>
+                                        <p:tgtEl>
+                                          <p:spTgt spid="57"/>
+                                        </p:tgtEl>
+                                      </p:cBhvr>
+                                    </p:animEffect>
+                                    <p:anim calcmode="lin" valueType="num">
+                                      <p:cBhvr>
+                                        <p:cTn id="33" dur="500" fill="hold"/>
+                                        <p:tgtEl>
+                                          <p:spTgt spid="57"/>
+                                        </p:tgtEl>
+                                        <p:attrNameLst>
+                                          <p:attrName>ppt_x</p:attrName>
+                                        </p:attrNameLst>
+                                      </p:cBhvr>
+                                      <p:tavLst>
+                                        <p:tav tm="0">
+                                          <p:val>
+                                            <p:strVal val="#ppt_x"/>
+                                          </p:val>
+                                        </p:tav>
+                                        <p:tav tm="100000">
+                                          <p:val>
+                                            <p:strVal val="#ppt_x"/>
+                                          </p:val>
+                                        </p:tav>
+                                      </p:tavLst>
+                                    </p:anim>
+                                    <p:anim calcmode="lin" valueType="num">
+                                      <p:cBhvr>
+                                        <p:cTn id="34" dur="500" fill="hold"/>
+                                        <p:tgtEl>
+                                          <p:spTgt spid="57"/>
+                                        </p:tgtEl>
+                                        <p:attrNameLst>
+                                          <p:attrName>ppt_y</p:attrName>
+                                        </p:attrNameLst>
+                                      </p:cBhvr>
+                                      <p:tavLst>
+                                        <p:tav tm="0">
+                                          <p:val>
+                                            <p:strVal val="#ppt_y+.1"/>
+                                          </p:val>
+                                        </p:tav>
+                                        <p:tav tm="100000">
+                                          <p:val>
+                                            <p:strVal val="#ppt_y"/>
+                                          </p:val>
+                                        </p:tav>
+                                      </p:tavLst>
+                                    </p:anim>
+                                  </p:childTnLst>
+                                </p:cTn>
+                              </p:par>
+                            </p:childTnLst>
+                          </p:cTn>
+                        </p:par>
+                      </p:childTnLst>
+                    </p:cTn>
+                  </p:par>
+                </p:childTnLst>
+              </p:cTn>
+              <p:prevCondLst>
+                <p:cond evt="onPrev" delay="0">
+                  <p:tgtEl>
+                    <p:sldTgt/>
+                  </p:tgtEl>
+                </p:cond>
+              </p:prevCondLst>
+              <p:nextCondLst>
+                <p:cond evt="onNext" delay="0">
+                  <p:tgtEl>
+                    <p:sldTgt/>
+                  </p:tgtEl>
+                </p:cond>
+              </p:nextCondLst>
+            </p:seq>
+          </p:childTnLst>
+        </p:cTn>
       </p:par>
     </p:tnLst>
+    <p:bldLst>
+      <p:bldP spid="54" grpId="0"/>
+      <p:bldP spid="55" grpId="0"/>
+      <p:bldP spid="56" grpId="0"/>
+      <p:bldP spid="58" grpId="0"/>
+      <p:bldP spid="59" grpId="0"/>
+    </p:bldLst>
   </p:timing>
 </p:sld>
 </file>
@@ -24045,18 +26222,7 @@
                 <a:ea typeface="黑体" pitchFamily="2" charset="-122"/>
                 <a:cs typeface="经典行书简" pitchFamily="49" charset="-122"/>
               </a:rPr>
-              <a:t>从角色转变、熟悉公司环境</a:t>
-            </a:r>
-            <a:r>
-              <a:rPr lang="zh-CN" altLang="en-US" sz="2400" dirty="0">
-                <a:solidFill>
-                  <a:srgbClr val="FF0000"/>
-                </a:solidFill>
-                <a:latin typeface="黑体" pitchFamily="2" charset="-122"/>
-                <a:ea typeface="黑体" pitchFamily="2" charset="-122"/>
-                <a:cs typeface="经典行书简" pitchFamily="49" charset="-122"/>
-              </a:rPr>
-              <a:t>、学习</a:t>
+              <a:t>从角色转变、熟悉公司环境、学习</a:t>
             </a:r>
             <a:r>
               <a:rPr lang="zh-CN" altLang="en-US" sz="2400" dirty="0" smtClean="0">
@@ -24326,815 +26492,16 @@
           <a:chExt cx="0" cy="0"/>
         </a:xfrm>
       </p:grpSpPr>
-      <p:pic>
-        <p:nvPicPr>
-          <p:cNvPr id="3" name="图片 2" descr="图片1231121"/>
-          <p:cNvPicPr>
-            <a:picLocks noChangeAspect="1"/>
-          </p:cNvPicPr>
-          <p:nvPr/>
-        </p:nvPicPr>
-        <p:blipFill>
-          <a:blip r:embed="rId3"/>
-          <a:stretch>
-            <a:fillRect/>
-          </a:stretch>
-        </p:blipFill>
-        <p:spPr>
-          <a:xfrm>
-            <a:off x="5330550" y="2233930"/>
-            <a:ext cx="3551815" cy="2138400"/>
-          </a:xfrm>
-          <a:prstGeom prst="rect">
-            <a:avLst/>
-          </a:prstGeom>
-        </p:spPr>
-      </p:pic>
-      <p:sp>
-        <p:nvSpPr>
-          <p:cNvPr id="5" name="任意多边形: 形状 4"/>
-          <p:cNvSpPr/>
-          <p:nvPr/>
-        </p:nvSpPr>
-        <p:spPr>
-          <a:xfrm flipH="1" flipV="1">
-            <a:off x="-28800" y="828589"/>
-            <a:ext cx="4098786" cy="2043589"/>
-          </a:xfrm>
-          <a:custGeom>
-            <a:avLst/>
-            <a:gdLst>
-              <a:gd name="connsiteX0" fmla="*/ 6312310 w 6312310"/>
-              <a:gd name="connsiteY0" fmla="*/ 0 h 2625213"/>
-              <a:gd name="connsiteX1" fmla="*/ 1553497 w 6312310"/>
-              <a:gd name="connsiteY1" fmla="*/ 19665 h 2625213"/>
-              <a:gd name="connsiteX2" fmla="*/ 0 w 6312310"/>
-              <a:gd name="connsiteY2" fmla="*/ 2625213 h 2625213"/>
-              <a:gd name="connsiteX3" fmla="*/ 6312310 w 6312310"/>
-              <a:gd name="connsiteY3" fmla="*/ 2625213 h 2625213"/>
-              <a:gd name="connsiteX4" fmla="*/ 6312310 w 6312310"/>
-              <a:gd name="connsiteY4" fmla="*/ 0 h 2625213"/>
-            </a:gdLst>
-            <a:ahLst/>
-            <a:cxnLst>
-              <a:cxn ang="0">
-                <a:pos x="connsiteX0" y="connsiteY0"/>
-              </a:cxn>
-              <a:cxn ang="0">
-                <a:pos x="connsiteX1" y="connsiteY1"/>
-              </a:cxn>
-              <a:cxn ang="0">
-                <a:pos x="connsiteX2" y="connsiteY2"/>
-              </a:cxn>
-              <a:cxn ang="0">
-                <a:pos x="connsiteX3" y="connsiteY3"/>
-              </a:cxn>
-              <a:cxn ang="0">
-                <a:pos x="connsiteX4" y="connsiteY4"/>
-              </a:cxn>
-            </a:cxnLst>
-            <a:rect l="l" t="t" r="r" b="b"/>
-            <a:pathLst>
-              <a:path w="6312310" h="2625213">
-                <a:moveTo>
-                  <a:pt x="6312310" y="0"/>
-                </a:moveTo>
-                <a:lnTo>
-                  <a:pt x="1553497" y="19665"/>
-                </a:lnTo>
-                <a:lnTo>
-                  <a:pt x="0" y="2625213"/>
-                </a:lnTo>
-                <a:lnTo>
-                  <a:pt x="6312310" y="2625213"/>
-                </a:lnTo>
-                <a:lnTo>
-                  <a:pt x="6312310" y="0"/>
-                </a:lnTo>
-                <a:close/>
-              </a:path>
-            </a:pathLst>
-          </a:custGeom>
-          <a:solidFill>
-            <a:srgbClr val="0180CD"/>
-          </a:solidFill>
-          <a:ln>
-            <a:noFill/>
-          </a:ln>
-        </p:spPr>
-        <p:style>
-          <a:lnRef idx="2">
-            <a:schemeClr val="accent1">
-              <a:shade val="50000"/>
-            </a:schemeClr>
-          </a:lnRef>
-          <a:fillRef idx="1">
-            <a:schemeClr val="accent1"/>
-          </a:fillRef>
-          <a:effectRef idx="0">
-            <a:schemeClr val="accent1"/>
-          </a:effectRef>
-          <a:fontRef idx="minor">
-            <a:schemeClr val="lt1"/>
-          </a:fontRef>
-        </p:style>
-        <p:txBody>
-          <a:bodyPr rtlCol="0" anchor="ctr"/>
-          <a:lstStyle/>
-          <a:p>
-            <a:pPr marL="0" marR="0" lvl="0" indent="0" algn="ctr" defTabSz="914400" rtl="0" eaLnBrk="1" fontAlgn="auto" latinLnBrk="0" hangingPunct="1">
-              <a:lnSpc>
-                <a:spcPct val="100000"/>
-              </a:lnSpc>
-              <a:spcBef>
-                <a:spcPts val="0"/>
-              </a:spcBef>
-              <a:spcAft>
-                <a:spcPts val="0"/>
-              </a:spcAft>
-              <a:buClrTx/>
-              <a:buSzTx/>
-              <a:buFontTx/>
-              <a:buNone/>
-              <a:defRPr/>
-            </a:pPr>
-            <a:endParaRPr kumimoji="0" lang="zh-CN" altLang="en-US" sz="1800" b="0" i="0" u="none" strike="noStrike" kern="1200" cap="none" spc="0" normalizeH="0" baseline="0" noProof="0">
-              <a:ln>
-                <a:noFill/>
-              </a:ln>
-              <a:solidFill>
-                <a:prstClr val="white"/>
-              </a:solidFill>
-              <a:effectLst/>
-              <a:uLnTx/>
-              <a:uFillTx/>
-              <a:latin typeface="等线" panose="020F0502020204030204"/>
-              <a:ea typeface="等线" panose="02010600030101010101" pitchFamily="2" charset="-122"/>
-              <a:cs typeface="+mn-cs"/>
-            </a:endParaRPr>
-          </a:p>
-        </p:txBody>
-      </p:sp>
-      <p:sp>
-        <p:nvSpPr>
-          <p:cNvPr id="6" name="TextBox 12"/>
-          <p:cNvSpPr txBox="1">
-            <a:spLocks noChangeArrowheads="1"/>
-          </p:cNvSpPr>
-          <p:nvPr/>
-        </p:nvSpPr>
-        <p:spPr bwMode="auto">
-          <a:xfrm>
-            <a:off x="2300479" y="1430156"/>
-            <a:ext cx="800461" cy="1422657"/>
-          </a:xfrm>
-          <a:prstGeom prst="rect">
-            <a:avLst/>
-          </a:prstGeom>
-          <a:noFill/>
-          <a:ln>
-            <a:noFill/>
-          </a:ln>
-          <a:extLst>
-            <a:ext uri="{909E8E84-426E-40DD-AFC4-6F175D3DCCD1}">
-              <a14:hiddenFill xmlns:a14="http://schemas.microsoft.com/office/drawing/2010/main">
-                <a:solidFill>
-                  <a:srgbClr val="FFFFFF"/>
-                </a:solidFill>
-              </a14:hiddenFill>
-            </a:ext>
-            <a:ext uri="{91240B29-F687-4F45-9708-019B960494DF}">
-              <a14:hiddenLine xmlns:a14="http://schemas.microsoft.com/office/drawing/2010/main" w="9525">
-                <a:solidFill>
-                  <a:srgbClr val="000000"/>
-                </a:solidFill>
-                <a:miter lim="800000"/>
-                <a:headEnd/>
-                <a:tailEnd/>
-              </a14:hiddenLine>
-            </a:ext>
-          </a:extLst>
-        </p:spPr>
-        <p:txBody>
-          <a:bodyPr wrap="none" lIns="68541" tIns="34270" rIns="68541" bIns="34270">
-            <a:spAutoFit/>
-          </a:bodyPr>
-          <a:lstStyle>
-            <a:lvl1pPr eaLnBrk="0" hangingPunct="0">
-              <a:defRPr>
-                <a:solidFill>
-                  <a:schemeClr val="tx1"/>
-                </a:solidFill>
-                <a:latin typeface="Arial" panose="020B0604020202020204" pitchFamily="34" charset="0"/>
-                <a:ea typeface="宋体" panose="02010600030101010101" pitchFamily="2" charset="-122"/>
-              </a:defRPr>
-            </a:lvl1pPr>
-            <a:lvl2pPr marL="742950" indent="-285750" eaLnBrk="0" hangingPunct="0">
-              <a:defRPr>
-                <a:solidFill>
-                  <a:schemeClr val="tx1"/>
-                </a:solidFill>
-                <a:latin typeface="Arial" panose="020B0604020202020204" pitchFamily="34" charset="0"/>
-                <a:ea typeface="宋体" panose="02010600030101010101" pitchFamily="2" charset="-122"/>
-              </a:defRPr>
-            </a:lvl2pPr>
-            <a:lvl3pPr marL="1143000" indent="-228600" eaLnBrk="0" hangingPunct="0">
-              <a:defRPr>
-                <a:solidFill>
-                  <a:schemeClr val="tx1"/>
-                </a:solidFill>
-                <a:latin typeface="Arial" panose="020B0604020202020204" pitchFamily="34" charset="0"/>
-                <a:ea typeface="宋体" panose="02010600030101010101" pitchFamily="2" charset="-122"/>
-              </a:defRPr>
-            </a:lvl3pPr>
-            <a:lvl4pPr marL="1600200" indent="-228600" eaLnBrk="0" hangingPunct="0">
-              <a:defRPr>
-                <a:solidFill>
-                  <a:schemeClr val="tx1"/>
-                </a:solidFill>
-                <a:latin typeface="Arial" panose="020B0604020202020204" pitchFamily="34" charset="0"/>
-                <a:ea typeface="宋体" panose="02010600030101010101" pitchFamily="2" charset="-122"/>
-              </a:defRPr>
-            </a:lvl4pPr>
-            <a:lvl5pPr marL="2057400" indent="-228600" eaLnBrk="0" hangingPunct="0">
-              <a:defRPr>
-                <a:solidFill>
-                  <a:schemeClr val="tx1"/>
-                </a:solidFill>
-                <a:latin typeface="Arial" panose="020B0604020202020204" pitchFamily="34" charset="0"/>
-                <a:ea typeface="宋体" panose="02010600030101010101" pitchFamily="2" charset="-122"/>
-              </a:defRPr>
-            </a:lvl5pPr>
-            <a:lvl6pPr marL="2514600" indent="-228600" eaLnBrk="0" fontAlgn="base" hangingPunct="0">
-              <a:spcBef>
-                <a:spcPct val="0"/>
-              </a:spcBef>
-              <a:spcAft>
-                <a:spcPct val="0"/>
-              </a:spcAft>
-              <a:buFont typeface="Arial" panose="020B0604020202020204" pitchFamily="34" charset="0"/>
-              <a:defRPr>
-                <a:solidFill>
-                  <a:schemeClr val="tx1"/>
-                </a:solidFill>
-                <a:latin typeface="Arial" panose="020B0604020202020204" pitchFamily="34" charset="0"/>
-                <a:ea typeface="宋体" panose="02010600030101010101" pitchFamily="2" charset="-122"/>
-              </a:defRPr>
-            </a:lvl6pPr>
-            <a:lvl7pPr marL="2971800" indent="-228600" eaLnBrk="0" fontAlgn="base" hangingPunct="0">
-              <a:spcBef>
-                <a:spcPct val="0"/>
-              </a:spcBef>
-              <a:spcAft>
-                <a:spcPct val="0"/>
-              </a:spcAft>
-              <a:buFont typeface="Arial" panose="020B0604020202020204" pitchFamily="34" charset="0"/>
-              <a:defRPr>
-                <a:solidFill>
-                  <a:schemeClr val="tx1"/>
-                </a:solidFill>
-                <a:latin typeface="Arial" panose="020B0604020202020204" pitchFamily="34" charset="0"/>
-                <a:ea typeface="宋体" panose="02010600030101010101" pitchFamily="2" charset="-122"/>
-              </a:defRPr>
-            </a:lvl7pPr>
-            <a:lvl8pPr marL="3429000" indent="-228600" eaLnBrk="0" fontAlgn="base" hangingPunct="0">
-              <a:spcBef>
-                <a:spcPct val="0"/>
-              </a:spcBef>
-              <a:spcAft>
-                <a:spcPct val="0"/>
-              </a:spcAft>
-              <a:buFont typeface="Arial" panose="020B0604020202020204" pitchFamily="34" charset="0"/>
-              <a:defRPr>
-                <a:solidFill>
-                  <a:schemeClr val="tx1"/>
-                </a:solidFill>
-                <a:latin typeface="Arial" panose="020B0604020202020204" pitchFamily="34" charset="0"/>
-                <a:ea typeface="宋体" panose="02010600030101010101" pitchFamily="2" charset="-122"/>
-              </a:defRPr>
-            </a:lvl8pPr>
-            <a:lvl9pPr marL="3886200" indent="-228600" eaLnBrk="0" fontAlgn="base" hangingPunct="0">
-              <a:spcBef>
-                <a:spcPct val="0"/>
-              </a:spcBef>
-              <a:spcAft>
-                <a:spcPct val="0"/>
-              </a:spcAft>
-              <a:buFont typeface="Arial" panose="020B0604020202020204" pitchFamily="34" charset="0"/>
-              <a:defRPr>
-                <a:solidFill>
-                  <a:schemeClr val="tx1"/>
-                </a:solidFill>
-                <a:latin typeface="Arial" panose="020B0604020202020204" pitchFamily="34" charset="0"/>
-                <a:ea typeface="宋体" panose="02010600030101010101" pitchFamily="2" charset="-122"/>
-              </a:defRPr>
-            </a:lvl9pPr>
-          </a:lstStyle>
-          <a:p>
-            <a:pPr marL="0" marR="0" lvl="0" indent="0" algn="l" defTabSz="914400" rtl="0" eaLnBrk="1" fontAlgn="auto" latinLnBrk="0" hangingPunct="1">
-              <a:lnSpc>
-                <a:spcPct val="100000"/>
-              </a:lnSpc>
-              <a:spcBef>
-                <a:spcPts val="0"/>
-              </a:spcBef>
-              <a:spcAft>
-                <a:spcPts val="0"/>
-              </a:spcAft>
-              <a:buClrTx/>
-              <a:buSzTx/>
-              <a:buFontTx/>
-              <a:buNone/>
-              <a:defRPr/>
-            </a:pPr>
-            <a:r>
-              <a:rPr kumimoji="0" lang="en-US" altLang="zh-CN" sz="8795" b="0" i="0" u="none" strike="noStrike" kern="1200" cap="none" spc="0" normalizeH="0" baseline="0" noProof="0" dirty="0" smtClean="0">
-                <a:ln>
-                  <a:noFill/>
-                </a:ln>
-                <a:solidFill>
-                  <a:prstClr val="white"/>
-                </a:solidFill>
-                <a:effectLst>
-                  <a:outerShdw blurRad="38100" dist="38100" dir="2700000" algn="tl">
-                    <a:srgbClr val="000000">
-                      <a:alpha val="43137"/>
-                    </a:srgbClr>
-                  </a:outerShdw>
-                </a:effectLst>
-                <a:uLnTx/>
-                <a:uFillTx/>
-                <a:latin typeface="微软雅黑" panose="020B0503020204020204" pitchFamily="34" charset="-122"/>
-                <a:ea typeface="微软雅黑" panose="020B0503020204020204" pitchFamily="34" charset="-122"/>
-                <a:cs typeface="+mn-cs"/>
-              </a:rPr>
-              <a:t>3</a:t>
-            </a:r>
-            <a:endParaRPr kumimoji="0" lang="zh-CN" altLang="en-US" sz="8795" b="0" i="0" u="none" strike="noStrike" kern="1200" cap="none" spc="0" normalizeH="0" baseline="0" noProof="0" dirty="0">
-              <a:ln>
-                <a:noFill/>
-              </a:ln>
-              <a:solidFill>
-                <a:prstClr val="white"/>
-              </a:solidFill>
-              <a:effectLst>
-                <a:outerShdw blurRad="38100" dist="38100" dir="2700000" algn="tl">
-                  <a:srgbClr val="000000">
-                    <a:alpha val="43137"/>
-                  </a:srgbClr>
-                </a:outerShdw>
-              </a:effectLst>
-              <a:uLnTx/>
-              <a:uFillTx/>
-              <a:latin typeface="微软雅黑" panose="020B0503020204020204" pitchFamily="34" charset="-122"/>
-              <a:ea typeface="微软雅黑" panose="020B0503020204020204" pitchFamily="34" charset="-122"/>
-              <a:cs typeface="+mn-cs"/>
-            </a:endParaRPr>
-          </a:p>
-        </p:txBody>
-      </p:sp>
-      <p:sp>
-        <p:nvSpPr>
-          <p:cNvPr id="7" name="TextBox 2"/>
-          <p:cNvSpPr txBox="1">
-            <a:spLocks noChangeArrowheads="1"/>
-          </p:cNvSpPr>
-          <p:nvPr/>
-        </p:nvSpPr>
-        <p:spPr bwMode="auto">
-          <a:xfrm>
-            <a:off x="1456132" y="2139703"/>
-            <a:ext cx="1018416" cy="500097"/>
-          </a:xfrm>
-          <a:prstGeom prst="rect">
-            <a:avLst/>
-          </a:prstGeom>
-          <a:noFill/>
-          <a:ln>
-            <a:noFill/>
-          </a:ln>
-          <a:extLst>
-            <a:ext uri="{909E8E84-426E-40DD-AFC4-6F175D3DCCD1}">
-              <a14:hiddenFill xmlns:a14="http://schemas.microsoft.com/office/drawing/2010/main">
-                <a:solidFill>
-                  <a:srgbClr val="FFFFFF"/>
-                </a:solidFill>
-              </a14:hiddenFill>
-            </a:ext>
-            <a:ext uri="{91240B29-F687-4F45-9708-019B960494DF}">
-              <a14:hiddenLine xmlns:a14="http://schemas.microsoft.com/office/drawing/2010/main" w="9525">
-                <a:solidFill>
-                  <a:srgbClr val="000000"/>
-                </a:solidFill>
-                <a:miter lim="800000"/>
-                <a:headEnd/>
-                <a:tailEnd/>
-              </a14:hiddenLine>
-            </a:ext>
-          </a:extLst>
-        </p:spPr>
-        <p:txBody>
-          <a:bodyPr wrap="square" lIns="68541" tIns="34270" rIns="68541" bIns="34270">
-            <a:spAutoFit/>
-          </a:bodyPr>
-          <a:lstStyle>
-            <a:lvl1pPr eaLnBrk="0" hangingPunct="0">
-              <a:defRPr>
-                <a:solidFill>
-                  <a:schemeClr val="tx1"/>
-                </a:solidFill>
-                <a:latin typeface="Arial" panose="020B0604020202020204" pitchFamily="34" charset="0"/>
-                <a:ea typeface="宋体" panose="02010600030101010101" pitchFamily="2" charset="-122"/>
-              </a:defRPr>
-            </a:lvl1pPr>
-            <a:lvl2pPr marL="742950" indent="-285750" eaLnBrk="0" hangingPunct="0">
-              <a:defRPr>
-                <a:solidFill>
-                  <a:schemeClr val="tx1"/>
-                </a:solidFill>
-                <a:latin typeface="Arial" panose="020B0604020202020204" pitchFamily="34" charset="0"/>
-                <a:ea typeface="宋体" panose="02010600030101010101" pitchFamily="2" charset="-122"/>
-              </a:defRPr>
-            </a:lvl2pPr>
-            <a:lvl3pPr marL="1143000" indent="-228600" eaLnBrk="0" hangingPunct="0">
-              <a:defRPr>
-                <a:solidFill>
-                  <a:schemeClr val="tx1"/>
-                </a:solidFill>
-                <a:latin typeface="Arial" panose="020B0604020202020204" pitchFamily="34" charset="0"/>
-                <a:ea typeface="宋体" panose="02010600030101010101" pitchFamily="2" charset="-122"/>
-              </a:defRPr>
-            </a:lvl3pPr>
-            <a:lvl4pPr marL="1600200" indent="-228600" eaLnBrk="0" hangingPunct="0">
-              <a:defRPr>
-                <a:solidFill>
-                  <a:schemeClr val="tx1"/>
-                </a:solidFill>
-                <a:latin typeface="Arial" panose="020B0604020202020204" pitchFamily="34" charset="0"/>
-                <a:ea typeface="宋体" panose="02010600030101010101" pitchFamily="2" charset="-122"/>
-              </a:defRPr>
-            </a:lvl4pPr>
-            <a:lvl5pPr marL="2057400" indent="-228600" eaLnBrk="0" hangingPunct="0">
-              <a:defRPr>
-                <a:solidFill>
-                  <a:schemeClr val="tx1"/>
-                </a:solidFill>
-                <a:latin typeface="Arial" panose="020B0604020202020204" pitchFamily="34" charset="0"/>
-                <a:ea typeface="宋体" panose="02010600030101010101" pitchFamily="2" charset="-122"/>
-              </a:defRPr>
-            </a:lvl5pPr>
-            <a:lvl6pPr marL="2514600" indent="-228600" eaLnBrk="0" fontAlgn="base" hangingPunct="0">
-              <a:spcBef>
-                <a:spcPct val="0"/>
-              </a:spcBef>
-              <a:spcAft>
-                <a:spcPct val="0"/>
-              </a:spcAft>
-              <a:buFont typeface="Arial" panose="020B0604020202020204" pitchFamily="34" charset="0"/>
-              <a:defRPr>
-                <a:solidFill>
-                  <a:schemeClr val="tx1"/>
-                </a:solidFill>
-                <a:latin typeface="Arial" panose="020B0604020202020204" pitchFamily="34" charset="0"/>
-                <a:ea typeface="宋体" panose="02010600030101010101" pitchFamily="2" charset="-122"/>
-              </a:defRPr>
-            </a:lvl6pPr>
-            <a:lvl7pPr marL="2971800" indent="-228600" eaLnBrk="0" fontAlgn="base" hangingPunct="0">
-              <a:spcBef>
-                <a:spcPct val="0"/>
-              </a:spcBef>
-              <a:spcAft>
-                <a:spcPct val="0"/>
-              </a:spcAft>
-              <a:buFont typeface="Arial" panose="020B0604020202020204" pitchFamily="34" charset="0"/>
-              <a:defRPr>
-                <a:solidFill>
-                  <a:schemeClr val="tx1"/>
-                </a:solidFill>
-                <a:latin typeface="Arial" panose="020B0604020202020204" pitchFamily="34" charset="0"/>
-                <a:ea typeface="宋体" panose="02010600030101010101" pitchFamily="2" charset="-122"/>
-              </a:defRPr>
-            </a:lvl7pPr>
-            <a:lvl8pPr marL="3429000" indent="-228600" eaLnBrk="0" fontAlgn="base" hangingPunct="0">
-              <a:spcBef>
-                <a:spcPct val="0"/>
-              </a:spcBef>
-              <a:spcAft>
-                <a:spcPct val="0"/>
-              </a:spcAft>
-              <a:buFont typeface="Arial" panose="020B0604020202020204" pitchFamily="34" charset="0"/>
-              <a:defRPr>
-                <a:solidFill>
-                  <a:schemeClr val="tx1"/>
-                </a:solidFill>
-                <a:latin typeface="Arial" panose="020B0604020202020204" pitchFamily="34" charset="0"/>
-                <a:ea typeface="宋体" panose="02010600030101010101" pitchFamily="2" charset="-122"/>
-              </a:defRPr>
-            </a:lvl8pPr>
-            <a:lvl9pPr marL="3886200" indent="-228600" eaLnBrk="0" fontAlgn="base" hangingPunct="0">
-              <a:spcBef>
-                <a:spcPct val="0"/>
-              </a:spcBef>
-              <a:spcAft>
-                <a:spcPct val="0"/>
-              </a:spcAft>
-              <a:buFont typeface="Arial" panose="020B0604020202020204" pitchFamily="34" charset="0"/>
-              <a:defRPr>
-                <a:solidFill>
-                  <a:schemeClr val="tx1"/>
-                </a:solidFill>
-                <a:latin typeface="Arial" panose="020B0604020202020204" pitchFamily="34" charset="0"/>
-                <a:ea typeface="宋体" panose="02010600030101010101" pitchFamily="2" charset="-122"/>
-              </a:defRPr>
-            </a:lvl9pPr>
-          </a:lstStyle>
-          <a:p>
-            <a:pPr marL="0" marR="0" lvl="0" indent="0" algn="l" defTabSz="914400" rtl="0" eaLnBrk="1" fontAlgn="auto" latinLnBrk="0" hangingPunct="1">
-              <a:lnSpc>
-                <a:spcPct val="100000"/>
-              </a:lnSpc>
-              <a:spcBef>
-                <a:spcPts val="0"/>
-              </a:spcBef>
-              <a:spcAft>
-                <a:spcPts val="0"/>
-              </a:spcAft>
-              <a:buClrTx/>
-              <a:buSzTx/>
-              <a:buFontTx/>
-              <a:buNone/>
-              <a:defRPr/>
-            </a:pPr>
-            <a:r>
-              <a:rPr kumimoji="0" lang="en-US" altLang="zh-CN" sz="2800" b="0" i="0" u="none" strike="noStrike" kern="1200" cap="none" spc="0" normalizeH="0" baseline="0" noProof="0" dirty="0">
-                <a:ln>
-                  <a:noFill/>
-                </a:ln>
-                <a:solidFill>
-                  <a:srgbClr val="FFFFFF"/>
-                </a:solidFill>
-                <a:effectLst/>
-                <a:uLnTx/>
-                <a:uFillTx/>
-                <a:latin typeface="Arial" panose="020B0604020202020204" pitchFamily="34" charset="0"/>
-                <a:ea typeface="宋体" panose="02010600030101010101" pitchFamily="2" charset="-122"/>
-                <a:cs typeface="+mn-cs"/>
-              </a:rPr>
-              <a:t>Part</a:t>
-            </a:r>
-            <a:endParaRPr kumimoji="0" lang="zh-CN" altLang="en-US" sz="2800" b="0" i="0" u="none" strike="noStrike" kern="1200" cap="none" spc="0" normalizeH="0" baseline="0" noProof="0" dirty="0">
-              <a:ln>
-                <a:noFill/>
-              </a:ln>
-              <a:solidFill>
-                <a:srgbClr val="FFFFFF"/>
-              </a:solidFill>
-              <a:effectLst/>
-              <a:uLnTx/>
-              <a:uFillTx/>
-              <a:latin typeface="Arial" panose="020B0604020202020204" pitchFamily="34" charset="0"/>
-              <a:ea typeface="宋体" panose="02010600030101010101" pitchFamily="2" charset="-122"/>
-              <a:cs typeface="+mn-cs"/>
-            </a:endParaRPr>
-          </a:p>
-        </p:txBody>
-      </p:sp>
-      <p:sp>
-        <p:nvSpPr>
-          <p:cNvPr id="8" name="TextBox 11"/>
-          <p:cNvSpPr txBox="1">
-            <a:spLocks noChangeArrowheads="1"/>
-          </p:cNvSpPr>
-          <p:nvPr/>
-        </p:nvSpPr>
-        <p:spPr bwMode="auto">
-          <a:xfrm>
-            <a:off x="3131840" y="2503701"/>
-            <a:ext cx="2651929" cy="500097"/>
-          </a:xfrm>
-          <a:prstGeom prst="rect">
-            <a:avLst/>
-          </a:prstGeom>
-          <a:noFill/>
-          <a:ln>
-            <a:noFill/>
-          </a:ln>
-          <a:extLst>
-            <a:ext uri="{909E8E84-426E-40DD-AFC4-6F175D3DCCD1}">
-              <a14:hiddenFill xmlns:a14="http://schemas.microsoft.com/office/drawing/2010/main">
-                <a:solidFill>
-                  <a:srgbClr val="FFFFFF"/>
-                </a:solidFill>
-              </a14:hiddenFill>
-            </a:ext>
-            <a:ext uri="{91240B29-F687-4F45-9708-019B960494DF}">
-              <a14:hiddenLine xmlns:a14="http://schemas.microsoft.com/office/drawing/2010/main" w="9525">
-                <a:solidFill>
-                  <a:srgbClr val="000000"/>
-                </a:solidFill>
-                <a:miter lim="800000"/>
-                <a:headEnd/>
-                <a:tailEnd/>
-              </a14:hiddenLine>
-            </a:ext>
-          </a:extLst>
-        </p:spPr>
-        <p:txBody>
-          <a:bodyPr wrap="none" lIns="68541" tIns="34270" rIns="68541" bIns="34270">
-            <a:spAutoFit/>
-          </a:bodyPr>
-          <a:lstStyle>
-            <a:lvl1pPr eaLnBrk="0" hangingPunct="0">
-              <a:defRPr>
-                <a:solidFill>
-                  <a:schemeClr val="tx1"/>
-                </a:solidFill>
-                <a:latin typeface="Arial" panose="020B0604020202020204" pitchFamily="34" charset="0"/>
-                <a:ea typeface="宋体" panose="02010600030101010101" pitchFamily="2" charset="-122"/>
-              </a:defRPr>
-            </a:lvl1pPr>
-            <a:lvl2pPr marL="742950" indent="-285750" eaLnBrk="0" hangingPunct="0">
-              <a:defRPr>
-                <a:solidFill>
-                  <a:schemeClr val="tx1"/>
-                </a:solidFill>
-                <a:latin typeface="Arial" panose="020B0604020202020204" pitchFamily="34" charset="0"/>
-                <a:ea typeface="宋体" panose="02010600030101010101" pitchFamily="2" charset="-122"/>
-              </a:defRPr>
-            </a:lvl2pPr>
-            <a:lvl3pPr marL="1143000" indent="-228600" eaLnBrk="0" hangingPunct="0">
-              <a:defRPr>
-                <a:solidFill>
-                  <a:schemeClr val="tx1"/>
-                </a:solidFill>
-                <a:latin typeface="Arial" panose="020B0604020202020204" pitchFamily="34" charset="0"/>
-                <a:ea typeface="宋体" panose="02010600030101010101" pitchFamily="2" charset="-122"/>
-              </a:defRPr>
-            </a:lvl3pPr>
-            <a:lvl4pPr marL="1600200" indent="-228600" eaLnBrk="0" hangingPunct="0">
-              <a:defRPr>
-                <a:solidFill>
-                  <a:schemeClr val="tx1"/>
-                </a:solidFill>
-                <a:latin typeface="Arial" panose="020B0604020202020204" pitchFamily="34" charset="0"/>
-                <a:ea typeface="宋体" panose="02010600030101010101" pitchFamily="2" charset="-122"/>
-              </a:defRPr>
-            </a:lvl4pPr>
-            <a:lvl5pPr marL="2057400" indent="-228600" eaLnBrk="0" hangingPunct="0">
-              <a:defRPr>
-                <a:solidFill>
-                  <a:schemeClr val="tx1"/>
-                </a:solidFill>
-                <a:latin typeface="Arial" panose="020B0604020202020204" pitchFamily="34" charset="0"/>
-                <a:ea typeface="宋体" panose="02010600030101010101" pitchFamily="2" charset="-122"/>
-              </a:defRPr>
-            </a:lvl5pPr>
-            <a:lvl6pPr marL="2514600" indent="-228600" eaLnBrk="0" fontAlgn="base" hangingPunct="0">
-              <a:spcBef>
-                <a:spcPct val="0"/>
-              </a:spcBef>
-              <a:spcAft>
-                <a:spcPct val="0"/>
-              </a:spcAft>
-              <a:buFont typeface="Arial" panose="020B0604020202020204" pitchFamily="34" charset="0"/>
-              <a:defRPr>
-                <a:solidFill>
-                  <a:schemeClr val="tx1"/>
-                </a:solidFill>
-                <a:latin typeface="Arial" panose="020B0604020202020204" pitchFamily="34" charset="0"/>
-                <a:ea typeface="宋体" panose="02010600030101010101" pitchFamily="2" charset="-122"/>
-              </a:defRPr>
-            </a:lvl6pPr>
-            <a:lvl7pPr marL="2971800" indent="-228600" eaLnBrk="0" fontAlgn="base" hangingPunct="0">
-              <a:spcBef>
-                <a:spcPct val="0"/>
-              </a:spcBef>
-              <a:spcAft>
-                <a:spcPct val="0"/>
-              </a:spcAft>
-              <a:buFont typeface="Arial" panose="020B0604020202020204" pitchFamily="34" charset="0"/>
-              <a:defRPr>
-                <a:solidFill>
-                  <a:schemeClr val="tx1"/>
-                </a:solidFill>
-                <a:latin typeface="Arial" panose="020B0604020202020204" pitchFamily="34" charset="0"/>
-                <a:ea typeface="宋体" panose="02010600030101010101" pitchFamily="2" charset="-122"/>
-              </a:defRPr>
-            </a:lvl7pPr>
-            <a:lvl8pPr marL="3429000" indent="-228600" eaLnBrk="0" fontAlgn="base" hangingPunct="0">
-              <a:spcBef>
-                <a:spcPct val="0"/>
-              </a:spcBef>
-              <a:spcAft>
-                <a:spcPct val="0"/>
-              </a:spcAft>
-              <a:buFont typeface="Arial" panose="020B0604020202020204" pitchFamily="34" charset="0"/>
-              <a:defRPr>
-                <a:solidFill>
-                  <a:schemeClr val="tx1"/>
-                </a:solidFill>
-                <a:latin typeface="Arial" panose="020B0604020202020204" pitchFamily="34" charset="0"/>
-                <a:ea typeface="宋体" panose="02010600030101010101" pitchFamily="2" charset="-122"/>
-              </a:defRPr>
-            </a:lvl8pPr>
-            <a:lvl9pPr marL="3886200" indent="-228600" eaLnBrk="0" fontAlgn="base" hangingPunct="0">
-              <a:spcBef>
-                <a:spcPct val="0"/>
-              </a:spcBef>
-              <a:spcAft>
-                <a:spcPct val="0"/>
-              </a:spcAft>
-              <a:buFont typeface="Arial" panose="020B0604020202020204" pitchFamily="34" charset="0"/>
-              <a:defRPr>
-                <a:solidFill>
-                  <a:schemeClr val="tx1"/>
-                </a:solidFill>
-                <a:latin typeface="Arial" panose="020B0604020202020204" pitchFamily="34" charset="0"/>
-                <a:ea typeface="宋体" panose="02010600030101010101" pitchFamily="2" charset="-122"/>
-              </a:defRPr>
-            </a:lvl9pPr>
-          </a:lstStyle>
-          <a:p>
-            <a:pPr lvl="0"/>
-            <a:r>
-              <a:rPr kumimoji="0" lang="zh-CN" altLang="en-US" sz="2800" b="1" i="0" u="none" strike="noStrike" kern="1200" cap="none" spc="0" normalizeH="0" baseline="0" noProof="0" dirty="0" smtClean="0">
-                <a:ln>
-                  <a:noFill/>
-                </a:ln>
-                <a:solidFill>
-                  <a:srgbClr val="F18200"/>
-                </a:solidFill>
-                <a:effectLst/>
-                <a:uLnTx/>
-                <a:uFillTx/>
-                <a:latin typeface="微软雅黑" panose="020B0503020204020204" pitchFamily="34" charset="-122"/>
-                <a:ea typeface="微软雅黑" panose="020B0503020204020204" pitchFamily="34" charset="-122"/>
-              </a:rPr>
-              <a:t>个人优势与不足</a:t>
-            </a:r>
-            <a:endParaRPr kumimoji="0" lang="zh-CN" altLang="en-US" sz="2800" b="1" i="0" u="none" strike="noStrike" kern="1200" cap="none" spc="0" normalizeH="0" baseline="0" noProof="0" dirty="0">
-              <a:ln>
-                <a:noFill/>
-              </a:ln>
-              <a:solidFill>
-                <a:srgbClr val="F18200"/>
-              </a:solidFill>
-              <a:effectLst/>
-              <a:uLnTx/>
-              <a:uFillTx/>
-              <a:latin typeface="微软雅黑" panose="020B0503020204020204" pitchFamily="34" charset="-122"/>
-              <a:ea typeface="微软雅黑" panose="020B0503020204020204" pitchFamily="34" charset="-122"/>
-            </a:endParaRPr>
-          </a:p>
-        </p:txBody>
-      </p:sp>
-    </p:spTree>
-    <p:extLst>
-      <p:ext uri="{BB962C8B-B14F-4D97-AF65-F5344CB8AC3E}">
-        <p14:creationId xmlns:p14="http://schemas.microsoft.com/office/powerpoint/2010/main" val="1251391493"/>
-      </p:ext>
-    </p:extLst>
-  </p:cSld>
-  <p:clrMapOvr>
-    <a:masterClrMapping/>
-  </p:clrMapOvr>
-  <p:timing>
-    <p:tnLst>
-      <p:par>
-        <p:cTn id="1" dur="indefinite" restart="never" nodeType="tmRoot"/>
-      </p:par>
-    </p:tnLst>
-  </p:timing>
-</p:sld>
-</file>
-
-<file path=ppt/slides/slide9.xml><?xml version="1.0" encoding="utf-8"?>
-<p:sld xmlns:a="http://schemas.openxmlformats.org/drawingml/2006/main" xmlns:r="http://schemas.openxmlformats.org/officeDocument/2006/relationships" xmlns:p="http://schemas.openxmlformats.org/presentationml/2006/main">
-  <p:cSld>
-    <p:spTree>
-      <p:nvGrpSpPr>
-        <p:cNvPr id="1" name=""/>
-        <p:cNvGrpSpPr/>
-        <p:nvPr/>
-      </p:nvGrpSpPr>
-      <p:grpSpPr>
-        <a:xfrm>
-          <a:off x="0" y="0"/>
-          <a:ext cx="0" cy="0"/>
-          <a:chOff x="0" y="0"/>
-          <a:chExt cx="0" cy="0"/>
-        </a:xfrm>
-      </p:grpSpPr>
-      <p:sp>
-        <p:nvSpPr>
-          <p:cNvPr id="109" name="标题 1"/>
+      <p:sp>
+        <p:nvSpPr>
+          <p:cNvPr id="54" name="标题 1"/>
           <p:cNvSpPr txBox="1"/>
           <p:nvPr/>
         </p:nvSpPr>
         <p:spPr>
           <a:xfrm>
             <a:off x="1169934" y="70892"/>
-            <a:ext cx="3434751" cy="628650"/>
+            <a:ext cx="4698210" cy="628650"/>
           </a:xfrm>
           <a:prstGeom prst="rect">
             <a:avLst/>
@@ -25172,7 +26539,17 @@
                 <a:latin typeface="微软雅黑" panose="020B0503020204020204" pitchFamily="34" charset="-122"/>
                 <a:ea typeface="微软雅黑" panose="020B0503020204020204" pitchFamily="34" charset="-122"/>
               </a:rPr>
-              <a:t>个人优势与不足</a:t>
+              <a:t>试用期工作总结及</a:t>
+            </a:r>
+            <a:r>
+              <a:rPr lang="zh-CN" altLang="en-US" sz="2400" b="1" dirty="0" smtClean="0">
+                <a:solidFill>
+                  <a:srgbClr val="0070C0"/>
+                </a:solidFill>
+                <a:latin typeface="微软雅黑" panose="020B0503020204020204" pitchFamily="34" charset="-122"/>
+                <a:ea typeface="微软雅黑" panose="020B0503020204020204" pitchFamily="34" charset="-122"/>
+              </a:rPr>
+              <a:t>理解</a:t>
             </a:r>
             <a:endParaRPr lang="zh-CN" altLang="en-US" sz="2400" b="1" dirty="0">
               <a:solidFill>
@@ -25186,7 +26563,7 @@
       </p:sp>
       <p:grpSp>
         <p:nvGrpSpPr>
-          <p:cNvPr id="114" name="组合 113"/>
+          <p:cNvPr id="55" name="组合 54"/>
           <p:cNvGrpSpPr/>
           <p:nvPr/>
         </p:nvGrpSpPr>
@@ -25201,7 +26578,7 @@
         </p:grpSpPr>
         <p:sp>
           <p:nvSpPr>
-            <p:cNvPr id="115" name="矩形 114"/>
+            <p:cNvPr id="56" name="矩形 55"/>
             <p:cNvSpPr/>
             <p:nvPr/>
           </p:nvSpPr>
@@ -25251,7 +26628,7 @@
         </p:sp>
         <p:sp>
           <p:nvSpPr>
-            <p:cNvPr id="121" name="矩形 120"/>
+            <p:cNvPr id="57" name="矩形 56"/>
             <p:cNvSpPr/>
             <p:nvPr/>
           </p:nvSpPr>
@@ -25307,142 +26684,639 @@
           </p:txBody>
         </p:sp>
       </p:grpSp>
-      <p:sp>
-        <p:nvSpPr>
-          <p:cNvPr id="64" name="矩形 2"/>
-          <p:cNvSpPr>
-            <a:spLocks noChangeArrowheads="1"/>
-          </p:cNvSpPr>
+      <p:pic>
+        <p:nvPicPr>
+          <p:cNvPr id="40" name="图片占位符 11" descr="图片包含 人, 桌子, 笔记本, 女人&#10;&#10;描述已自动生成">
+            <a:extLst>
+              <a:ext uri="{FF2B5EF4-FFF2-40B4-BE49-F238E27FC236}">
+                <a16:creationId xmlns="" xmlns:a16="http://schemas.microsoft.com/office/drawing/2014/main" id="{D041FF84-E1B8-4245-A04E-F0BCE6709F48}"/>
+              </a:ext>
+            </a:extLst>
+          </p:cNvPr>
+          <p:cNvPicPr>
+            <a:picLocks noChangeAspect="1"/>
+          </p:cNvPicPr>
           <p:nvPr/>
-        </p:nvSpPr>
-        <p:spPr bwMode="auto">
+        </p:nvPicPr>
+        <p:blipFill>
+          <a:blip r:embed="rId2" cstate="screen">
+            <a:extLst>
+              <a:ext uri="{28A0092B-C50C-407E-A947-70E740481C1C}">
+                <a14:useLocalDpi xmlns:a14="http://schemas.microsoft.com/office/drawing/2010/main"/>
+              </a:ext>
+            </a:extLst>
+          </a:blip>
+          <a:srcRect/>
+          <a:stretch>
+            <a:fillRect/>
+          </a:stretch>
+        </p:blipFill>
+        <p:spPr>
           <a:xfrm>
-            <a:off x="2667000" y="1995686"/>
-            <a:ext cx="3416320" cy="1323439"/>
+            <a:off x="5267325" y="1209675"/>
+            <a:ext cx="3876675" cy="1362075"/>
+          </a:xfrm>
+          <a:prstGeom prst="rect">
+            <a:avLst/>
+          </a:prstGeom>
+        </p:spPr>
+      </p:pic>
+      <p:grpSp>
+        <p:nvGrpSpPr>
+          <p:cNvPr id="41" name="组合 40">
+            <a:extLst>
+              <a:ext uri="{FF2B5EF4-FFF2-40B4-BE49-F238E27FC236}">
+                <a16:creationId xmlns="" xmlns:a16="http://schemas.microsoft.com/office/drawing/2014/main" id="{25878769-0C15-477B-B1E1-9A5E0684A82C}"/>
+              </a:ext>
+            </a:extLst>
+          </p:cNvPr>
+          <p:cNvGrpSpPr/>
+          <p:nvPr/>
+        </p:nvGrpSpPr>
+        <p:grpSpPr>
+          <a:xfrm>
+            <a:off x="981076" y="1134310"/>
+            <a:ext cx="3014860" cy="830997"/>
+            <a:chOff x="981076" y="1134310"/>
+            <a:chExt cx="2371725" cy="830997"/>
+          </a:xfrm>
+        </p:grpSpPr>
+        <p:sp>
+          <p:nvSpPr>
+            <p:cNvPr id="42" name="TextBox 21">
+              <a:extLst>
+                <a:ext uri="{FF2B5EF4-FFF2-40B4-BE49-F238E27FC236}">
+                  <a16:creationId xmlns="" xmlns:a16="http://schemas.microsoft.com/office/drawing/2014/main" id="{2952DE90-34BC-4261-97B6-0AF81DF374D0}"/>
+                </a:ext>
+              </a:extLst>
+            </p:cNvPr>
+            <p:cNvSpPr txBox="1"/>
+            <p:nvPr/>
+          </p:nvSpPr>
+          <p:spPr>
+            <a:xfrm>
+              <a:off x="981076" y="1134310"/>
+              <a:ext cx="2371725" cy="830997"/>
+            </a:xfrm>
+            <a:prstGeom prst="rect">
+              <a:avLst/>
+            </a:prstGeom>
+            <a:noFill/>
+          </p:spPr>
+          <p:txBody>
+            <a:bodyPr wrap="square" rtlCol="0">
+              <a:spAutoFit/>
+            </a:bodyPr>
+            <a:lstStyle/>
+            <a:p>
+              <a:r>
+                <a:rPr lang="zh-CN" altLang="en-US" sz="2400" dirty="0" smtClean="0">
+                  <a:gradFill>
+                    <a:gsLst>
+                      <a:gs pos="0">
+                        <a:srgbClr val="5877B6"/>
+                      </a:gs>
+                      <a:gs pos="100000">
+                        <a:srgbClr val="465E96"/>
+                      </a:gs>
+                    </a:gsLst>
+                    <a:lin ang="5400000" scaled="0"/>
+                  </a:gradFill>
+                  <a:effectLst>
+                    <a:outerShdw blurRad="254000" dist="101600" dir="5400000" algn="ctr" rotWithShape="0">
+                      <a:srgbClr val="000000">
+                        <a:alpha val="15000"/>
+                      </a:srgbClr>
+                    </a:outerShdw>
+                  </a:effectLst>
+                  <a:cs typeface="+mn-ea"/>
+                  <a:sym typeface="+mn-lt"/>
+                </a:rPr>
+                <a:t>角色转变及公司环境</a:t>
+              </a:r>
+              <a:endParaRPr lang="zh-CN" altLang="en-US" sz="2400" dirty="0">
+                <a:gradFill>
+                  <a:gsLst>
+                    <a:gs pos="0">
+                      <a:srgbClr val="5877B6"/>
+                    </a:gs>
+                    <a:gs pos="100000">
+                      <a:srgbClr val="465E96"/>
+                    </a:gs>
+                  </a:gsLst>
+                  <a:lin ang="5400000" scaled="0"/>
+                </a:gradFill>
+                <a:effectLst>
+                  <a:outerShdw blurRad="254000" dist="101600" dir="5400000" algn="ctr" rotWithShape="0">
+                    <a:srgbClr val="000000">
+                      <a:alpha val="15000"/>
+                    </a:srgbClr>
+                  </a:outerShdw>
+                </a:effectLst>
+                <a:cs typeface="+mn-ea"/>
+                <a:sym typeface="+mn-lt"/>
+              </a:endParaRPr>
+            </a:p>
+          </p:txBody>
+        </p:sp>
+        <p:sp>
+          <p:nvSpPr>
+            <p:cNvPr id="43" name="TextBox 21">
+              <a:extLst>
+                <a:ext uri="{FF2B5EF4-FFF2-40B4-BE49-F238E27FC236}">
+                  <a16:creationId xmlns="" xmlns:a16="http://schemas.microsoft.com/office/drawing/2014/main" id="{F5F69AA2-E453-4630-BF00-804ADF875C19}"/>
+                </a:ext>
+              </a:extLst>
+            </p:cNvPr>
+            <p:cNvSpPr txBox="1"/>
+            <p:nvPr/>
+          </p:nvSpPr>
+          <p:spPr>
+            <a:xfrm>
+              <a:off x="981076" y="1574873"/>
+              <a:ext cx="1853271" cy="261610"/>
+            </a:xfrm>
+            <a:prstGeom prst="rect">
+              <a:avLst/>
+            </a:prstGeom>
+            <a:noFill/>
+          </p:spPr>
+          <p:txBody>
+            <a:bodyPr wrap="square" rtlCol="0">
+              <a:spAutoFit/>
+            </a:bodyPr>
+            <a:lstStyle/>
+            <a:p>
+              <a:r>
+                <a:rPr lang="en-US" altLang="zh-CN" sz="1100" dirty="0">
+                  <a:solidFill>
+                    <a:schemeClr val="bg1">
+                      <a:lumMod val="50000"/>
+                    </a:schemeClr>
+                  </a:solidFill>
+                  <a:cs typeface="+mn-ea"/>
+                  <a:sym typeface="+mn-lt"/>
+                </a:rPr>
+                <a:t>GENERAL  VIEW</a:t>
+              </a:r>
+              <a:endParaRPr lang="en-US" altLang="zh-CN" sz="1100" b="1" dirty="0">
+                <a:solidFill>
+                  <a:schemeClr val="accent1"/>
+                </a:solidFill>
+                <a:cs typeface="+mn-ea"/>
+                <a:sym typeface="+mn-lt"/>
+              </a:endParaRPr>
+            </a:p>
+          </p:txBody>
+        </p:sp>
+      </p:grpSp>
+      <p:sp>
+        <p:nvSpPr>
+          <p:cNvPr id="44" name="TextBox 28">
+            <a:extLst>
+              <a:ext uri="{FF2B5EF4-FFF2-40B4-BE49-F238E27FC236}">
+                <a16:creationId xmlns="" xmlns:a16="http://schemas.microsoft.com/office/drawing/2014/main" id="{A7D764F6-35A0-476E-BAB1-7D9EB90A90D6}"/>
+              </a:ext>
+            </a:extLst>
+          </p:cNvPr>
+          <p:cNvSpPr txBox="1"/>
+          <p:nvPr/>
+        </p:nvSpPr>
+        <p:spPr>
+          <a:xfrm>
+            <a:off x="981076" y="2300972"/>
+            <a:ext cx="1975538" cy="338554"/>
           </a:xfrm>
           <a:prstGeom prst="rect">
             <a:avLst/>
           </a:prstGeom>
           <a:noFill/>
-          <a:ln>
-            <a:noFill/>
-          </a:ln>
-          <a:extLst>
-            <a:ext uri="{909E8E84-426E-40DD-AFC4-6F175D3DCCD1}">
-              <a14:hiddenFill xmlns:a14="http://schemas.microsoft.com/office/drawing/2010/main">
-                <a:solidFill>
-                  <a:srgbClr val="FFFFFF"/>
-                </a:solidFill>
-              </a14:hiddenFill>
-            </a:ext>
-            <a:ext uri="{91240B29-F687-4F45-9708-019B960494DF}">
-              <a14:hiddenLine xmlns:a14="http://schemas.microsoft.com/office/drawing/2010/main" w="9525">
-                <a:solidFill>
-                  <a:srgbClr val="000000"/>
-                </a:solidFill>
-                <a:miter lim="800000"/>
-                <a:headEnd/>
-                <a:tailEnd/>
-              </a14:hiddenLine>
-            </a:ext>
-          </a:extLst>
         </p:spPr>
         <p:txBody>
-          <a:bodyPr wrap="none">
+          <a:bodyPr wrap="square" rtlCol="0">
             <a:spAutoFit/>
           </a:bodyPr>
           <a:lstStyle/>
           <a:p>
             <a:r>
-              <a:rPr lang="zh-CN" altLang="en-US" sz="2800" dirty="0">
-                <a:solidFill>
-                  <a:srgbClr val="FF0000"/>
-                </a:solidFill>
-                <a:latin typeface="黑体" pitchFamily="2" charset="-122"/>
-                <a:ea typeface="黑体" pitchFamily="2" charset="-122"/>
-                <a:cs typeface="经典行书简" pitchFamily="49" charset="-122"/>
+              <a:rPr lang="en-US" altLang="zh-CN" sz="1600" dirty="0">
+                <a:gradFill>
+                  <a:gsLst>
+                    <a:gs pos="0">
+                      <a:srgbClr val="5877B6"/>
+                    </a:gs>
+                    <a:gs pos="100000">
+                      <a:srgbClr val="465E96"/>
+                    </a:gs>
+                  </a:gsLst>
+                  <a:lin ang="5400000" scaled="0"/>
+                </a:gradFill>
+                <a:effectLst>
+                  <a:outerShdw blurRad="254000" dist="101600" dir="5400000" algn="ctr" rotWithShape="0">
+                    <a:srgbClr val="5877B6">
+                      <a:alpha val="23000"/>
+                    </a:srgbClr>
+                  </a:outerShdw>
+                </a:effectLst>
+                <a:cs typeface="+mn-ea"/>
+                <a:sym typeface="+mn-lt"/>
               </a:rPr>
-              <a:t>客观地进行自我</a:t>
-            </a:r>
-            <a:r>
-              <a:rPr lang="zh-CN" altLang="en-US" sz="2800" dirty="0" smtClean="0">
-                <a:solidFill>
-                  <a:srgbClr val="FF0000"/>
-                </a:solidFill>
-                <a:latin typeface="黑体" pitchFamily="2" charset="-122"/>
-                <a:ea typeface="黑体" pitchFamily="2" charset="-122"/>
-                <a:cs typeface="经典行书简" pitchFamily="49" charset="-122"/>
+              <a:t>01  </a:t>
+            </a:r>
+            <a:r>
+              <a:rPr lang="zh-CN" altLang="en-US" sz="1600" dirty="0" smtClean="0">
+                <a:gradFill>
+                  <a:gsLst>
+                    <a:gs pos="0">
+                      <a:srgbClr val="5877B6"/>
+                    </a:gs>
+                    <a:gs pos="100000">
+                      <a:srgbClr val="465E96"/>
+                    </a:gs>
+                  </a:gsLst>
+                  <a:lin ang="5400000" scaled="0"/>
+                </a:gradFill>
+                <a:effectLst>
+                  <a:outerShdw blurRad="254000" dist="101600" dir="5400000" algn="ctr" rotWithShape="0">
+                    <a:srgbClr val="5877B6">
+                      <a:alpha val="23000"/>
+                    </a:srgbClr>
+                  </a:outerShdw>
+                </a:effectLst>
+                <a:cs typeface="+mn-ea"/>
+                <a:sym typeface="+mn-lt"/>
               </a:rPr>
-              <a:t>评价</a:t>
-            </a:r>
-            <a:endParaRPr lang="en-US" altLang="zh-CN" sz="2800" dirty="0" smtClean="0">
+              <a:t>角色转变</a:t>
+            </a:r>
+            <a:endParaRPr lang="en-US" altLang="zh-CN" sz="1600" dirty="0">
+              <a:gradFill>
+                <a:gsLst>
+                  <a:gs pos="0">
+                    <a:srgbClr val="5877B6"/>
+                  </a:gs>
+                  <a:gs pos="100000">
+                    <a:srgbClr val="465E96"/>
+                  </a:gs>
+                </a:gsLst>
+                <a:lin ang="5400000" scaled="0"/>
+              </a:gradFill>
+              <a:effectLst>
+                <a:outerShdw blurRad="254000" dist="101600" dir="5400000" algn="ctr" rotWithShape="0">
+                  <a:srgbClr val="5877B6">
+                    <a:alpha val="23000"/>
+                  </a:srgbClr>
+                </a:outerShdw>
+              </a:effectLst>
+              <a:cs typeface="+mn-ea"/>
+              <a:sym typeface="+mn-lt"/>
+            </a:endParaRPr>
+          </a:p>
+        </p:txBody>
+      </p:sp>
+      <p:sp>
+        <p:nvSpPr>
+          <p:cNvPr id="45" name="Rectangle 5">
+            <a:extLst>
+              <a:ext uri="{FF2B5EF4-FFF2-40B4-BE49-F238E27FC236}">
+                <a16:creationId xmlns="" xmlns:a16="http://schemas.microsoft.com/office/drawing/2014/main" id="{CAD3C804-44EB-4773-B634-C25F87B7E400}"/>
+              </a:ext>
+            </a:extLst>
+          </p:cNvPr>
+          <p:cNvSpPr/>
+          <p:nvPr/>
+        </p:nvSpPr>
+        <p:spPr>
+          <a:xfrm>
+            <a:off x="981076" y="2581095"/>
+            <a:ext cx="3175981" cy="317266"/>
+          </a:xfrm>
+          <a:prstGeom prst="rect">
+            <a:avLst/>
+          </a:prstGeom>
+        </p:spPr>
+        <p:txBody>
+          <a:bodyPr wrap="square">
+            <a:spAutoFit/>
+          </a:bodyPr>
+          <a:lstStyle/>
+          <a:p>
+            <a:pPr>
+              <a:lnSpc>
+                <a:spcPct val="150000"/>
+              </a:lnSpc>
+            </a:pPr>
+            <a:r>
+              <a:rPr lang="zh-CN" altLang="en-US" sz="1100" dirty="0" smtClean="0">
+                <a:solidFill>
+                  <a:schemeClr val="tx1">
+                    <a:lumMod val="65000"/>
+                    <a:lumOff val="35000"/>
+                  </a:schemeClr>
+                </a:solidFill>
+                <a:cs typeface="+mn-ea"/>
+                <a:sym typeface="+mn-lt"/>
+              </a:rPr>
+              <a:t>学生转变为职场人</a:t>
+            </a:r>
+            <a:endParaRPr lang="en-US" sz="1100" dirty="0">
               <a:solidFill>
-                <a:srgbClr val="FF0000"/>
+                <a:schemeClr val="tx1">
+                  <a:lumMod val="75000"/>
+                  <a:lumOff val="25000"/>
+                </a:schemeClr>
               </a:solidFill>
-              <a:latin typeface="黑体" pitchFamily="2" charset="-122"/>
-              <a:ea typeface="黑体" pitchFamily="2" charset="-122"/>
-              <a:cs typeface="经典行书简" pitchFamily="49" charset="-122"/>
+              <a:cs typeface="+mn-ea"/>
+              <a:sym typeface="+mn-lt"/>
             </a:endParaRPr>
           </a:p>
-          <a:p>
-            <a:endParaRPr lang="en-US" altLang="zh-CN" sz="2800" dirty="0">
+        </p:txBody>
+      </p:sp>
+      <p:sp>
+        <p:nvSpPr>
+          <p:cNvPr id="46" name="TextBox 28">
+            <a:extLst>
+              <a:ext uri="{FF2B5EF4-FFF2-40B4-BE49-F238E27FC236}">
+                <a16:creationId xmlns="" xmlns:a16="http://schemas.microsoft.com/office/drawing/2014/main" id="{4C9ACE23-08EA-4033-8D4B-F5D432269CC2}"/>
+              </a:ext>
+            </a:extLst>
+          </p:cNvPr>
+          <p:cNvSpPr txBox="1"/>
+          <p:nvPr/>
+        </p:nvSpPr>
+        <p:spPr>
+          <a:xfrm>
+            <a:off x="981076" y="3484425"/>
+            <a:ext cx="1975538" cy="338554"/>
+          </a:xfrm>
+          <a:prstGeom prst="rect">
+            <a:avLst/>
+          </a:prstGeom>
+          <a:noFill/>
+        </p:spPr>
+        <p:txBody>
+          <a:bodyPr wrap="square" rtlCol="0">
+            <a:spAutoFit/>
+          </a:bodyPr>
+          <a:lstStyle/>
+          <a:p>
+            <a:r>
+              <a:rPr lang="en-US" altLang="zh-CN" sz="1600" dirty="0">
+                <a:gradFill>
+                  <a:gsLst>
+                    <a:gs pos="0">
+                      <a:srgbClr val="5877B6"/>
+                    </a:gs>
+                    <a:gs pos="100000">
+                      <a:srgbClr val="465E96"/>
+                    </a:gs>
+                  </a:gsLst>
+                  <a:lin ang="5400000" scaled="0"/>
+                </a:gradFill>
+                <a:effectLst>
+                  <a:outerShdw blurRad="254000" dist="101600" dir="5400000" algn="ctr" rotWithShape="0">
+                    <a:srgbClr val="5877B6">
+                      <a:alpha val="23000"/>
+                    </a:srgbClr>
+                  </a:outerShdw>
+                </a:effectLst>
+                <a:cs typeface="+mn-ea"/>
+                <a:sym typeface="+mn-lt"/>
+              </a:rPr>
+              <a:t>02  </a:t>
+            </a:r>
+            <a:r>
+              <a:rPr lang="zh-CN" altLang="en-US" sz="1600" dirty="0" smtClean="0">
+                <a:gradFill>
+                  <a:gsLst>
+                    <a:gs pos="0">
+                      <a:srgbClr val="5877B6"/>
+                    </a:gs>
+                    <a:gs pos="100000">
+                      <a:srgbClr val="465E96"/>
+                    </a:gs>
+                  </a:gsLst>
+                  <a:lin ang="5400000" scaled="0"/>
+                </a:gradFill>
+                <a:effectLst>
+                  <a:outerShdw blurRad="254000" dist="101600" dir="5400000" algn="ctr" rotWithShape="0">
+                    <a:srgbClr val="5877B6">
+                      <a:alpha val="23000"/>
+                    </a:srgbClr>
+                  </a:outerShdw>
+                </a:effectLst>
+                <a:cs typeface="+mn-ea"/>
+                <a:sym typeface="+mn-lt"/>
+              </a:rPr>
+              <a:t>公司环境</a:t>
+            </a:r>
+            <a:endParaRPr lang="en-US" altLang="zh-CN" sz="1600" dirty="0">
+              <a:gradFill>
+                <a:gsLst>
+                  <a:gs pos="0">
+                    <a:srgbClr val="5877B6"/>
+                  </a:gs>
+                  <a:gs pos="100000">
+                    <a:srgbClr val="465E96"/>
+                  </a:gs>
+                </a:gsLst>
+                <a:lin ang="5400000" scaled="0"/>
+              </a:gradFill>
+              <a:effectLst>
+                <a:outerShdw blurRad="254000" dist="101600" dir="5400000" algn="ctr" rotWithShape="0">
+                  <a:srgbClr val="5877B6">
+                    <a:alpha val="23000"/>
+                  </a:srgbClr>
+                </a:outerShdw>
+              </a:effectLst>
+              <a:cs typeface="+mn-ea"/>
+              <a:sym typeface="+mn-lt"/>
+            </a:endParaRPr>
+          </a:p>
+        </p:txBody>
+      </p:sp>
+      <p:sp>
+        <p:nvSpPr>
+          <p:cNvPr id="47" name="Rectangle 5">
+            <a:extLst>
+              <a:ext uri="{FF2B5EF4-FFF2-40B4-BE49-F238E27FC236}">
+                <a16:creationId xmlns="" xmlns:a16="http://schemas.microsoft.com/office/drawing/2014/main" id="{92C02C2A-DA1D-4C5B-9B6B-DD571DD84E3C}"/>
+              </a:ext>
+            </a:extLst>
+          </p:cNvPr>
+          <p:cNvSpPr/>
+          <p:nvPr/>
+        </p:nvSpPr>
+        <p:spPr>
+          <a:xfrm>
+            <a:off x="981076" y="3764548"/>
+            <a:ext cx="3175981" cy="571182"/>
+          </a:xfrm>
+          <a:prstGeom prst="rect">
+            <a:avLst/>
+          </a:prstGeom>
+        </p:spPr>
+        <p:txBody>
+          <a:bodyPr wrap="square">
+            <a:spAutoFit/>
+          </a:bodyPr>
+          <a:lstStyle/>
+          <a:p>
+            <a:pPr>
+              <a:lnSpc>
+                <a:spcPct val="150000"/>
+              </a:lnSpc>
+            </a:pPr>
+            <a:r>
+              <a:rPr lang="zh-CN" altLang="en-US" sz="1100" dirty="0" smtClean="0">
+                <a:solidFill>
+                  <a:schemeClr val="tx1">
+                    <a:lumMod val="65000"/>
+                    <a:lumOff val="35000"/>
+                  </a:schemeClr>
+                </a:solidFill>
+                <a:cs typeface="+mn-ea"/>
+                <a:sym typeface="+mn-lt"/>
+              </a:rPr>
+              <a:t>公司周边环境</a:t>
+            </a:r>
+            <a:endParaRPr lang="en-US" altLang="zh-CN" sz="1100" dirty="0" smtClean="0">
               <a:solidFill>
-                <a:srgbClr val="FF0000"/>
+                <a:schemeClr val="tx1">
+                  <a:lumMod val="65000"/>
+                  <a:lumOff val="35000"/>
+                </a:schemeClr>
               </a:solidFill>
-              <a:latin typeface="黑体" pitchFamily="2" charset="-122"/>
-              <a:ea typeface="黑体" pitchFamily="2" charset="-122"/>
-              <a:cs typeface="经典行书简" pitchFamily="49" charset="-122"/>
+              <a:cs typeface="+mn-ea"/>
+              <a:sym typeface="+mn-lt"/>
             </a:endParaRPr>
           </a:p>
           <a:p>
-            <a:r>
-              <a:rPr lang="zh-CN" altLang="en-US" sz="2400" dirty="0" smtClean="0">
-                <a:solidFill>
-                  <a:srgbClr val="FF0000"/>
-                </a:solidFill>
-                <a:latin typeface="黑体" pitchFamily="2" charset="-122"/>
-                <a:ea typeface="黑体" pitchFamily="2" charset="-122"/>
-                <a:cs typeface="经典行书简" pitchFamily="49" charset="-122"/>
+            <a:pPr>
+              <a:lnSpc>
+                <a:spcPct val="150000"/>
+              </a:lnSpc>
+            </a:pPr>
+            <a:r>
+              <a:rPr lang="zh-CN" altLang="en-US" sz="1100" dirty="0" smtClean="0">
+                <a:solidFill>
+                  <a:schemeClr val="tx1">
+                    <a:lumMod val="65000"/>
+                    <a:lumOff val="35000"/>
+                  </a:schemeClr>
+                </a:solidFill>
+                <a:cs typeface="+mn-ea"/>
+                <a:sym typeface="+mn-lt"/>
               </a:rPr>
-              <a:t>参考工具：</a:t>
-            </a:r>
-            <a:r>
-              <a:rPr lang="en-US" altLang="zh-CN" sz="2400" dirty="0" smtClean="0">
-                <a:solidFill>
-                  <a:srgbClr val="FF0000"/>
-                </a:solidFill>
-                <a:latin typeface="黑体" pitchFamily="2" charset="-122"/>
-                <a:ea typeface="黑体" pitchFamily="2" charset="-122"/>
-                <a:cs typeface="经典行书简" pitchFamily="49" charset="-122"/>
+              <a:t>公司</a:t>
+            </a:r>
+            <a:r>
+              <a:rPr lang="zh-CN" altLang="en-US" sz="1100" dirty="0">
+                <a:solidFill>
+                  <a:schemeClr val="tx1">
+                    <a:lumMod val="65000"/>
+                    <a:lumOff val="35000"/>
+                  </a:schemeClr>
+                </a:solidFill>
+                <a:cs typeface="+mn-ea"/>
+                <a:sym typeface="+mn-lt"/>
               </a:rPr>
-              <a:t>SWOT</a:t>
-            </a:r>
-            <a:r>
-              <a:rPr lang="zh-CN" altLang="en-US" sz="2400" dirty="0" smtClean="0">
-                <a:solidFill>
-                  <a:srgbClr val="FF0000"/>
-                </a:solidFill>
-                <a:latin typeface="黑体" pitchFamily="2" charset="-122"/>
-                <a:ea typeface="黑体" pitchFamily="2" charset="-122"/>
-                <a:cs typeface="经典行书简" pitchFamily="49" charset="-122"/>
+              <a:t>内部环境（</a:t>
+            </a:r>
+            <a:r>
+              <a:rPr lang="zh-CN" altLang="en-US" sz="1100" dirty="0" smtClean="0">
+                <a:solidFill>
+                  <a:schemeClr val="tx1">
+                    <a:lumMod val="65000"/>
+                    <a:lumOff val="35000"/>
+                  </a:schemeClr>
+                </a:solidFill>
+                <a:cs typeface="+mn-ea"/>
+                <a:sym typeface="+mn-lt"/>
               </a:rPr>
-              <a:t>分析</a:t>
-            </a:r>
-            <a:endParaRPr lang="zh-CN" altLang="en-US" sz="2400" dirty="0">
+              <a:t>工作环境</a:t>
+            </a:r>
+            <a:r>
+              <a:rPr lang="zh-CN" altLang="en-US" sz="1100" dirty="0" smtClean="0">
+                <a:solidFill>
+                  <a:schemeClr val="tx1">
+                    <a:lumMod val="65000"/>
+                    <a:lumOff val="35000"/>
+                  </a:schemeClr>
+                </a:solidFill>
+                <a:cs typeface="+mn-ea"/>
+                <a:sym typeface="+mn-lt"/>
+              </a:rPr>
+              <a:t>）</a:t>
+            </a:r>
+            <a:endParaRPr lang="en-US" altLang="zh-CN" sz="1100" dirty="0" smtClean="0">
               <a:solidFill>
-                <a:srgbClr val="FF0000"/>
+                <a:schemeClr val="tx1">
+                  <a:lumMod val="65000"/>
+                  <a:lumOff val="35000"/>
+                </a:schemeClr>
               </a:solidFill>
-              <a:latin typeface="黑体" pitchFamily="2" charset="-122"/>
-              <a:ea typeface="黑体" pitchFamily="2" charset="-122"/>
-              <a:cs typeface="经典行书简" pitchFamily="49" charset="-122"/>
+              <a:cs typeface="+mn-ea"/>
+              <a:sym typeface="+mn-lt"/>
             </a:endParaRPr>
+          </a:p>
+        </p:txBody>
+      </p:sp>
+      <p:sp>
+        <p:nvSpPr>
+          <p:cNvPr id="48" name="TextBox 53">
+            <a:extLst>
+              <a:ext uri="{FF2B5EF4-FFF2-40B4-BE49-F238E27FC236}">
+                <a16:creationId xmlns="" xmlns:a16="http://schemas.microsoft.com/office/drawing/2014/main" id="{F018CD2E-BD27-47BA-8ABB-19476E3FF0F6}"/>
+              </a:ext>
+            </a:extLst>
+          </p:cNvPr>
+          <p:cNvSpPr txBox="1"/>
+          <p:nvPr/>
+        </p:nvSpPr>
+        <p:spPr>
+          <a:xfrm>
+            <a:off x="5267325" y="3159038"/>
+            <a:ext cx="2695575" cy="1107996"/>
+          </a:xfrm>
+          <a:prstGeom prst="rect">
+            <a:avLst/>
+          </a:prstGeom>
+          <a:noFill/>
+        </p:spPr>
+        <p:txBody>
+          <a:bodyPr wrap="square" lIns="0" tIns="0" rIns="0" bIns="0" rtlCol="0">
+            <a:spAutoFit/>
+          </a:bodyPr>
+          <a:lstStyle/>
+          <a:p>
+            <a:pPr algn="just">
+              <a:lnSpc>
+                <a:spcPct val="150000"/>
+              </a:lnSpc>
+              <a:spcAft>
+                <a:spcPts val="1200"/>
+              </a:spcAft>
+            </a:pPr>
+            <a:r>
+              <a:rPr lang="zh-CN" altLang="en-US" sz="1200" dirty="0">
+                <a:solidFill>
+                  <a:schemeClr val="tx1">
+                    <a:lumMod val="65000"/>
+                    <a:lumOff val="35000"/>
+                  </a:schemeClr>
+                </a:solidFill>
+                <a:cs typeface="+mn-ea"/>
+                <a:sym typeface="+mn-lt"/>
+              </a:rPr>
+              <a:t>您的内容打在这里，或者通过复制您的文本后，在此框中选择粘贴，并选择只保留文字。您的内容打在这里或者通过复制您的文本后，</a:t>
+            </a:r>
           </a:p>
         </p:txBody>
       </p:sp>
     </p:spTree>
     <p:extLst>
       <p:ext uri="{BB962C8B-B14F-4D97-AF65-F5344CB8AC3E}">
-        <p14:creationId xmlns:p14="http://schemas.microsoft.com/office/powerpoint/2010/main" val="3083421"/>
+        <p14:creationId xmlns:p14="http://schemas.microsoft.com/office/powerpoint/2010/main" val="931014581"/>
       </p:ext>
     </p:extLst>
   </p:cSld>
@@ -25452,9 +27326,4658 @@
   <p:timing>
     <p:tnLst>
       <p:par>
-        <p:cTn id="1" dur="indefinite" restart="never" nodeType="tmRoot"/>
+        <p:cTn id="1" dur="indefinite" restart="never" nodeType="tmRoot">
+          <p:childTnLst>
+            <p:seq concurrent="1" nextAc="seek">
+              <p:cTn id="2" dur="indefinite" nodeType="mainSeq">
+                <p:childTnLst>
+                  <p:par>
+                    <p:cTn id="3" fill="hold">
+                      <p:stCondLst>
+                        <p:cond delay="indefinite"/>
+                        <p:cond evt="onBegin" delay="0">
+                          <p:tn val="2"/>
+                        </p:cond>
+                      </p:stCondLst>
+                      <p:childTnLst>
+                        <p:par>
+                          <p:cTn id="4" fill="hold">
+                            <p:stCondLst>
+                              <p:cond delay="0"/>
+                            </p:stCondLst>
+                            <p:childTnLst>
+                              <p:par>
+                                <p:cTn id="5" presetID="42" presetClass="entr" presetSubtype="0" fill="hold" grpId="0" nodeType="withEffect">
+                                  <p:stCondLst>
+                                    <p:cond delay="0"/>
+                                  </p:stCondLst>
+                                  <p:childTnLst>
+                                    <p:set>
+                                      <p:cBhvr>
+                                        <p:cTn id="6" dur="1" fill="hold">
+                                          <p:stCondLst>
+                                            <p:cond delay="0"/>
+                                          </p:stCondLst>
+                                        </p:cTn>
+                                        <p:tgtEl>
+                                          <p:spTgt spid="48"/>
+                                        </p:tgtEl>
+                                        <p:attrNameLst>
+                                          <p:attrName>style.visibility</p:attrName>
+                                        </p:attrNameLst>
+                                      </p:cBhvr>
+                                      <p:to>
+                                        <p:strVal val="visible"/>
+                                      </p:to>
+                                    </p:set>
+                                    <p:animEffect transition="in" filter="fade">
+                                      <p:cBhvr>
+                                        <p:cTn id="7" dur="500"/>
+                                        <p:tgtEl>
+                                          <p:spTgt spid="48"/>
+                                        </p:tgtEl>
+                                      </p:cBhvr>
+                                    </p:animEffect>
+                                    <p:anim calcmode="lin" valueType="num">
+                                      <p:cBhvr>
+                                        <p:cTn id="8" dur="500" fill="hold"/>
+                                        <p:tgtEl>
+                                          <p:spTgt spid="48"/>
+                                        </p:tgtEl>
+                                        <p:attrNameLst>
+                                          <p:attrName>ppt_x</p:attrName>
+                                        </p:attrNameLst>
+                                      </p:cBhvr>
+                                      <p:tavLst>
+                                        <p:tav tm="0">
+                                          <p:val>
+                                            <p:strVal val="#ppt_x"/>
+                                          </p:val>
+                                        </p:tav>
+                                        <p:tav tm="100000">
+                                          <p:val>
+                                            <p:strVal val="#ppt_x"/>
+                                          </p:val>
+                                        </p:tav>
+                                      </p:tavLst>
+                                    </p:anim>
+                                    <p:anim calcmode="lin" valueType="num">
+                                      <p:cBhvr>
+                                        <p:cTn id="9" dur="500" fill="hold"/>
+                                        <p:tgtEl>
+                                          <p:spTgt spid="48"/>
+                                        </p:tgtEl>
+                                        <p:attrNameLst>
+                                          <p:attrName>ppt_y</p:attrName>
+                                        </p:attrNameLst>
+                                      </p:cBhvr>
+                                      <p:tavLst>
+                                        <p:tav tm="0">
+                                          <p:val>
+                                            <p:strVal val="#ppt_y+.1"/>
+                                          </p:val>
+                                        </p:tav>
+                                        <p:tav tm="100000">
+                                          <p:val>
+                                            <p:strVal val="#ppt_y"/>
+                                          </p:val>
+                                        </p:tav>
+                                      </p:tavLst>
+                                    </p:anim>
+                                  </p:childTnLst>
+                                </p:cTn>
+                              </p:par>
+                              <p:par>
+                                <p:cTn id="10" presetID="42" presetClass="entr" presetSubtype="0" fill="hold" nodeType="withEffect">
+                                  <p:stCondLst>
+                                    <p:cond delay="0"/>
+                                  </p:stCondLst>
+                                  <p:childTnLst>
+                                    <p:set>
+                                      <p:cBhvr>
+                                        <p:cTn id="11" dur="1" fill="hold">
+                                          <p:stCondLst>
+                                            <p:cond delay="0"/>
+                                          </p:stCondLst>
+                                        </p:cTn>
+                                        <p:tgtEl>
+                                          <p:spTgt spid="40"/>
+                                        </p:tgtEl>
+                                        <p:attrNameLst>
+                                          <p:attrName>style.visibility</p:attrName>
+                                        </p:attrNameLst>
+                                      </p:cBhvr>
+                                      <p:to>
+                                        <p:strVal val="visible"/>
+                                      </p:to>
+                                    </p:set>
+                                    <p:animEffect transition="in" filter="fade">
+                                      <p:cBhvr>
+                                        <p:cTn id="12" dur="500"/>
+                                        <p:tgtEl>
+                                          <p:spTgt spid="40"/>
+                                        </p:tgtEl>
+                                      </p:cBhvr>
+                                    </p:animEffect>
+                                    <p:anim calcmode="lin" valueType="num">
+                                      <p:cBhvr>
+                                        <p:cTn id="13" dur="500" fill="hold"/>
+                                        <p:tgtEl>
+                                          <p:spTgt spid="40"/>
+                                        </p:tgtEl>
+                                        <p:attrNameLst>
+                                          <p:attrName>ppt_x</p:attrName>
+                                        </p:attrNameLst>
+                                      </p:cBhvr>
+                                      <p:tavLst>
+                                        <p:tav tm="0">
+                                          <p:val>
+                                            <p:strVal val="#ppt_x"/>
+                                          </p:val>
+                                        </p:tav>
+                                        <p:tav tm="100000">
+                                          <p:val>
+                                            <p:strVal val="#ppt_x"/>
+                                          </p:val>
+                                        </p:tav>
+                                      </p:tavLst>
+                                    </p:anim>
+                                    <p:anim calcmode="lin" valueType="num">
+                                      <p:cBhvr>
+                                        <p:cTn id="14" dur="500" fill="hold"/>
+                                        <p:tgtEl>
+                                          <p:spTgt spid="40"/>
+                                        </p:tgtEl>
+                                        <p:attrNameLst>
+                                          <p:attrName>ppt_y</p:attrName>
+                                        </p:attrNameLst>
+                                      </p:cBhvr>
+                                      <p:tavLst>
+                                        <p:tav tm="0">
+                                          <p:val>
+                                            <p:strVal val="#ppt_y+.1"/>
+                                          </p:val>
+                                        </p:tav>
+                                        <p:tav tm="100000">
+                                          <p:val>
+                                            <p:strVal val="#ppt_y"/>
+                                          </p:val>
+                                        </p:tav>
+                                      </p:tavLst>
+                                    </p:anim>
+                                  </p:childTnLst>
+                                </p:cTn>
+                              </p:par>
+                              <p:par>
+                                <p:cTn id="15" presetID="42" presetClass="entr" presetSubtype="0" fill="hold" nodeType="withEffect">
+                                  <p:stCondLst>
+                                    <p:cond delay="0"/>
+                                  </p:stCondLst>
+                                  <p:childTnLst>
+                                    <p:set>
+                                      <p:cBhvr>
+                                        <p:cTn id="16" dur="1" fill="hold">
+                                          <p:stCondLst>
+                                            <p:cond delay="0"/>
+                                          </p:stCondLst>
+                                        </p:cTn>
+                                        <p:tgtEl>
+                                          <p:spTgt spid="41"/>
+                                        </p:tgtEl>
+                                        <p:attrNameLst>
+                                          <p:attrName>style.visibility</p:attrName>
+                                        </p:attrNameLst>
+                                      </p:cBhvr>
+                                      <p:to>
+                                        <p:strVal val="visible"/>
+                                      </p:to>
+                                    </p:set>
+                                    <p:animEffect transition="in" filter="fade">
+                                      <p:cBhvr>
+                                        <p:cTn id="17" dur="500"/>
+                                        <p:tgtEl>
+                                          <p:spTgt spid="41"/>
+                                        </p:tgtEl>
+                                      </p:cBhvr>
+                                    </p:animEffect>
+                                    <p:anim calcmode="lin" valueType="num">
+                                      <p:cBhvr>
+                                        <p:cTn id="18" dur="500" fill="hold"/>
+                                        <p:tgtEl>
+                                          <p:spTgt spid="41"/>
+                                        </p:tgtEl>
+                                        <p:attrNameLst>
+                                          <p:attrName>ppt_x</p:attrName>
+                                        </p:attrNameLst>
+                                      </p:cBhvr>
+                                      <p:tavLst>
+                                        <p:tav tm="0">
+                                          <p:val>
+                                            <p:strVal val="#ppt_x"/>
+                                          </p:val>
+                                        </p:tav>
+                                        <p:tav tm="100000">
+                                          <p:val>
+                                            <p:strVal val="#ppt_x"/>
+                                          </p:val>
+                                        </p:tav>
+                                      </p:tavLst>
+                                    </p:anim>
+                                    <p:anim calcmode="lin" valueType="num">
+                                      <p:cBhvr>
+                                        <p:cTn id="19" dur="500" fill="hold"/>
+                                        <p:tgtEl>
+                                          <p:spTgt spid="41"/>
+                                        </p:tgtEl>
+                                        <p:attrNameLst>
+                                          <p:attrName>ppt_y</p:attrName>
+                                        </p:attrNameLst>
+                                      </p:cBhvr>
+                                      <p:tavLst>
+                                        <p:tav tm="0">
+                                          <p:val>
+                                            <p:strVal val="#ppt_y+.1"/>
+                                          </p:val>
+                                        </p:tav>
+                                        <p:tav tm="100000">
+                                          <p:val>
+                                            <p:strVal val="#ppt_y"/>
+                                          </p:val>
+                                        </p:tav>
+                                      </p:tavLst>
+                                    </p:anim>
+                                  </p:childTnLst>
+                                </p:cTn>
+                              </p:par>
+                              <p:par>
+                                <p:cTn id="20" presetID="42" presetClass="entr" presetSubtype="0" fill="hold" grpId="0" nodeType="withEffect">
+                                  <p:stCondLst>
+                                    <p:cond delay="0"/>
+                                  </p:stCondLst>
+                                  <p:childTnLst>
+                                    <p:set>
+                                      <p:cBhvr>
+                                        <p:cTn id="21" dur="1" fill="hold">
+                                          <p:stCondLst>
+                                            <p:cond delay="0"/>
+                                          </p:stCondLst>
+                                        </p:cTn>
+                                        <p:tgtEl>
+                                          <p:spTgt spid="44"/>
+                                        </p:tgtEl>
+                                        <p:attrNameLst>
+                                          <p:attrName>style.visibility</p:attrName>
+                                        </p:attrNameLst>
+                                      </p:cBhvr>
+                                      <p:to>
+                                        <p:strVal val="visible"/>
+                                      </p:to>
+                                    </p:set>
+                                    <p:animEffect transition="in" filter="fade">
+                                      <p:cBhvr>
+                                        <p:cTn id="22" dur="500"/>
+                                        <p:tgtEl>
+                                          <p:spTgt spid="44"/>
+                                        </p:tgtEl>
+                                      </p:cBhvr>
+                                    </p:animEffect>
+                                    <p:anim calcmode="lin" valueType="num">
+                                      <p:cBhvr>
+                                        <p:cTn id="23" dur="500" fill="hold"/>
+                                        <p:tgtEl>
+                                          <p:spTgt spid="44"/>
+                                        </p:tgtEl>
+                                        <p:attrNameLst>
+                                          <p:attrName>ppt_x</p:attrName>
+                                        </p:attrNameLst>
+                                      </p:cBhvr>
+                                      <p:tavLst>
+                                        <p:tav tm="0">
+                                          <p:val>
+                                            <p:strVal val="#ppt_x"/>
+                                          </p:val>
+                                        </p:tav>
+                                        <p:tav tm="100000">
+                                          <p:val>
+                                            <p:strVal val="#ppt_x"/>
+                                          </p:val>
+                                        </p:tav>
+                                      </p:tavLst>
+                                    </p:anim>
+                                    <p:anim calcmode="lin" valueType="num">
+                                      <p:cBhvr>
+                                        <p:cTn id="24" dur="500" fill="hold"/>
+                                        <p:tgtEl>
+                                          <p:spTgt spid="44"/>
+                                        </p:tgtEl>
+                                        <p:attrNameLst>
+                                          <p:attrName>ppt_y</p:attrName>
+                                        </p:attrNameLst>
+                                      </p:cBhvr>
+                                      <p:tavLst>
+                                        <p:tav tm="0">
+                                          <p:val>
+                                            <p:strVal val="#ppt_y+.1"/>
+                                          </p:val>
+                                        </p:tav>
+                                        <p:tav tm="100000">
+                                          <p:val>
+                                            <p:strVal val="#ppt_y"/>
+                                          </p:val>
+                                        </p:tav>
+                                      </p:tavLst>
+                                    </p:anim>
+                                  </p:childTnLst>
+                                </p:cTn>
+                              </p:par>
+                              <p:par>
+                                <p:cTn id="25" presetID="42" presetClass="entr" presetSubtype="0" fill="hold" grpId="0" nodeType="withEffect">
+                                  <p:stCondLst>
+                                    <p:cond delay="0"/>
+                                  </p:stCondLst>
+                                  <p:childTnLst>
+                                    <p:set>
+                                      <p:cBhvr>
+                                        <p:cTn id="26" dur="1" fill="hold">
+                                          <p:stCondLst>
+                                            <p:cond delay="0"/>
+                                          </p:stCondLst>
+                                        </p:cTn>
+                                        <p:tgtEl>
+                                          <p:spTgt spid="45"/>
+                                        </p:tgtEl>
+                                        <p:attrNameLst>
+                                          <p:attrName>style.visibility</p:attrName>
+                                        </p:attrNameLst>
+                                      </p:cBhvr>
+                                      <p:to>
+                                        <p:strVal val="visible"/>
+                                      </p:to>
+                                    </p:set>
+                                    <p:animEffect transition="in" filter="fade">
+                                      <p:cBhvr>
+                                        <p:cTn id="27" dur="500"/>
+                                        <p:tgtEl>
+                                          <p:spTgt spid="45"/>
+                                        </p:tgtEl>
+                                      </p:cBhvr>
+                                    </p:animEffect>
+                                    <p:anim calcmode="lin" valueType="num">
+                                      <p:cBhvr>
+                                        <p:cTn id="28" dur="500" fill="hold"/>
+                                        <p:tgtEl>
+                                          <p:spTgt spid="45"/>
+                                        </p:tgtEl>
+                                        <p:attrNameLst>
+                                          <p:attrName>ppt_x</p:attrName>
+                                        </p:attrNameLst>
+                                      </p:cBhvr>
+                                      <p:tavLst>
+                                        <p:tav tm="0">
+                                          <p:val>
+                                            <p:strVal val="#ppt_x"/>
+                                          </p:val>
+                                        </p:tav>
+                                        <p:tav tm="100000">
+                                          <p:val>
+                                            <p:strVal val="#ppt_x"/>
+                                          </p:val>
+                                        </p:tav>
+                                      </p:tavLst>
+                                    </p:anim>
+                                    <p:anim calcmode="lin" valueType="num">
+                                      <p:cBhvr>
+                                        <p:cTn id="29" dur="500" fill="hold"/>
+                                        <p:tgtEl>
+                                          <p:spTgt spid="45"/>
+                                        </p:tgtEl>
+                                        <p:attrNameLst>
+                                          <p:attrName>ppt_y</p:attrName>
+                                        </p:attrNameLst>
+                                      </p:cBhvr>
+                                      <p:tavLst>
+                                        <p:tav tm="0">
+                                          <p:val>
+                                            <p:strVal val="#ppt_y+.1"/>
+                                          </p:val>
+                                        </p:tav>
+                                        <p:tav tm="100000">
+                                          <p:val>
+                                            <p:strVal val="#ppt_y"/>
+                                          </p:val>
+                                        </p:tav>
+                                      </p:tavLst>
+                                    </p:anim>
+                                  </p:childTnLst>
+                                </p:cTn>
+                              </p:par>
+                              <p:par>
+                                <p:cTn id="30" presetID="42" presetClass="entr" presetSubtype="0" fill="hold" grpId="0" nodeType="withEffect">
+                                  <p:stCondLst>
+                                    <p:cond delay="0"/>
+                                  </p:stCondLst>
+                                  <p:childTnLst>
+                                    <p:set>
+                                      <p:cBhvr>
+                                        <p:cTn id="31" dur="1" fill="hold">
+                                          <p:stCondLst>
+                                            <p:cond delay="0"/>
+                                          </p:stCondLst>
+                                        </p:cTn>
+                                        <p:tgtEl>
+                                          <p:spTgt spid="46"/>
+                                        </p:tgtEl>
+                                        <p:attrNameLst>
+                                          <p:attrName>style.visibility</p:attrName>
+                                        </p:attrNameLst>
+                                      </p:cBhvr>
+                                      <p:to>
+                                        <p:strVal val="visible"/>
+                                      </p:to>
+                                    </p:set>
+                                    <p:animEffect transition="in" filter="fade">
+                                      <p:cBhvr>
+                                        <p:cTn id="32" dur="500"/>
+                                        <p:tgtEl>
+                                          <p:spTgt spid="46"/>
+                                        </p:tgtEl>
+                                      </p:cBhvr>
+                                    </p:animEffect>
+                                    <p:anim calcmode="lin" valueType="num">
+                                      <p:cBhvr>
+                                        <p:cTn id="33" dur="500" fill="hold"/>
+                                        <p:tgtEl>
+                                          <p:spTgt spid="46"/>
+                                        </p:tgtEl>
+                                        <p:attrNameLst>
+                                          <p:attrName>ppt_x</p:attrName>
+                                        </p:attrNameLst>
+                                      </p:cBhvr>
+                                      <p:tavLst>
+                                        <p:tav tm="0">
+                                          <p:val>
+                                            <p:strVal val="#ppt_x"/>
+                                          </p:val>
+                                        </p:tav>
+                                        <p:tav tm="100000">
+                                          <p:val>
+                                            <p:strVal val="#ppt_x"/>
+                                          </p:val>
+                                        </p:tav>
+                                      </p:tavLst>
+                                    </p:anim>
+                                    <p:anim calcmode="lin" valueType="num">
+                                      <p:cBhvr>
+                                        <p:cTn id="34" dur="500" fill="hold"/>
+                                        <p:tgtEl>
+                                          <p:spTgt spid="46"/>
+                                        </p:tgtEl>
+                                        <p:attrNameLst>
+                                          <p:attrName>ppt_y</p:attrName>
+                                        </p:attrNameLst>
+                                      </p:cBhvr>
+                                      <p:tavLst>
+                                        <p:tav tm="0">
+                                          <p:val>
+                                            <p:strVal val="#ppt_y+.1"/>
+                                          </p:val>
+                                        </p:tav>
+                                        <p:tav tm="100000">
+                                          <p:val>
+                                            <p:strVal val="#ppt_y"/>
+                                          </p:val>
+                                        </p:tav>
+                                      </p:tavLst>
+                                    </p:anim>
+                                  </p:childTnLst>
+                                </p:cTn>
+                              </p:par>
+                              <p:par>
+                                <p:cTn id="35" presetID="42" presetClass="entr" presetSubtype="0" fill="hold" grpId="0" nodeType="withEffect">
+                                  <p:stCondLst>
+                                    <p:cond delay="0"/>
+                                  </p:stCondLst>
+                                  <p:childTnLst>
+                                    <p:set>
+                                      <p:cBhvr>
+                                        <p:cTn id="36" dur="1" fill="hold">
+                                          <p:stCondLst>
+                                            <p:cond delay="0"/>
+                                          </p:stCondLst>
+                                        </p:cTn>
+                                        <p:tgtEl>
+                                          <p:spTgt spid="47"/>
+                                        </p:tgtEl>
+                                        <p:attrNameLst>
+                                          <p:attrName>style.visibility</p:attrName>
+                                        </p:attrNameLst>
+                                      </p:cBhvr>
+                                      <p:to>
+                                        <p:strVal val="visible"/>
+                                      </p:to>
+                                    </p:set>
+                                    <p:animEffect transition="in" filter="fade">
+                                      <p:cBhvr>
+                                        <p:cTn id="37" dur="500"/>
+                                        <p:tgtEl>
+                                          <p:spTgt spid="47"/>
+                                        </p:tgtEl>
+                                      </p:cBhvr>
+                                    </p:animEffect>
+                                    <p:anim calcmode="lin" valueType="num">
+                                      <p:cBhvr>
+                                        <p:cTn id="38" dur="500" fill="hold"/>
+                                        <p:tgtEl>
+                                          <p:spTgt spid="47"/>
+                                        </p:tgtEl>
+                                        <p:attrNameLst>
+                                          <p:attrName>ppt_x</p:attrName>
+                                        </p:attrNameLst>
+                                      </p:cBhvr>
+                                      <p:tavLst>
+                                        <p:tav tm="0">
+                                          <p:val>
+                                            <p:strVal val="#ppt_x"/>
+                                          </p:val>
+                                        </p:tav>
+                                        <p:tav tm="100000">
+                                          <p:val>
+                                            <p:strVal val="#ppt_x"/>
+                                          </p:val>
+                                        </p:tav>
+                                      </p:tavLst>
+                                    </p:anim>
+                                    <p:anim calcmode="lin" valueType="num">
+                                      <p:cBhvr>
+                                        <p:cTn id="39" dur="500" fill="hold"/>
+                                        <p:tgtEl>
+                                          <p:spTgt spid="47"/>
+                                        </p:tgtEl>
+                                        <p:attrNameLst>
+                                          <p:attrName>ppt_y</p:attrName>
+                                        </p:attrNameLst>
+                                      </p:cBhvr>
+                                      <p:tavLst>
+                                        <p:tav tm="0">
+                                          <p:val>
+                                            <p:strVal val="#ppt_y+.1"/>
+                                          </p:val>
+                                        </p:tav>
+                                        <p:tav tm="100000">
+                                          <p:val>
+                                            <p:strVal val="#ppt_y"/>
+                                          </p:val>
+                                        </p:tav>
+                                      </p:tavLst>
+                                    </p:anim>
+                                  </p:childTnLst>
+                                </p:cTn>
+                              </p:par>
+                            </p:childTnLst>
+                          </p:cTn>
+                        </p:par>
+                      </p:childTnLst>
+                    </p:cTn>
+                  </p:par>
+                </p:childTnLst>
+              </p:cTn>
+              <p:prevCondLst>
+                <p:cond evt="onPrev" delay="0">
+                  <p:tgtEl>
+                    <p:sldTgt/>
+                  </p:tgtEl>
+                </p:cond>
+              </p:prevCondLst>
+              <p:nextCondLst>
+                <p:cond evt="onNext" delay="0">
+                  <p:tgtEl>
+                    <p:sldTgt/>
+                  </p:tgtEl>
+                </p:cond>
+              </p:nextCondLst>
+            </p:seq>
+          </p:childTnLst>
+        </p:cTn>
       </p:par>
     </p:tnLst>
+    <p:bldLst>
+      <p:bldP spid="44" grpId="0"/>
+      <p:bldP spid="45" grpId="0"/>
+      <p:bldP spid="46" grpId="0"/>
+      <p:bldP spid="47" grpId="0"/>
+      <p:bldP spid="48" grpId="0"/>
+    </p:bldLst>
+  </p:timing>
+</p:sld>
+</file>
+
+<file path=ppt/slides/slide9.xml><?xml version="1.0" encoding="utf-8"?>
+<p:sld xmlns:a="http://schemas.openxmlformats.org/drawingml/2006/main" xmlns:r="http://schemas.openxmlformats.org/officeDocument/2006/relationships" xmlns:p="http://schemas.openxmlformats.org/presentationml/2006/main">
+  <p:cSld>
+    <p:spTree>
+      <p:nvGrpSpPr>
+        <p:cNvPr id="1" name=""/>
+        <p:cNvGrpSpPr/>
+        <p:nvPr/>
+      </p:nvGrpSpPr>
+      <p:grpSpPr>
+        <a:xfrm>
+          <a:off x="0" y="0"/>
+          <a:ext cx="0" cy="0"/>
+          <a:chOff x="0" y="0"/>
+          <a:chExt cx="0" cy="0"/>
+        </a:xfrm>
+      </p:grpSpPr>
+      <p:sp>
+        <p:nvSpPr>
+          <p:cNvPr id="54" name="标题 1"/>
+          <p:cNvSpPr txBox="1"/>
+          <p:nvPr/>
+        </p:nvSpPr>
+        <p:spPr>
+          <a:xfrm>
+            <a:off x="1169934" y="70892"/>
+            <a:ext cx="4698210" cy="628650"/>
+          </a:xfrm>
+          <a:prstGeom prst="rect">
+            <a:avLst/>
+          </a:prstGeom>
+        </p:spPr>
+        <p:txBody>
+          <a:bodyPr vert="horz" lIns="91440" tIns="45720" rIns="91440" bIns="45720" rtlCol="0" anchor="ctr">
+            <a:normAutofit/>
+          </a:bodyPr>
+          <a:lstStyle>
+            <a:lvl1pPr algn="ctr" defTabSz="914400" rtl="0" eaLnBrk="1" latinLnBrk="0" hangingPunct="1">
+              <a:spcBef>
+                <a:spcPct val="0"/>
+              </a:spcBef>
+              <a:buNone/>
+              <a:defRPr sz="4400" kern="1200">
+                <a:solidFill>
+                  <a:schemeClr val="tx1"/>
+                </a:solidFill>
+                <a:latin typeface="+mj-lt"/>
+                <a:ea typeface="+mj-ea"/>
+                <a:cs typeface="+mj-cs"/>
+              </a:defRPr>
+            </a:lvl1pPr>
+          </a:lstStyle>
+          <a:p>
+            <a:pPr algn="l">
+              <a:defRPr/>
+            </a:pPr>
+            <a:r>
+              <a:rPr lang="zh-CN" altLang="en-US" sz="2400" b="1" dirty="0" smtClean="0">
+                <a:solidFill>
+                  <a:srgbClr val="0070C0"/>
+                </a:solidFill>
+                <a:latin typeface="微软雅黑" panose="020B0503020204020204" pitchFamily="34" charset="-122"/>
+                <a:ea typeface="微软雅黑" panose="020B0503020204020204" pitchFamily="34" charset="-122"/>
+              </a:rPr>
+              <a:t>试用期工作总结及</a:t>
+            </a:r>
+            <a:r>
+              <a:rPr lang="zh-CN" altLang="en-US" sz="2400" b="1" dirty="0" smtClean="0">
+                <a:solidFill>
+                  <a:srgbClr val="0070C0"/>
+                </a:solidFill>
+                <a:latin typeface="微软雅黑" panose="020B0503020204020204" pitchFamily="34" charset="-122"/>
+                <a:ea typeface="微软雅黑" panose="020B0503020204020204" pitchFamily="34" charset="-122"/>
+              </a:rPr>
+              <a:t>理解</a:t>
+            </a:r>
+            <a:endParaRPr lang="zh-CN" altLang="en-US" sz="2400" b="1" dirty="0">
+              <a:solidFill>
+                <a:srgbClr val="0070C0"/>
+              </a:solidFill>
+              <a:latin typeface="微软雅黑" panose="020B0503020204020204" pitchFamily="34" charset="-122"/>
+              <a:ea typeface="微软雅黑" panose="020B0503020204020204" pitchFamily="34" charset="-122"/>
+            </a:endParaRPr>
+          </a:p>
+        </p:txBody>
+      </p:sp>
+      <p:grpSp>
+        <p:nvGrpSpPr>
+          <p:cNvPr id="55" name="组合 54"/>
+          <p:cNvGrpSpPr/>
+          <p:nvPr/>
+        </p:nvGrpSpPr>
+        <p:grpSpPr>
+          <a:xfrm>
+            <a:off x="486664" y="127308"/>
+            <a:ext cx="528000" cy="528000"/>
+            <a:chOff x="406574" y="236732"/>
+            <a:chExt cx="612048" cy="593261"/>
+          </a:xfrm>
+          <a:effectLst/>
+        </p:grpSpPr>
+        <p:sp>
+          <p:nvSpPr>
+            <p:cNvPr id="56" name="矩形 55"/>
+            <p:cNvSpPr/>
+            <p:nvPr/>
+          </p:nvSpPr>
+          <p:spPr>
+            <a:xfrm>
+              <a:off x="406574" y="236732"/>
+              <a:ext cx="504000" cy="504000"/>
+            </a:xfrm>
+            <a:prstGeom prst="rect">
+              <a:avLst/>
+            </a:prstGeom>
+            <a:noFill/>
+            <a:ln w="28575">
+              <a:solidFill>
+                <a:srgbClr val="0180CD"/>
+              </a:solidFill>
+            </a:ln>
+          </p:spPr>
+          <p:style>
+            <a:lnRef idx="2">
+              <a:schemeClr val="accent1">
+                <a:shade val="50000"/>
+              </a:schemeClr>
+            </a:lnRef>
+            <a:fillRef idx="1">
+              <a:schemeClr val="accent1"/>
+            </a:fillRef>
+            <a:effectRef idx="0">
+              <a:schemeClr val="accent1"/>
+            </a:effectRef>
+            <a:fontRef idx="minor">
+              <a:schemeClr val="lt1"/>
+            </a:fontRef>
+          </p:style>
+          <p:txBody>
+            <a:bodyPr rtlCol="0" anchor="ctr"/>
+            <a:lstStyle/>
+            <a:p>
+              <a:pPr algn="ctr"/>
+              <a:endParaRPr lang="zh-CN" altLang="en-US" sz="2400">
+                <a:solidFill>
+                  <a:prstClr val="white"/>
+                </a:solidFill>
+              </a:endParaRPr>
+            </a:p>
+          </p:txBody>
+        </p:sp>
+        <p:sp>
+          <p:nvSpPr>
+            <p:cNvPr id="57" name="矩形 56"/>
+            <p:cNvSpPr/>
+            <p:nvPr/>
+          </p:nvSpPr>
+          <p:spPr>
+            <a:xfrm>
+              <a:off x="694606" y="512239"/>
+              <a:ext cx="324016" cy="317754"/>
+            </a:xfrm>
+            <a:prstGeom prst="rect">
+              <a:avLst/>
+            </a:prstGeom>
+            <a:solidFill>
+              <a:schemeClr val="bg1"/>
+            </a:solidFill>
+            <a:ln>
+              <a:noFill/>
+            </a:ln>
+            <a:effectLst>
+              <a:outerShdw blurRad="50800" dist="38100" dir="2700000" algn="tl" rotWithShape="0">
+                <a:prstClr val="black">
+                  <a:alpha val="40000"/>
+                </a:prstClr>
+              </a:outerShdw>
+            </a:effectLst>
+          </p:spPr>
+          <p:style>
+            <a:lnRef idx="2">
+              <a:schemeClr val="accent1">
+                <a:shade val="50000"/>
+              </a:schemeClr>
+            </a:lnRef>
+            <a:fillRef idx="1">
+              <a:schemeClr val="accent1"/>
+            </a:fillRef>
+            <a:effectRef idx="0">
+              <a:schemeClr val="accent1"/>
+            </a:effectRef>
+            <a:fontRef idx="minor">
+              <a:schemeClr val="lt1"/>
+            </a:fontRef>
+          </p:style>
+          <p:txBody>
+            <a:bodyPr rtlCol="0" anchor="ctr"/>
+            <a:lstStyle/>
+            <a:p>
+              <a:pPr algn="ctr"/>
+              <a:endParaRPr lang="zh-CN" altLang="en-US" sz="2400" dirty="0">
+                <a:solidFill>
+                  <a:prstClr val="white"/>
+                </a:solidFill>
+              </a:endParaRPr>
+            </a:p>
+          </p:txBody>
+        </p:sp>
+      </p:grpSp>
+      <p:sp>
+        <p:nvSpPr>
+          <p:cNvPr id="15" name="Rectangle 4"/>
+          <p:cNvSpPr/>
+          <p:nvPr/>
+        </p:nvSpPr>
+        <p:spPr>
+          <a:xfrm>
+            <a:off x="4827944" y="3303726"/>
+            <a:ext cx="3561710" cy="247208"/>
+          </a:xfrm>
+          <a:prstGeom prst="rect">
+            <a:avLst/>
+          </a:prstGeom>
+          <a:solidFill>
+            <a:srgbClr val="BFBFBF">
+              <a:alpha val="20000"/>
+            </a:srgbClr>
+          </a:solidFill>
+          <a:ln>
+            <a:noFill/>
+          </a:ln>
+        </p:spPr>
+        <p:style>
+          <a:lnRef idx="2">
+            <a:schemeClr val="accent1">
+              <a:shade val="50000"/>
+            </a:schemeClr>
+          </a:lnRef>
+          <a:fillRef idx="1">
+            <a:schemeClr val="accent1"/>
+          </a:fillRef>
+          <a:effectRef idx="0">
+            <a:schemeClr val="accent1"/>
+          </a:effectRef>
+          <a:fontRef idx="minor">
+            <a:schemeClr val="lt1"/>
+          </a:fontRef>
+        </p:style>
+        <p:txBody>
+          <a:bodyPr rtlCol="0" anchor="ctr"/>
+          <a:lstStyle/>
+          <a:p>
+            <a:pPr algn="ctr"/>
+            <a:endParaRPr lang="en-US" sz="1350">
+              <a:cs typeface="+mn-ea"/>
+              <a:sym typeface="+mn-lt"/>
+            </a:endParaRPr>
+          </a:p>
+        </p:txBody>
+      </p:sp>
+      <p:sp>
+        <p:nvSpPr>
+          <p:cNvPr id="16" name="Rectangle 62"/>
+          <p:cNvSpPr/>
+          <p:nvPr/>
+        </p:nvSpPr>
+        <p:spPr>
+          <a:xfrm>
+            <a:off x="4827944" y="4409135"/>
+            <a:ext cx="3561710" cy="247208"/>
+          </a:xfrm>
+          <a:prstGeom prst="rect">
+            <a:avLst/>
+          </a:prstGeom>
+          <a:solidFill>
+            <a:srgbClr val="BFBFBF">
+              <a:alpha val="20000"/>
+            </a:srgbClr>
+          </a:solidFill>
+          <a:ln>
+            <a:noFill/>
+          </a:ln>
+        </p:spPr>
+        <p:style>
+          <a:lnRef idx="2">
+            <a:schemeClr val="accent1">
+              <a:shade val="50000"/>
+            </a:schemeClr>
+          </a:lnRef>
+          <a:fillRef idx="1">
+            <a:schemeClr val="accent1"/>
+          </a:fillRef>
+          <a:effectRef idx="0">
+            <a:schemeClr val="accent1"/>
+          </a:effectRef>
+          <a:fontRef idx="minor">
+            <a:schemeClr val="lt1"/>
+          </a:fontRef>
+        </p:style>
+        <p:txBody>
+          <a:bodyPr rtlCol="0" anchor="ctr"/>
+          <a:lstStyle/>
+          <a:p>
+            <a:pPr algn="ctr"/>
+            <a:endParaRPr lang="en-US" sz="1350">
+              <a:cs typeface="+mn-ea"/>
+              <a:sym typeface="+mn-lt"/>
+            </a:endParaRPr>
+          </a:p>
+        </p:txBody>
+      </p:sp>
+      <p:sp>
+        <p:nvSpPr>
+          <p:cNvPr id="17" name="Rectangle 66"/>
+          <p:cNvSpPr/>
+          <p:nvPr/>
+        </p:nvSpPr>
+        <p:spPr>
+          <a:xfrm>
+            <a:off x="4827944" y="2203256"/>
+            <a:ext cx="3561710" cy="247208"/>
+          </a:xfrm>
+          <a:prstGeom prst="rect">
+            <a:avLst/>
+          </a:prstGeom>
+          <a:solidFill>
+            <a:srgbClr val="BFBFBF">
+              <a:alpha val="20000"/>
+            </a:srgbClr>
+          </a:solidFill>
+          <a:ln>
+            <a:noFill/>
+          </a:ln>
+        </p:spPr>
+        <p:style>
+          <a:lnRef idx="2">
+            <a:schemeClr val="accent1">
+              <a:shade val="50000"/>
+            </a:schemeClr>
+          </a:lnRef>
+          <a:fillRef idx="1">
+            <a:schemeClr val="accent1"/>
+          </a:fillRef>
+          <a:effectRef idx="0">
+            <a:schemeClr val="accent1"/>
+          </a:effectRef>
+          <a:fontRef idx="minor">
+            <a:schemeClr val="lt1"/>
+          </a:fontRef>
+        </p:style>
+        <p:txBody>
+          <a:bodyPr rtlCol="0" anchor="ctr"/>
+          <a:lstStyle/>
+          <a:p>
+            <a:pPr algn="ctr"/>
+            <a:endParaRPr lang="en-US" sz="1350">
+              <a:cs typeface="+mn-ea"/>
+              <a:sym typeface="+mn-lt"/>
+            </a:endParaRPr>
+          </a:p>
+        </p:txBody>
+      </p:sp>
+      <p:sp>
+        <p:nvSpPr>
+          <p:cNvPr id="18" name="Rectangle 70"/>
+          <p:cNvSpPr/>
+          <p:nvPr/>
+        </p:nvSpPr>
+        <p:spPr>
+          <a:xfrm>
+            <a:off x="770294" y="3303726"/>
+            <a:ext cx="3561710" cy="247208"/>
+          </a:xfrm>
+          <a:prstGeom prst="rect">
+            <a:avLst/>
+          </a:prstGeom>
+          <a:solidFill>
+            <a:srgbClr val="BFBFBF">
+              <a:alpha val="20000"/>
+            </a:srgbClr>
+          </a:solidFill>
+          <a:ln>
+            <a:noFill/>
+          </a:ln>
+        </p:spPr>
+        <p:style>
+          <a:lnRef idx="2">
+            <a:schemeClr val="accent1">
+              <a:shade val="50000"/>
+            </a:schemeClr>
+          </a:lnRef>
+          <a:fillRef idx="1">
+            <a:schemeClr val="accent1"/>
+          </a:fillRef>
+          <a:effectRef idx="0">
+            <a:schemeClr val="accent1"/>
+          </a:effectRef>
+          <a:fontRef idx="minor">
+            <a:schemeClr val="lt1"/>
+          </a:fontRef>
+        </p:style>
+        <p:txBody>
+          <a:bodyPr rtlCol="0" anchor="ctr"/>
+          <a:lstStyle/>
+          <a:p>
+            <a:pPr algn="ctr"/>
+            <a:endParaRPr lang="en-US" sz="1350">
+              <a:cs typeface="+mn-ea"/>
+              <a:sym typeface="+mn-lt"/>
+            </a:endParaRPr>
+          </a:p>
+        </p:txBody>
+      </p:sp>
+      <p:sp>
+        <p:nvSpPr>
+          <p:cNvPr id="19" name="Rectangle 74"/>
+          <p:cNvSpPr/>
+          <p:nvPr/>
+        </p:nvSpPr>
+        <p:spPr>
+          <a:xfrm>
+            <a:off x="778268" y="4409135"/>
+            <a:ext cx="3561710" cy="247208"/>
+          </a:xfrm>
+          <a:prstGeom prst="rect">
+            <a:avLst/>
+          </a:prstGeom>
+          <a:solidFill>
+            <a:srgbClr val="BFBFBF">
+              <a:alpha val="20000"/>
+            </a:srgbClr>
+          </a:solidFill>
+          <a:ln>
+            <a:noFill/>
+          </a:ln>
+        </p:spPr>
+        <p:style>
+          <a:lnRef idx="2">
+            <a:schemeClr val="accent1">
+              <a:shade val="50000"/>
+            </a:schemeClr>
+          </a:lnRef>
+          <a:fillRef idx="1">
+            <a:schemeClr val="accent1"/>
+          </a:fillRef>
+          <a:effectRef idx="0">
+            <a:schemeClr val="accent1"/>
+          </a:effectRef>
+          <a:fontRef idx="minor">
+            <a:schemeClr val="lt1"/>
+          </a:fontRef>
+        </p:style>
+        <p:txBody>
+          <a:bodyPr rtlCol="0" anchor="ctr"/>
+          <a:lstStyle/>
+          <a:p>
+            <a:pPr algn="ctr"/>
+            <a:endParaRPr lang="en-US" sz="1350">
+              <a:cs typeface="+mn-ea"/>
+              <a:sym typeface="+mn-lt"/>
+            </a:endParaRPr>
+          </a:p>
+        </p:txBody>
+      </p:sp>
+      <p:sp>
+        <p:nvSpPr>
+          <p:cNvPr id="20" name="Rectangle 78"/>
+          <p:cNvSpPr/>
+          <p:nvPr/>
+        </p:nvSpPr>
+        <p:spPr>
+          <a:xfrm>
+            <a:off x="778268" y="2203256"/>
+            <a:ext cx="3561710" cy="247208"/>
+          </a:xfrm>
+          <a:prstGeom prst="rect">
+            <a:avLst/>
+          </a:prstGeom>
+          <a:solidFill>
+            <a:srgbClr val="BFBFBF">
+              <a:alpha val="20000"/>
+            </a:srgbClr>
+          </a:solidFill>
+          <a:ln>
+            <a:noFill/>
+          </a:ln>
+        </p:spPr>
+        <p:style>
+          <a:lnRef idx="2">
+            <a:schemeClr val="accent1">
+              <a:shade val="50000"/>
+            </a:schemeClr>
+          </a:lnRef>
+          <a:fillRef idx="1">
+            <a:schemeClr val="accent1"/>
+          </a:fillRef>
+          <a:effectRef idx="0">
+            <a:schemeClr val="accent1"/>
+          </a:effectRef>
+          <a:fontRef idx="minor">
+            <a:schemeClr val="lt1"/>
+          </a:fontRef>
+        </p:style>
+        <p:txBody>
+          <a:bodyPr rtlCol="0" anchor="ctr"/>
+          <a:lstStyle/>
+          <a:p>
+            <a:pPr algn="ctr"/>
+            <a:endParaRPr lang="en-US" sz="1350">
+              <a:cs typeface="+mn-ea"/>
+              <a:sym typeface="+mn-lt"/>
+            </a:endParaRPr>
+          </a:p>
+        </p:txBody>
+      </p:sp>
+      <p:sp>
+        <p:nvSpPr>
+          <p:cNvPr id="21" name="Rectangle 79"/>
+          <p:cNvSpPr/>
+          <p:nvPr/>
+        </p:nvSpPr>
+        <p:spPr>
+          <a:xfrm>
+            <a:off x="778268" y="2206896"/>
+            <a:ext cx="2536433" cy="247208"/>
+          </a:xfrm>
+          <a:prstGeom prst="rect">
+            <a:avLst/>
+          </a:prstGeom>
+          <a:gradFill>
+            <a:gsLst>
+              <a:gs pos="79000">
+                <a:srgbClr val="5877B6">
+                  <a:lumMod val="80000"/>
+                  <a:lumOff val="20000"/>
+                </a:srgbClr>
+              </a:gs>
+              <a:gs pos="0">
+                <a:srgbClr val="465E96"/>
+              </a:gs>
+            </a:gsLst>
+            <a:lin ang="0" scaled="0"/>
+          </a:gradFill>
+          <a:ln>
+            <a:noFill/>
+          </a:ln>
+          <a:effectLst>
+            <a:outerShdw blurRad="342900" dist="152400" dir="5400000" sx="94000" sy="94000" algn="t" rotWithShape="0">
+              <a:srgbClr val="5877B6">
+                <a:alpha val="23000"/>
+              </a:srgbClr>
+            </a:outerShdw>
+          </a:effectLst>
+        </p:spPr>
+        <p:style>
+          <a:lnRef idx="2">
+            <a:schemeClr val="accent1">
+              <a:shade val="50000"/>
+            </a:schemeClr>
+          </a:lnRef>
+          <a:fillRef idx="1">
+            <a:schemeClr val="accent1"/>
+          </a:fillRef>
+          <a:effectRef idx="0">
+            <a:schemeClr val="accent1"/>
+          </a:effectRef>
+          <a:fontRef idx="minor">
+            <a:schemeClr val="lt1"/>
+          </a:fontRef>
+        </p:style>
+        <p:txBody>
+          <a:bodyPr rtlCol="0" anchor="ctr"/>
+          <a:lstStyle/>
+          <a:p>
+            <a:pPr algn="r" defTabSz="1714500"/>
+            <a:r>
+              <a:rPr lang="en-US" altLang="zh-CN" sz="1350" dirty="0">
+                <a:solidFill>
+                  <a:prstClr val="white"/>
+                </a:solidFill>
+                <a:cs typeface="+mn-ea"/>
+                <a:sym typeface="+mn-lt"/>
+              </a:rPr>
+              <a:t>70 %</a:t>
+            </a:r>
+          </a:p>
+        </p:txBody>
+      </p:sp>
+      <p:sp>
+        <p:nvSpPr>
+          <p:cNvPr id="22" name="Rectangle 67"/>
+          <p:cNvSpPr/>
+          <p:nvPr/>
+        </p:nvSpPr>
+        <p:spPr>
+          <a:xfrm>
+            <a:off x="4835797" y="2206896"/>
+            <a:ext cx="1715730" cy="247208"/>
+          </a:xfrm>
+          <a:prstGeom prst="rect">
+            <a:avLst/>
+          </a:prstGeom>
+          <a:gradFill>
+            <a:gsLst>
+              <a:gs pos="79000">
+                <a:srgbClr val="5877B6">
+                  <a:lumMod val="80000"/>
+                  <a:lumOff val="20000"/>
+                </a:srgbClr>
+              </a:gs>
+              <a:gs pos="0">
+                <a:srgbClr val="465E96"/>
+              </a:gs>
+            </a:gsLst>
+            <a:lin ang="0" scaled="0"/>
+          </a:gradFill>
+          <a:ln>
+            <a:noFill/>
+          </a:ln>
+          <a:effectLst>
+            <a:outerShdw blurRad="342900" dist="152400" dir="5400000" sx="94000" sy="94000" algn="t" rotWithShape="0">
+              <a:srgbClr val="5877B6">
+                <a:alpha val="23000"/>
+              </a:srgbClr>
+            </a:outerShdw>
+          </a:effectLst>
+        </p:spPr>
+        <p:style>
+          <a:lnRef idx="2">
+            <a:schemeClr val="accent1">
+              <a:shade val="50000"/>
+            </a:schemeClr>
+          </a:lnRef>
+          <a:fillRef idx="1">
+            <a:schemeClr val="accent1"/>
+          </a:fillRef>
+          <a:effectRef idx="0">
+            <a:schemeClr val="accent1"/>
+          </a:effectRef>
+          <a:fontRef idx="minor">
+            <a:schemeClr val="lt1"/>
+          </a:fontRef>
+        </p:style>
+        <p:txBody>
+          <a:bodyPr rtlCol="0" anchor="ctr"/>
+          <a:lstStyle/>
+          <a:p>
+            <a:pPr algn="r" defTabSz="1714500"/>
+            <a:r>
+              <a:rPr lang="en-US" altLang="zh-CN" sz="1350" dirty="0">
+                <a:solidFill>
+                  <a:prstClr val="white"/>
+                </a:solidFill>
+                <a:cs typeface="+mn-ea"/>
+                <a:sym typeface="+mn-lt"/>
+              </a:rPr>
+              <a:t>50 %</a:t>
+            </a:r>
+          </a:p>
+        </p:txBody>
+      </p:sp>
+      <p:sp>
+        <p:nvSpPr>
+          <p:cNvPr id="23" name="Rectangle 71"/>
+          <p:cNvSpPr/>
+          <p:nvPr/>
+        </p:nvSpPr>
+        <p:spPr>
+          <a:xfrm>
+            <a:off x="786121" y="3307366"/>
+            <a:ext cx="2879331" cy="247208"/>
+          </a:xfrm>
+          <a:prstGeom prst="rect">
+            <a:avLst/>
+          </a:prstGeom>
+          <a:gradFill>
+            <a:gsLst>
+              <a:gs pos="79000">
+                <a:srgbClr val="5877B6">
+                  <a:lumMod val="80000"/>
+                  <a:lumOff val="20000"/>
+                </a:srgbClr>
+              </a:gs>
+              <a:gs pos="0">
+                <a:srgbClr val="465E96"/>
+              </a:gs>
+            </a:gsLst>
+            <a:lin ang="0" scaled="0"/>
+          </a:gradFill>
+          <a:ln>
+            <a:noFill/>
+          </a:ln>
+          <a:effectLst>
+            <a:outerShdw blurRad="342900" dist="152400" dir="5400000" sx="94000" sy="94000" algn="t" rotWithShape="0">
+              <a:srgbClr val="5877B6">
+                <a:alpha val="23000"/>
+              </a:srgbClr>
+            </a:outerShdw>
+          </a:effectLst>
+        </p:spPr>
+        <p:style>
+          <a:lnRef idx="2">
+            <a:schemeClr val="accent1">
+              <a:shade val="50000"/>
+            </a:schemeClr>
+          </a:lnRef>
+          <a:fillRef idx="1">
+            <a:schemeClr val="accent1"/>
+          </a:fillRef>
+          <a:effectRef idx="0">
+            <a:schemeClr val="accent1"/>
+          </a:effectRef>
+          <a:fontRef idx="minor">
+            <a:schemeClr val="lt1"/>
+          </a:fontRef>
+        </p:style>
+        <p:txBody>
+          <a:bodyPr rtlCol="0" anchor="ctr"/>
+          <a:lstStyle/>
+          <a:p>
+            <a:pPr algn="r" defTabSz="1714500"/>
+            <a:r>
+              <a:rPr lang="en-US" altLang="zh-CN" sz="1350" dirty="0">
+                <a:solidFill>
+                  <a:prstClr val="white"/>
+                </a:solidFill>
+                <a:cs typeface="+mn-ea"/>
+                <a:sym typeface="+mn-lt"/>
+              </a:rPr>
+              <a:t>80 %</a:t>
+            </a:r>
+          </a:p>
+        </p:txBody>
+      </p:sp>
+      <p:sp>
+        <p:nvSpPr>
+          <p:cNvPr id="24" name="Rectangle 75"/>
+          <p:cNvSpPr/>
+          <p:nvPr/>
+        </p:nvSpPr>
+        <p:spPr>
+          <a:xfrm>
+            <a:off x="786121" y="4412774"/>
+            <a:ext cx="3165081" cy="247208"/>
+          </a:xfrm>
+          <a:prstGeom prst="rect">
+            <a:avLst/>
+          </a:prstGeom>
+          <a:gradFill>
+            <a:gsLst>
+              <a:gs pos="79000">
+                <a:srgbClr val="5877B6">
+                  <a:lumMod val="80000"/>
+                  <a:lumOff val="20000"/>
+                </a:srgbClr>
+              </a:gs>
+              <a:gs pos="0">
+                <a:srgbClr val="465E96"/>
+              </a:gs>
+            </a:gsLst>
+            <a:lin ang="0" scaled="0"/>
+          </a:gradFill>
+          <a:ln>
+            <a:noFill/>
+          </a:ln>
+          <a:effectLst>
+            <a:outerShdw blurRad="342900" dist="152400" dir="5400000" sx="94000" sy="94000" algn="t" rotWithShape="0">
+              <a:srgbClr val="5877B6">
+                <a:alpha val="23000"/>
+              </a:srgbClr>
+            </a:outerShdw>
+          </a:effectLst>
+        </p:spPr>
+        <p:style>
+          <a:lnRef idx="2">
+            <a:schemeClr val="accent1">
+              <a:shade val="50000"/>
+            </a:schemeClr>
+          </a:lnRef>
+          <a:fillRef idx="1">
+            <a:schemeClr val="accent1"/>
+          </a:fillRef>
+          <a:effectRef idx="0">
+            <a:schemeClr val="accent1"/>
+          </a:effectRef>
+          <a:fontRef idx="minor">
+            <a:schemeClr val="lt1"/>
+          </a:fontRef>
+        </p:style>
+        <p:txBody>
+          <a:bodyPr rtlCol="0" anchor="ctr"/>
+          <a:lstStyle/>
+          <a:p>
+            <a:pPr algn="r" defTabSz="1714500"/>
+            <a:r>
+              <a:rPr lang="en-US" altLang="zh-CN" sz="1350">
+                <a:solidFill>
+                  <a:prstClr val="white"/>
+                </a:solidFill>
+                <a:cs typeface="+mn-ea"/>
+                <a:sym typeface="+mn-lt"/>
+              </a:rPr>
+              <a:t>90 %</a:t>
+            </a:r>
+            <a:endParaRPr lang="en-US" altLang="zh-CN" sz="1350" dirty="0">
+              <a:solidFill>
+                <a:prstClr val="white"/>
+              </a:solidFill>
+              <a:cs typeface="+mn-ea"/>
+              <a:sym typeface="+mn-lt"/>
+            </a:endParaRPr>
+          </a:p>
+        </p:txBody>
+      </p:sp>
+      <p:sp>
+        <p:nvSpPr>
+          <p:cNvPr id="25" name="Rectangle 63"/>
+          <p:cNvSpPr/>
+          <p:nvPr/>
+        </p:nvSpPr>
+        <p:spPr>
+          <a:xfrm>
+            <a:off x="4835797" y="4412774"/>
+            <a:ext cx="2065774" cy="247208"/>
+          </a:xfrm>
+          <a:prstGeom prst="rect">
+            <a:avLst/>
+          </a:prstGeom>
+          <a:gradFill>
+            <a:gsLst>
+              <a:gs pos="79000">
+                <a:srgbClr val="5877B6">
+                  <a:lumMod val="80000"/>
+                  <a:lumOff val="20000"/>
+                </a:srgbClr>
+              </a:gs>
+              <a:gs pos="0">
+                <a:srgbClr val="465E96"/>
+              </a:gs>
+            </a:gsLst>
+            <a:lin ang="0" scaled="0"/>
+          </a:gradFill>
+          <a:ln>
+            <a:noFill/>
+          </a:ln>
+          <a:effectLst>
+            <a:outerShdw blurRad="342900" dist="152400" dir="5400000" sx="94000" sy="94000" algn="t" rotWithShape="0">
+              <a:srgbClr val="5877B6">
+                <a:alpha val="23000"/>
+              </a:srgbClr>
+            </a:outerShdw>
+          </a:effectLst>
+        </p:spPr>
+        <p:style>
+          <a:lnRef idx="2">
+            <a:schemeClr val="accent1">
+              <a:shade val="50000"/>
+            </a:schemeClr>
+          </a:lnRef>
+          <a:fillRef idx="1">
+            <a:schemeClr val="accent1"/>
+          </a:fillRef>
+          <a:effectRef idx="0">
+            <a:schemeClr val="accent1"/>
+          </a:effectRef>
+          <a:fontRef idx="minor">
+            <a:schemeClr val="lt1"/>
+          </a:fontRef>
+        </p:style>
+        <p:txBody>
+          <a:bodyPr rtlCol="0" anchor="ctr"/>
+          <a:lstStyle/>
+          <a:p>
+            <a:pPr algn="r" defTabSz="1714500"/>
+            <a:r>
+              <a:rPr lang="en-US" altLang="zh-CN" sz="1350" dirty="0">
+                <a:solidFill>
+                  <a:prstClr val="white"/>
+                </a:solidFill>
+                <a:cs typeface="+mn-ea"/>
+                <a:sym typeface="+mn-lt"/>
+              </a:rPr>
+              <a:t>62 %</a:t>
+            </a:r>
+          </a:p>
+        </p:txBody>
+      </p:sp>
+      <p:sp>
+        <p:nvSpPr>
+          <p:cNvPr id="26" name="Rectangle 59"/>
+          <p:cNvSpPr/>
+          <p:nvPr/>
+        </p:nvSpPr>
+        <p:spPr>
+          <a:xfrm>
+            <a:off x="4835796" y="3307366"/>
+            <a:ext cx="2651563" cy="247208"/>
+          </a:xfrm>
+          <a:prstGeom prst="rect">
+            <a:avLst/>
+          </a:prstGeom>
+          <a:gradFill>
+            <a:gsLst>
+              <a:gs pos="79000">
+                <a:srgbClr val="5877B6">
+                  <a:lumMod val="80000"/>
+                  <a:lumOff val="20000"/>
+                </a:srgbClr>
+              </a:gs>
+              <a:gs pos="0">
+                <a:srgbClr val="465E96"/>
+              </a:gs>
+            </a:gsLst>
+            <a:lin ang="0" scaled="0"/>
+          </a:gradFill>
+          <a:ln>
+            <a:noFill/>
+          </a:ln>
+          <a:effectLst>
+            <a:outerShdw blurRad="342900" dist="152400" dir="5400000" sx="94000" sy="94000" algn="t" rotWithShape="0">
+              <a:srgbClr val="5877B6">
+                <a:alpha val="23000"/>
+              </a:srgbClr>
+            </a:outerShdw>
+          </a:effectLst>
+        </p:spPr>
+        <p:style>
+          <a:lnRef idx="2">
+            <a:schemeClr val="accent1">
+              <a:shade val="50000"/>
+            </a:schemeClr>
+          </a:lnRef>
+          <a:fillRef idx="1">
+            <a:schemeClr val="accent1"/>
+          </a:fillRef>
+          <a:effectRef idx="0">
+            <a:schemeClr val="accent1"/>
+          </a:effectRef>
+          <a:fontRef idx="minor">
+            <a:schemeClr val="lt1"/>
+          </a:fontRef>
+        </p:style>
+        <p:txBody>
+          <a:bodyPr rtlCol="0" anchor="ctr"/>
+          <a:lstStyle/>
+          <a:p>
+            <a:pPr algn="r" defTabSz="1714500"/>
+            <a:r>
+              <a:rPr lang="en-US" altLang="zh-CN" sz="1350" dirty="0">
+                <a:solidFill>
+                  <a:prstClr val="white"/>
+                </a:solidFill>
+                <a:cs typeface="+mn-ea"/>
+                <a:sym typeface="+mn-lt"/>
+              </a:rPr>
+              <a:t>75 %</a:t>
+            </a:r>
+          </a:p>
+        </p:txBody>
+      </p:sp>
+      <p:sp>
+        <p:nvSpPr>
+          <p:cNvPr id="27" name="文本框 16"/>
+          <p:cNvSpPr txBox="1"/>
+          <p:nvPr/>
+        </p:nvSpPr>
+        <p:spPr>
+          <a:xfrm>
+            <a:off x="770295" y="1651969"/>
+            <a:ext cx="239874" cy="184666"/>
+          </a:xfrm>
+          <a:prstGeom prst="rect">
+            <a:avLst/>
+          </a:prstGeom>
+          <a:noFill/>
+          <a:effectLst/>
+        </p:spPr>
+        <p:txBody>
+          <a:bodyPr wrap="none" lIns="0" tIns="0" rIns="0" bIns="0" rtlCol="0" anchor="ctr">
+            <a:spAutoFit/>
+          </a:bodyPr>
+          <a:lstStyle>
+            <a:defPPr>
+              <a:defRPr lang="zh-CN"/>
+            </a:defPPr>
+            <a:lvl1pPr>
+              <a:defRPr sz="1600" b="0">
+                <a:solidFill>
+                  <a:srgbClr val="FF4349"/>
+                </a:solidFill>
+                <a:effectLst/>
+                <a:cs typeface="+mn-ea"/>
+              </a:defRPr>
+            </a:lvl1pPr>
+          </a:lstStyle>
+          <a:p>
+            <a:r>
+              <a:rPr lang="en-US" altLang="zh-CN" sz="1200" dirty="0" err="1" smtClean="0">
+                <a:gradFill>
+                  <a:gsLst>
+                    <a:gs pos="79000">
+                      <a:srgbClr val="5877B6">
+                        <a:lumMod val="80000"/>
+                        <a:lumOff val="20000"/>
+                      </a:srgbClr>
+                    </a:gs>
+                    <a:gs pos="0">
+                      <a:srgbClr val="465E96"/>
+                    </a:gs>
+                  </a:gsLst>
+                  <a:lin ang="5400000" scaled="0"/>
+                </a:gradFill>
+                <a:sym typeface="+mn-lt"/>
+              </a:rPr>
+              <a:t>Vue</a:t>
+            </a:r>
+            <a:endParaRPr lang="zh-CN" altLang="en-US" sz="1200" dirty="0">
+              <a:gradFill>
+                <a:gsLst>
+                  <a:gs pos="79000">
+                    <a:srgbClr val="5877B6">
+                      <a:lumMod val="80000"/>
+                      <a:lumOff val="20000"/>
+                    </a:srgbClr>
+                  </a:gs>
+                  <a:gs pos="0">
+                    <a:srgbClr val="465E96"/>
+                  </a:gs>
+                </a:gsLst>
+                <a:lin ang="5400000" scaled="0"/>
+              </a:gradFill>
+              <a:sym typeface="+mn-lt"/>
+            </a:endParaRPr>
+          </a:p>
+        </p:txBody>
+      </p:sp>
+      <p:sp>
+        <p:nvSpPr>
+          <p:cNvPr id="28" name="TextBox 11"/>
+          <p:cNvSpPr txBox="1"/>
+          <p:nvPr/>
+        </p:nvSpPr>
+        <p:spPr>
+          <a:xfrm>
+            <a:off x="770294" y="1894427"/>
+            <a:ext cx="3561710" cy="149015"/>
+          </a:xfrm>
+          <a:prstGeom prst="rect">
+            <a:avLst/>
+          </a:prstGeom>
+          <a:noFill/>
+        </p:spPr>
+        <p:txBody>
+          <a:bodyPr wrap="square" lIns="0" tIns="0" rIns="0" bIns="0" rtlCol="0">
+            <a:spAutoFit/>
+          </a:bodyPr>
+          <a:lstStyle>
+            <a:defPPr>
+              <a:defRPr lang="zh-CN"/>
+            </a:defPPr>
+            <a:lvl1pPr algn="just">
+              <a:lnSpc>
+                <a:spcPct val="130000"/>
+              </a:lnSpc>
+              <a:defRPr sz="1100">
+                <a:solidFill>
+                  <a:srgbClr val="4C4C4C"/>
+                </a:solidFill>
+                <a:latin typeface="+mn-ea"/>
+              </a:defRPr>
+            </a:lvl1pPr>
+          </a:lstStyle>
+          <a:p>
+            <a:r>
+              <a:rPr lang="zh-CN" altLang="en-US" sz="825" dirty="0">
+                <a:solidFill>
+                  <a:schemeClr val="tx1">
+                    <a:lumMod val="65000"/>
+                    <a:lumOff val="35000"/>
+                  </a:schemeClr>
+                </a:solidFill>
+                <a:latin typeface="+mn-lt"/>
+                <a:cs typeface="+mn-ea"/>
+                <a:sym typeface="+mn-lt"/>
+              </a:rPr>
+              <a:t>您的内容打在这里，在此框中选择粘贴，并选择只保留文字。</a:t>
+            </a:r>
+          </a:p>
+        </p:txBody>
+      </p:sp>
+      <p:sp>
+        <p:nvSpPr>
+          <p:cNvPr id="29" name="文本框 18"/>
+          <p:cNvSpPr txBox="1"/>
+          <p:nvPr/>
+        </p:nvSpPr>
+        <p:spPr>
+          <a:xfrm>
+            <a:off x="770295" y="2755912"/>
+            <a:ext cx="594009" cy="184666"/>
+          </a:xfrm>
+          <a:prstGeom prst="rect">
+            <a:avLst/>
+          </a:prstGeom>
+          <a:noFill/>
+          <a:effectLst/>
+        </p:spPr>
+        <p:txBody>
+          <a:bodyPr wrap="none" lIns="0" tIns="0" rIns="0" bIns="0" rtlCol="0" anchor="ctr">
+            <a:spAutoFit/>
+          </a:bodyPr>
+          <a:lstStyle>
+            <a:defPPr>
+              <a:defRPr lang="zh-CN"/>
+            </a:defPPr>
+            <a:lvl1pPr>
+              <a:defRPr sz="1600" b="0">
+                <a:solidFill>
+                  <a:srgbClr val="FF4349"/>
+                </a:solidFill>
+                <a:effectLst/>
+                <a:cs typeface="+mn-ea"/>
+              </a:defRPr>
+            </a:lvl1pPr>
+          </a:lstStyle>
+          <a:p>
+            <a:r>
+              <a:rPr lang="en-US" altLang="zh-CN" sz="1200" dirty="0" err="1" smtClean="0">
+                <a:gradFill>
+                  <a:gsLst>
+                    <a:gs pos="79000">
+                      <a:srgbClr val="5877B6">
+                        <a:lumMod val="80000"/>
+                        <a:lumOff val="20000"/>
+                      </a:srgbClr>
+                    </a:gs>
+                    <a:gs pos="0">
+                      <a:srgbClr val="465E96"/>
+                    </a:gs>
+                  </a:gsLst>
+                  <a:lin ang="5400000" scaled="0"/>
+                </a:gradFill>
+                <a:sym typeface="+mn-lt"/>
+              </a:rPr>
+              <a:t>javascript</a:t>
+            </a:r>
+            <a:endParaRPr lang="zh-CN" altLang="en-US" sz="1200" dirty="0">
+              <a:gradFill>
+                <a:gsLst>
+                  <a:gs pos="79000">
+                    <a:srgbClr val="5877B6">
+                      <a:lumMod val="80000"/>
+                      <a:lumOff val="20000"/>
+                    </a:srgbClr>
+                  </a:gs>
+                  <a:gs pos="0">
+                    <a:srgbClr val="465E96"/>
+                  </a:gs>
+                </a:gsLst>
+                <a:lin ang="5400000" scaled="0"/>
+              </a:gradFill>
+              <a:sym typeface="+mn-lt"/>
+            </a:endParaRPr>
+          </a:p>
+        </p:txBody>
+      </p:sp>
+      <p:sp>
+        <p:nvSpPr>
+          <p:cNvPr id="30" name="TextBox 11"/>
+          <p:cNvSpPr txBox="1"/>
+          <p:nvPr/>
+        </p:nvSpPr>
+        <p:spPr>
+          <a:xfrm>
+            <a:off x="770294" y="2998369"/>
+            <a:ext cx="3561710" cy="149015"/>
+          </a:xfrm>
+          <a:prstGeom prst="rect">
+            <a:avLst/>
+          </a:prstGeom>
+          <a:noFill/>
+        </p:spPr>
+        <p:txBody>
+          <a:bodyPr wrap="square" lIns="0" tIns="0" rIns="0" bIns="0" rtlCol="0">
+            <a:spAutoFit/>
+          </a:bodyPr>
+          <a:lstStyle>
+            <a:defPPr>
+              <a:defRPr lang="zh-CN"/>
+            </a:defPPr>
+            <a:lvl1pPr algn="just">
+              <a:lnSpc>
+                <a:spcPct val="130000"/>
+              </a:lnSpc>
+              <a:defRPr sz="1100">
+                <a:solidFill>
+                  <a:srgbClr val="4C4C4C"/>
+                </a:solidFill>
+                <a:latin typeface="+mn-ea"/>
+              </a:defRPr>
+            </a:lvl1pPr>
+          </a:lstStyle>
+          <a:p>
+            <a:r>
+              <a:rPr lang="zh-CN" altLang="en-US" sz="825" dirty="0">
+                <a:solidFill>
+                  <a:schemeClr val="tx1">
+                    <a:lumMod val="65000"/>
+                    <a:lumOff val="35000"/>
+                  </a:schemeClr>
+                </a:solidFill>
+                <a:latin typeface="+mn-lt"/>
+                <a:cs typeface="+mn-ea"/>
+                <a:sym typeface="+mn-lt"/>
+              </a:rPr>
+              <a:t>您的内容打在这里，在此框中选择粘贴，并选择只保留文字。</a:t>
+            </a:r>
+          </a:p>
+        </p:txBody>
+      </p:sp>
+      <p:sp>
+        <p:nvSpPr>
+          <p:cNvPr id="31" name="文本框 20"/>
+          <p:cNvSpPr txBox="1"/>
+          <p:nvPr/>
+        </p:nvSpPr>
+        <p:spPr>
+          <a:xfrm>
+            <a:off x="770295" y="3861320"/>
+            <a:ext cx="559449" cy="184666"/>
+          </a:xfrm>
+          <a:prstGeom prst="rect">
+            <a:avLst/>
+          </a:prstGeom>
+          <a:noFill/>
+          <a:effectLst/>
+        </p:spPr>
+        <p:txBody>
+          <a:bodyPr wrap="none" lIns="0" tIns="0" rIns="0" bIns="0" rtlCol="0" anchor="ctr">
+            <a:spAutoFit/>
+          </a:bodyPr>
+          <a:lstStyle>
+            <a:defPPr>
+              <a:defRPr lang="zh-CN"/>
+            </a:defPPr>
+            <a:lvl1pPr>
+              <a:defRPr sz="1600" b="0">
+                <a:solidFill>
+                  <a:srgbClr val="FF4349"/>
+                </a:solidFill>
+                <a:effectLst/>
+                <a:cs typeface="+mn-ea"/>
+              </a:defRPr>
+            </a:lvl1pPr>
+          </a:lstStyle>
+          <a:p>
+            <a:r>
+              <a:rPr lang="en-US" altLang="zh-CN" sz="1200" dirty="0" err="1" smtClean="0">
+                <a:gradFill>
+                  <a:gsLst>
+                    <a:gs pos="79000">
+                      <a:srgbClr val="5877B6">
+                        <a:lumMod val="80000"/>
+                        <a:lumOff val="20000"/>
+                      </a:srgbClr>
+                    </a:gs>
+                    <a:gs pos="0">
+                      <a:srgbClr val="465E96"/>
+                    </a:gs>
+                  </a:gsLst>
+                  <a:lin ang="5400000" scaled="0"/>
+                </a:gradFill>
+                <a:sym typeface="+mn-lt"/>
+              </a:rPr>
+              <a:t>echartsjs</a:t>
+            </a:r>
+            <a:endParaRPr lang="zh-CN" altLang="en-US" sz="1200" dirty="0">
+              <a:gradFill>
+                <a:gsLst>
+                  <a:gs pos="79000">
+                    <a:srgbClr val="5877B6">
+                      <a:lumMod val="80000"/>
+                      <a:lumOff val="20000"/>
+                    </a:srgbClr>
+                  </a:gs>
+                  <a:gs pos="0">
+                    <a:srgbClr val="465E96"/>
+                  </a:gs>
+                </a:gsLst>
+                <a:lin ang="5400000" scaled="0"/>
+              </a:gradFill>
+              <a:sym typeface="+mn-lt"/>
+            </a:endParaRPr>
+          </a:p>
+        </p:txBody>
+      </p:sp>
+      <p:sp>
+        <p:nvSpPr>
+          <p:cNvPr id="32" name="TextBox 11"/>
+          <p:cNvSpPr txBox="1"/>
+          <p:nvPr/>
+        </p:nvSpPr>
+        <p:spPr>
+          <a:xfrm>
+            <a:off x="770294" y="4103777"/>
+            <a:ext cx="3561710" cy="149015"/>
+          </a:xfrm>
+          <a:prstGeom prst="rect">
+            <a:avLst/>
+          </a:prstGeom>
+          <a:noFill/>
+        </p:spPr>
+        <p:txBody>
+          <a:bodyPr wrap="square" lIns="0" tIns="0" rIns="0" bIns="0" rtlCol="0">
+            <a:spAutoFit/>
+          </a:bodyPr>
+          <a:lstStyle>
+            <a:defPPr>
+              <a:defRPr lang="zh-CN"/>
+            </a:defPPr>
+            <a:lvl1pPr algn="just">
+              <a:lnSpc>
+                <a:spcPct val="130000"/>
+              </a:lnSpc>
+              <a:defRPr sz="1100">
+                <a:solidFill>
+                  <a:srgbClr val="4C4C4C"/>
+                </a:solidFill>
+                <a:latin typeface="+mn-ea"/>
+              </a:defRPr>
+            </a:lvl1pPr>
+          </a:lstStyle>
+          <a:p>
+            <a:r>
+              <a:rPr lang="zh-CN" altLang="en-US" sz="825" dirty="0">
+                <a:solidFill>
+                  <a:schemeClr val="tx1">
+                    <a:lumMod val="65000"/>
+                    <a:lumOff val="35000"/>
+                  </a:schemeClr>
+                </a:solidFill>
+                <a:latin typeface="+mn-lt"/>
+                <a:cs typeface="+mn-ea"/>
+                <a:sym typeface="+mn-lt"/>
+              </a:rPr>
+              <a:t>您的内容打在这里，在此框中选择粘贴，并选择只保留文字。</a:t>
+            </a:r>
+          </a:p>
+        </p:txBody>
+      </p:sp>
+      <p:sp>
+        <p:nvSpPr>
+          <p:cNvPr id="33" name="文本框 22"/>
+          <p:cNvSpPr txBox="1"/>
+          <p:nvPr/>
+        </p:nvSpPr>
+        <p:spPr>
+          <a:xfrm>
+            <a:off x="4827945" y="1651969"/>
+            <a:ext cx="474938" cy="184666"/>
+          </a:xfrm>
+          <a:prstGeom prst="rect">
+            <a:avLst/>
+          </a:prstGeom>
+          <a:noFill/>
+          <a:effectLst/>
+        </p:spPr>
+        <p:txBody>
+          <a:bodyPr wrap="none" lIns="0" tIns="0" rIns="0" bIns="0" rtlCol="0" anchor="ctr">
+            <a:spAutoFit/>
+          </a:bodyPr>
+          <a:lstStyle>
+            <a:defPPr>
+              <a:defRPr lang="zh-CN"/>
+            </a:defPPr>
+            <a:lvl1pPr>
+              <a:defRPr sz="1600" b="0">
+                <a:solidFill>
+                  <a:srgbClr val="FF4349"/>
+                </a:solidFill>
+                <a:effectLst/>
+                <a:cs typeface="+mn-ea"/>
+              </a:defRPr>
+            </a:lvl1pPr>
+          </a:lstStyle>
+          <a:p>
+            <a:r>
+              <a:rPr lang="en-US" altLang="zh-CN" sz="1200" dirty="0" err="1" smtClean="0">
+                <a:gradFill>
+                  <a:gsLst>
+                    <a:gs pos="79000">
+                      <a:srgbClr val="5877B6">
+                        <a:lumMod val="80000"/>
+                        <a:lumOff val="20000"/>
+                      </a:srgbClr>
+                    </a:gs>
+                    <a:gs pos="0">
+                      <a:srgbClr val="465E96"/>
+                    </a:gs>
+                  </a:gsLst>
+                  <a:lin ang="5400000" scaled="0"/>
+                </a:gradFill>
+                <a:sym typeface="+mn-lt"/>
+              </a:rPr>
+              <a:t>Konvajs</a:t>
+            </a:r>
+            <a:endParaRPr lang="zh-CN" altLang="en-US" sz="1200" dirty="0">
+              <a:gradFill>
+                <a:gsLst>
+                  <a:gs pos="79000">
+                    <a:srgbClr val="5877B6">
+                      <a:lumMod val="80000"/>
+                      <a:lumOff val="20000"/>
+                    </a:srgbClr>
+                  </a:gs>
+                  <a:gs pos="0">
+                    <a:srgbClr val="465E96"/>
+                  </a:gs>
+                </a:gsLst>
+                <a:lin ang="5400000" scaled="0"/>
+              </a:gradFill>
+              <a:sym typeface="+mn-lt"/>
+            </a:endParaRPr>
+          </a:p>
+        </p:txBody>
+      </p:sp>
+      <p:sp>
+        <p:nvSpPr>
+          <p:cNvPr id="34" name="TextBox 11"/>
+          <p:cNvSpPr txBox="1"/>
+          <p:nvPr/>
+        </p:nvSpPr>
+        <p:spPr>
+          <a:xfrm>
+            <a:off x="4827945" y="1894427"/>
+            <a:ext cx="3561710" cy="149015"/>
+          </a:xfrm>
+          <a:prstGeom prst="rect">
+            <a:avLst/>
+          </a:prstGeom>
+          <a:noFill/>
+        </p:spPr>
+        <p:txBody>
+          <a:bodyPr wrap="square" lIns="0" tIns="0" rIns="0" bIns="0" rtlCol="0">
+            <a:spAutoFit/>
+          </a:bodyPr>
+          <a:lstStyle>
+            <a:defPPr>
+              <a:defRPr lang="zh-CN"/>
+            </a:defPPr>
+            <a:lvl1pPr algn="just">
+              <a:lnSpc>
+                <a:spcPct val="130000"/>
+              </a:lnSpc>
+              <a:defRPr sz="1100">
+                <a:solidFill>
+                  <a:srgbClr val="4C4C4C"/>
+                </a:solidFill>
+                <a:latin typeface="+mn-ea"/>
+              </a:defRPr>
+            </a:lvl1pPr>
+          </a:lstStyle>
+          <a:p>
+            <a:r>
+              <a:rPr lang="zh-CN" altLang="en-US" sz="825" dirty="0">
+                <a:solidFill>
+                  <a:schemeClr val="tx1">
+                    <a:lumMod val="65000"/>
+                    <a:lumOff val="35000"/>
+                  </a:schemeClr>
+                </a:solidFill>
+                <a:latin typeface="+mn-lt"/>
+                <a:cs typeface="+mn-ea"/>
+                <a:sym typeface="+mn-lt"/>
+              </a:rPr>
+              <a:t>您的内容打在这里，在此框中选择粘贴，并选择只保留文字。</a:t>
+            </a:r>
+          </a:p>
+        </p:txBody>
+      </p:sp>
+      <p:sp>
+        <p:nvSpPr>
+          <p:cNvPr id="35" name="文本框 24"/>
+          <p:cNvSpPr txBox="1"/>
+          <p:nvPr/>
+        </p:nvSpPr>
+        <p:spPr>
+          <a:xfrm>
+            <a:off x="4827945" y="2755912"/>
+            <a:ext cx="174728" cy="184666"/>
+          </a:xfrm>
+          <a:prstGeom prst="rect">
+            <a:avLst/>
+          </a:prstGeom>
+          <a:noFill/>
+          <a:effectLst/>
+        </p:spPr>
+        <p:txBody>
+          <a:bodyPr wrap="none" lIns="0" tIns="0" rIns="0" bIns="0" rtlCol="0" anchor="ctr">
+            <a:spAutoFit/>
+          </a:bodyPr>
+          <a:lstStyle>
+            <a:defPPr>
+              <a:defRPr lang="zh-CN"/>
+            </a:defPPr>
+            <a:lvl1pPr>
+              <a:defRPr sz="1600" b="0">
+                <a:solidFill>
+                  <a:srgbClr val="FF4349"/>
+                </a:solidFill>
+                <a:effectLst/>
+                <a:cs typeface="+mn-ea"/>
+              </a:defRPr>
+            </a:lvl1pPr>
+          </a:lstStyle>
+          <a:p>
+            <a:r>
+              <a:rPr lang="en-US" altLang="zh-CN" sz="1200" dirty="0" smtClean="0">
+                <a:gradFill>
+                  <a:gsLst>
+                    <a:gs pos="79000">
+                      <a:srgbClr val="5877B6">
+                        <a:lumMod val="80000"/>
+                        <a:lumOff val="20000"/>
+                      </a:srgbClr>
+                    </a:gs>
+                    <a:gs pos="0">
+                      <a:srgbClr val="465E96"/>
+                    </a:gs>
+                  </a:gsLst>
+                  <a:lin ang="5400000" scaled="0"/>
+                </a:gradFill>
+                <a:sym typeface="+mn-lt"/>
+              </a:rPr>
+              <a:t>XD</a:t>
+            </a:r>
+            <a:endParaRPr lang="zh-CN" altLang="en-US" sz="1200" dirty="0">
+              <a:gradFill>
+                <a:gsLst>
+                  <a:gs pos="79000">
+                    <a:srgbClr val="5877B6">
+                      <a:lumMod val="80000"/>
+                      <a:lumOff val="20000"/>
+                    </a:srgbClr>
+                  </a:gs>
+                  <a:gs pos="0">
+                    <a:srgbClr val="465E96"/>
+                  </a:gs>
+                </a:gsLst>
+                <a:lin ang="5400000" scaled="0"/>
+              </a:gradFill>
+              <a:sym typeface="+mn-lt"/>
+            </a:endParaRPr>
+          </a:p>
+        </p:txBody>
+      </p:sp>
+      <p:sp>
+        <p:nvSpPr>
+          <p:cNvPr id="36" name="TextBox 11"/>
+          <p:cNvSpPr txBox="1"/>
+          <p:nvPr/>
+        </p:nvSpPr>
+        <p:spPr>
+          <a:xfrm>
+            <a:off x="4827945" y="2998369"/>
+            <a:ext cx="3561710" cy="149015"/>
+          </a:xfrm>
+          <a:prstGeom prst="rect">
+            <a:avLst/>
+          </a:prstGeom>
+          <a:noFill/>
+        </p:spPr>
+        <p:txBody>
+          <a:bodyPr wrap="square" lIns="0" tIns="0" rIns="0" bIns="0" rtlCol="0">
+            <a:spAutoFit/>
+          </a:bodyPr>
+          <a:lstStyle>
+            <a:defPPr>
+              <a:defRPr lang="zh-CN"/>
+            </a:defPPr>
+            <a:lvl1pPr algn="just">
+              <a:lnSpc>
+                <a:spcPct val="130000"/>
+              </a:lnSpc>
+              <a:defRPr sz="1100">
+                <a:solidFill>
+                  <a:srgbClr val="4C4C4C"/>
+                </a:solidFill>
+                <a:latin typeface="+mn-ea"/>
+              </a:defRPr>
+            </a:lvl1pPr>
+          </a:lstStyle>
+          <a:p>
+            <a:r>
+              <a:rPr lang="zh-CN" altLang="en-US" sz="825" dirty="0">
+                <a:solidFill>
+                  <a:schemeClr val="tx1">
+                    <a:lumMod val="65000"/>
+                    <a:lumOff val="35000"/>
+                  </a:schemeClr>
+                </a:solidFill>
+                <a:latin typeface="+mn-lt"/>
+                <a:cs typeface="+mn-ea"/>
+                <a:sym typeface="+mn-lt"/>
+              </a:rPr>
+              <a:t>您的内容打在这里，在此框中选择粘贴，并选择只保留文字。</a:t>
+            </a:r>
+          </a:p>
+        </p:txBody>
+      </p:sp>
+      <p:sp>
+        <p:nvSpPr>
+          <p:cNvPr id="37" name="文本框 26"/>
+          <p:cNvSpPr txBox="1"/>
+          <p:nvPr/>
+        </p:nvSpPr>
+        <p:spPr>
+          <a:xfrm>
+            <a:off x="4827945" y="3861320"/>
+            <a:ext cx="304892" cy="184666"/>
+          </a:xfrm>
+          <a:prstGeom prst="rect">
+            <a:avLst/>
+          </a:prstGeom>
+          <a:noFill/>
+          <a:effectLst/>
+        </p:spPr>
+        <p:txBody>
+          <a:bodyPr wrap="none" lIns="0" tIns="0" rIns="0" bIns="0" rtlCol="0" anchor="ctr">
+            <a:spAutoFit/>
+          </a:bodyPr>
+          <a:lstStyle>
+            <a:defPPr>
+              <a:defRPr lang="zh-CN"/>
+            </a:defPPr>
+            <a:lvl1pPr>
+              <a:defRPr sz="1600" b="0">
+                <a:solidFill>
+                  <a:srgbClr val="FF4349"/>
+                </a:solidFill>
+                <a:effectLst/>
+                <a:cs typeface="+mn-ea"/>
+              </a:defRPr>
+            </a:lvl1pPr>
+          </a:lstStyle>
+          <a:p>
+            <a:r>
+              <a:rPr lang="en-US" altLang="zh-CN" sz="1200" dirty="0" err="1" smtClean="0">
+                <a:gradFill>
+                  <a:gsLst>
+                    <a:gs pos="79000">
+                      <a:srgbClr val="5877B6">
+                        <a:lumMod val="80000"/>
+                        <a:lumOff val="20000"/>
+                      </a:srgbClr>
+                    </a:gs>
+                    <a:gs pos="0">
+                      <a:srgbClr val="465E96"/>
+                    </a:gs>
+                  </a:gsLst>
+                  <a:lin ang="5400000" scaled="0"/>
+                </a:gradFill>
+                <a:sym typeface="+mn-lt"/>
+              </a:rPr>
+              <a:t>Vuex</a:t>
+            </a:r>
+            <a:endParaRPr lang="zh-CN" altLang="en-US" sz="1200" dirty="0">
+              <a:gradFill>
+                <a:gsLst>
+                  <a:gs pos="79000">
+                    <a:srgbClr val="5877B6">
+                      <a:lumMod val="80000"/>
+                      <a:lumOff val="20000"/>
+                    </a:srgbClr>
+                  </a:gs>
+                  <a:gs pos="0">
+                    <a:srgbClr val="465E96"/>
+                  </a:gs>
+                </a:gsLst>
+                <a:lin ang="5400000" scaled="0"/>
+              </a:gradFill>
+              <a:sym typeface="+mn-lt"/>
+            </a:endParaRPr>
+          </a:p>
+        </p:txBody>
+      </p:sp>
+      <p:sp>
+        <p:nvSpPr>
+          <p:cNvPr id="38" name="TextBox 11"/>
+          <p:cNvSpPr txBox="1"/>
+          <p:nvPr/>
+        </p:nvSpPr>
+        <p:spPr>
+          <a:xfrm>
+            <a:off x="4827945" y="4103777"/>
+            <a:ext cx="3561710" cy="149015"/>
+          </a:xfrm>
+          <a:prstGeom prst="rect">
+            <a:avLst/>
+          </a:prstGeom>
+          <a:noFill/>
+        </p:spPr>
+        <p:txBody>
+          <a:bodyPr wrap="square" lIns="0" tIns="0" rIns="0" bIns="0" rtlCol="0">
+            <a:spAutoFit/>
+          </a:bodyPr>
+          <a:lstStyle>
+            <a:defPPr>
+              <a:defRPr lang="zh-CN"/>
+            </a:defPPr>
+            <a:lvl1pPr algn="just">
+              <a:lnSpc>
+                <a:spcPct val="130000"/>
+              </a:lnSpc>
+              <a:defRPr sz="1100">
+                <a:solidFill>
+                  <a:srgbClr val="4C4C4C"/>
+                </a:solidFill>
+                <a:latin typeface="+mn-ea"/>
+              </a:defRPr>
+            </a:lvl1pPr>
+          </a:lstStyle>
+          <a:p>
+            <a:r>
+              <a:rPr lang="zh-CN" altLang="en-US" sz="825" dirty="0">
+                <a:solidFill>
+                  <a:schemeClr val="tx1">
+                    <a:lumMod val="65000"/>
+                    <a:lumOff val="35000"/>
+                  </a:schemeClr>
+                </a:solidFill>
+                <a:latin typeface="+mn-lt"/>
+                <a:cs typeface="+mn-ea"/>
+                <a:sym typeface="+mn-lt"/>
+              </a:rPr>
+              <a:t>您的内容打在这里，在此框中选择粘贴，并选择只保留文字。</a:t>
+            </a:r>
+          </a:p>
+        </p:txBody>
+      </p:sp>
+      <p:grpSp>
+        <p:nvGrpSpPr>
+          <p:cNvPr id="39" name="组合 38">
+            <a:extLst>
+              <a:ext uri="{FF2B5EF4-FFF2-40B4-BE49-F238E27FC236}">
+                <a16:creationId xmlns="" xmlns:a16="http://schemas.microsoft.com/office/drawing/2014/main" id="{9434613C-B28A-4E1E-BA1F-B67987AE4995}"/>
+              </a:ext>
+            </a:extLst>
+          </p:cNvPr>
+          <p:cNvGrpSpPr/>
+          <p:nvPr/>
+        </p:nvGrpSpPr>
+        <p:grpSpPr>
+          <a:xfrm>
+            <a:off x="3386138" y="789457"/>
+            <a:ext cx="2371725" cy="702173"/>
+            <a:chOff x="981076" y="1134310"/>
+            <a:chExt cx="2371725" cy="702173"/>
+          </a:xfrm>
+        </p:grpSpPr>
+        <p:sp>
+          <p:nvSpPr>
+            <p:cNvPr id="49" name="TextBox 21">
+              <a:extLst>
+                <a:ext uri="{FF2B5EF4-FFF2-40B4-BE49-F238E27FC236}">
+                  <a16:creationId xmlns="" xmlns:a16="http://schemas.microsoft.com/office/drawing/2014/main" id="{7ADA2C56-7D22-4222-B026-22E3C90844D6}"/>
+                </a:ext>
+              </a:extLst>
+            </p:cNvPr>
+            <p:cNvSpPr txBox="1"/>
+            <p:nvPr/>
+          </p:nvSpPr>
+          <p:spPr>
+            <a:xfrm>
+              <a:off x="981076" y="1134310"/>
+              <a:ext cx="2371725" cy="461665"/>
+            </a:xfrm>
+            <a:prstGeom prst="rect">
+              <a:avLst/>
+            </a:prstGeom>
+            <a:noFill/>
+          </p:spPr>
+          <p:txBody>
+            <a:bodyPr wrap="square" rtlCol="0">
+              <a:spAutoFit/>
+            </a:bodyPr>
+            <a:lstStyle/>
+            <a:p>
+              <a:pPr algn="ctr"/>
+              <a:r>
+                <a:rPr lang="zh-CN" altLang="en-US" sz="2400" dirty="0">
+                  <a:gradFill>
+                    <a:gsLst>
+                      <a:gs pos="0">
+                        <a:srgbClr val="5877B6"/>
+                      </a:gs>
+                      <a:gs pos="100000">
+                        <a:srgbClr val="465E96"/>
+                      </a:gs>
+                    </a:gsLst>
+                    <a:lin ang="5400000" scaled="0"/>
+                  </a:gradFill>
+                  <a:effectLst>
+                    <a:outerShdw blurRad="254000" dist="101600" dir="5400000" algn="ctr" rotWithShape="0">
+                      <a:srgbClr val="000000">
+                        <a:alpha val="15000"/>
+                      </a:srgbClr>
+                    </a:outerShdw>
+                  </a:effectLst>
+                  <a:cs typeface="+mn-ea"/>
+                  <a:sym typeface="+mn-lt"/>
+                </a:rPr>
+                <a:t>学习</a:t>
+              </a:r>
+              <a:r>
+                <a:rPr lang="zh-CN" altLang="en-US" sz="2400" dirty="0" smtClean="0">
+                  <a:gradFill>
+                    <a:gsLst>
+                      <a:gs pos="0">
+                        <a:srgbClr val="5877B6"/>
+                      </a:gs>
+                      <a:gs pos="100000">
+                        <a:srgbClr val="465E96"/>
+                      </a:gs>
+                    </a:gsLst>
+                    <a:lin ang="5400000" scaled="0"/>
+                  </a:gradFill>
+                  <a:effectLst>
+                    <a:outerShdw blurRad="254000" dist="101600" dir="5400000" algn="ctr" rotWithShape="0">
+                      <a:srgbClr val="000000">
+                        <a:alpha val="15000"/>
+                      </a:srgbClr>
+                    </a:outerShdw>
+                  </a:effectLst>
+                  <a:cs typeface="+mn-ea"/>
+                  <a:sym typeface="+mn-lt"/>
+                </a:rPr>
+                <a:t>情况</a:t>
+              </a:r>
+              <a:endParaRPr lang="id-ID" sz="2000" dirty="0">
+                <a:gradFill>
+                  <a:gsLst>
+                    <a:gs pos="0">
+                      <a:srgbClr val="5877B6"/>
+                    </a:gs>
+                    <a:gs pos="100000">
+                      <a:srgbClr val="465E96"/>
+                    </a:gs>
+                  </a:gsLst>
+                  <a:lin ang="5400000" scaled="0"/>
+                </a:gradFill>
+                <a:effectLst>
+                  <a:outerShdw blurRad="254000" dist="101600" dir="5400000" algn="ctr" rotWithShape="0">
+                    <a:srgbClr val="000000">
+                      <a:alpha val="15000"/>
+                    </a:srgbClr>
+                  </a:outerShdw>
+                </a:effectLst>
+                <a:cs typeface="+mn-ea"/>
+                <a:sym typeface="+mn-lt"/>
+              </a:endParaRPr>
+            </a:p>
+          </p:txBody>
+        </p:sp>
+        <p:sp>
+          <p:nvSpPr>
+            <p:cNvPr id="50" name="TextBox 21">
+              <a:extLst>
+                <a:ext uri="{FF2B5EF4-FFF2-40B4-BE49-F238E27FC236}">
+                  <a16:creationId xmlns="" xmlns:a16="http://schemas.microsoft.com/office/drawing/2014/main" id="{6AED8746-F343-46F4-8100-01121E9865E5}"/>
+                </a:ext>
+              </a:extLst>
+            </p:cNvPr>
+            <p:cNvSpPr txBox="1"/>
+            <p:nvPr/>
+          </p:nvSpPr>
+          <p:spPr>
+            <a:xfrm>
+              <a:off x="1240302" y="1574873"/>
+              <a:ext cx="1853271" cy="261610"/>
+            </a:xfrm>
+            <a:prstGeom prst="rect">
+              <a:avLst/>
+            </a:prstGeom>
+            <a:noFill/>
+          </p:spPr>
+          <p:txBody>
+            <a:bodyPr wrap="square" rtlCol="0">
+              <a:spAutoFit/>
+            </a:bodyPr>
+            <a:lstStyle/>
+            <a:p>
+              <a:pPr algn="ctr"/>
+              <a:r>
+                <a:rPr lang="en-US" altLang="zh-CN" sz="1100" dirty="0">
+                  <a:solidFill>
+                    <a:schemeClr val="bg1">
+                      <a:lumMod val="50000"/>
+                    </a:schemeClr>
+                  </a:solidFill>
+                  <a:cs typeface="+mn-ea"/>
+                  <a:sym typeface="+mn-lt"/>
+                </a:rPr>
+                <a:t>GENERAL  VIEW</a:t>
+              </a:r>
+              <a:endParaRPr lang="en-US" altLang="zh-CN" sz="1100" b="1" dirty="0">
+                <a:solidFill>
+                  <a:schemeClr val="accent1"/>
+                </a:solidFill>
+                <a:cs typeface="+mn-ea"/>
+                <a:sym typeface="+mn-lt"/>
+              </a:endParaRPr>
+            </a:p>
+          </p:txBody>
+        </p:sp>
+      </p:grpSp>
+    </p:spTree>
+    <p:extLst>
+      <p:ext uri="{BB962C8B-B14F-4D97-AF65-F5344CB8AC3E}">
+        <p14:creationId xmlns:p14="http://schemas.microsoft.com/office/powerpoint/2010/main" val="3504038960"/>
+      </p:ext>
+    </p:extLst>
+  </p:cSld>
+  <p:clrMapOvr>
+    <a:masterClrMapping/>
+  </p:clrMapOvr>
+  <p:timing>
+    <p:tnLst>
+      <p:par>
+        <p:cTn id="1" dur="indefinite" restart="never" nodeType="tmRoot">
+          <p:childTnLst>
+            <p:seq concurrent="1" nextAc="seek">
+              <p:cTn id="2" dur="indefinite" nodeType="mainSeq">
+                <p:childTnLst>
+                  <p:par>
+                    <p:cTn id="3" fill="hold">
+                      <p:stCondLst>
+                        <p:cond delay="indefinite"/>
+                        <p:cond evt="onBegin" delay="0">
+                          <p:tn val="2"/>
+                        </p:cond>
+                      </p:stCondLst>
+                      <p:childTnLst>
+                        <p:par>
+                          <p:cTn id="4" fill="hold">
+                            <p:stCondLst>
+                              <p:cond delay="0"/>
+                            </p:stCondLst>
+                            <p:childTnLst>
+                              <p:par>
+                                <p:cTn id="5" presetID="42" presetClass="entr" presetSubtype="0" fill="hold" grpId="0" nodeType="withEffect">
+                                  <p:stCondLst>
+                                    <p:cond delay="0"/>
+                                  </p:stCondLst>
+                                  <p:childTnLst>
+                                    <p:set>
+                                      <p:cBhvr>
+                                        <p:cTn id="6" dur="1" fill="hold">
+                                          <p:stCondLst>
+                                            <p:cond delay="0"/>
+                                          </p:stCondLst>
+                                        </p:cTn>
+                                        <p:tgtEl>
+                                          <p:spTgt spid="27"/>
+                                        </p:tgtEl>
+                                        <p:attrNameLst>
+                                          <p:attrName>style.visibility</p:attrName>
+                                        </p:attrNameLst>
+                                      </p:cBhvr>
+                                      <p:to>
+                                        <p:strVal val="visible"/>
+                                      </p:to>
+                                    </p:set>
+                                    <p:animEffect transition="in" filter="fade">
+                                      <p:cBhvr>
+                                        <p:cTn id="7" dur="500"/>
+                                        <p:tgtEl>
+                                          <p:spTgt spid="27"/>
+                                        </p:tgtEl>
+                                      </p:cBhvr>
+                                    </p:animEffect>
+                                    <p:anim calcmode="lin" valueType="num">
+                                      <p:cBhvr>
+                                        <p:cTn id="8" dur="500" fill="hold"/>
+                                        <p:tgtEl>
+                                          <p:spTgt spid="27"/>
+                                        </p:tgtEl>
+                                        <p:attrNameLst>
+                                          <p:attrName>ppt_x</p:attrName>
+                                        </p:attrNameLst>
+                                      </p:cBhvr>
+                                      <p:tavLst>
+                                        <p:tav tm="0">
+                                          <p:val>
+                                            <p:strVal val="#ppt_x"/>
+                                          </p:val>
+                                        </p:tav>
+                                        <p:tav tm="100000">
+                                          <p:val>
+                                            <p:strVal val="#ppt_x"/>
+                                          </p:val>
+                                        </p:tav>
+                                      </p:tavLst>
+                                    </p:anim>
+                                    <p:anim calcmode="lin" valueType="num">
+                                      <p:cBhvr>
+                                        <p:cTn id="9" dur="500" fill="hold"/>
+                                        <p:tgtEl>
+                                          <p:spTgt spid="27"/>
+                                        </p:tgtEl>
+                                        <p:attrNameLst>
+                                          <p:attrName>ppt_y</p:attrName>
+                                        </p:attrNameLst>
+                                      </p:cBhvr>
+                                      <p:tavLst>
+                                        <p:tav tm="0">
+                                          <p:val>
+                                            <p:strVal val="#ppt_y+.1"/>
+                                          </p:val>
+                                        </p:tav>
+                                        <p:tav tm="100000">
+                                          <p:val>
+                                            <p:strVal val="#ppt_y"/>
+                                          </p:val>
+                                        </p:tav>
+                                      </p:tavLst>
+                                    </p:anim>
+                                  </p:childTnLst>
+                                </p:cTn>
+                              </p:par>
+                              <p:par>
+                                <p:cTn id="10" presetID="42" presetClass="entr" presetSubtype="0" fill="hold" grpId="0" nodeType="withEffect">
+                                  <p:stCondLst>
+                                    <p:cond delay="0"/>
+                                  </p:stCondLst>
+                                  <p:childTnLst>
+                                    <p:set>
+                                      <p:cBhvr>
+                                        <p:cTn id="11" dur="1" fill="hold">
+                                          <p:stCondLst>
+                                            <p:cond delay="0"/>
+                                          </p:stCondLst>
+                                        </p:cTn>
+                                        <p:tgtEl>
+                                          <p:spTgt spid="20"/>
+                                        </p:tgtEl>
+                                        <p:attrNameLst>
+                                          <p:attrName>style.visibility</p:attrName>
+                                        </p:attrNameLst>
+                                      </p:cBhvr>
+                                      <p:to>
+                                        <p:strVal val="visible"/>
+                                      </p:to>
+                                    </p:set>
+                                    <p:animEffect transition="in" filter="fade">
+                                      <p:cBhvr>
+                                        <p:cTn id="12" dur="500"/>
+                                        <p:tgtEl>
+                                          <p:spTgt spid="20"/>
+                                        </p:tgtEl>
+                                      </p:cBhvr>
+                                    </p:animEffect>
+                                    <p:anim calcmode="lin" valueType="num">
+                                      <p:cBhvr>
+                                        <p:cTn id="13" dur="500" fill="hold"/>
+                                        <p:tgtEl>
+                                          <p:spTgt spid="20"/>
+                                        </p:tgtEl>
+                                        <p:attrNameLst>
+                                          <p:attrName>ppt_x</p:attrName>
+                                        </p:attrNameLst>
+                                      </p:cBhvr>
+                                      <p:tavLst>
+                                        <p:tav tm="0">
+                                          <p:val>
+                                            <p:strVal val="#ppt_x"/>
+                                          </p:val>
+                                        </p:tav>
+                                        <p:tav tm="100000">
+                                          <p:val>
+                                            <p:strVal val="#ppt_x"/>
+                                          </p:val>
+                                        </p:tav>
+                                      </p:tavLst>
+                                    </p:anim>
+                                    <p:anim calcmode="lin" valueType="num">
+                                      <p:cBhvr>
+                                        <p:cTn id="14" dur="500" fill="hold"/>
+                                        <p:tgtEl>
+                                          <p:spTgt spid="20"/>
+                                        </p:tgtEl>
+                                        <p:attrNameLst>
+                                          <p:attrName>ppt_y</p:attrName>
+                                        </p:attrNameLst>
+                                      </p:cBhvr>
+                                      <p:tavLst>
+                                        <p:tav tm="0">
+                                          <p:val>
+                                            <p:strVal val="#ppt_y+.1"/>
+                                          </p:val>
+                                        </p:tav>
+                                        <p:tav tm="100000">
+                                          <p:val>
+                                            <p:strVal val="#ppt_y"/>
+                                          </p:val>
+                                        </p:tav>
+                                      </p:tavLst>
+                                    </p:anim>
+                                  </p:childTnLst>
+                                </p:cTn>
+                              </p:par>
+                              <p:par>
+                                <p:cTn id="15" presetID="42" presetClass="entr" presetSubtype="0" fill="hold" grpId="0" nodeType="withEffect">
+                                  <p:stCondLst>
+                                    <p:cond delay="0"/>
+                                  </p:stCondLst>
+                                  <p:childTnLst>
+                                    <p:set>
+                                      <p:cBhvr>
+                                        <p:cTn id="16" dur="1" fill="hold">
+                                          <p:stCondLst>
+                                            <p:cond delay="0"/>
+                                          </p:stCondLst>
+                                        </p:cTn>
+                                        <p:tgtEl>
+                                          <p:spTgt spid="21"/>
+                                        </p:tgtEl>
+                                        <p:attrNameLst>
+                                          <p:attrName>style.visibility</p:attrName>
+                                        </p:attrNameLst>
+                                      </p:cBhvr>
+                                      <p:to>
+                                        <p:strVal val="visible"/>
+                                      </p:to>
+                                    </p:set>
+                                    <p:animEffect transition="in" filter="fade">
+                                      <p:cBhvr>
+                                        <p:cTn id="17" dur="500"/>
+                                        <p:tgtEl>
+                                          <p:spTgt spid="21"/>
+                                        </p:tgtEl>
+                                      </p:cBhvr>
+                                    </p:animEffect>
+                                    <p:anim calcmode="lin" valueType="num">
+                                      <p:cBhvr>
+                                        <p:cTn id="18" dur="500" fill="hold"/>
+                                        <p:tgtEl>
+                                          <p:spTgt spid="21"/>
+                                        </p:tgtEl>
+                                        <p:attrNameLst>
+                                          <p:attrName>ppt_x</p:attrName>
+                                        </p:attrNameLst>
+                                      </p:cBhvr>
+                                      <p:tavLst>
+                                        <p:tav tm="0">
+                                          <p:val>
+                                            <p:strVal val="#ppt_x"/>
+                                          </p:val>
+                                        </p:tav>
+                                        <p:tav tm="100000">
+                                          <p:val>
+                                            <p:strVal val="#ppt_x"/>
+                                          </p:val>
+                                        </p:tav>
+                                      </p:tavLst>
+                                    </p:anim>
+                                    <p:anim calcmode="lin" valueType="num">
+                                      <p:cBhvr>
+                                        <p:cTn id="19" dur="500" fill="hold"/>
+                                        <p:tgtEl>
+                                          <p:spTgt spid="21"/>
+                                        </p:tgtEl>
+                                        <p:attrNameLst>
+                                          <p:attrName>ppt_y</p:attrName>
+                                        </p:attrNameLst>
+                                      </p:cBhvr>
+                                      <p:tavLst>
+                                        <p:tav tm="0">
+                                          <p:val>
+                                            <p:strVal val="#ppt_y+.1"/>
+                                          </p:val>
+                                        </p:tav>
+                                        <p:tav tm="100000">
+                                          <p:val>
+                                            <p:strVal val="#ppt_y"/>
+                                          </p:val>
+                                        </p:tav>
+                                      </p:tavLst>
+                                    </p:anim>
+                                  </p:childTnLst>
+                                </p:cTn>
+                              </p:par>
+                              <p:par>
+                                <p:cTn id="20" presetID="42" presetClass="entr" presetSubtype="0" fill="hold" grpId="0" nodeType="withEffect">
+                                  <p:stCondLst>
+                                    <p:cond delay="0"/>
+                                  </p:stCondLst>
+                                  <p:childTnLst>
+                                    <p:set>
+                                      <p:cBhvr>
+                                        <p:cTn id="21" dur="1" fill="hold">
+                                          <p:stCondLst>
+                                            <p:cond delay="0"/>
+                                          </p:stCondLst>
+                                        </p:cTn>
+                                        <p:tgtEl>
+                                          <p:spTgt spid="28"/>
+                                        </p:tgtEl>
+                                        <p:attrNameLst>
+                                          <p:attrName>style.visibility</p:attrName>
+                                        </p:attrNameLst>
+                                      </p:cBhvr>
+                                      <p:to>
+                                        <p:strVal val="visible"/>
+                                      </p:to>
+                                    </p:set>
+                                    <p:animEffect transition="in" filter="fade">
+                                      <p:cBhvr>
+                                        <p:cTn id="22" dur="500"/>
+                                        <p:tgtEl>
+                                          <p:spTgt spid="28"/>
+                                        </p:tgtEl>
+                                      </p:cBhvr>
+                                    </p:animEffect>
+                                    <p:anim calcmode="lin" valueType="num">
+                                      <p:cBhvr>
+                                        <p:cTn id="23" dur="500" fill="hold"/>
+                                        <p:tgtEl>
+                                          <p:spTgt spid="28"/>
+                                        </p:tgtEl>
+                                        <p:attrNameLst>
+                                          <p:attrName>ppt_x</p:attrName>
+                                        </p:attrNameLst>
+                                      </p:cBhvr>
+                                      <p:tavLst>
+                                        <p:tav tm="0">
+                                          <p:val>
+                                            <p:strVal val="#ppt_x"/>
+                                          </p:val>
+                                        </p:tav>
+                                        <p:tav tm="100000">
+                                          <p:val>
+                                            <p:strVal val="#ppt_x"/>
+                                          </p:val>
+                                        </p:tav>
+                                      </p:tavLst>
+                                    </p:anim>
+                                    <p:anim calcmode="lin" valueType="num">
+                                      <p:cBhvr>
+                                        <p:cTn id="24" dur="500" fill="hold"/>
+                                        <p:tgtEl>
+                                          <p:spTgt spid="28"/>
+                                        </p:tgtEl>
+                                        <p:attrNameLst>
+                                          <p:attrName>ppt_y</p:attrName>
+                                        </p:attrNameLst>
+                                      </p:cBhvr>
+                                      <p:tavLst>
+                                        <p:tav tm="0">
+                                          <p:val>
+                                            <p:strVal val="#ppt_y+.1"/>
+                                          </p:val>
+                                        </p:tav>
+                                        <p:tav tm="100000">
+                                          <p:val>
+                                            <p:strVal val="#ppt_y"/>
+                                          </p:val>
+                                        </p:tav>
+                                      </p:tavLst>
+                                    </p:anim>
+                                  </p:childTnLst>
+                                </p:cTn>
+                              </p:par>
+                              <p:par>
+                                <p:cTn id="25" presetID="42" presetClass="entr" presetSubtype="0" fill="hold" grpId="0" nodeType="withEffect">
+                                  <p:stCondLst>
+                                    <p:cond delay="0"/>
+                                  </p:stCondLst>
+                                  <p:childTnLst>
+                                    <p:set>
+                                      <p:cBhvr>
+                                        <p:cTn id="26" dur="1" fill="hold">
+                                          <p:stCondLst>
+                                            <p:cond delay="0"/>
+                                          </p:stCondLst>
+                                        </p:cTn>
+                                        <p:tgtEl>
+                                          <p:spTgt spid="29"/>
+                                        </p:tgtEl>
+                                        <p:attrNameLst>
+                                          <p:attrName>style.visibility</p:attrName>
+                                        </p:attrNameLst>
+                                      </p:cBhvr>
+                                      <p:to>
+                                        <p:strVal val="visible"/>
+                                      </p:to>
+                                    </p:set>
+                                    <p:animEffect transition="in" filter="fade">
+                                      <p:cBhvr>
+                                        <p:cTn id="27" dur="500"/>
+                                        <p:tgtEl>
+                                          <p:spTgt spid="29"/>
+                                        </p:tgtEl>
+                                      </p:cBhvr>
+                                    </p:animEffect>
+                                    <p:anim calcmode="lin" valueType="num">
+                                      <p:cBhvr>
+                                        <p:cTn id="28" dur="500" fill="hold"/>
+                                        <p:tgtEl>
+                                          <p:spTgt spid="29"/>
+                                        </p:tgtEl>
+                                        <p:attrNameLst>
+                                          <p:attrName>ppt_x</p:attrName>
+                                        </p:attrNameLst>
+                                      </p:cBhvr>
+                                      <p:tavLst>
+                                        <p:tav tm="0">
+                                          <p:val>
+                                            <p:strVal val="#ppt_x"/>
+                                          </p:val>
+                                        </p:tav>
+                                        <p:tav tm="100000">
+                                          <p:val>
+                                            <p:strVal val="#ppt_x"/>
+                                          </p:val>
+                                        </p:tav>
+                                      </p:tavLst>
+                                    </p:anim>
+                                    <p:anim calcmode="lin" valueType="num">
+                                      <p:cBhvr>
+                                        <p:cTn id="29" dur="500" fill="hold"/>
+                                        <p:tgtEl>
+                                          <p:spTgt spid="29"/>
+                                        </p:tgtEl>
+                                        <p:attrNameLst>
+                                          <p:attrName>ppt_y</p:attrName>
+                                        </p:attrNameLst>
+                                      </p:cBhvr>
+                                      <p:tavLst>
+                                        <p:tav tm="0">
+                                          <p:val>
+                                            <p:strVal val="#ppt_y+.1"/>
+                                          </p:val>
+                                        </p:tav>
+                                        <p:tav tm="100000">
+                                          <p:val>
+                                            <p:strVal val="#ppt_y"/>
+                                          </p:val>
+                                        </p:tav>
+                                      </p:tavLst>
+                                    </p:anim>
+                                  </p:childTnLst>
+                                </p:cTn>
+                              </p:par>
+                              <p:par>
+                                <p:cTn id="30" presetID="42" presetClass="entr" presetSubtype="0" fill="hold" grpId="0" nodeType="withEffect">
+                                  <p:stCondLst>
+                                    <p:cond delay="0"/>
+                                  </p:stCondLst>
+                                  <p:childTnLst>
+                                    <p:set>
+                                      <p:cBhvr>
+                                        <p:cTn id="31" dur="1" fill="hold">
+                                          <p:stCondLst>
+                                            <p:cond delay="0"/>
+                                          </p:stCondLst>
+                                        </p:cTn>
+                                        <p:tgtEl>
+                                          <p:spTgt spid="18"/>
+                                        </p:tgtEl>
+                                        <p:attrNameLst>
+                                          <p:attrName>style.visibility</p:attrName>
+                                        </p:attrNameLst>
+                                      </p:cBhvr>
+                                      <p:to>
+                                        <p:strVal val="visible"/>
+                                      </p:to>
+                                    </p:set>
+                                    <p:animEffect transition="in" filter="fade">
+                                      <p:cBhvr>
+                                        <p:cTn id="32" dur="500"/>
+                                        <p:tgtEl>
+                                          <p:spTgt spid="18"/>
+                                        </p:tgtEl>
+                                      </p:cBhvr>
+                                    </p:animEffect>
+                                    <p:anim calcmode="lin" valueType="num">
+                                      <p:cBhvr>
+                                        <p:cTn id="33" dur="500" fill="hold"/>
+                                        <p:tgtEl>
+                                          <p:spTgt spid="18"/>
+                                        </p:tgtEl>
+                                        <p:attrNameLst>
+                                          <p:attrName>ppt_x</p:attrName>
+                                        </p:attrNameLst>
+                                      </p:cBhvr>
+                                      <p:tavLst>
+                                        <p:tav tm="0">
+                                          <p:val>
+                                            <p:strVal val="#ppt_x"/>
+                                          </p:val>
+                                        </p:tav>
+                                        <p:tav tm="100000">
+                                          <p:val>
+                                            <p:strVal val="#ppt_x"/>
+                                          </p:val>
+                                        </p:tav>
+                                      </p:tavLst>
+                                    </p:anim>
+                                    <p:anim calcmode="lin" valueType="num">
+                                      <p:cBhvr>
+                                        <p:cTn id="34" dur="500" fill="hold"/>
+                                        <p:tgtEl>
+                                          <p:spTgt spid="18"/>
+                                        </p:tgtEl>
+                                        <p:attrNameLst>
+                                          <p:attrName>ppt_y</p:attrName>
+                                        </p:attrNameLst>
+                                      </p:cBhvr>
+                                      <p:tavLst>
+                                        <p:tav tm="0">
+                                          <p:val>
+                                            <p:strVal val="#ppt_y+.1"/>
+                                          </p:val>
+                                        </p:tav>
+                                        <p:tav tm="100000">
+                                          <p:val>
+                                            <p:strVal val="#ppt_y"/>
+                                          </p:val>
+                                        </p:tav>
+                                      </p:tavLst>
+                                    </p:anim>
+                                  </p:childTnLst>
+                                </p:cTn>
+                              </p:par>
+                              <p:par>
+                                <p:cTn id="35" presetID="42" presetClass="entr" presetSubtype="0" fill="hold" grpId="0" nodeType="withEffect">
+                                  <p:stCondLst>
+                                    <p:cond delay="0"/>
+                                  </p:stCondLst>
+                                  <p:childTnLst>
+                                    <p:set>
+                                      <p:cBhvr>
+                                        <p:cTn id="36" dur="1" fill="hold">
+                                          <p:stCondLst>
+                                            <p:cond delay="0"/>
+                                          </p:stCondLst>
+                                        </p:cTn>
+                                        <p:tgtEl>
+                                          <p:spTgt spid="23"/>
+                                        </p:tgtEl>
+                                        <p:attrNameLst>
+                                          <p:attrName>style.visibility</p:attrName>
+                                        </p:attrNameLst>
+                                      </p:cBhvr>
+                                      <p:to>
+                                        <p:strVal val="visible"/>
+                                      </p:to>
+                                    </p:set>
+                                    <p:animEffect transition="in" filter="fade">
+                                      <p:cBhvr>
+                                        <p:cTn id="37" dur="500"/>
+                                        <p:tgtEl>
+                                          <p:spTgt spid="23"/>
+                                        </p:tgtEl>
+                                      </p:cBhvr>
+                                    </p:animEffect>
+                                    <p:anim calcmode="lin" valueType="num">
+                                      <p:cBhvr>
+                                        <p:cTn id="38" dur="500" fill="hold"/>
+                                        <p:tgtEl>
+                                          <p:spTgt spid="23"/>
+                                        </p:tgtEl>
+                                        <p:attrNameLst>
+                                          <p:attrName>ppt_x</p:attrName>
+                                        </p:attrNameLst>
+                                      </p:cBhvr>
+                                      <p:tavLst>
+                                        <p:tav tm="0">
+                                          <p:val>
+                                            <p:strVal val="#ppt_x"/>
+                                          </p:val>
+                                        </p:tav>
+                                        <p:tav tm="100000">
+                                          <p:val>
+                                            <p:strVal val="#ppt_x"/>
+                                          </p:val>
+                                        </p:tav>
+                                      </p:tavLst>
+                                    </p:anim>
+                                    <p:anim calcmode="lin" valueType="num">
+                                      <p:cBhvr>
+                                        <p:cTn id="39" dur="500" fill="hold"/>
+                                        <p:tgtEl>
+                                          <p:spTgt spid="23"/>
+                                        </p:tgtEl>
+                                        <p:attrNameLst>
+                                          <p:attrName>ppt_y</p:attrName>
+                                        </p:attrNameLst>
+                                      </p:cBhvr>
+                                      <p:tavLst>
+                                        <p:tav tm="0">
+                                          <p:val>
+                                            <p:strVal val="#ppt_y+.1"/>
+                                          </p:val>
+                                        </p:tav>
+                                        <p:tav tm="100000">
+                                          <p:val>
+                                            <p:strVal val="#ppt_y"/>
+                                          </p:val>
+                                        </p:tav>
+                                      </p:tavLst>
+                                    </p:anim>
+                                  </p:childTnLst>
+                                </p:cTn>
+                              </p:par>
+                              <p:par>
+                                <p:cTn id="40" presetID="42" presetClass="entr" presetSubtype="0" fill="hold" grpId="0" nodeType="withEffect">
+                                  <p:stCondLst>
+                                    <p:cond delay="0"/>
+                                  </p:stCondLst>
+                                  <p:childTnLst>
+                                    <p:set>
+                                      <p:cBhvr>
+                                        <p:cTn id="41" dur="1" fill="hold">
+                                          <p:stCondLst>
+                                            <p:cond delay="0"/>
+                                          </p:stCondLst>
+                                        </p:cTn>
+                                        <p:tgtEl>
+                                          <p:spTgt spid="30"/>
+                                        </p:tgtEl>
+                                        <p:attrNameLst>
+                                          <p:attrName>style.visibility</p:attrName>
+                                        </p:attrNameLst>
+                                      </p:cBhvr>
+                                      <p:to>
+                                        <p:strVal val="visible"/>
+                                      </p:to>
+                                    </p:set>
+                                    <p:animEffect transition="in" filter="fade">
+                                      <p:cBhvr>
+                                        <p:cTn id="42" dur="500"/>
+                                        <p:tgtEl>
+                                          <p:spTgt spid="30"/>
+                                        </p:tgtEl>
+                                      </p:cBhvr>
+                                    </p:animEffect>
+                                    <p:anim calcmode="lin" valueType="num">
+                                      <p:cBhvr>
+                                        <p:cTn id="43" dur="500" fill="hold"/>
+                                        <p:tgtEl>
+                                          <p:spTgt spid="30"/>
+                                        </p:tgtEl>
+                                        <p:attrNameLst>
+                                          <p:attrName>ppt_x</p:attrName>
+                                        </p:attrNameLst>
+                                      </p:cBhvr>
+                                      <p:tavLst>
+                                        <p:tav tm="0">
+                                          <p:val>
+                                            <p:strVal val="#ppt_x"/>
+                                          </p:val>
+                                        </p:tav>
+                                        <p:tav tm="100000">
+                                          <p:val>
+                                            <p:strVal val="#ppt_x"/>
+                                          </p:val>
+                                        </p:tav>
+                                      </p:tavLst>
+                                    </p:anim>
+                                    <p:anim calcmode="lin" valueType="num">
+                                      <p:cBhvr>
+                                        <p:cTn id="44" dur="500" fill="hold"/>
+                                        <p:tgtEl>
+                                          <p:spTgt spid="30"/>
+                                        </p:tgtEl>
+                                        <p:attrNameLst>
+                                          <p:attrName>ppt_y</p:attrName>
+                                        </p:attrNameLst>
+                                      </p:cBhvr>
+                                      <p:tavLst>
+                                        <p:tav tm="0">
+                                          <p:val>
+                                            <p:strVal val="#ppt_y+.1"/>
+                                          </p:val>
+                                        </p:tav>
+                                        <p:tav tm="100000">
+                                          <p:val>
+                                            <p:strVal val="#ppt_y"/>
+                                          </p:val>
+                                        </p:tav>
+                                      </p:tavLst>
+                                    </p:anim>
+                                  </p:childTnLst>
+                                </p:cTn>
+                              </p:par>
+                              <p:par>
+                                <p:cTn id="45" presetID="42" presetClass="entr" presetSubtype="0" fill="hold" grpId="0" nodeType="withEffect">
+                                  <p:stCondLst>
+                                    <p:cond delay="0"/>
+                                  </p:stCondLst>
+                                  <p:childTnLst>
+                                    <p:set>
+                                      <p:cBhvr>
+                                        <p:cTn id="46" dur="1" fill="hold">
+                                          <p:stCondLst>
+                                            <p:cond delay="0"/>
+                                          </p:stCondLst>
+                                        </p:cTn>
+                                        <p:tgtEl>
+                                          <p:spTgt spid="31"/>
+                                        </p:tgtEl>
+                                        <p:attrNameLst>
+                                          <p:attrName>style.visibility</p:attrName>
+                                        </p:attrNameLst>
+                                      </p:cBhvr>
+                                      <p:to>
+                                        <p:strVal val="visible"/>
+                                      </p:to>
+                                    </p:set>
+                                    <p:animEffect transition="in" filter="fade">
+                                      <p:cBhvr>
+                                        <p:cTn id="47" dur="500"/>
+                                        <p:tgtEl>
+                                          <p:spTgt spid="31"/>
+                                        </p:tgtEl>
+                                      </p:cBhvr>
+                                    </p:animEffect>
+                                    <p:anim calcmode="lin" valueType="num">
+                                      <p:cBhvr>
+                                        <p:cTn id="48" dur="500" fill="hold"/>
+                                        <p:tgtEl>
+                                          <p:spTgt spid="31"/>
+                                        </p:tgtEl>
+                                        <p:attrNameLst>
+                                          <p:attrName>ppt_x</p:attrName>
+                                        </p:attrNameLst>
+                                      </p:cBhvr>
+                                      <p:tavLst>
+                                        <p:tav tm="0">
+                                          <p:val>
+                                            <p:strVal val="#ppt_x"/>
+                                          </p:val>
+                                        </p:tav>
+                                        <p:tav tm="100000">
+                                          <p:val>
+                                            <p:strVal val="#ppt_x"/>
+                                          </p:val>
+                                        </p:tav>
+                                      </p:tavLst>
+                                    </p:anim>
+                                    <p:anim calcmode="lin" valueType="num">
+                                      <p:cBhvr>
+                                        <p:cTn id="49" dur="500" fill="hold"/>
+                                        <p:tgtEl>
+                                          <p:spTgt spid="31"/>
+                                        </p:tgtEl>
+                                        <p:attrNameLst>
+                                          <p:attrName>ppt_y</p:attrName>
+                                        </p:attrNameLst>
+                                      </p:cBhvr>
+                                      <p:tavLst>
+                                        <p:tav tm="0">
+                                          <p:val>
+                                            <p:strVal val="#ppt_y+.1"/>
+                                          </p:val>
+                                        </p:tav>
+                                        <p:tav tm="100000">
+                                          <p:val>
+                                            <p:strVal val="#ppt_y"/>
+                                          </p:val>
+                                        </p:tav>
+                                      </p:tavLst>
+                                    </p:anim>
+                                  </p:childTnLst>
+                                </p:cTn>
+                              </p:par>
+                              <p:par>
+                                <p:cTn id="50" presetID="42" presetClass="entr" presetSubtype="0" fill="hold" grpId="0" nodeType="withEffect">
+                                  <p:stCondLst>
+                                    <p:cond delay="0"/>
+                                  </p:stCondLst>
+                                  <p:childTnLst>
+                                    <p:set>
+                                      <p:cBhvr>
+                                        <p:cTn id="51" dur="1" fill="hold">
+                                          <p:stCondLst>
+                                            <p:cond delay="0"/>
+                                          </p:stCondLst>
+                                        </p:cTn>
+                                        <p:tgtEl>
+                                          <p:spTgt spid="19"/>
+                                        </p:tgtEl>
+                                        <p:attrNameLst>
+                                          <p:attrName>style.visibility</p:attrName>
+                                        </p:attrNameLst>
+                                      </p:cBhvr>
+                                      <p:to>
+                                        <p:strVal val="visible"/>
+                                      </p:to>
+                                    </p:set>
+                                    <p:animEffect transition="in" filter="fade">
+                                      <p:cBhvr>
+                                        <p:cTn id="52" dur="500"/>
+                                        <p:tgtEl>
+                                          <p:spTgt spid="19"/>
+                                        </p:tgtEl>
+                                      </p:cBhvr>
+                                    </p:animEffect>
+                                    <p:anim calcmode="lin" valueType="num">
+                                      <p:cBhvr>
+                                        <p:cTn id="53" dur="500" fill="hold"/>
+                                        <p:tgtEl>
+                                          <p:spTgt spid="19"/>
+                                        </p:tgtEl>
+                                        <p:attrNameLst>
+                                          <p:attrName>ppt_x</p:attrName>
+                                        </p:attrNameLst>
+                                      </p:cBhvr>
+                                      <p:tavLst>
+                                        <p:tav tm="0">
+                                          <p:val>
+                                            <p:strVal val="#ppt_x"/>
+                                          </p:val>
+                                        </p:tav>
+                                        <p:tav tm="100000">
+                                          <p:val>
+                                            <p:strVal val="#ppt_x"/>
+                                          </p:val>
+                                        </p:tav>
+                                      </p:tavLst>
+                                    </p:anim>
+                                    <p:anim calcmode="lin" valueType="num">
+                                      <p:cBhvr>
+                                        <p:cTn id="54" dur="500" fill="hold"/>
+                                        <p:tgtEl>
+                                          <p:spTgt spid="19"/>
+                                        </p:tgtEl>
+                                        <p:attrNameLst>
+                                          <p:attrName>ppt_y</p:attrName>
+                                        </p:attrNameLst>
+                                      </p:cBhvr>
+                                      <p:tavLst>
+                                        <p:tav tm="0">
+                                          <p:val>
+                                            <p:strVal val="#ppt_y+.1"/>
+                                          </p:val>
+                                        </p:tav>
+                                        <p:tav tm="100000">
+                                          <p:val>
+                                            <p:strVal val="#ppt_y"/>
+                                          </p:val>
+                                        </p:tav>
+                                      </p:tavLst>
+                                    </p:anim>
+                                  </p:childTnLst>
+                                </p:cTn>
+                              </p:par>
+                              <p:par>
+                                <p:cTn id="55" presetID="42" presetClass="entr" presetSubtype="0" fill="hold" grpId="0" nodeType="withEffect">
+                                  <p:stCondLst>
+                                    <p:cond delay="0"/>
+                                  </p:stCondLst>
+                                  <p:childTnLst>
+                                    <p:set>
+                                      <p:cBhvr>
+                                        <p:cTn id="56" dur="1" fill="hold">
+                                          <p:stCondLst>
+                                            <p:cond delay="0"/>
+                                          </p:stCondLst>
+                                        </p:cTn>
+                                        <p:tgtEl>
+                                          <p:spTgt spid="24"/>
+                                        </p:tgtEl>
+                                        <p:attrNameLst>
+                                          <p:attrName>style.visibility</p:attrName>
+                                        </p:attrNameLst>
+                                      </p:cBhvr>
+                                      <p:to>
+                                        <p:strVal val="visible"/>
+                                      </p:to>
+                                    </p:set>
+                                    <p:animEffect transition="in" filter="fade">
+                                      <p:cBhvr>
+                                        <p:cTn id="57" dur="500"/>
+                                        <p:tgtEl>
+                                          <p:spTgt spid="24"/>
+                                        </p:tgtEl>
+                                      </p:cBhvr>
+                                    </p:animEffect>
+                                    <p:anim calcmode="lin" valueType="num">
+                                      <p:cBhvr>
+                                        <p:cTn id="58" dur="500" fill="hold"/>
+                                        <p:tgtEl>
+                                          <p:spTgt spid="24"/>
+                                        </p:tgtEl>
+                                        <p:attrNameLst>
+                                          <p:attrName>ppt_x</p:attrName>
+                                        </p:attrNameLst>
+                                      </p:cBhvr>
+                                      <p:tavLst>
+                                        <p:tav tm="0">
+                                          <p:val>
+                                            <p:strVal val="#ppt_x"/>
+                                          </p:val>
+                                        </p:tav>
+                                        <p:tav tm="100000">
+                                          <p:val>
+                                            <p:strVal val="#ppt_x"/>
+                                          </p:val>
+                                        </p:tav>
+                                      </p:tavLst>
+                                    </p:anim>
+                                    <p:anim calcmode="lin" valueType="num">
+                                      <p:cBhvr>
+                                        <p:cTn id="59" dur="500" fill="hold"/>
+                                        <p:tgtEl>
+                                          <p:spTgt spid="24"/>
+                                        </p:tgtEl>
+                                        <p:attrNameLst>
+                                          <p:attrName>ppt_y</p:attrName>
+                                        </p:attrNameLst>
+                                      </p:cBhvr>
+                                      <p:tavLst>
+                                        <p:tav tm="0">
+                                          <p:val>
+                                            <p:strVal val="#ppt_y+.1"/>
+                                          </p:val>
+                                        </p:tav>
+                                        <p:tav tm="100000">
+                                          <p:val>
+                                            <p:strVal val="#ppt_y"/>
+                                          </p:val>
+                                        </p:tav>
+                                      </p:tavLst>
+                                    </p:anim>
+                                  </p:childTnLst>
+                                </p:cTn>
+                              </p:par>
+                              <p:par>
+                                <p:cTn id="60" presetID="42" presetClass="entr" presetSubtype="0" fill="hold" grpId="0" nodeType="withEffect">
+                                  <p:stCondLst>
+                                    <p:cond delay="0"/>
+                                  </p:stCondLst>
+                                  <p:childTnLst>
+                                    <p:set>
+                                      <p:cBhvr>
+                                        <p:cTn id="61" dur="1" fill="hold">
+                                          <p:stCondLst>
+                                            <p:cond delay="0"/>
+                                          </p:stCondLst>
+                                        </p:cTn>
+                                        <p:tgtEl>
+                                          <p:spTgt spid="32"/>
+                                        </p:tgtEl>
+                                        <p:attrNameLst>
+                                          <p:attrName>style.visibility</p:attrName>
+                                        </p:attrNameLst>
+                                      </p:cBhvr>
+                                      <p:to>
+                                        <p:strVal val="visible"/>
+                                      </p:to>
+                                    </p:set>
+                                    <p:animEffect transition="in" filter="fade">
+                                      <p:cBhvr>
+                                        <p:cTn id="62" dur="500"/>
+                                        <p:tgtEl>
+                                          <p:spTgt spid="32"/>
+                                        </p:tgtEl>
+                                      </p:cBhvr>
+                                    </p:animEffect>
+                                    <p:anim calcmode="lin" valueType="num">
+                                      <p:cBhvr>
+                                        <p:cTn id="63" dur="500" fill="hold"/>
+                                        <p:tgtEl>
+                                          <p:spTgt spid="32"/>
+                                        </p:tgtEl>
+                                        <p:attrNameLst>
+                                          <p:attrName>ppt_x</p:attrName>
+                                        </p:attrNameLst>
+                                      </p:cBhvr>
+                                      <p:tavLst>
+                                        <p:tav tm="0">
+                                          <p:val>
+                                            <p:strVal val="#ppt_x"/>
+                                          </p:val>
+                                        </p:tav>
+                                        <p:tav tm="100000">
+                                          <p:val>
+                                            <p:strVal val="#ppt_x"/>
+                                          </p:val>
+                                        </p:tav>
+                                      </p:tavLst>
+                                    </p:anim>
+                                    <p:anim calcmode="lin" valueType="num">
+                                      <p:cBhvr>
+                                        <p:cTn id="64" dur="500" fill="hold"/>
+                                        <p:tgtEl>
+                                          <p:spTgt spid="32"/>
+                                        </p:tgtEl>
+                                        <p:attrNameLst>
+                                          <p:attrName>ppt_y</p:attrName>
+                                        </p:attrNameLst>
+                                      </p:cBhvr>
+                                      <p:tavLst>
+                                        <p:tav tm="0">
+                                          <p:val>
+                                            <p:strVal val="#ppt_y+.1"/>
+                                          </p:val>
+                                        </p:tav>
+                                        <p:tav tm="100000">
+                                          <p:val>
+                                            <p:strVal val="#ppt_y"/>
+                                          </p:val>
+                                        </p:tav>
+                                      </p:tavLst>
+                                    </p:anim>
+                                  </p:childTnLst>
+                                </p:cTn>
+                              </p:par>
+                              <p:par>
+                                <p:cTn id="65" presetID="42" presetClass="entr" presetSubtype="0" fill="hold" grpId="0" nodeType="withEffect">
+                                  <p:stCondLst>
+                                    <p:cond delay="0"/>
+                                  </p:stCondLst>
+                                  <p:childTnLst>
+                                    <p:set>
+                                      <p:cBhvr>
+                                        <p:cTn id="66" dur="1" fill="hold">
+                                          <p:stCondLst>
+                                            <p:cond delay="0"/>
+                                          </p:stCondLst>
+                                        </p:cTn>
+                                        <p:tgtEl>
+                                          <p:spTgt spid="33"/>
+                                        </p:tgtEl>
+                                        <p:attrNameLst>
+                                          <p:attrName>style.visibility</p:attrName>
+                                        </p:attrNameLst>
+                                      </p:cBhvr>
+                                      <p:to>
+                                        <p:strVal val="visible"/>
+                                      </p:to>
+                                    </p:set>
+                                    <p:animEffect transition="in" filter="fade">
+                                      <p:cBhvr>
+                                        <p:cTn id="67" dur="500"/>
+                                        <p:tgtEl>
+                                          <p:spTgt spid="33"/>
+                                        </p:tgtEl>
+                                      </p:cBhvr>
+                                    </p:animEffect>
+                                    <p:anim calcmode="lin" valueType="num">
+                                      <p:cBhvr>
+                                        <p:cTn id="68" dur="500" fill="hold"/>
+                                        <p:tgtEl>
+                                          <p:spTgt spid="33"/>
+                                        </p:tgtEl>
+                                        <p:attrNameLst>
+                                          <p:attrName>ppt_x</p:attrName>
+                                        </p:attrNameLst>
+                                      </p:cBhvr>
+                                      <p:tavLst>
+                                        <p:tav tm="0">
+                                          <p:val>
+                                            <p:strVal val="#ppt_x"/>
+                                          </p:val>
+                                        </p:tav>
+                                        <p:tav tm="100000">
+                                          <p:val>
+                                            <p:strVal val="#ppt_x"/>
+                                          </p:val>
+                                        </p:tav>
+                                      </p:tavLst>
+                                    </p:anim>
+                                    <p:anim calcmode="lin" valueType="num">
+                                      <p:cBhvr>
+                                        <p:cTn id="69" dur="500" fill="hold"/>
+                                        <p:tgtEl>
+                                          <p:spTgt spid="33"/>
+                                        </p:tgtEl>
+                                        <p:attrNameLst>
+                                          <p:attrName>ppt_y</p:attrName>
+                                        </p:attrNameLst>
+                                      </p:cBhvr>
+                                      <p:tavLst>
+                                        <p:tav tm="0">
+                                          <p:val>
+                                            <p:strVal val="#ppt_y+.1"/>
+                                          </p:val>
+                                        </p:tav>
+                                        <p:tav tm="100000">
+                                          <p:val>
+                                            <p:strVal val="#ppt_y"/>
+                                          </p:val>
+                                        </p:tav>
+                                      </p:tavLst>
+                                    </p:anim>
+                                  </p:childTnLst>
+                                </p:cTn>
+                              </p:par>
+                              <p:par>
+                                <p:cTn id="70" presetID="42" presetClass="entr" presetSubtype="0" fill="hold" grpId="0" nodeType="withEffect">
+                                  <p:stCondLst>
+                                    <p:cond delay="0"/>
+                                  </p:stCondLst>
+                                  <p:childTnLst>
+                                    <p:set>
+                                      <p:cBhvr>
+                                        <p:cTn id="71" dur="1" fill="hold">
+                                          <p:stCondLst>
+                                            <p:cond delay="0"/>
+                                          </p:stCondLst>
+                                        </p:cTn>
+                                        <p:tgtEl>
+                                          <p:spTgt spid="17"/>
+                                        </p:tgtEl>
+                                        <p:attrNameLst>
+                                          <p:attrName>style.visibility</p:attrName>
+                                        </p:attrNameLst>
+                                      </p:cBhvr>
+                                      <p:to>
+                                        <p:strVal val="visible"/>
+                                      </p:to>
+                                    </p:set>
+                                    <p:animEffect transition="in" filter="fade">
+                                      <p:cBhvr>
+                                        <p:cTn id="72" dur="500"/>
+                                        <p:tgtEl>
+                                          <p:spTgt spid="17"/>
+                                        </p:tgtEl>
+                                      </p:cBhvr>
+                                    </p:animEffect>
+                                    <p:anim calcmode="lin" valueType="num">
+                                      <p:cBhvr>
+                                        <p:cTn id="73" dur="500" fill="hold"/>
+                                        <p:tgtEl>
+                                          <p:spTgt spid="17"/>
+                                        </p:tgtEl>
+                                        <p:attrNameLst>
+                                          <p:attrName>ppt_x</p:attrName>
+                                        </p:attrNameLst>
+                                      </p:cBhvr>
+                                      <p:tavLst>
+                                        <p:tav tm="0">
+                                          <p:val>
+                                            <p:strVal val="#ppt_x"/>
+                                          </p:val>
+                                        </p:tav>
+                                        <p:tav tm="100000">
+                                          <p:val>
+                                            <p:strVal val="#ppt_x"/>
+                                          </p:val>
+                                        </p:tav>
+                                      </p:tavLst>
+                                    </p:anim>
+                                    <p:anim calcmode="lin" valueType="num">
+                                      <p:cBhvr>
+                                        <p:cTn id="74" dur="500" fill="hold"/>
+                                        <p:tgtEl>
+                                          <p:spTgt spid="17"/>
+                                        </p:tgtEl>
+                                        <p:attrNameLst>
+                                          <p:attrName>ppt_y</p:attrName>
+                                        </p:attrNameLst>
+                                      </p:cBhvr>
+                                      <p:tavLst>
+                                        <p:tav tm="0">
+                                          <p:val>
+                                            <p:strVal val="#ppt_y+.1"/>
+                                          </p:val>
+                                        </p:tav>
+                                        <p:tav tm="100000">
+                                          <p:val>
+                                            <p:strVal val="#ppt_y"/>
+                                          </p:val>
+                                        </p:tav>
+                                      </p:tavLst>
+                                    </p:anim>
+                                  </p:childTnLst>
+                                </p:cTn>
+                              </p:par>
+                              <p:par>
+                                <p:cTn id="75" presetID="42" presetClass="entr" presetSubtype="0" fill="hold" grpId="0" nodeType="withEffect">
+                                  <p:stCondLst>
+                                    <p:cond delay="0"/>
+                                  </p:stCondLst>
+                                  <p:childTnLst>
+                                    <p:set>
+                                      <p:cBhvr>
+                                        <p:cTn id="76" dur="1" fill="hold">
+                                          <p:stCondLst>
+                                            <p:cond delay="0"/>
+                                          </p:stCondLst>
+                                        </p:cTn>
+                                        <p:tgtEl>
+                                          <p:spTgt spid="22"/>
+                                        </p:tgtEl>
+                                        <p:attrNameLst>
+                                          <p:attrName>style.visibility</p:attrName>
+                                        </p:attrNameLst>
+                                      </p:cBhvr>
+                                      <p:to>
+                                        <p:strVal val="visible"/>
+                                      </p:to>
+                                    </p:set>
+                                    <p:animEffect transition="in" filter="fade">
+                                      <p:cBhvr>
+                                        <p:cTn id="77" dur="500"/>
+                                        <p:tgtEl>
+                                          <p:spTgt spid="22"/>
+                                        </p:tgtEl>
+                                      </p:cBhvr>
+                                    </p:animEffect>
+                                    <p:anim calcmode="lin" valueType="num">
+                                      <p:cBhvr>
+                                        <p:cTn id="78" dur="500" fill="hold"/>
+                                        <p:tgtEl>
+                                          <p:spTgt spid="22"/>
+                                        </p:tgtEl>
+                                        <p:attrNameLst>
+                                          <p:attrName>ppt_x</p:attrName>
+                                        </p:attrNameLst>
+                                      </p:cBhvr>
+                                      <p:tavLst>
+                                        <p:tav tm="0">
+                                          <p:val>
+                                            <p:strVal val="#ppt_x"/>
+                                          </p:val>
+                                        </p:tav>
+                                        <p:tav tm="100000">
+                                          <p:val>
+                                            <p:strVal val="#ppt_x"/>
+                                          </p:val>
+                                        </p:tav>
+                                      </p:tavLst>
+                                    </p:anim>
+                                    <p:anim calcmode="lin" valueType="num">
+                                      <p:cBhvr>
+                                        <p:cTn id="79" dur="500" fill="hold"/>
+                                        <p:tgtEl>
+                                          <p:spTgt spid="22"/>
+                                        </p:tgtEl>
+                                        <p:attrNameLst>
+                                          <p:attrName>ppt_y</p:attrName>
+                                        </p:attrNameLst>
+                                      </p:cBhvr>
+                                      <p:tavLst>
+                                        <p:tav tm="0">
+                                          <p:val>
+                                            <p:strVal val="#ppt_y+.1"/>
+                                          </p:val>
+                                        </p:tav>
+                                        <p:tav tm="100000">
+                                          <p:val>
+                                            <p:strVal val="#ppt_y"/>
+                                          </p:val>
+                                        </p:tav>
+                                      </p:tavLst>
+                                    </p:anim>
+                                  </p:childTnLst>
+                                </p:cTn>
+                              </p:par>
+                              <p:par>
+                                <p:cTn id="80" presetID="42" presetClass="entr" presetSubtype="0" fill="hold" grpId="0" nodeType="withEffect">
+                                  <p:stCondLst>
+                                    <p:cond delay="0"/>
+                                  </p:stCondLst>
+                                  <p:childTnLst>
+                                    <p:set>
+                                      <p:cBhvr>
+                                        <p:cTn id="81" dur="1" fill="hold">
+                                          <p:stCondLst>
+                                            <p:cond delay="0"/>
+                                          </p:stCondLst>
+                                        </p:cTn>
+                                        <p:tgtEl>
+                                          <p:spTgt spid="34"/>
+                                        </p:tgtEl>
+                                        <p:attrNameLst>
+                                          <p:attrName>style.visibility</p:attrName>
+                                        </p:attrNameLst>
+                                      </p:cBhvr>
+                                      <p:to>
+                                        <p:strVal val="visible"/>
+                                      </p:to>
+                                    </p:set>
+                                    <p:animEffect transition="in" filter="fade">
+                                      <p:cBhvr>
+                                        <p:cTn id="82" dur="500"/>
+                                        <p:tgtEl>
+                                          <p:spTgt spid="34"/>
+                                        </p:tgtEl>
+                                      </p:cBhvr>
+                                    </p:animEffect>
+                                    <p:anim calcmode="lin" valueType="num">
+                                      <p:cBhvr>
+                                        <p:cTn id="83" dur="500" fill="hold"/>
+                                        <p:tgtEl>
+                                          <p:spTgt spid="34"/>
+                                        </p:tgtEl>
+                                        <p:attrNameLst>
+                                          <p:attrName>ppt_x</p:attrName>
+                                        </p:attrNameLst>
+                                      </p:cBhvr>
+                                      <p:tavLst>
+                                        <p:tav tm="0">
+                                          <p:val>
+                                            <p:strVal val="#ppt_x"/>
+                                          </p:val>
+                                        </p:tav>
+                                        <p:tav tm="100000">
+                                          <p:val>
+                                            <p:strVal val="#ppt_x"/>
+                                          </p:val>
+                                        </p:tav>
+                                      </p:tavLst>
+                                    </p:anim>
+                                    <p:anim calcmode="lin" valueType="num">
+                                      <p:cBhvr>
+                                        <p:cTn id="84" dur="500" fill="hold"/>
+                                        <p:tgtEl>
+                                          <p:spTgt spid="34"/>
+                                        </p:tgtEl>
+                                        <p:attrNameLst>
+                                          <p:attrName>ppt_y</p:attrName>
+                                        </p:attrNameLst>
+                                      </p:cBhvr>
+                                      <p:tavLst>
+                                        <p:tav tm="0">
+                                          <p:val>
+                                            <p:strVal val="#ppt_y+.1"/>
+                                          </p:val>
+                                        </p:tav>
+                                        <p:tav tm="100000">
+                                          <p:val>
+                                            <p:strVal val="#ppt_y"/>
+                                          </p:val>
+                                        </p:tav>
+                                      </p:tavLst>
+                                    </p:anim>
+                                  </p:childTnLst>
+                                </p:cTn>
+                              </p:par>
+                              <p:par>
+                                <p:cTn id="85" presetID="42" presetClass="entr" presetSubtype="0" fill="hold" grpId="0" nodeType="withEffect">
+                                  <p:stCondLst>
+                                    <p:cond delay="0"/>
+                                  </p:stCondLst>
+                                  <p:childTnLst>
+                                    <p:set>
+                                      <p:cBhvr>
+                                        <p:cTn id="86" dur="1" fill="hold">
+                                          <p:stCondLst>
+                                            <p:cond delay="0"/>
+                                          </p:stCondLst>
+                                        </p:cTn>
+                                        <p:tgtEl>
+                                          <p:spTgt spid="35"/>
+                                        </p:tgtEl>
+                                        <p:attrNameLst>
+                                          <p:attrName>style.visibility</p:attrName>
+                                        </p:attrNameLst>
+                                      </p:cBhvr>
+                                      <p:to>
+                                        <p:strVal val="visible"/>
+                                      </p:to>
+                                    </p:set>
+                                    <p:animEffect transition="in" filter="fade">
+                                      <p:cBhvr>
+                                        <p:cTn id="87" dur="500"/>
+                                        <p:tgtEl>
+                                          <p:spTgt spid="35"/>
+                                        </p:tgtEl>
+                                      </p:cBhvr>
+                                    </p:animEffect>
+                                    <p:anim calcmode="lin" valueType="num">
+                                      <p:cBhvr>
+                                        <p:cTn id="88" dur="500" fill="hold"/>
+                                        <p:tgtEl>
+                                          <p:spTgt spid="35"/>
+                                        </p:tgtEl>
+                                        <p:attrNameLst>
+                                          <p:attrName>ppt_x</p:attrName>
+                                        </p:attrNameLst>
+                                      </p:cBhvr>
+                                      <p:tavLst>
+                                        <p:tav tm="0">
+                                          <p:val>
+                                            <p:strVal val="#ppt_x"/>
+                                          </p:val>
+                                        </p:tav>
+                                        <p:tav tm="100000">
+                                          <p:val>
+                                            <p:strVal val="#ppt_x"/>
+                                          </p:val>
+                                        </p:tav>
+                                      </p:tavLst>
+                                    </p:anim>
+                                    <p:anim calcmode="lin" valueType="num">
+                                      <p:cBhvr>
+                                        <p:cTn id="89" dur="500" fill="hold"/>
+                                        <p:tgtEl>
+                                          <p:spTgt spid="35"/>
+                                        </p:tgtEl>
+                                        <p:attrNameLst>
+                                          <p:attrName>ppt_y</p:attrName>
+                                        </p:attrNameLst>
+                                      </p:cBhvr>
+                                      <p:tavLst>
+                                        <p:tav tm="0">
+                                          <p:val>
+                                            <p:strVal val="#ppt_y+.1"/>
+                                          </p:val>
+                                        </p:tav>
+                                        <p:tav tm="100000">
+                                          <p:val>
+                                            <p:strVal val="#ppt_y"/>
+                                          </p:val>
+                                        </p:tav>
+                                      </p:tavLst>
+                                    </p:anim>
+                                  </p:childTnLst>
+                                </p:cTn>
+                              </p:par>
+                              <p:par>
+                                <p:cTn id="90" presetID="42" presetClass="entr" presetSubtype="0" fill="hold" grpId="0" nodeType="withEffect">
+                                  <p:stCondLst>
+                                    <p:cond delay="0"/>
+                                  </p:stCondLst>
+                                  <p:childTnLst>
+                                    <p:set>
+                                      <p:cBhvr>
+                                        <p:cTn id="91" dur="1" fill="hold">
+                                          <p:stCondLst>
+                                            <p:cond delay="0"/>
+                                          </p:stCondLst>
+                                        </p:cTn>
+                                        <p:tgtEl>
+                                          <p:spTgt spid="15"/>
+                                        </p:tgtEl>
+                                        <p:attrNameLst>
+                                          <p:attrName>style.visibility</p:attrName>
+                                        </p:attrNameLst>
+                                      </p:cBhvr>
+                                      <p:to>
+                                        <p:strVal val="visible"/>
+                                      </p:to>
+                                    </p:set>
+                                    <p:animEffect transition="in" filter="fade">
+                                      <p:cBhvr>
+                                        <p:cTn id="92" dur="500"/>
+                                        <p:tgtEl>
+                                          <p:spTgt spid="15"/>
+                                        </p:tgtEl>
+                                      </p:cBhvr>
+                                    </p:animEffect>
+                                    <p:anim calcmode="lin" valueType="num">
+                                      <p:cBhvr>
+                                        <p:cTn id="93" dur="500" fill="hold"/>
+                                        <p:tgtEl>
+                                          <p:spTgt spid="15"/>
+                                        </p:tgtEl>
+                                        <p:attrNameLst>
+                                          <p:attrName>ppt_x</p:attrName>
+                                        </p:attrNameLst>
+                                      </p:cBhvr>
+                                      <p:tavLst>
+                                        <p:tav tm="0">
+                                          <p:val>
+                                            <p:strVal val="#ppt_x"/>
+                                          </p:val>
+                                        </p:tav>
+                                        <p:tav tm="100000">
+                                          <p:val>
+                                            <p:strVal val="#ppt_x"/>
+                                          </p:val>
+                                        </p:tav>
+                                      </p:tavLst>
+                                    </p:anim>
+                                    <p:anim calcmode="lin" valueType="num">
+                                      <p:cBhvr>
+                                        <p:cTn id="94" dur="500" fill="hold"/>
+                                        <p:tgtEl>
+                                          <p:spTgt spid="15"/>
+                                        </p:tgtEl>
+                                        <p:attrNameLst>
+                                          <p:attrName>ppt_y</p:attrName>
+                                        </p:attrNameLst>
+                                      </p:cBhvr>
+                                      <p:tavLst>
+                                        <p:tav tm="0">
+                                          <p:val>
+                                            <p:strVal val="#ppt_y+.1"/>
+                                          </p:val>
+                                        </p:tav>
+                                        <p:tav tm="100000">
+                                          <p:val>
+                                            <p:strVal val="#ppt_y"/>
+                                          </p:val>
+                                        </p:tav>
+                                      </p:tavLst>
+                                    </p:anim>
+                                  </p:childTnLst>
+                                </p:cTn>
+                              </p:par>
+                              <p:par>
+                                <p:cTn id="95" presetID="42" presetClass="entr" presetSubtype="0" fill="hold" grpId="0" nodeType="withEffect">
+                                  <p:stCondLst>
+                                    <p:cond delay="0"/>
+                                  </p:stCondLst>
+                                  <p:childTnLst>
+                                    <p:set>
+                                      <p:cBhvr>
+                                        <p:cTn id="96" dur="1" fill="hold">
+                                          <p:stCondLst>
+                                            <p:cond delay="0"/>
+                                          </p:stCondLst>
+                                        </p:cTn>
+                                        <p:tgtEl>
+                                          <p:spTgt spid="26"/>
+                                        </p:tgtEl>
+                                        <p:attrNameLst>
+                                          <p:attrName>style.visibility</p:attrName>
+                                        </p:attrNameLst>
+                                      </p:cBhvr>
+                                      <p:to>
+                                        <p:strVal val="visible"/>
+                                      </p:to>
+                                    </p:set>
+                                    <p:animEffect transition="in" filter="fade">
+                                      <p:cBhvr>
+                                        <p:cTn id="97" dur="500"/>
+                                        <p:tgtEl>
+                                          <p:spTgt spid="26"/>
+                                        </p:tgtEl>
+                                      </p:cBhvr>
+                                    </p:animEffect>
+                                    <p:anim calcmode="lin" valueType="num">
+                                      <p:cBhvr>
+                                        <p:cTn id="98" dur="500" fill="hold"/>
+                                        <p:tgtEl>
+                                          <p:spTgt spid="26"/>
+                                        </p:tgtEl>
+                                        <p:attrNameLst>
+                                          <p:attrName>ppt_x</p:attrName>
+                                        </p:attrNameLst>
+                                      </p:cBhvr>
+                                      <p:tavLst>
+                                        <p:tav tm="0">
+                                          <p:val>
+                                            <p:strVal val="#ppt_x"/>
+                                          </p:val>
+                                        </p:tav>
+                                        <p:tav tm="100000">
+                                          <p:val>
+                                            <p:strVal val="#ppt_x"/>
+                                          </p:val>
+                                        </p:tav>
+                                      </p:tavLst>
+                                    </p:anim>
+                                    <p:anim calcmode="lin" valueType="num">
+                                      <p:cBhvr>
+                                        <p:cTn id="99" dur="500" fill="hold"/>
+                                        <p:tgtEl>
+                                          <p:spTgt spid="26"/>
+                                        </p:tgtEl>
+                                        <p:attrNameLst>
+                                          <p:attrName>ppt_y</p:attrName>
+                                        </p:attrNameLst>
+                                      </p:cBhvr>
+                                      <p:tavLst>
+                                        <p:tav tm="0">
+                                          <p:val>
+                                            <p:strVal val="#ppt_y+.1"/>
+                                          </p:val>
+                                        </p:tav>
+                                        <p:tav tm="100000">
+                                          <p:val>
+                                            <p:strVal val="#ppt_y"/>
+                                          </p:val>
+                                        </p:tav>
+                                      </p:tavLst>
+                                    </p:anim>
+                                  </p:childTnLst>
+                                </p:cTn>
+                              </p:par>
+                              <p:par>
+                                <p:cTn id="100" presetID="42" presetClass="entr" presetSubtype="0" fill="hold" grpId="0" nodeType="withEffect">
+                                  <p:stCondLst>
+                                    <p:cond delay="0"/>
+                                  </p:stCondLst>
+                                  <p:childTnLst>
+                                    <p:set>
+                                      <p:cBhvr>
+                                        <p:cTn id="101" dur="1" fill="hold">
+                                          <p:stCondLst>
+                                            <p:cond delay="0"/>
+                                          </p:stCondLst>
+                                        </p:cTn>
+                                        <p:tgtEl>
+                                          <p:spTgt spid="36"/>
+                                        </p:tgtEl>
+                                        <p:attrNameLst>
+                                          <p:attrName>style.visibility</p:attrName>
+                                        </p:attrNameLst>
+                                      </p:cBhvr>
+                                      <p:to>
+                                        <p:strVal val="visible"/>
+                                      </p:to>
+                                    </p:set>
+                                    <p:animEffect transition="in" filter="fade">
+                                      <p:cBhvr>
+                                        <p:cTn id="102" dur="500"/>
+                                        <p:tgtEl>
+                                          <p:spTgt spid="36"/>
+                                        </p:tgtEl>
+                                      </p:cBhvr>
+                                    </p:animEffect>
+                                    <p:anim calcmode="lin" valueType="num">
+                                      <p:cBhvr>
+                                        <p:cTn id="103" dur="500" fill="hold"/>
+                                        <p:tgtEl>
+                                          <p:spTgt spid="36"/>
+                                        </p:tgtEl>
+                                        <p:attrNameLst>
+                                          <p:attrName>ppt_x</p:attrName>
+                                        </p:attrNameLst>
+                                      </p:cBhvr>
+                                      <p:tavLst>
+                                        <p:tav tm="0">
+                                          <p:val>
+                                            <p:strVal val="#ppt_x"/>
+                                          </p:val>
+                                        </p:tav>
+                                        <p:tav tm="100000">
+                                          <p:val>
+                                            <p:strVal val="#ppt_x"/>
+                                          </p:val>
+                                        </p:tav>
+                                      </p:tavLst>
+                                    </p:anim>
+                                    <p:anim calcmode="lin" valueType="num">
+                                      <p:cBhvr>
+                                        <p:cTn id="104" dur="500" fill="hold"/>
+                                        <p:tgtEl>
+                                          <p:spTgt spid="36"/>
+                                        </p:tgtEl>
+                                        <p:attrNameLst>
+                                          <p:attrName>ppt_y</p:attrName>
+                                        </p:attrNameLst>
+                                      </p:cBhvr>
+                                      <p:tavLst>
+                                        <p:tav tm="0">
+                                          <p:val>
+                                            <p:strVal val="#ppt_y+.1"/>
+                                          </p:val>
+                                        </p:tav>
+                                        <p:tav tm="100000">
+                                          <p:val>
+                                            <p:strVal val="#ppt_y"/>
+                                          </p:val>
+                                        </p:tav>
+                                      </p:tavLst>
+                                    </p:anim>
+                                  </p:childTnLst>
+                                </p:cTn>
+                              </p:par>
+                              <p:par>
+                                <p:cTn id="105" presetID="42" presetClass="entr" presetSubtype="0" fill="hold" grpId="0" nodeType="withEffect">
+                                  <p:stCondLst>
+                                    <p:cond delay="0"/>
+                                  </p:stCondLst>
+                                  <p:childTnLst>
+                                    <p:set>
+                                      <p:cBhvr>
+                                        <p:cTn id="106" dur="1" fill="hold">
+                                          <p:stCondLst>
+                                            <p:cond delay="0"/>
+                                          </p:stCondLst>
+                                        </p:cTn>
+                                        <p:tgtEl>
+                                          <p:spTgt spid="37"/>
+                                        </p:tgtEl>
+                                        <p:attrNameLst>
+                                          <p:attrName>style.visibility</p:attrName>
+                                        </p:attrNameLst>
+                                      </p:cBhvr>
+                                      <p:to>
+                                        <p:strVal val="visible"/>
+                                      </p:to>
+                                    </p:set>
+                                    <p:animEffect transition="in" filter="fade">
+                                      <p:cBhvr>
+                                        <p:cTn id="107" dur="500"/>
+                                        <p:tgtEl>
+                                          <p:spTgt spid="37"/>
+                                        </p:tgtEl>
+                                      </p:cBhvr>
+                                    </p:animEffect>
+                                    <p:anim calcmode="lin" valueType="num">
+                                      <p:cBhvr>
+                                        <p:cTn id="108" dur="500" fill="hold"/>
+                                        <p:tgtEl>
+                                          <p:spTgt spid="37"/>
+                                        </p:tgtEl>
+                                        <p:attrNameLst>
+                                          <p:attrName>ppt_x</p:attrName>
+                                        </p:attrNameLst>
+                                      </p:cBhvr>
+                                      <p:tavLst>
+                                        <p:tav tm="0">
+                                          <p:val>
+                                            <p:strVal val="#ppt_x"/>
+                                          </p:val>
+                                        </p:tav>
+                                        <p:tav tm="100000">
+                                          <p:val>
+                                            <p:strVal val="#ppt_x"/>
+                                          </p:val>
+                                        </p:tav>
+                                      </p:tavLst>
+                                    </p:anim>
+                                    <p:anim calcmode="lin" valueType="num">
+                                      <p:cBhvr>
+                                        <p:cTn id="109" dur="500" fill="hold"/>
+                                        <p:tgtEl>
+                                          <p:spTgt spid="37"/>
+                                        </p:tgtEl>
+                                        <p:attrNameLst>
+                                          <p:attrName>ppt_y</p:attrName>
+                                        </p:attrNameLst>
+                                      </p:cBhvr>
+                                      <p:tavLst>
+                                        <p:tav tm="0">
+                                          <p:val>
+                                            <p:strVal val="#ppt_y+.1"/>
+                                          </p:val>
+                                        </p:tav>
+                                        <p:tav tm="100000">
+                                          <p:val>
+                                            <p:strVal val="#ppt_y"/>
+                                          </p:val>
+                                        </p:tav>
+                                      </p:tavLst>
+                                    </p:anim>
+                                  </p:childTnLst>
+                                </p:cTn>
+                              </p:par>
+                              <p:par>
+                                <p:cTn id="110" presetID="42" presetClass="entr" presetSubtype="0" fill="hold" grpId="0" nodeType="withEffect">
+                                  <p:stCondLst>
+                                    <p:cond delay="0"/>
+                                  </p:stCondLst>
+                                  <p:childTnLst>
+                                    <p:set>
+                                      <p:cBhvr>
+                                        <p:cTn id="111" dur="1" fill="hold">
+                                          <p:stCondLst>
+                                            <p:cond delay="0"/>
+                                          </p:stCondLst>
+                                        </p:cTn>
+                                        <p:tgtEl>
+                                          <p:spTgt spid="16"/>
+                                        </p:tgtEl>
+                                        <p:attrNameLst>
+                                          <p:attrName>style.visibility</p:attrName>
+                                        </p:attrNameLst>
+                                      </p:cBhvr>
+                                      <p:to>
+                                        <p:strVal val="visible"/>
+                                      </p:to>
+                                    </p:set>
+                                    <p:animEffect transition="in" filter="fade">
+                                      <p:cBhvr>
+                                        <p:cTn id="112" dur="500"/>
+                                        <p:tgtEl>
+                                          <p:spTgt spid="16"/>
+                                        </p:tgtEl>
+                                      </p:cBhvr>
+                                    </p:animEffect>
+                                    <p:anim calcmode="lin" valueType="num">
+                                      <p:cBhvr>
+                                        <p:cTn id="113" dur="500" fill="hold"/>
+                                        <p:tgtEl>
+                                          <p:spTgt spid="16"/>
+                                        </p:tgtEl>
+                                        <p:attrNameLst>
+                                          <p:attrName>ppt_x</p:attrName>
+                                        </p:attrNameLst>
+                                      </p:cBhvr>
+                                      <p:tavLst>
+                                        <p:tav tm="0">
+                                          <p:val>
+                                            <p:strVal val="#ppt_x"/>
+                                          </p:val>
+                                        </p:tav>
+                                        <p:tav tm="100000">
+                                          <p:val>
+                                            <p:strVal val="#ppt_x"/>
+                                          </p:val>
+                                        </p:tav>
+                                      </p:tavLst>
+                                    </p:anim>
+                                    <p:anim calcmode="lin" valueType="num">
+                                      <p:cBhvr>
+                                        <p:cTn id="114" dur="500" fill="hold"/>
+                                        <p:tgtEl>
+                                          <p:spTgt spid="16"/>
+                                        </p:tgtEl>
+                                        <p:attrNameLst>
+                                          <p:attrName>ppt_y</p:attrName>
+                                        </p:attrNameLst>
+                                      </p:cBhvr>
+                                      <p:tavLst>
+                                        <p:tav tm="0">
+                                          <p:val>
+                                            <p:strVal val="#ppt_y+.1"/>
+                                          </p:val>
+                                        </p:tav>
+                                        <p:tav tm="100000">
+                                          <p:val>
+                                            <p:strVal val="#ppt_y"/>
+                                          </p:val>
+                                        </p:tav>
+                                      </p:tavLst>
+                                    </p:anim>
+                                  </p:childTnLst>
+                                </p:cTn>
+                              </p:par>
+                              <p:par>
+                                <p:cTn id="115" presetID="42" presetClass="entr" presetSubtype="0" fill="hold" grpId="0" nodeType="withEffect">
+                                  <p:stCondLst>
+                                    <p:cond delay="0"/>
+                                  </p:stCondLst>
+                                  <p:childTnLst>
+                                    <p:set>
+                                      <p:cBhvr>
+                                        <p:cTn id="116" dur="1" fill="hold">
+                                          <p:stCondLst>
+                                            <p:cond delay="0"/>
+                                          </p:stCondLst>
+                                        </p:cTn>
+                                        <p:tgtEl>
+                                          <p:spTgt spid="25"/>
+                                        </p:tgtEl>
+                                        <p:attrNameLst>
+                                          <p:attrName>style.visibility</p:attrName>
+                                        </p:attrNameLst>
+                                      </p:cBhvr>
+                                      <p:to>
+                                        <p:strVal val="visible"/>
+                                      </p:to>
+                                    </p:set>
+                                    <p:animEffect transition="in" filter="fade">
+                                      <p:cBhvr>
+                                        <p:cTn id="117" dur="500"/>
+                                        <p:tgtEl>
+                                          <p:spTgt spid="25"/>
+                                        </p:tgtEl>
+                                      </p:cBhvr>
+                                    </p:animEffect>
+                                    <p:anim calcmode="lin" valueType="num">
+                                      <p:cBhvr>
+                                        <p:cTn id="118" dur="500" fill="hold"/>
+                                        <p:tgtEl>
+                                          <p:spTgt spid="25"/>
+                                        </p:tgtEl>
+                                        <p:attrNameLst>
+                                          <p:attrName>ppt_x</p:attrName>
+                                        </p:attrNameLst>
+                                      </p:cBhvr>
+                                      <p:tavLst>
+                                        <p:tav tm="0">
+                                          <p:val>
+                                            <p:strVal val="#ppt_x"/>
+                                          </p:val>
+                                        </p:tav>
+                                        <p:tav tm="100000">
+                                          <p:val>
+                                            <p:strVal val="#ppt_x"/>
+                                          </p:val>
+                                        </p:tav>
+                                      </p:tavLst>
+                                    </p:anim>
+                                    <p:anim calcmode="lin" valueType="num">
+                                      <p:cBhvr>
+                                        <p:cTn id="119" dur="500" fill="hold"/>
+                                        <p:tgtEl>
+                                          <p:spTgt spid="25"/>
+                                        </p:tgtEl>
+                                        <p:attrNameLst>
+                                          <p:attrName>ppt_y</p:attrName>
+                                        </p:attrNameLst>
+                                      </p:cBhvr>
+                                      <p:tavLst>
+                                        <p:tav tm="0">
+                                          <p:val>
+                                            <p:strVal val="#ppt_y+.1"/>
+                                          </p:val>
+                                        </p:tav>
+                                        <p:tav tm="100000">
+                                          <p:val>
+                                            <p:strVal val="#ppt_y"/>
+                                          </p:val>
+                                        </p:tav>
+                                      </p:tavLst>
+                                    </p:anim>
+                                  </p:childTnLst>
+                                </p:cTn>
+                              </p:par>
+                              <p:par>
+                                <p:cTn id="120" presetID="42" presetClass="entr" presetSubtype="0" fill="hold" grpId="0" nodeType="withEffect">
+                                  <p:stCondLst>
+                                    <p:cond delay="0"/>
+                                  </p:stCondLst>
+                                  <p:childTnLst>
+                                    <p:set>
+                                      <p:cBhvr>
+                                        <p:cTn id="121" dur="1" fill="hold">
+                                          <p:stCondLst>
+                                            <p:cond delay="0"/>
+                                          </p:stCondLst>
+                                        </p:cTn>
+                                        <p:tgtEl>
+                                          <p:spTgt spid="38"/>
+                                        </p:tgtEl>
+                                        <p:attrNameLst>
+                                          <p:attrName>style.visibility</p:attrName>
+                                        </p:attrNameLst>
+                                      </p:cBhvr>
+                                      <p:to>
+                                        <p:strVal val="visible"/>
+                                      </p:to>
+                                    </p:set>
+                                    <p:animEffect transition="in" filter="fade">
+                                      <p:cBhvr>
+                                        <p:cTn id="122" dur="500"/>
+                                        <p:tgtEl>
+                                          <p:spTgt spid="38"/>
+                                        </p:tgtEl>
+                                      </p:cBhvr>
+                                    </p:animEffect>
+                                    <p:anim calcmode="lin" valueType="num">
+                                      <p:cBhvr>
+                                        <p:cTn id="123" dur="500" fill="hold"/>
+                                        <p:tgtEl>
+                                          <p:spTgt spid="38"/>
+                                        </p:tgtEl>
+                                        <p:attrNameLst>
+                                          <p:attrName>ppt_x</p:attrName>
+                                        </p:attrNameLst>
+                                      </p:cBhvr>
+                                      <p:tavLst>
+                                        <p:tav tm="0">
+                                          <p:val>
+                                            <p:strVal val="#ppt_x"/>
+                                          </p:val>
+                                        </p:tav>
+                                        <p:tav tm="100000">
+                                          <p:val>
+                                            <p:strVal val="#ppt_x"/>
+                                          </p:val>
+                                        </p:tav>
+                                      </p:tavLst>
+                                    </p:anim>
+                                    <p:anim calcmode="lin" valueType="num">
+                                      <p:cBhvr>
+                                        <p:cTn id="124" dur="500" fill="hold"/>
+                                        <p:tgtEl>
+                                          <p:spTgt spid="38"/>
+                                        </p:tgtEl>
+                                        <p:attrNameLst>
+                                          <p:attrName>ppt_y</p:attrName>
+                                        </p:attrNameLst>
+                                      </p:cBhvr>
+                                      <p:tavLst>
+                                        <p:tav tm="0">
+                                          <p:val>
+                                            <p:strVal val="#ppt_y+.1"/>
+                                          </p:val>
+                                        </p:tav>
+                                        <p:tav tm="100000">
+                                          <p:val>
+                                            <p:strVal val="#ppt_y"/>
+                                          </p:val>
+                                        </p:tav>
+                                      </p:tavLst>
+                                    </p:anim>
+                                  </p:childTnLst>
+                                </p:cTn>
+                              </p:par>
+                              <p:par>
+                                <p:cTn id="125" presetID="42" presetClass="entr" presetSubtype="0" fill="hold" nodeType="withEffect">
+                                  <p:stCondLst>
+                                    <p:cond delay="0"/>
+                                  </p:stCondLst>
+                                  <p:childTnLst>
+                                    <p:set>
+                                      <p:cBhvr>
+                                        <p:cTn id="126" dur="1" fill="hold">
+                                          <p:stCondLst>
+                                            <p:cond delay="0"/>
+                                          </p:stCondLst>
+                                        </p:cTn>
+                                        <p:tgtEl>
+                                          <p:spTgt spid="39"/>
+                                        </p:tgtEl>
+                                        <p:attrNameLst>
+                                          <p:attrName>style.visibility</p:attrName>
+                                        </p:attrNameLst>
+                                      </p:cBhvr>
+                                      <p:to>
+                                        <p:strVal val="visible"/>
+                                      </p:to>
+                                    </p:set>
+                                    <p:animEffect transition="in" filter="fade">
+                                      <p:cBhvr>
+                                        <p:cTn id="127" dur="500"/>
+                                        <p:tgtEl>
+                                          <p:spTgt spid="39"/>
+                                        </p:tgtEl>
+                                      </p:cBhvr>
+                                    </p:animEffect>
+                                    <p:anim calcmode="lin" valueType="num">
+                                      <p:cBhvr>
+                                        <p:cTn id="128" dur="500" fill="hold"/>
+                                        <p:tgtEl>
+                                          <p:spTgt spid="39"/>
+                                        </p:tgtEl>
+                                        <p:attrNameLst>
+                                          <p:attrName>ppt_x</p:attrName>
+                                        </p:attrNameLst>
+                                      </p:cBhvr>
+                                      <p:tavLst>
+                                        <p:tav tm="0">
+                                          <p:val>
+                                            <p:strVal val="#ppt_x"/>
+                                          </p:val>
+                                        </p:tav>
+                                        <p:tav tm="100000">
+                                          <p:val>
+                                            <p:strVal val="#ppt_x"/>
+                                          </p:val>
+                                        </p:tav>
+                                      </p:tavLst>
+                                    </p:anim>
+                                    <p:anim calcmode="lin" valueType="num">
+                                      <p:cBhvr>
+                                        <p:cTn id="129" dur="500" fill="hold"/>
+                                        <p:tgtEl>
+                                          <p:spTgt spid="39"/>
+                                        </p:tgtEl>
+                                        <p:attrNameLst>
+                                          <p:attrName>ppt_y</p:attrName>
+                                        </p:attrNameLst>
+                                      </p:cBhvr>
+                                      <p:tavLst>
+                                        <p:tav tm="0">
+                                          <p:val>
+                                            <p:strVal val="#ppt_y+.1"/>
+                                          </p:val>
+                                        </p:tav>
+                                        <p:tav tm="100000">
+                                          <p:val>
+                                            <p:strVal val="#ppt_y"/>
+                                          </p:val>
+                                        </p:tav>
+                                      </p:tavLst>
+                                    </p:anim>
+                                  </p:childTnLst>
+                                </p:cTn>
+                              </p:par>
+                            </p:childTnLst>
+                          </p:cTn>
+                        </p:par>
+                      </p:childTnLst>
+                    </p:cTn>
+                  </p:par>
+                </p:childTnLst>
+              </p:cTn>
+              <p:prevCondLst>
+                <p:cond evt="onPrev" delay="0">
+                  <p:tgtEl>
+                    <p:sldTgt/>
+                  </p:tgtEl>
+                </p:cond>
+              </p:prevCondLst>
+              <p:nextCondLst>
+                <p:cond evt="onNext" delay="0">
+                  <p:tgtEl>
+                    <p:sldTgt/>
+                  </p:tgtEl>
+                </p:cond>
+              </p:nextCondLst>
+            </p:seq>
+          </p:childTnLst>
+        </p:cTn>
+      </p:par>
+    </p:tnLst>
+    <p:bldLst>
+      <p:bldP spid="15" grpId="0" animBg="1"/>
+      <p:bldP spid="16" grpId="0" animBg="1"/>
+      <p:bldP spid="17" grpId="0" animBg="1"/>
+      <p:bldP spid="18" grpId="0" animBg="1"/>
+      <p:bldP spid="19" grpId="0" animBg="1"/>
+      <p:bldP spid="20" grpId="0" animBg="1"/>
+      <p:bldP spid="21" grpId="0" animBg="1"/>
+      <p:bldP spid="22" grpId="0" animBg="1"/>
+      <p:bldP spid="23" grpId="0" animBg="1"/>
+      <p:bldP spid="24" grpId="0" animBg="1"/>
+      <p:bldP spid="25" grpId="0" animBg="1"/>
+      <p:bldP spid="26" grpId="0" animBg="1"/>
+      <p:bldP spid="27" grpId="0"/>
+      <p:bldP spid="28" grpId="0"/>
+      <p:bldP spid="29" grpId="0"/>
+      <p:bldP spid="30" grpId="0"/>
+      <p:bldP spid="31" grpId="0"/>
+      <p:bldP spid="32" grpId="0"/>
+      <p:bldP spid="33" grpId="0"/>
+      <p:bldP spid="34" grpId="0"/>
+      <p:bldP spid="35" grpId="0"/>
+      <p:bldP spid="36" grpId="0"/>
+      <p:bldP spid="37" grpId="0"/>
+      <p:bldP spid="38" grpId="0"/>
+    </p:bldLst>
   </p:timing>
 </p:sld>
 </file>
@@ -25785,7 +32308,7 @@
   <a:extraClrSchemeLst/>
   <a:extLst>
     <a:ext uri="{05A4C25C-085E-4340-85A3-A5531E510DB2}">
-      <thm15:themeFamily xmlns:thm15="http://schemas.microsoft.com/office/thememl/2012/main" xmlns="" name="Office Theme" id="{62F939B6-93AF-4DB8-9C6B-D6C7DFDC589F}" vid="{4A3C46E8-61CC-4603-A589-7422A47A8E4A}"/>
+      <thm15:themeFamily xmlns="" xmlns:thm15="http://schemas.microsoft.com/office/thememl/2012/main" name="Office Theme" id="{62F939B6-93AF-4DB8-9C6B-D6C7DFDC589F}" vid="{4A3C46E8-61CC-4603-A589-7422A47A8E4A}"/>
     </a:ext>
   </a:extLst>
 </a:theme>
@@ -26075,7 +32598,7 @@
   <a:extraClrSchemeLst/>
   <a:extLst>
     <a:ext uri="{05A4C25C-085E-4340-85A3-A5531E510DB2}">
-      <thm15:themeFamily xmlns:thm15="http://schemas.microsoft.com/office/thememl/2012/main" xmlns="" name="Office Theme" id="{62F939B6-93AF-4DB8-9C6B-D6C7DFDC589F}" vid="{4A3C46E8-61CC-4603-A589-7422A47A8E4A}"/>
+      <thm15:themeFamily xmlns="" xmlns:thm15="http://schemas.microsoft.com/office/thememl/2012/main" name="Office Theme" id="{62F939B6-93AF-4DB8-9C6B-D6C7DFDC589F}" vid="{4A3C46E8-61CC-4603-A589-7422A47A8E4A}"/>
     </a:ext>
   </a:extLst>
 </a:theme>
@@ -26365,7 +32888,7 @@
   <a:extraClrSchemeLst/>
   <a:extLst>
     <a:ext uri="{05A4C25C-085E-4340-85A3-A5531E510DB2}">
-      <thm15:themeFamily xmlns:thm15="http://schemas.microsoft.com/office/thememl/2012/main" xmlns="" name="Office Theme" id="{62F939B6-93AF-4DB8-9C6B-D6C7DFDC589F}" vid="{4A3C46E8-61CC-4603-A589-7422A47A8E4A}"/>
+      <thm15:themeFamily xmlns="" xmlns:thm15="http://schemas.microsoft.com/office/thememl/2012/main" name="Office Theme" id="{62F939B6-93AF-4DB8-9C6B-D6C7DFDC589F}" vid="{4A3C46E8-61CC-4603-A589-7422A47A8E4A}"/>
     </a:ext>
   </a:extLst>
 </a:theme>
@@ -26655,7 +33178,7 @@
   <a:extraClrSchemeLst/>
   <a:extLst>
     <a:ext uri="{05A4C25C-085E-4340-85A3-A5531E510DB2}">
-      <thm15:themeFamily xmlns:thm15="http://schemas.microsoft.com/office/thememl/2012/main" xmlns="" name="Office Theme" id="{62F939B6-93AF-4DB8-9C6B-D6C7DFDC589F}" vid="{4A3C46E8-61CC-4603-A589-7422A47A8E4A}"/>
+      <thm15:themeFamily xmlns="" xmlns:thm15="http://schemas.microsoft.com/office/thememl/2012/main" name="Office Theme" id="{62F939B6-93AF-4DB8-9C6B-D6C7DFDC589F}" vid="{4A3C46E8-61CC-4603-A589-7422A47A8E4A}"/>
     </a:ext>
   </a:extLst>
 </a:theme>
@@ -26945,7 +33468,7 @@
   <a:extraClrSchemeLst/>
   <a:extLst>
     <a:ext uri="{05A4C25C-085E-4340-85A3-A5531E510DB2}">
-      <thm15:themeFamily xmlns:thm15="http://schemas.microsoft.com/office/thememl/2012/main" xmlns="" name="Office Theme" id="{62F939B6-93AF-4DB8-9C6B-D6C7DFDC589F}" vid="{4A3C46E8-61CC-4603-A589-7422A47A8E4A}"/>
+      <thm15:themeFamily xmlns="" xmlns:thm15="http://schemas.microsoft.com/office/thememl/2012/main" name="Office Theme" id="{62F939B6-93AF-4DB8-9C6B-D6C7DFDC589F}" vid="{4A3C46E8-61CC-4603-A589-7422A47A8E4A}"/>
     </a:ext>
   </a:extLst>
 </a:theme>
@@ -27235,7 +33758,7 @@
   <a:extraClrSchemeLst/>
   <a:extLst>
     <a:ext uri="{05A4C25C-085E-4340-85A3-A5531E510DB2}">
-      <thm15:themeFamily xmlns:thm15="http://schemas.microsoft.com/office/thememl/2012/main" xmlns="" name="Office Theme" id="{62F939B6-93AF-4DB8-9C6B-D6C7DFDC589F}" vid="{4A3C46E8-61CC-4603-A589-7422A47A8E4A}"/>
+      <thm15:themeFamily xmlns="" xmlns:thm15="http://schemas.microsoft.com/office/thememl/2012/main" name="Office Theme" id="{62F939B6-93AF-4DB8-9C6B-D6C7DFDC589F}" vid="{4A3C46E8-61CC-4603-A589-7422A47A8E4A}"/>
     </a:ext>
   </a:extLst>
 </a:theme>
@@ -27525,7 +34048,7 @@
   <a:extraClrSchemeLst/>
   <a:extLst>
     <a:ext uri="{05A4C25C-085E-4340-85A3-A5531E510DB2}">
-      <thm15:themeFamily xmlns:thm15="http://schemas.microsoft.com/office/thememl/2012/main" xmlns="" name="Office Theme" id="{62F939B6-93AF-4DB8-9C6B-D6C7DFDC589F}" vid="{4A3C46E8-61CC-4603-A589-7422A47A8E4A}"/>
+      <thm15:themeFamily xmlns="" xmlns:thm15="http://schemas.microsoft.com/office/thememl/2012/main" name="Office Theme" id="{62F939B6-93AF-4DB8-9C6B-D6C7DFDC589F}" vid="{4A3C46E8-61CC-4603-A589-7422A47A8E4A}"/>
     </a:ext>
   </a:extLst>
 </a:theme>

--- a/2021校招新员工转正答辩模板.pptx
+++ b/2021校招新员工转正答辩模板.pptx
@@ -214,7 +214,7 @@
             <a:fld id="{A0758086-6CBF-4B38-B616-71837A3CB190}" type="datetimeFigureOut">
               <a:rPr lang="zh-CN" altLang="en-US" smtClean="0"/>
               <a:pPr/>
-              <a:t>2021/12/7</a:t>
+              <a:t>2021/12/8</a:t>
             </a:fld>
             <a:endParaRPr lang="zh-CN" altLang="en-US"/>
           </a:p>
@@ -381,7 +381,7 @@
             <a:fld id="{9FA2A696-AB4E-402F-B9F7-AE9D7F1884EE}" type="datetimeFigureOut">
               <a:rPr lang="zh-CN" altLang="en-US" smtClean="0"/>
               <a:pPr/>
-              <a:t>2021/12/7</a:t>
+              <a:t>2021/12/8</a:t>
             </a:fld>
             <a:endParaRPr lang="zh-CN" altLang="en-US"/>
           </a:p>
@@ -791,6 +791,91 @@
 </p:notes>
 </file>
 
+<file path=ppt/notesSlides/notesSlide10.xml><?xml version="1.0" encoding="utf-8"?>
+<p:notes xmlns:a="http://schemas.openxmlformats.org/drawingml/2006/main" xmlns:r="http://schemas.openxmlformats.org/officeDocument/2006/relationships" xmlns:p="http://schemas.openxmlformats.org/presentationml/2006/main">
+  <p:cSld>
+    <p:spTree>
+      <p:nvGrpSpPr>
+        <p:cNvPr id="1" name=""/>
+        <p:cNvGrpSpPr/>
+        <p:nvPr/>
+      </p:nvGrpSpPr>
+      <p:grpSpPr>
+        <a:xfrm>
+          <a:off x="0" y="0"/>
+          <a:ext cx="0" cy="0"/>
+          <a:chOff x="0" y="0"/>
+          <a:chExt cx="0" cy="0"/>
+        </a:xfrm>
+      </p:grpSpPr>
+      <p:sp>
+        <p:nvSpPr>
+          <p:cNvPr id="2" name="幻灯片图像占位符 1"/>
+          <p:cNvSpPr>
+            <a:spLocks noGrp="1" noRot="1" noChangeAspect="1"/>
+          </p:cNvSpPr>
+          <p:nvPr>
+            <p:ph type="sldImg"/>
+          </p:nvPr>
+        </p:nvSpPr>
+        <p:spPr>
+          <a:xfrm>
+            <a:off x="92075" y="746125"/>
+            <a:ext cx="6621463" cy="3725863"/>
+          </a:xfrm>
+        </p:spPr>
+      </p:sp>
+      <p:sp>
+        <p:nvSpPr>
+          <p:cNvPr id="3" name="备注占位符 2"/>
+          <p:cNvSpPr>
+            <a:spLocks noGrp="1"/>
+          </p:cNvSpPr>
+          <p:nvPr>
+            <p:ph type="body" idx="1"/>
+          </p:nvPr>
+        </p:nvSpPr>
+        <p:spPr/>
+        <p:txBody>
+          <a:bodyPr/>
+          <a:lstStyle/>
+          <a:p>
+            <a:endParaRPr lang="zh-CN" altLang="en-US" dirty="0"/>
+          </a:p>
+        </p:txBody>
+      </p:sp>
+      <p:sp>
+        <p:nvSpPr>
+          <p:cNvPr id="4" name="灯片编号占位符 3"/>
+          <p:cNvSpPr>
+            <a:spLocks noGrp="1"/>
+          </p:cNvSpPr>
+          <p:nvPr>
+            <p:ph type="sldNum" sz="quarter" idx="10"/>
+          </p:nvPr>
+        </p:nvSpPr>
+        <p:spPr/>
+        <p:txBody>
+          <a:bodyPr/>
+          <a:lstStyle/>
+          <a:p>
+            <a:fld id="{5261CE45-8FD2-44C2-9FAD-56B6D96CC603}" type="slidenum">
+              <a:rPr lang="zh-CN" altLang="en-US" smtClean="0"/>
+              <a:pPr/>
+              <a:t>15</a:t>
+            </a:fld>
+            <a:endParaRPr lang="zh-CN" altLang="en-US"/>
+          </a:p>
+        </p:txBody>
+      </p:sp>
+    </p:spTree>
+  </p:cSld>
+  <p:clrMapOvr>
+    <a:masterClrMapping/>
+  </p:clrMapOvr>
+</p:notes>
+</file>
+
 <file path=ppt/notesSlides/notesSlide2.xml><?xml version="1.0" encoding="utf-8"?>
 <p:notes xmlns:a="http://schemas.openxmlformats.org/drawingml/2006/main" xmlns:r="http://schemas.openxmlformats.org/officeDocument/2006/relationships" xmlns:p="http://schemas.openxmlformats.org/presentationml/2006/main">
   <p:cSld>
@@ -1388,6 +1473,237 @@
             <p:ph type="sldImg"/>
           </p:nvPr>
         </p:nvSpPr>
+        <p:spPr/>
+      </p:sp>
+      <p:sp>
+        <p:nvSpPr>
+          <p:cNvPr id="3" name="备注占位符 2"/>
+          <p:cNvSpPr>
+            <a:spLocks noGrp="1"/>
+          </p:cNvSpPr>
+          <p:nvPr>
+            <p:ph type="body" idx="1"/>
+          </p:nvPr>
+        </p:nvSpPr>
+        <p:spPr/>
+        <p:txBody>
+          <a:bodyPr/>
+          <a:lstStyle/>
+          <a:p>
+            <a:r>
+              <a:rPr lang="zh-CN" altLang="en-US" dirty="0" smtClean="0"/>
+              <a:t>完成情况：</a:t>
+            </a:r>
+            <a:endParaRPr lang="en-US" altLang="zh-CN" dirty="0" smtClean="0"/>
+          </a:p>
+          <a:p>
+            <a:r>
+              <a:rPr lang="en-US" altLang="zh-CN" dirty="0" smtClean="0"/>
+              <a:t>1</a:t>
+            </a:r>
+            <a:r>
+              <a:rPr lang="zh-CN" altLang="en-US" dirty="0" smtClean="0"/>
+              <a:t>、</a:t>
+            </a:r>
+            <a:r>
+              <a:rPr lang="zh-CN" altLang="en-US" sz="1200" b="0" i="0" kern="1200" dirty="0" smtClean="0">
+                <a:solidFill>
+                  <a:schemeClr val="dk1"/>
+                </a:solidFill>
+                <a:effectLst/>
+                <a:latin typeface="+mn-lt"/>
+                <a:ea typeface="+mn-ea"/>
+                <a:cs typeface="+mn-cs"/>
+              </a:rPr>
+              <a:t>历经</a:t>
+            </a:r>
+            <a:r>
+              <a:rPr lang="en-US" altLang="zh-CN" sz="1200" b="0" i="0" kern="1200" dirty="0" smtClean="0">
+                <a:solidFill>
+                  <a:schemeClr val="dk1"/>
+                </a:solidFill>
+                <a:effectLst/>
+                <a:latin typeface="+mn-lt"/>
+                <a:ea typeface="+mn-ea"/>
+                <a:cs typeface="+mn-cs"/>
+              </a:rPr>
+              <a:t>3</a:t>
+            </a:r>
+            <a:r>
+              <a:rPr lang="zh-CN" altLang="en-US" sz="1200" b="0" i="0" kern="1200" dirty="0" smtClean="0">
+                <a:solidFill>
+                  <a:schemeClr val="dk1"/>
+                </a:solidFill>
+                <a:effectLst/>
+                <a:latin typeface="+mn-lt"/>
+                <a:ea typeface="+mn-ea"/>
+                <a:cs typeface="+mn-cs"/>
+              </a:rPr>
+              <a:t>个设计版本，期间反复根据专家的意见作出调整与完善，设计包括配色、图标、布局、交互逻辑及动效，经过最终评审确定为蓝白配色版本。</a:t>
+            </a:r>
+            <a:endParaRPr lang="en-US" altLang="zh-CN" sz="1200" b="0" i="0" kern="1200" dirty="0" smtClean="0">
+              <a:solidFill>
+                <a:schemeClr val="dk1"/>
+              </a:solidFill>
+              <a:effectLst/>
+              <a:latin typeface="+mn-lt"/>
+              <a:ea typeface="+mn-ea"/>
+              <a:cs typeface="+mn-cs"/>
+            </a:endParaRPr>
+          </a:p>
+          <a:p>
+            <a:pPr marL="0" marR="0" indent="0" algn="l" defTabSz="914400" rtl="0" eaLnBrk="1" fontAlgn="auto" latinLnBrk="0" hangingPunct="1">
+              <a:lnSpc>
+                <a:spcPct val="100000"/>
+              </a:lnSpc>
+              <a:spcBef>
+                <a:spcPts val="0"/>
+              </a:spcBef>
+              <a:spcAft>
+                <a:spcPts val="0"/>
+              </a:spcAft>
+              <a:buClrTx/>
+              <a:buSzTx/>
+              <a:buFontTx/>
+              <a:buNone/>
+              <a:tabLst/>
+              <a:defRPr/>
+            </a:pPr>
+            <a:r>
+              <a:rPr lang="en-US" altLang="zh-CN" sz="1200" b="0" i="0" kern="1200" dirty="0" smtClean="0">
+                <a:solidFill>
+                  <a:schemeClr val="dk1"/>
+                </a:solidFill>
+                <a:effectLst/>
+                <a:latin typeface="+mn-lt"/>
+                <a:ea typeface="+mn-ea"/>
+                <a:cs typeface="+mn-cs"/>
+              </a:rPr>
+              <a:t>2</a:t>
+            </a:r>
+            <a:r>
+              <a:rPr lang="zh-CN" altLang="en-US" sz="1200" b="0" i="0" kern="1200" dirty="0" smtClean="0">
+                <a:solidFill>
+                  <a:schemeClr val="dk1"/>
+                </a:solidFill>
+                <a:effectLst/>
+                <a:latin typeface="+mn-lt"/>
+                <a:ea typeface="+mn-ea"/>
+                <a:cs typeface="+mn-cs"/>
+              </a:rPr>
+              <a:t>、输出</a:t>
+            </a:r>
+            <a:r>
+              <a:rPr lang="zh-CN" altLang="en-US" sz="1200" dirty="0" smtClean="0"/>
+              <a:t>静态页面代码，解决页面大小自适应及各浏览器样式兼容问题。</a:t>
+            </a:r>
+            <a:endParaRPr lang="en-US" altLang="zh-CN" sz="1200" b="0" i="0" kern="1200" dirty="0" smtClean="0">
+              <a:solidFill>
+                <a:schemeClr val="dk1"/>
+              </a:solidFill>
+              <a:effectLst/>
+              <a:latin typeface="+mn-lt"/>
+              <a:ea typeface="+mn-ea"/>
+              <a:cs typeface="+mn-cs"/>
+            </a:endParaRPr>
+          </a:p>
+          <a:p>
+            <a:pPr marL="0" marR="0" indent="0" algn="l" defTabSz="914400" rtl="0" eaLnBrk="1" fontAlgn="auto" latinLnBrk="0" hangingPunct="1">
+              <a:lnSpc>
+                <a:spcPct val="100000"/>
+              </a:lnSpc>
+              <a:spcBef>
+                <a:spcPts val="0"/>
+              </a:spcBef>
+              <a:spcAft>
+                <a:spcPts val="0"/>
+              </a:spcAft>
+              <a:buClrTx/>
+              <a:buSzTx/>
+              <a:buFontTx/>
+              <a:buNone/>
+              <a:tabLst/>
+              <a:defRPr/>
+            </a:pPr>
+            <a:endParaRPr lang="en-US" altLang="zh-CN" sz="1200" b="0" i="0" kern="1200" dirty="0" smtClean="0">
+              <a:solidFill>
+                <a:schemeClr val="dk1"/>
+              </a:solidFill>
+              <a:effectLst/>
+              <a:latin typeface="+mn-lt"/>
+              <a:ea typeface="+mn-ea"/>
+              <a:cs typeface="+mn-cs"/>
+            </a:endParaRPr>
+          </a:p>
+          <a:p>
+            <a:endParaRPr lang="zh-CN" altLang="en-US" dirty="0"/>
+          </a:p>
+        </p:txBody>
+      </p:sp>
+      <p:sp>
+        <p:nvSpPr>
+          <p:cNvPr id="4" name="灯片编号占位符 3"/>
+          <p:cNvSpPr>
+            <a:spLocks noGrp="1"/>
+          </p:cNvSpPr>
+          <p:nvPr>
+            <p:ph type="sldNum" sz="quarter" idx="10"/>
+          </p:nvPr>
+        </p:nvSpPr>
+        <p:spPr/>
+        <p:txBody>
+          <a:bodyPr/>
+          <a:lstStyle/>
+          <a:p>
+            <a:fld id="{5261CE45-8FD2-44C2-9FAD-56B6D96CC603}" type="slidenum">
+              <a:rPr lang="zh-CN" altLang="en-US" smtClean="0"/>
+              <a:pPr/>
+              <a:t>8</a:t>
+            </a:fld>
+            <a:endParaRPr lang="zh-CN" altLang="en-US"/>
+          </a:p>
+        </p:txBody>
+      </p:sp>
+    </p:spTree>
+    <p:extLst>
+      <p:ext uri="{BB962C8B-B14F-4D97-AF65-F5344CB8AC3E}">
+        <p14:creationId xmlns:p14="http://schemas.microsoft.com/office/powerpoint/2010/main" val="3259294376"/>
+      </p:ext>
+    </p:extLst>
+  </p:cSld>
+  <p:clrMapOvr>
+    <a:masterClrMapping/>
+  </p:clrMapOvr>
+</p:notes>
+</file>
+
+<file path=ppt/notesSlides/notesSlide7.xml><?xml version="1.0" encoding="utf-8"?>
+<p:notes xmlns:a="http://schemas.openxmlformats.org/drawingml/2006/main" xmlns:r="http://schemas.openxmlformats.org/officeDocument/2006/relationships" xmlns:p="http://schemas.openxmlformats.org/presentationml/2006/main">
+  <p:cSld>
+    <p:spTree>
+      <p:nvGrpSpPr>
+        <p:cNvPr id="1" name=""/>
+        <p:cNvGrpSpPr/>
+        <p:nvPr/>
+      </p:nvGrpSpPr>
+      <p:grpSpPr>
+        <a:xfrm>
+          <a:off x="0" y="0"/>
+          <a:ext cx="0" cy="0"/>
+          <a:chOff x="0" y="0"/>
+          <a:chExt cx="0" cy="0"/>
+        </a:xfrm>
+      </p:grpSpPr>
+      <p:sp>
+        <p:nvSpPr>
+          <p:cNvPr id="2" name="幻灯片图像占位符 1"/>
+          <p:cNvSpPr>
+            <a:spLocks noGrp="1" noRot="1" noChangeAspect="1"/>
+          </p:cNvSpPr>
+          <p:nvPr>
+            <p:ph type="sldImg"/>
+          </p:nvPr>
+        </p:nvSpPr>
         <p:spPr>
           <a:xfrm>
             <a:off x="92075" y="746125"/>
@@ -1503,7 +1819,7 @@
 </p:notes>
 </file>
 
-<file path=ppt/notesSlides/notesSlide7.xml><?xml version="1.0" encoding="utf-8"?>
+<file path=ppt/notesSlides/notesSlide8.xml><?xml version="1.0" encoding="utf-8"?>
 <p:notes xmlns:a="http://schemas.openxmlformats.org/drawingml/2006/main" xmlns:r="http://schemas.openxmlformats.org/officeDocument/2006/relationships" xmlns:p="http://schemas.openxmlformats.org/presentationml/2006/main">
   <p:cSld>
     <p:spTree>
@@ -1645,7 +1961,7 @@
 </p:notes>
 </file>
 
-<file path=ppt/notesSlides/notesSlide8.xml><?xml version="1.0" encoding="utf-8"?>
+<file path=ppt/notesSlides/notesSlide9.xml><?xml version="1.0" encoding="utf-8"?>
 <p:notes xmlns:a="http://schemas.openxmlformats.org/drawingml/2006/main" xmlns:r="http://schemas.openxmlformats.org/officeDocument/2006/relationships" xmlns:p="http://schemas.openxmlformats.org/presentationml/2006/main">
   <p:cSld>
     <p:spTree>
@@ -1787,91 +2103,6 @@
 </p:notes>
 </file>
 
-<file path=ppt/notesSlides/notesSlide9.xml><?xml version="1.0" encoding="utf-8"?>
-<p:notes xmlns:a="http://schemas.openxmlformats.org/drawingml/2006/main" xmlns:r="http://schemas.openxmlformats.org/officeDocument/2006/relationships" xmlns:p="http://schemas.openxmlformats.org/presentationml/2006/main">
-  <p:cSld>
-    <p:spTree>
-      <p:nvGrpSpPr>
-        <p:cNvPr id="1" name=""/>
-        <p:cNvGrpSpPr/>
-        <p:nvPr/>
-      </p:nvGrpSpPr>
-      <p:grpSpPr>
-        <a:xfrm>
-          <a:off x="0" y="0"/>
-          <a:ext cx="0" cy="0"/>
-          <a:chOff x="0" y="0"/>
-          <a:chExt cx="0" cy="0"/>
-        </a:xfrm>
-      </p:grpSpPr>
-      <p:sp>
-        <p:nvSpPr>
-          <p:cNvPr id="2" name="幻灯片图像占位符 1"/>
-          <p:cNvSpPr>
-            <a:spLocks noGrp="1" noRot="1" noChangeAspect="1"/>
-          </p:cNvSpPr>
-          <p:nvPr>
-            <p:ph type="sldImg"/>
-          </p:nvPr>
-        </p:nvSpPr>
-        <p:spPr>
-          <a:xfrm>
-            <a:off x="92075" y="746125"/>
-            <a:ext cx="6621463" cy="3725863"/>
-          </a:xfrm>
-        </p:spPr>
-      </p:sp>
-      <p:sp>
-        <p:nvSpPr>
-          <p:cNvPr id="3" name="备注占位符 2"/>
-          <p:cNvSpPr>
-            <a:spLocks noGrp="1"/>
-          </p:cNvSpPr>
-          <p:nvPr>
-            <p:ph type="body" idx="1"/>
-          </p:nvPr>
-        </p:nvSpPr>
-        <p:spPr/>
-        <p:txBody>
-          <a:bodyPr/>
-          <a:lstStyle/>
-          <a:p>
-            <a:endParaRPr lang="zh-CN" altLang="en-US" dirty="0"/>
-          </a:p>
-        </p:txBody>
-      </p:sp>
-      <p:sp>
-        <p:nvSpPr>
-          <p:cNvPr id="4" name="灯片编号占位符 3"/>
-          <p:cNvSpPr>
-            <a:spLocks noGrp="1"/>
-          </p:cNvSpPr>
-          <p:nvPr>
-            <p:ph type="sldNum" sz="quarter" idx="10"/>
-          </p:nvPr>
-        </p:nvSpPr>
-        <p:spPr/>
-        <p:txBody>
-          <a:bodyPr/>
-          <a:lstStyle/>
-          <a:p>
-            <a:fld id="{5261CE45-8FD2-44C2-9FAD-56B6D96CC603}" type="slidenum">
-              <a:rPr lang="zh-CN" altLang="en-US" smtClean="0"/>
-              <a:pPr/>
-              <a:t>15</a:t>
-            </a:fld>
-            <a:endParaRPr lang="zh-CN" altLang="en-US"/>
-          </a:p>
-        </p:txBody>
-      </p:sp>
-    </p:spTree>
-  </p:cSld>
-  <p:clrMapOvr>
-    <a:masterClrMapping/>
-  </p:clrMapOvr>
-</p:notes>
-</file>
-
 <file path=ppt/slideLayouts/slideLayout1.xml><?xml version="1.0" encoding="utf-8"?>
 <p:sldLayout xmlns:a="http://schemas.openxmlformats.org/drawingml/2006/main" xmlns:r="http://schemas.openxmlformats.org/officeDocument/2006/relationships" xmlns:p="http://schemas.openxmlformats.org/presentationml/2006/main" type="title" preserve="1">
   <p:cSld name="标题幻灯片">
@@ -2052,7 +2283,7 @@
             <a:fld id="{3BCD8D5C-729E-48FB-A4C4-AA3912C6C99F}" type="datetime1">
               <a:rPr lang="zh-CN" altLang="en-US" smtClean="0"/>
               <a:pPr/>
-              <a:t>2021/12/7</a:t>
+              <a:t>2021/12/8</a:t>
             </a:fld>
             <a:endParaRPr lang="zh-CN" altLang="en-US"/>
           </a:p>
@@ -2217,7 +2448,7 @@
             <a:fld id="{F5547892-91A7-4F96-A626-3C4B143B9BE1}" type="datetime1">
               <a:rPr lang="zh-CN" altLang="en-US" smtClean="0"/>
               <a:pPr/>
-              <a:t>2021/12/7</a:t>
+              <a:t>2021/12/8</a:t>
             </a:fld>
             <a:endParaRPr lang="zh-CN" altLang="en-US"/>
           </a:p>
@@ -2392,7 +2623,7 @@
             <a:fld id="{1FFBC030-65D1-4E83-A160-C9B5A253D193}" type="datetime1">
               <a:rPr lang="zh-CN" altLang="en-US" smtClean="0"/>
               <a:pPr/>
-              <a:t>2021/12/7</a:t>
+              <a:t>2021/12/8</a:t>
             </a:fld>
             <a:endParaRPr lang="zh-CN" altLang="en-US"/>
           </a:p>
@@ -2491,7 +2722,7 @@
             <a:fld id="{25FEA529-A42D-4C17-BD7B-D542CC64E174}" type="datetime1">
               <a:rPr lang="zh-CN" altLang="en-US" smtClean="0"/>
               <a:pPr/>
-              <a:t>2021/12/7</a:t>
+              <a:t>2021/12/8</a:t>
             </a:fld>
             <a:endParaRPr lang="zh-CN" altLang="en-US"/>
           </a:p>
@@ -2771,7 +3002,7 @@
             <a:fld id="{C530584B-9900-4782-9CDA-33BAA514C274}" type="datetime1">
               <a:rPr lang="zh-CN" altLang="en-US" smtClean="0"/>
               <a:pPr/>
-              <a:t>2021/12/7</a:t>
+              <a:t>2021/12/8</a:t>
             </a:fld>
             <a:endParaRPr lang="zh-CN" altLang="en-US"/>
           </a:p>
@@ -2936,7 +3167,7 @@
             <a:fld id="{3B0B58B1-B29A-4318-8AE4-702BB5D3D5CA}" type="datetime1">
               <a:rPr lang="zh-CN" altLang="en-US" smtClean="0"/>
               <a:pPr/>
-              <a:t>2021/12/7</a:t>
+              <a:t>2021/12/8</a:t>
             </a:fld>
             <a:endParaRPr lang="zh-CN" altLang="en-US"/>
           </a:p>
@@ -3178,7 +3409,7 @@
             <a:fld id="{94351AE9-59DE-4744-B16E-F7A541CE2042}" type="datetime1">
               <a:rPr lang="zh-CN" altLang="en-US" smtClean="0"/>
               <a:pPr/>
-              <a:t>2021/12/7</a:t>
+              <a:t>2021/12/8</a:t>
             </a:fld>
             <a:endParaRPr lang="zh-CN" altLang="en-US"/>
           </a:p>
@@ -3460,7 +3691,7 @@
             <a:fld id="{36299615-D7AF-464D-AB05-F49F9840370F}" type="datetime1">
               <a:rPr lang="zh-CN" altLang="en-US" smtClean="0"/>
               <a:pPr/>
-              <a:t>2021/12/7</a:t>
+              <a:t>2021/12/8</a:t>
             </a:fld>
             <a:endParaRPr lang="zh-CN" altLang="en-US"/>
           </a:p>
@@ -3883,7 +4114,7 @@
             <a:fld id="{3103A107-D86A-4FC8-8AEA-577CEF5772CF}" type="datetime1">
               <a:rPr lang="zh-CN" altLang="en-US" smtClean="0"/>
               <a:pPr/>
-              <a:t>2021/12/7</a:t>
+              <a:t>2021/12/8</a:t>
             </a:fld>
             <a:endParaRPr lang="zh-CN" altLang="en-US"/>
           </a:p>
@@ -3997,7 +4228,7 @@
             <a:fld id="{13C882EC-F9A0-4B0D-AC98-1A3F75C72132}" type="datetime1">
               <a:rPr lang="zh-CN" altLang="en-US" smtClean="0"/>
               <a:pPr/>
-              <a:t>2021/12/7</a:t>
+              <a:t>2021/12/8</a:t>
             </a:fld>
             <a:endParaRPr lang="zh-CN" altLang="en-US"/>
           </a:p>
@@ -4089,7 +4320,7 @@
             <a:fld id="{44BBA6C3-8735-461A-AB46-2724558EE214}" type="datetime1">
               <a:rPr lang="zh-CN" altLang="en-US" smtClean="0"/>
               <a:pPr/>
-              <a:t>2021/12/7</a:t>
+              <a:t>2021/12/8</a:t>
             </a:fld>
             <a:endParaRPr lang="zh-CN" altLang="en-US"/>
           </a:p>
@@ -4261,7 +4492,7 @@
             <a:fld id="{C80FD2AE-D12D-4A61-B8BD-B7F771AB5FD0}" type="datetime1">
               <a:rPr lang="zh-CN" altLang="en-US" smtClean="0"/>
               <a:pPr/>
-              <a:t>2021/12/7</a:t>
+              <a:t>2021/12/8</a:t>
             </a:fld>
             <a:endParaRPr lang="zh-CN" altLang="en-US"/>
           </a:p>
@@ -4533,7 +4764,7 @@
             <a:fld id="{D10D2792-D371-440E-B2A3-F08F43843E11}" type="datetime1">
               <a:rPr lang="zh-CN" altLang="en-US" smtClean="0"/>
               <a:pPr/>
-              <a:t>2021/12/7</a:t>
+              <a:t>2021/12/8</a:t>
             </a:fld>
             <a:endParaRPr lang="zh-CN" altLang="en-US"/>
           </a:p>
@@ -4782,7 +5013,7 @@
             <a:fld id="{672351B1-F5D0-4DD9-831D-AD9CB67A99B7}" type="datetime1">
               <a:rPr lang="zh-CN" altLang="en-US" smtClean="0"/>
               <a:pPr/>
-              <a:t>2021/12/7</a:t>
+              <a:t>2021/12/8</a:t>
             </a:fld>
             <a:endParaRPr lang="zh-CN" altLang="en-US"/>
           </a:p>
@@ -4947,7 +5178,7 @@
             <a:fld id="{E8CB919E-7ABE-4A21-AACD-6E17DE4378BD}" type="datetime1">
               <a:rPr lang="zh-CN" altLang="en-US" smtClean="0"/>
               <a:pPr/>
-              <a:t>2021/12/7</a:t>
+              <a:t>2021/12/8</a:t>
             </a:fld>
             <a:endParaRPr lang="zh-CN" altLang="en-US"/>
           </a:p>
@@ -5122,7 +5353,7 @@
             <a:fld id="{F4F16CB4-4501-4541-9B90-E9AAE97DE9A8}" type="datetime1">
               <a:rPr lang="zh-CN" altLang="en-US" smtClean="0"/>
               <a:pPr/>
-              <a:t>2021/12/7</a:t>
+              <a:t>2021/12/8</a:t>
             </a:fld>
             <a:endParaRPr lang="zh-CN" altLang="en-US"/>
           </a:p>
@@ -5368,7 +5599,7 @@
             <a:fld id="{D06EC34F-5E06-42F3-919E-53F272063005}" type="datetimeFigureOut">
               <a:rPr lang="zh-CN" altLang="en-US" smtClean="0"/>
               <a:pPr/>
-              <a:t>2021/12/7</a:t>
+              <a:t>2021/12/8</a:t>
             </a:fld>
             <a:endParaRPr lang="zh-CN" altLang="en-US"/>
           </a:p>
@@ -5535,7 +5766,7 @@
             <a:fld id="{D06EC34F-5E06-42F3-919E-53F272063005}" type="datetimeFigureOut">
               <a:rPr lang="zh-CN" altLang="en-US" smtClean="0"/>
               <a:pPr/>
-              <a:t>2021/12/7</a:t>
+              <a:t>2021/12/8</a:t>
             </a:fld>
             <a:endParaRPr lang="zh-CN" altLang="en-US"/>
           </a:p>
@@ -5785,7 +6016,7 @@
             <a:fld id="{D06EC34F-5E06-42F3-919E-53F272063005}" type="datetimeFigureOut">
               <a:rPr lang="zh-CN" altLang="en-US" smtClean="0"/>
               <a:pPr/>
-              <a:t>2021/12/7</a:t>
+              <a:t>2021/12/8</a:t>
             </a:fld>
             <a:endParaRPr lang="zh-CN" altLang="en-US"/>
           </a:p>
@@ -6070,7 +6301,7 @@
             <a:fld id="{D06EC34F-5E06-42F3-919E-53F272063005}" type="datetimeFigureOut">
               <a:rPr lang="zh-CN" altLang="en-US" smtClean="0"/>
               <a:pPr/>
-              <a:t>2021/12/7</a:t>
+              <a:t>2021/12/8</a:t>
             </a:fld>
             <a:endParaRPr lang="zh-CN" altLang="en-US"/>
           </a:p>
@@ -6489,7 +6720,7 @@
             <a:fld id="{D06EC34F-5E06-42F3-919E-53F272063005}" type="datetimeFigureOut">
               <a:rPr lang="zh-CN" altLang="en-US" smtClean="0"/>
               <a:pPr/>
-              <a:t>2021/12/7</a:t>
+              <a:t>2021/12/8</a:t>
             </a:fld>
             <a:endParaRPr lang="zh-CN" altLang="en-US"/>
           </a:p>
@@ -6604,7 +6835,7 @@
             <a:fld id="{D06EC34F-5E06-42F3-919E-53F272063005}" type="datetimeFigureOut">
               <a:rPr lang="zh-CN" altLang="en-US" smtClean="0"/>
               <a:pPr/>
-              <a:t>2021/12/7</a:t>
+              <a:t>2021/12/8</a:t>
             </a:fld>
             <a:endParaRPr lang="zh-CN" altLang="en-US"/>
           </a:p>
@@ -6846,7 +7077,7 @@
             <a:fld id="{A2AA10E2-DC1B-4451-8B2D-FEAE5C573193}" type="datetime1">
               <a:rPr lang="zh-CN" altLang="en-US" smtClean="0"/>
               <a:pPr/>
-              <a:t>2021/12/7</a:t>
+              <a:t>2021/12/8</a:t>
             </a:fld>
             <a:endParaRPr lang="zh-CN" altLang="en-US"/>
           </a:p>
@@ -6938,7 +7169,7 @@
             <a:fld id="{D06EC34F-5E06-42F3-919E-53F272063005}" type="datetimeFigureOut">
               <a:rPr lang="zh-CN" altLang="en-US" smtClean="0"/>
               <a:pPr/>
-              <a:t>2021/12/7</a:t>
+              <a:t>2021/12/8</a:t>
             </a:fld>
             <a:endParaRPr lang="zh-CN" altLang="en-US"/>
           </a:p>
@@ -7219,7 +7450,7 @@
             <a:fld id="{D06EC34F-5E06-42F3-919E-53F272063005}" type="datetimeFigureOut">
               <a:rPr lang="zh-CN" altLang="en-US" smtClean="0"/>
               <a:pPr/>
-              <a:t>2021/12/7</a:t>
+              <a:t>2021/12/8</a:t>
             </a:fld>
             <a:endParaRPr lang="zh-CN" altLang="en-US"/>
           </a:p>
@@ -7469,7 +7700,7 @@
             <a:fld id="{D06EC34F-5E06-42F3-919E-53F272063005}" type="datetimeFigureOut">
               <a:rPr lang="zh-CN" altLang="en-US" smtClean="0"/>
               <a:pPr/>
-              <a:t>2021/12/7</a:t>
+              <a:t>2021/12/8</a:t>
             </a:fld>
             <a:endParaRPr lang="zh-CN" altLang="en-US"/>
           </a:p>
@@ -7636,7 +7867,7 @@
             <a:fld id="{D06EC34F-5E06-42F3-919E-53F272063005}" type="datetimeFigureOut">
               <a:rPr lang="zh-CN" altLang="en-US" smtClean="0"/>
               <a:pPr/>
-              <a:t>2021/12/7</a:t>
+              <a:t>2021/12/8</a:t>
             </a:fld>
             <a:endParaRPr lang="zh-CN" altLang="en-US"/>
           </a:p>
@@ -7813,7 +8044,7 @@
             <a:fld id="{D06EC34F-5E06-42F3-919E-53F272063005}" type="datetimeFigureOut">
               <a:rPr lang="zh-CN" altLang="en-US" smtClean="0"/>
               <a:pPr/>
-              <a:t>2021/12/7</a:t>
+              <a:t>2021/12/8</a:t>
             </a:fld>
             <a:endParaRPr lang="zh-CN" altLang="en-US"/>
           </a:p>
@@ -8059,7 +8290,7 @@
             <a:fld id="{12F59B4C-8E8A-44CA-A1B9-D920E54309A6}" type="datetimeFigureOut">
               <a:rPr lang="zh-CN" altLang="en-US" smtClean="0"/>
               <a:pPr/>
-              <a:t>2021/12/7</a:t>
+              <a:t>2021/12/8</a:t>
             </a:fld>
             <a:endParaRPr lang="zh-CN" altLang="en-US"/>
           </a:p>
@@ -8226,7 +8457,7 @@
             <a:fld id="{12F59B4C-8E8A-44CA-A1B9-D920E54309A6}" type="datetimeFigureOut">
               <a:rPr lang="zh-CN" altLang="en-US" smtClean="0"/>
               <a:pPr/>
-              <a:t>2021/12/7</a:t>
+              <a:t>2021/12/8</a:t>
             </a:fld>
             <a:endParaRPr lang="zh-CN" altLang="en-US"/>
           </a:p>
@@ -8469,7 +8700,7 @@
             <a:fld id="{12F59B4C-8E8A-44CA-A1B9-D920E54309A6}" type="datetimeFigureOut">
               <a:rPr lang="zh-CN" altLang="en-US" smtClean="0"/>
               <a:pPr/>
-              <a:t>2021/12/7</a:t>
+              <a:t>2021/12/8</a:t>
             </a:fld>
             <a:endParaRPr lang="zh-CN" altLang="en-US"/>
           </a:p>
@@ -8754,7 +8985,7 @@
             <a:fld id="{12F59B4C-8E8A-44CA-A1B9-D920E54309A6}" type="datetimeFigureOut">
               <a:rPr lang="zh-CN" altLang="en-US" smtClean="0"/>
               <a:pPr/>
-              <a:t>2021/12/7</a:t>
+              <a:t>2021/12/8</a:t>
             </a:fld>
             <a:endParaRPr lang="zh-CN" altLang="en-US"/>
           </a:p>
@@ -9173,7 +9404,7 @@
             <a:fld id="{12F59B4C-8E8A-44CA-A1B9-D920E54309A6}" type="datetimeFigureOut">
               <a:rPr lang="zh-CN" altLang="en-US" smtClean="0"/>
               <a:pPr/>
-              <a:t>2021/12/7</a:t>
+              <a:t>2021/12/8</a:t>
             </a:fld>
             <a:endParaRPr lang="zh-CN" altLang="en-US"/>
           </a:p>
@@ -9455,7 +9686,7 @@
             <a:fld id="{4897D235-50A1-4F89-A4E9-48DC6EB532E5}" type="datetime1">
               <a:rPr lang="zh-CN" altLang="en-US" smtClean="0"/>
               <a:pPr/>
-              <a:t>2021/12/7</a:t>
+              <a:t>2021/12/8</a:t>
             </a:fld>
             <a:endParaRPr lang="zh-CN" altLang="en-US"/>
           </a:p>
@@ -9570,7 +9801,7 @@
             <a:fld id="{12F59B4C-8E8A-44CA-A1B9-D920E54309A6}" type="datetimeFigureOut">
               <a:rPr lang="zh-CN" altLang="en-US" smtClean="0"/>
               <a:pPr/>
-              <a:t>2021/12/7</a:t>
+              <a:t>2021/12/8</a:t>
             </a:fld>
             <a:endParaRPr lang="zh-CN" altLang="en-US"/>
           </a:p>
@@ -9662,7 +9893,7 @@
             <a:fld id="{12F59B4C-8E8A-44CA-A1B9-D920E54309A6}" type="datetimeFigureOut">
               <a:rPr lang="zh-CN" altLang="en-US" smtClean="0"/>
               <a:pPr/>
-              <a:t>2021/12/7</a:t>
+              <a:t>2021/12/8</a:t>
             </a:fld>
             <a:endParaRPr lang="zh-CN" altLang="en-US"/>
           </a:p>
@@ -9936,7 +10167,7 @@
             <a:fld id="{12F59B4C-8E8A-44CA-A1B9-D920E54309A6}" type="datetimeFigureOut">
               <a:rPr lang="zh-CN" altLang="en-US" smtClean="0"/>
               <a:pPr/>
-              <a:t>2021/12/7</a:t>
+              <a:t>2021/12/8</a:t>
             </a:fld>
             <a:endParaRPr lang="zh-CN" altLang="en-US"/>
           </a:p>
@@ -10186,7 +10417,7 @@
             <a:fld id="{12F59B4C-8E8A-44CA-A1B9-D920E54309A6}" type="datetimeFigureOut">
               <a:rPr lang="zh-CN" altLang="en-US" smtClean="0"/>
               <a:pPr/>
-              <a:t>2021/12/7</a:t>
+              <a:t>2021/12/8</a:t>
             </a:fld>
             <a:endParaRPr lang="zh-CN" altLang="en-US"/>
           </a:p>
@@ -10353,7 +10584,7 @@
             <a:fld id="{12F59B4C-8E8A-44CA-A1B9-D920E54309A6}" type="datetimeFigureOut">
               <a:rPr lang="zh-CN" altLang="en-US" smtClean="0"/>
               <a:pPr/>
-              <a:t>2021/12/7</a:t>
+              <a:t>2021/12/8</a:t>
             </a:fld>
             <a:endParaRPr lang="zh-CN" altLang="en-US"/>
           </a:p>
@@ -10530,7 +10761,7 @@
             <a:fld id="{12F59B4C-8E8A-44CA-A1B9-D920E54309A6}" type="datetimeFigureOut">
               <a:rPr lang="zh-CN" altLang="en-US" smtClean="0"/>
               <a:pPr/>
-              <a:t>2021/12/7</a:t>
+              <a:t>2021/12/8</a:t>
             </a:fld>
             <a:endParaRPr lang="zh-CN" altLang="en-US"/>
           </a:p>
@@ -10776,7 +11007,7 @@
             <a:fld id="{FF6BCF88-83C7-4BF0-A68E-9AEAB5B8CAD6}" type="datetimeFigureOut">
               <a:rPr lang="zh-CN" altLang="en-US" smtClean="0"/>
               <a:pPr/>
-              <a:t>2021/12/7</a:t>
+              <a:t>2021/12/8</a:t>
             </a:fld>
             <a:endParaRPr lang="zh-CN" altLang="en-US"/>
           </a:p>
@@ -10943,7 +11174,7 @@
             <a:fld id="{FF6BCF88-83C7-4BF0-A68E-9AEAB5B8CAD6}" type="datetimeFigureOut">
               <a:rPr lang="zh-CN" altLang="en-US" smtClean="0"/>
               <a:pPr/>
-              <a:t>2021/12/7</a:t>
+              <a:t>2021/12/8</a:t>
             </a:fld>
             <a:endParaRPr lang="zh-CN" altLang="en-US"/>
           </a:p>
@@ -11186,7 +11417,7 @@
             <a:fld id="{FF6BCF88-83C7-4BF0-A68E-9AEAB5B8CAD6}" type="datetimeFigureOut">
               <a:rPr lang="zh-CN" altLang="en-US" smtClean="0"/>
               <a:pPr/>
-              <a:t>2021/12/7</a:t>
+              <a:t>2021/12/8</a:t>
             </a:fld>
             <a:endParaRPr lang="zh-CN" altLang="en-US"/>
           </a:p>
@@ -11471,7 +11702,7 @@
             <a:fld id="{FF6BCF88-83C7-4BF0-A68E-9AEAB5B8CAD6}" type="datetimeFigureOut">
               <a:rPr lang="zh-CN" altLang="en-US" smtClean="0"/>
               <a:pPr/>
-              <a:t>2021/12/7</a:t>
+              <a:t>2021/12/8</a:t>
             </a:fld>
             <a:endParaRPr lang="zh-CN" altLang="en-US"/>
           </a:p>
@@ -11887,7 +12118,7 @@
             <a:fld id="{79E4EA1F-EF06-4D0B-BE63-A616E0E6FACF}" type="datetime1">
               <a:rPr lang="zh-CN" altLang="en-US" smtClean="0"/>
               <a:pPr/>
-              <a:t>2021/12/7</a:t>
+              <a:t>2021/12/8</a:t>
             </a:fld>
             <a:endParaRPr lang="zh-CN" altLang="en-US"/>
           </a:p>
@@ -12306,7 +12537,7 @@
             <a:fld id="{FF6BCF88-83C7-4BF0-A68E-9AEAB5B8CAD6}" type="datetimeFigureOut">
               <a:rPr lang="zh-CN" altLang="en-US" smtClean="0"/>
               <a:pPr/>
-              <a:t>2021/12/7</a:t>
+              <a:t>2021/12/8</a:t>
             </a:fld>
             <a:endParaRPr lang="zh-CN" altLang="en-US"/>
           </a:p>
@@ -12421,7 +12652,7 @@
             <a:fld id="{FF6BCF88-83C7-4BF0-A68E-9AEAB5B8CAD6}" type="datetimeFigureOut">
               <a:rPr lang="zh-CN" altLang="en-US" smtClean="0"/>
               <a:pPr/>
-              <a:t>2021/12/7</a:t>
+              <a:t>2021/12/8</a:t>
             </a:fld>
             <a:endParaRPr lang="zh-CN" altLang="en-US"/>
           </a:p>
@@ -12513,7 +12744,7 @@
             <a:fld id="{FF6BCF88-83C7-4BF0-A68E-9AEAB5B8CAD6}" type="datetimeFigureOut">
               <a:rPr lang="zh-CN" altLang="en-US" smtClean="0"/>
               <a:pPr/>
-              <a:t>2021/12/7</a:t>
+              <a:t>2021/12/8</a:t>
             </a:fld>
             <a:endParaRPr lang="zh-CN" altLang="en-US"/>
           </a:p>
@@ -12787,7 +13018,7 @@
             <a:fld id="{FF6BCF88-83C7-4BF0-A68E-9AEAB5B8CAD6}" type="datetimeFigureOut">
               <a:rPr lang="zh-CN" altLang="en-US" smtClean="0"/>
               <a:pPr/>
-              <a:t>2021/12/7</a:t>
+              <a:t>2021/12/8</a:t>
             </a:fld>
             <a:endParaRPr lang="zh-CN" altLang="en-US"/>
           </a:p>
@@ -13037,7 +13268,7 @@
             <a:fld id="{FF6BCF88-83C7-4BF0-A68E-9AEAB5B8CAD6}" type="datetimeFigureOut">
               <a:rPr lang="zh-CN" altLang="en-US" smtClean="0"/>
               <a:pPr/>
-              <a:t>2021/12/7</a:t>
+              <a:t>2021/12/8</a:t>
             </a:fld>
             <a:endParaRPr lang="zh-CN" altLang="en-US"/>
           </a:p>
@@ -13204,7 +13435,7 @@
             <a:fld id="{FF6BCF88-83C7-4BF0-A68E-9AEAB5B8CAD6}" type="datetimeFigureOut">
               <a:rPr lang="zh-CN" altLang="en-US" smtClean="0"/>
               <a:pPr/>
-              <a:t>2021/12/7</a:t>
+              <a:t>2021/12/8</a:t>
             </a:fld>
             <a:endParaRPr lang="zh-CN" altLang="en-US"/>
           </a:p>
@@ -13381,7 +13612,7 @@
             <a:fld id="{FF6BCF88-83C7-4BF0-A68E-9AEAB5B8CAD6}" type="datetimeFigureOut">
               <a:rPr lang="zh-CN" altLang="en-US" smtClean="0"/>
               <a:pPr/>
-              <a:t>2021/12/7</a:t>
+              <a:t>2021/12/8</a:t>
             </a:fld>
             <a:endParaRPr lang="zh-CN" altLang="en-US"/>
           </a:p>
@@ -13495,7 +13726,7 @@
             <a:fld id="{69E81326-B574-4E3F-B283-C9FEDE559FD0}" type="datetime1">
               <a:rPr lang="zh-CN" altLang="en-US" smtClean="0"/>
               <a:pPr/>
-              <a:t>2021/12/7</a:t>
+              <a:t>2021/12/8</a:t>
             </a:fld>
             <a:endParaRPr lang="zh-CN" altLang="en-US"/>
           </a:p>
@@ -13587,7 +13818,7 @@
             <a:fld id="{25FEA529-A42D-4C17-BD7B-D542CC64E174}" type="datetime1">
               <a:rPr lang="zh-CN" altLang="en-US" smtClean="0"/>
               <a:pPr/>
-              <a:t>2021/12/7</a:t>
+              <a:t>2021/12/8</a:t>
             </a:fld>
             <a:endParaRPr lang="zh-CN" altLang="en-US"/>
           </a:p>
@@ -13870,7 +14101,7 @@
             <a:fld id="{975917CC-CA39-4E29-B802-BA5BC71B00BF}" type="datetime1">
               <a:rPr lang="zh-CN" altLang="en-US" smtClean="0"/>
               <a:pPr/>
-              <a:t>2021/12/7</a:t>
+              <a:t>2021/12/8</a:t>
             </a:fld>
             <a:endParaRPr lang="zh-CN" altLang="en-US"/>
           </a:p>
@@ -14119,7 +14350,7 @@
             <a:fld id="{270A3AC4-D4EE-436C-838A-790093E41B3C}" type="datetime1">
               <a:rPr lang="zh-CN" altLang="en-US" smtClean="0"/>
               <a:pPr/>
-              <a:t>2021/12/7</a:t>
+              <a:t>2021/12/8</a:t>
             </a:fld>
             <a:endParaRPr lang="zh-CN" altLang="en-US"/>
           </a:p>
@@ -14388,7 +14619,7 @@
             <a:fld id="{25FEA529-A42D-4C17-BD7B-D542CC64E174}" type="datetime1">
               <a:rPr lang="zh-CN" altLang="en-US" smtClean="0"/>
               <a:pPr/>
-              <a:t>2021/12/7</a:t>
+              <a:t>2021/12/8</a:t>
             </a:fld>
             <a:endParaRPr lang="zh-CN" altLang="en-US"/>
           </a:p>
@@ -14899,7 +15130,7 @@
             <a:fld id="{737543FE-E9BA-4C3B-9F03-25CBC2CBA5BD}" type="datetime1">
               <a:rPr lang="zh-CN" altLang="en-US" smtClean="0"/>
               <a:pPr/>
-              <a:t>2021/12/7</a:t>
+              <a:t>2021/12/8</a:t>
             </a:fld>
             <a:endParaRPr lang="zh-CN" altLang="en-US"/>
           </a:p>
@@ -15437,7 +15668,7 @@
             <a:fld id="{D06EC34F-5E06-42F3-919E-53F272063005}" type="datetimeFigureOut">
               <a:rPr lang="zh-CN" altLang="en-US" smtClean="0"/>
               <a:pPr/>
-              <a:t>2021/12/7</a:t>
+              <a:t>2021/12/8</a:t>
             </a:fld>
             <a:endParaRPr lang="zh-CN" altLang="en-US"/>
           </a:p>
@@ -15981,7 +16212,7 @@
             <a:fld id="{12F59B4C-8E8A-44CA-A1B9-D920E54309A6}" type="datetimeFigureOut">
               <a:rPr lang="zh-CN" altLang="en-US" smtClean="0"/>
               <a:pPr/>
-              <a:t>2021/12/7</a:t>
+              <a:t>2021/12/8</a:t>
             </a:fld>
             <a:endParaRPr lang="zh-CN" altLang="en-US"/>
           </a:p>
@@ -16525,7 +16756,7 @@
             <a:fld id="{FF6BCF88-83C7-4BF0-A68E-9AEAB5B8CAD6}" type="datetimeFigureOut">
               <a:rPr lang="zh-CN" altLang="en-US" smtClean="0"/>
               <a:pPr/>
-              <a:t>2021/12/7</a:t>
+              <a:t>2021/12/8</a:t>
             </a:fld>
             <a:endParaRPr lang="zh-CN" altLang="en-US"/>
           </a:p>
@@ -17116,19 +17347,7 @@
               <a:rPr lang="zh-CN" altLang="en-US" sz="4800" dirty="0" smtClean="0">
                 <a:ea typeface="黑体" pitchFamily="49" charset="-122"/>
               </a:rPr>
-              <a:t>毛浪</a:t>
-            </a:r>
-            <a:r>
-              <a:rPr lang="zh-CN" altLang="en-US" sz="4800" dirty="0" smtClean="0">
-                <a:ea typeface="黑体" pitchFamily="49" charset="-122"/>
-              </a:rPr>
-              <a:t>转正</a:t>
-            </a:r>
-            <a:r>
-              <a:rPr lang="zh-CN" altLang="en-US" sz="4800" dirty="0" smtClean="0">
-                <a:ea typeface="黑体" pitchFamily="49" charset="-122"/>
-              </a:rPr>
-              <a:t>答辩报告</a:t>
+              <a:t>毛浪转正答辩报告</a:t>
             </a:r>
             <a:endParaRPr lang="en-US" sz="4800" dirty="0" smtClean="0">
               <a:ea typeface="黑体" pitchFamily="49" charset="-122"/>
@@ -17379,13 +17598,7 @@
               <a:rPr lang="zh-CN" altLang="en-US" sz="2000" b="1" dirty="0" smtClean="0">
                 <a:latin typeface="宋体" charset="-122"/>
               </a:rPr>
-              <a:t>部门</a:t>
-            </a:r>
-            <a:r>
-              <a:rPr lang="zh-CN" altLang="en-US" sz="2000" b="1" dirty="0" smtClean="0">
-                <a:latin typeface="宋体" charset="-122"/>
-              </a:rPr>
-              <a:t>：</a:t>
+              <a:t>部门：</a:t>
             </a:r>
             <a:r>
               <a:rPr lang="zh-CN" altLang="en-US" sz="2000" b="1" dirty="0">
@@ -17491,9 +17704,6 @@
               </a:rPr>
               <a:t>日</a:t>
             </a:r>
-            <a:endParaRPr lang="zh-CN" altLang="en-US" sz="2000" b="1" dirty="0" smtClean="0">
-              <a:latin typeface="宋体" charset="-122"/>
-            </a:endParaRPr>
           </a:p>
         </p:txBody>
       </p:sp>
@@ -21528,7 +21738,7 @@
           <p:cNvPr id="9" name="标题 1">
             <a:extLst>
               <a:ext uri="{FF2B5EF4-FFF2-40B4-BE49-F238E27FC236}">
-                <a16:creationId xmlns:a16="http://schemas.microsoft.com/office/drawing/2014/main" xmlns="" id="{F60A8E69-FDEE-4D36-AECB-23B31C79EE95}"/>
+                <a16:creationId xmlns="" xmlns:a16="http://schemas.microsoft.com/office/drawing/2014/main" id="{F60A8E69-FDEE-4D36-AECB-23B31C79EE95}"/>
               </a:ext>
             </a:extLst>
           </p:cNvPr>
@@ -21732,7 +21942,7 @@
           <p:cNvPr id="12" name="TextBox 64">
             <a:extLst>
               <a:ext uri="{FF2B5EF4-FFF2-40B4-BE49-F238E27FC236}">
-                <a16:creationId xmlns:a16="http://schemas.microsoft.com/office/drawing/2014/main" xmlns="" id="{103D6AA0-184D-40B8-94A7-0859642BD342}"/>
+                <a16:creationId xmlns="" xmlns:a16="http://schemas.microsoft.com/office/drawing/2014/main" id="{103D6AA0-184D-40B8-94A7-0859642BD342}"/>
               </a:ext>
             </a:extLst>
           </p:cNvPr>
@@ -21796,7 +22006,7 @@
           <p:cNvPr id="13" name="矩形 12">
             <a:extLst>
               <a:ext uri="{FF2B5EF4-FFF2-40B4-BE49-F238E27FC236}">
-                <a16:creationId xmlns:a16="http://schemas.microsoft.com/office/drawing/2014/main" xmlns="" id="{E7E160FA-835C-4B20-8D52-E2CEF25EF70B}"/>
+                <a16:creationId xmlns="" xmlns:a16="http://schemas.microsoft.com/office/drawing/2014/main" id="{E7E160FA-835C-4B20-8D52-E2CEF25EF70B}"/>
               </a:ext>
             </a:extLst>
           </p:cNvPr>
@@ -21890,7 +22100,7 @@
           <p:cNvPr id="14" name="直接连接符 13">
             <a:extLst>
               <a:ext uri="{FF2B5EF4-FFF2-40B4-BE49-F238E27FC236}">
-                <a16:creationId xmlns:a16="http://schemas.microsoft.com/office/drawing/2014/main" xmlns="" id="{F0B280E4-EFA9-4553-AD69-028FC9038529}"/>
+                <a16:creationId xmlns="" xmlns:a16="http://schemas.microsoft.com/office/drawing/2014/main" id="{F0B280E4-EFA9-4553-AD69-028FC9038529}"/>
               </a:ext>
             </a:extLst>
           </p:cNvPr>
@@ -21933,7 +22143,7 @@
           <p:cNvPr id="17" name="TextBox 64">
             <a:extLst>
               <a:ext uri="{FF2B5EF4-FFF2-40B4-BE49-F238E27FC236}">
-                <a16:creationId xmlns:a16="http://schemas.microsoft.com/office/drawing/2014/main" xmlns="" id="{BFFE53B0-2660-4DAB-B398-185788A473F0}"/>
+                <a16:creationId xmlns="" xmlns:a16="http://schemas.microsoft.com/office/drawing/2014/main" id="{BFFE53B0-2660-4DAB-B398-185788A473F0}"/>
               </a:ext>
             </a:extLst>
           </p:cNvPr>
@@ -21997,7 +22207,7 @@
           <p:cNvPr id="19" name="矩形 18">
             <a:extLst>
               <a:ext uri="{FF2B5EF4-FFF2-40B4-BE49-F238E27FC236}">
-                <a16:creationId xmlns:a16="http://schemas.microsoft.com/office/drawing/2014/main" xmlns="" id="{027E32ED-792A-4B73-BA70-94CEEF969A79}"/>
+                <a16:creationId xmlns="" xmlns:a16="http://schemas.microsoft.com/office/drawing/2014/main" id="{027E32ED-792A-4B73-BA70-94CEEF969A79}"/>
               </a:ext>
             </a:extLst>
           </p:cNvPr>
@@ -22091,7 +22301,7 @@
           <p:cNvPr id="20" name="直接连接符 19">
             <a:extLst>
               <a:ext uri="{FF2B5EF4-FFF2-40B4-BE49-F238E27FC236}">
-                <a16:creationId xmlns:a16="http://schemas.microsoft.com/office/drawing/2014/main" xmlns="" id="{D5A011AA-F526-47BB-958A-FB7D0FF7AA60}"/>
+                <a16:creationId xmlns="" xmlns:a16="http://schemas.microsoft.com/office/drawing/2014/main" id="{D5A011AA-F526-47BB-958A-FB7D0FF7AA60}"/>
               </a:ext>
             </a:extLst>
           </p:cNvPr>
@@ -22134,7 +22344,7 @@
           <p:cNvPr id="21" name="TextBox 64">
             <a:extLst>
               <a:ext uri="{FF2B5EF4-FFF2-40B4-BE49-F238E27FC236}">
-                <a16:creationId xmlns:a16="http://schemas.microsoft.com/office/drawing/2014/main" xmlns="" id="{10850E57-7E7F-496C-B209-A957143A2D82}"/>
+                <a16:creationId xmlns="" xmlns:a16="http://schemas.microsoft.com/office/drawing/2014/main" id="{10850E57-7E7F-496C-B209-A957143A2D82}"/>
               </a:ext>
             </a:extLst>
           </p:cNvPr>
@@ -22198,7 +22408,7 @@
           <p:cNvPr id="22" name="矩形 21">
             <a:extLst>
               <a:ext uri="{FF2B5EF4-FFF2-40B4-BE49-F238E27FC236}">
-                <a16:creationId xmlns:a16="http://schemas.microsoft.com/office/drawing/2014/main" xmlns="" id="{32EB345D-197D-4FA9-BCF1-C9FE37FAED6C}"/>
+                <a16:creationId xmlns="" xmlns:a16="http://schemas.microsoft.com/office/drawing/2014/main" id="{32EB345D-197D-4FA9-BCF1-C9FE37FAED6C}"/>
               </a:ext>
             </a:extLst>
           </p:cNvPr>
@@ -22292,7 +22502,7 @@
           <p:cNvPr id="23" name="直接连接符 22">
             <a:extLst>
               <a:ext uri="{FF2B5EF4-FFF2-40B4-BE49-F238E27FC236}">
-                <a16:creationId xmlns:a16="http://schemas.microsoft.com/office/drawing/2014/main" xmlns="" id="{57A27EB1-FAB0-44BB-8A88-1C4AB2A16646}"/>
+                <a16:creationId xmlns="" xmlns:a16="http://schemas.microsoft.com/office/drawing/2014/main" id="{57A27EB1-FAB0-44BB-8A88-1C4AB2A16646}"/>
               </a:ext>
             </a:extLst>
           </p:cNvPr>
@@ -22335,7 +22545,7 @@
           <p:cNvPr id="24" name="组合 23">
             <a:extLst>
               <a:ext uri="{FF2B5EF4-FFF2-40B4-BE49-F238E27FC236}">
-                <a16:creationId xmlns:a16="http://schemas.microsoft.com/office/drawing/2014/main" xmlns="" id="{7CD300EF-F38B-40B9-82B7-C41991C73B11}"/>
+                <a16:creationId xmlns="" xmlns:a16="http://schemas.microsoft.com/office/drawing/2014/main" id="{7CD300EF-F38B-40B9-82B7-C41991C73B11}"/>
               </a:ext>
             </a:extLst>
           </p:cNvPr>
@@ -22356,7 +22566,7 @@
             <p:cNvPr id="26" name="矩形 25">
               <a:extLst>
                 <a:ext uri="{FF2B5EF4-FFF2-40B4-BE49-F238E27FC236}">
-                  <a16:creationId xmlns:a16="http://schemas.microsoft.com/office/drawing/2014/main" xmlns="" id="{C95F8077-7469-4AB1-98C2-C5FD3DDB0A0D}"/>
+                  <a16:creationId xmlns="" xmlns:a16="http://schemas.microsoft.com/office/drawing/2014/main" id="{C95F8077-7469-4AB1-98C2-C5FD3DDB0A0D}"/>
                 </a:ext>
               </a:extLst>
             </p:cNvPr>
@@ -22412,7 +22622,7 @@
             <p:cNvPr id="27" name="矩形 26">
               <a:extLst>
                 <a:ext uri="{FF2B5EF4-FFF2-40B4-BE49-F238E27FC236}">
-                  <a16:creationId xmlns:a16="http://schemas.microsoft.com/office/drawing/2014/main" xmlns="" id="{44C48717-07A7-4C3C-AA90-18447E56FB33}"/>
+                  <a16:creationId xmlns="" xmlns:a16="http://schemas.microsoft.com/office/drawing/2014/main" id="{44C48717-07A7-4C3C-AA90-18447E56FB33}"/>
                 </a:ext>
               </a:extLst>
             </p:cNvPr>
@@ -22509,7 +22719,7 @@
           <p:cNvPr id="18" name="TextBox 64">
             <a:extLst>
               <a:ext uri="{FF2B5EF4-FFF2-40B4-BE49-F238E27FC236}">
-                <a16:creationId xmlns:a16="http://schemas.microsoft.com/office/drawing/2014/main" xmlns="" id="{10850E57-7E7F-496C-B209-A957143A2D82}"/>
+                <a16:creationId xmlns="" xmlns:a16="http://schemas.microsoft.com/office/drawing/2014/main" id="{10850E57-7E7F-496C-B209-A957143A2D82}"/>
               </a:ext>
             </a:extLst>
           </p:cNvPr>
@@ -22573,7 +22783,7 @@
           <p:cNvPr id="25" name="矩形 24">
             <a:extLst>
               <a:ext uri="{FF2B5EF4-FFF2-40B4-BE49-F238E27FC236}">
-                <a16:creationId xmlns:a16="http://schemas.microsoft.com/office/drawing/2014/main" xmlns="" id="{32EB345D-197D-4FA9-BCF1-C9FE37FAED6C}"/>
+                <a16:creationId xmlns="" xmlns:a16="http://schemas.microsoft.com/office/drawing/2014/main" id="{32EB345D-197D-4FA9-BCF1-C9FE37FAED6C}"/>
               </a:ext>
             </a:extLst>
           </p:cNvPr>
@@ -22667,7 +22877,7 @@
           <p:cNvPr id="28" name="直接连接符 27">
             <a:extLst>
               <a:ext uri="{FF2B5EF4-FFF2-40B4-BE49-F238E27FC236}">
-                <a16:creationId xmlns:a16="http://schemas.microsoft.com/office/drawing/2014/main" xmlns="" id="{57A27EB1-FAB0-44BB-8A88-1C4AB2A16646}"/>
+                <a16:creationId xmlns="" xmlns:a16="http://schemas.microsoft.com/office/drawing/2014/main" id="{57A27EB1-FAB0-44BB-8A88-1C4AB2A16646}"/>
               </a:ext>
             </a:extLst>
           </p:cNvPr>
@@ -23808,7 +24018,7 @@
           <p:cNvPr id="55" name="TextBox 21">
             <a:extLst>
               <a:ext uri="{FF2B5EF4-FFF2-40B4-BE49-F238E27FC236}">
-                <a16:creationId xmlns="" xmlns:a16="http://schemas.microsoft.com/office/drawing/2014/main" id="{D8936C73-30F6-42EA-91C2-9C8EFB76CE1A}"/>
+                <a16:creationId xmlns:a16="http://schemas.microsoft.com/office/drawing/2014/main" xmlns="" id="{D8936C73-30F6-42EA-91C2-9C8EFB76CE1A}"/>
               </a:ext>
             </a:extLst>
           </p:cNvPr>
@@ -23854,32 +24064,7 @@
                 <a:cs typeface="+mn-ea"/>
                 <a:sym typeface="+mn-lt"/>
               </a:rPr>
-              <a:t>工作职责及理解</a:t>
-            </a:r>
-            <a:r>
-              <a:rPr lang="zh-CN" altLang="en-US" sz="2400" dirty="0" smtClean="0">
-                <a:gradFill>
-                  <a:gsLst>
-                    <a:gs pos="0">
-                      <a:srgbClr val="5877B6"/>
-                    </a:gs>
-                    <a:gs pos="100000">
-                      <a:srgbClr val="465E96"/>
-                    </a:gs>
-                  </a:gsLst>
-                  <a:lin ang="5400000" scaled="0"/>
-                </a:gradFill>
-                <a:effectLst>
-                  <a:outerShdw blurRad="254000" dist="101600" dir="5400000" algn="ctr" rotWithShape="0">
-                    <a:srgbClr val="000000">
-                      <a:alpha val="15000"/>
-                    </a:srgbClr>
-                  </a:outerShdw>
-                </a:effectLst>
-                <a:cs typeface="+mn-ea"/>
-                <a:sym typeface="+mn-lt"/>
-              </a:rPr>
-              <a:t>概述</a:t>
+              <a:t>工作职责及理解概述</a:t>
             </a:r>
             <a:endParaRPr lang="id-ID" sz="2000" dirty="0">
               <a:gradFill>
@@ -23911,7 +24096,7 @@
           <p:cNvPr id="56" name="TextBox 21">
             <a:extLst>
               <a:ext uri="{FF2B5EF4-FFF2-40B4-BE49-F238E27FC236}">
-                <a16:creationId xmlns="" xmlns:a16="http://schemas.microsoft.com/office/drawing/2014/main" id="{6AF77DC7-0DFA-40A6-AFFC-B469BDB148CD}"/>
+                <a16:creationId xmlns:a16="http://schemas.microsoft.com/office/drawing/2014/main" xmlns="" id="{6AF77DC7-0DFA-40A6-AFFC-B469BDB148CD}"/>
               </a:ext>
             </a:extLst>
           </p:cNvPr>
@@ -23961,7 +24146,7 @@
           <p:cNvPr id="57" name="图形 3">
             <a:extLst>
               <a:ext uri="{FF2B5EF4-FFF2-40B4-BE49-F238E27FC236}">
-                <a16:creationId xmlns="" xmlns:a16="http://schemas.microsoft.com/office/drawing/2014/main" id="{EA14D6DE-D4AF-4263-ABF1-69897892181D}"/>
+                <a16:creationId xmlns:a16="http://schemas.microsoft.com/office/drawing/2014/main" xmlns="" id="{EA14D6DE-D4AF-4263-ABF1-69897892181D}"/>
               </a:ext>
             </a:extLst>
           </p:cNvPr>
@@ -23974,7 +24159,7 @@
           <a:blip r:embed="rId3">
             <a:extLst>
               <a:ext uri="{96DAC541-7B7A-43D3-8B79-37D633B846F1}">
-                <asvg:svgBlip xmlns="" xmlns:asvg="http://schemas.microsoft.com/office/drawing/2016/SVG/main" r:embed="rId4"/>
+                <asvg:svgBlip xmlns:asvg="http://schemas.microsoft.com/office/drawing/2016/SVG/main" xmlns="" r:embed="rId4"/>
               </a:ext>
             </a:extLst>
           </a:blip>
@@ -23997,7 +24182,7 @@
           <p:cNvPr id="58" name="TextBox 53">
             <a:extLst>
               <a:ext uri="{FF2B5EF4-FFF2-40B4-BE49-F238E27FC236}">
-                <a16:creationId xmlns="" xmlns:a16="http://schemas.microsoft.com/office/drawing/2014/main" id="{D033B628-2683-48BF-BAB5-0961F856531A}"/>
+                <a16:creationId xmlns:a16="http://schemas.microsoft.com/office/drawing/2014/main" xmlns="" id="{D033B628-2683-48BF-BAB5-0961F856531A}"/>
               </a:ext>
             </a:extLst>
           </p:cNvPr>
@@ -24150,7 +24335,7 @@
           <p:cNvPr id="59" name="TextBox 53">
             <a:extLst>
               <a:ext uri="{FF2B5EF4-FFF2-40B4-BE49-F238E27FC236}">
-                <a16:creationId xmlns="" xmlns:a16="http://schemas.microsoft.com/office/drawing/2014/main" id="{482D7E09-347B-4C0A-8ED1-E7D1CDEF4FFB}"/>
+                <a16:creationId xmlns:a16="http://schemas.microsoft.com/office/drawing/2014/main" xmlns="" id="{482D7E09-347B-4C0A-8ED1-E7D1CDEF4FFB}"/>
               </a:ext>
             </a:extLst>
           </p:cNvPr>
@@ -26539,17 +26724,7 @@
                 <a:latin typeface="微软雅黑" panose="020B0503020204020204" pitchFamily="34" charset="-122"/>
                 <a:ea typeface="微软雅黑" panose="020B0503020204020204" pitchFamily="34" charset="-122"/>
               </a:rPr>
-              <a:t>试用期工作总结及</a:t>
-            </a:r>
-            <a:r>
-              <a:rPr lang="zh-CN" altLang="en-US" sz="2400" b="1" dirty="0" smtClean="0">
-                <a:solidFill>
-                  <a:srgbClr val="0070C0"/>
-                </a:solidFill>
-                <a:latin typeface="微软雅黑" panose="020B0503020204020204" pitchFamily="34" charset="-122"/>
-                <a:ea typeface="微软雅黑" panose="020B0503020204020204" pitchFamily="34" charset="-122"/>
-              </a:rPr>
-              <a:t>理解</a:t>
+              <a:t>试用期工作总结及理解</a:t>
             </a:r>
             <a:endParaRPr lang="zh-CN" altLang="en-US" sz="2400" b="1" dirty="0">
               <a:solidFill>
@@ -26684,25 +26859,542 @@
           </p:txBody>
         </p:sp>
       </p:grpSp>
+      <p:graphicFrame>
+        <p:nvGraphicFramePr>
+          <p:cNvPr id="2" name="表格 1"/>
+          <p:cNvGraphicFramePr>
+            <a:graphicFrameLocks noGrp="1"/>
+          </p:cNvGraphicFramePr>
+          <p:nvPr>
+            <p:extLst>
+              <p:ext uri="{D42A27DB-BD31-4B8C-83A1-F6EECF244321}">
+                <p14:modId xmlns:p14="http://schemas.microsoft.com/office/powerpoint/2010/main" val="3916965929"/>
+              </p:ext>
+            </p:extLst>
+          </p:nvPr>
+        </p:nvGraphicFramePr>
+        <p:xfrm>
+          <a:off x="395537" y="843558"/>
+          <a:ext cx="8352928" cy="3071025"/>
+        </p:xfrm>
+        <a:graphic>
+          <a:graphicData uri="http://schemas.openxmlformats.org/drawingml/2006/table">
+            <a:tbl>
+              <a:tblPr firstRow="1" bandRow="1">
+                <a:tableStyleId>{5C22544A-7EE6-4342-B048-85BDC9FD1C3A}</a:tableStyleId>
+              </a:tblPr>
+              <a:tblGrid>
+                <a:gridCol w="1296143"/>
+                <a:gridCol w="1944216"/>
+                <a:gridCol w="2232248"/>
+                <a:gridCol w="2880321"/>
+              </a:tblGrid>
+              <a:tr h="401292">
+                <a:tc>
+                  <a:txBody>
+                    <a:bodyPr/>
+                    <a:lstStyle/>
+                    <a:p>
+                      <a:pPr algn="ctr"/>
+                      <a:r>
+                        <a:rPr lang="zh-CN" altLang="en-US" sz="1400" dirty="0" smtClean="0"/>
+                        <a:t>项目</a:t>
+                      </a:r>
+                      <a:endParaRPr lang="zh-CN" altLang="en-US" sz="1400" dirty="0"/>
+                    </a:p>
+                  </a:txBody>
+                  <a:tcPr/>
+                </a:tc>
+                <a:tc>
+                  <a:txBody>
+                    <a:bodyPr/>
+                    <a:lstStyle/>
+                    <a:p>
+                      <a:pPr algn="ctr"/>
+                      <a:r>
+                        <a:rPr lang="zh-CN" altLang="en-US" sz="1400" dirty="0" smtClean="0"/>
+                        <a:t>工作辅导</a:t>
+                      </a:r>
+                      <a:r>
+                        <a:rPr lang="en-US" altLang="zh-CN" sz="1400" dirty="0" smtClean="0"/>
+                        <a:t>/</a:t>
+                      </a:r>
+                      <a:r>
+                        <a:rPr lang="zh-CN" altLang="en-US" sz="1400" dirty="0" smtClean="0"/>
+                        <a:t>考核项</a:t>
+                      </a:r>
+                      <a:endParaRPr lang="zh-CN" altLang="en-US" sz="1400" dirty="0"/>
+                    </a:p>
+                  </a:txBody>
+                  <a:tcPr/>
+                </a:tc>
+                <a:tc>
+                  <a:txBody>
+                    <a:bodyPr/>
+                    <a:lstStyle/>
+                    <a:p>
+                      <a:pPr algn="ctr"/>
+                      <a:r>
+                        <a:rPr lang="zh-CN" altLang="en-US" sz="1400" b="1" kern="1200" dirty="0" smtClean="0">
+                          <a:solidFill>
+                            <a:schemeClr val="lt1"/>
+                          </a:solidFill>
+                          <a:latin typeface="+mn-lt"/>
+                          <a:ea typeface="+mn-ea"/>
+                          <a:cs typeface="+mn-cs"/>
+                        </a:rPr>
+                        <a:t>完成情况</a:t>
+                      </a:r>
+                      <a:endParaRPr lang="zh-CN" altLang="en-US" sz="1400" b="1" kern="1200" dirty="0">
+                        <a:solidFill>
+                          <a:schemeClr val="lt1"/>
+                        </a:solidFill>
+                        <a:latin typeface="+mn-lt"/>
+                        <a:ea typeface="+mn-ea"/>
+                        <a:cs typeface="+mn-cs"/>
+                      </a:endParaRPr>
+                    </a:p>
+                  </a:txBody>
+                  <a:tcPr/>
+                </a:tc>
+                <a:tc>
+                  <a:txBody>
+                    <a:bodyPr/>
+                    <a:lstStyle/>
+                    <a:p>
+                      <a:pPr marL="0" algn="ctr" defTabSz="914400" rtl="0" eaLnBrk="1" latinLnBrk="0" hangingPunct="1"/>
+                      <a:r>
+                        <a:rPr lang="zh-CN" altLang="en-US" sz="1400" b="1" kern="1200" dirty="0" smtClean="0">
+                          <a:solidFill>
+                            <a:schemeClr val="lt1"/>
+                          </a:solidFill>
+                          <a:latin typeface="+mn-lt"/>
+                          <a:ea typeface="+mn-ea"/>
+                          <a:cs typeface="+mn-cs"/>
+                        </a:rPr>
+                        <a:t>案例展示</a:t>
+                      </a:r>
+                      <a:endParaRPr lang="zh-CN" altLang="en-US" sz="1400" b="1" kern="1200" dirty="0">
+                        <a:solidFill>
+                          <a:schemeClr val="lt1"/>
+                        </a:solidFill>
+                        <a:latin typeface="+mn-lt"/>
+                        <a:ea typeface="+mn-ea"/>
+                        <a:cs typeface="+mn-cs"/>
+                      </a:endParaRPr>
+                    </a:p>
+                  </a:txBody>
+                  <a:tcPr/>
+                </a:tc>
+              </a:tr>
+              <a:tr h="1846773">
+                <a:tc>
+                  <a:txBody>
+                    <a:bodyPr/>
+                    <a:lstStyle/>
+                    <a:p>
+                      <a:pPr algn="ctr"/>
+                      <a:r>
+                        <a:rPr lang="en-US" altLang="zh-CN" sz="1600" dirty="0" smtClean="0"/>
+                        <a:t>1</a:t>
+                      </a:r>
+                      <a:r>
+                        <a:rPr lang="zh-CN" altLang="en-US" sz="1600" dirty="0" smtClean="0"/>
+                        <a:t>、</a:t>
+                      </a:r>
+                      <a:r>
+                        <a:rPr lang="en-US" altLang="zh-CN" sz="1600" dirty="0" smtClean="0"/>
+                        <a:t>Web</a:t>
+                      </a:r>
+                      <a:r>
+                        <a:rPr lang="zh-CN" altLang="en-US" sz="1600" dirty="0" smtClean="0"/>
+                        <a:t>自由组态</a:t>
+                      </a:r>
+                      <a:endParaRPr lang="zh-CN" altLang="en-US" sz="1600" dirty="0"/>
+                    </a:p>
+                  </a:txBody>
+                  <a:tcPr/>
+                </a:tc>
+                <a:tc>
+                  <a:txBody>
+                    <a:bodyPr/>
+                    <a:lstStyle/>
+                    <a:p>
+                      <a:r>
+                        <a:rPr lang="en-US" altLang="zh-CN" sz="1200" dirty="0" smtClean="0"/>
+                        <a:t>1</a:t>
+                      </a:r>
+                      <a:r>
+                        <a:rPr lang="zh-CN" altLang="en-US" sz="1200" dirty="0" smtClean="0"/>
+                        <a:t>、项目</a:t>
+                      </a:r>
+                      <a:r>
+                        <a:rPr lang="en-US" altLang="zh-CN" sz="1200" dirty="0" smtClean="0"/>
+                        <a:t>UI</a:t>
+                      </a:r>
+                      <a:r>
+                        <a:rPr lang="zh-CN" altLang="en-US" sz="1200" dirty="0" smtClean="0"/>
+                        <a:t>效果图设计</a:t>
+                      </a:r>
+                      <a:endParaRPr lang="en-US" altLang="zh-CN" sz="1200" dirty="0" smtClean="0"/>
+                    </a:p>
+                    <a:p>
+                      <a:r>
+                        <a:rPr lang="en-US" altLang="zh-CN" sz="1200" dirty="0" smtClean="0"/>
+                        <a:t>2</a:t>
+                      </a:r>
+                      <a:r>
+                        <a:rPr lang="zh-CN" altLang="en-US" sz="1200" dirty="0" smtClean="0"/>
+                        <a:t>、</a:t>
+                      </a:r>
+                      <a:r>
+                        <a:rPr lang="zh-CN" altLang="en-US" sz="1200" dirty="0" smtClean="0"/>
+                        <a:t>项目前端页面框架搭建</a:t>
+                      </a:r>
+                      <a:r>
+                        <a:rPr lang="en-US" altLang="zh-CN" sz="1200" dirty="0" smtClean="0"/>
+                        <a:t>3</a:t>
+                      </a:r>
+                      <a:r>
+                        <a:rPr lang="zh-CN" altLang="en-US" sz="1200" dirty="0" smtClean="0"/>
+                        <a:t>、项目前端功能模块开发</a:t>
+                      </a:r>
+                      <a:endParaRPr lang="zh-CN" altLang="en-US" sz="1200" dirty="0"/>
+                    </a:p>
+                  </a:txBody>
+                  <a:tcPr/>
+                </a:tc>
+                <a:tc>
+                  <a:txBody>
+                    <a:bodyPr/>
+                    <a:lstStyle/>
+                    <a:p>
+                      <a:r>
+                        <a:rPr lang="en-US" altLang="zh-CN" sz="1200" b="0" i="0" kern="1200" dirty="0" smtClean="0">
+                          <a:solidFill>
+                            <a:schemeClr val="dk1"/>
+                          </a:solidFill>
+                          <a:effectLst/>
+                          <a:latin typeface="+mn-lt"/>
+                          <a:ea typeface="+mn-ea"/>
+                          <a:cs typeface="+mn-cs"/>
+                        </a:rPr>
+                        <a:t>1</a:t>
+                      </a:r>
+                      <a:r>
+                        <a:rPr lang="zh-CN" altLang="en-US" sz="1200" b="0" i="0" kern="1200" dirty="0" smtClean="0">
+                          <a:solidFill>
+                            <a:schemeClr val="dk1"/>
+                          </a:solidFill>
+                          <a:effectLst/>
+                          <a:latin typeface="+mn-lt"/>
+                          <a:ea typeface="+mn-ea"/>
+                          <a:cs typeface="+mn-cs"/>
+                        </a:rPr>
+                        <a:t>、输出</a:t>
+                      </a:r>
+                      <a:r>
+                        <a:rPr lang="en-US" altLang="zh-CN" sz="1200" b="0" i="0" kern="1200" dirty="0" smtClean="0">
+                          <a:solidFill>
+                            <a:schemeClr val="dk1"/>
+                          </a:solidFill>
+                          <a:effectLst/>
+                          <a:latin typeface="+mn-lt"/>
+                          <a:ea typeface="+mn-ea"/>
+                          <a:cs typeface="+mn-cs"/>
+                        </a:rPr>
+                        <a:t>UI</a:t>
+                      </a:r>
+                      <a:r>
+                        <a:rPr lang="zh-CN" altLang="en-US" sz="1200" b="0" i="0" kern="1200" dirty="0" smtClean="0">
+                          <a:solidFill>
+                            <a:schemeClr val="dk1"/>
+                          </a:solidFill>
+                          <a:effectLst/>
+                          <a:latin typeface="+mn-lt"/>
+                          <a:ea typeface="+mn-ea"/>
+                          <a:cs typeface="+mn-cs"/>
+                        </a:rPr>
+                        <a:t>设计图共</a:t>
+                      </a:r>
+                      <a:r>
+                        <a:rPr lang="en-US" altLang="zh-CN" sz="1200" b="0" i="0" kern="1200" dirty="0" smtClean="0">
+                          <a:solidFill>
+                            <a:schemeClr val="dk1"/>
+                          </a:solidFill>
+                          <a:effectLst/>
+                          <a:latin typeface="+mn-lt"/>
+                          <a:ea typeface="+mn-ea"/>
+                          <a:cs typeface="+mn-cs"/>
+                        </a:rPr>
+                        <a:t>3</a:t>
+                      </a:r>
+                      <a:r>
+                        <a:rPr lang="zh-CN" altLang="en-US" sz="1200" b="0" i="0" kern="1200" dirty="0" smtClean="0">
+                          <a:solidFill>
+                            <a:schemeClr val="dk1"/>
+                          </a:solidFill>
+                          <a:effectLst/>
+                          <a:latin typeface="+mn-lt"/>
+                          <a:ea typeface="+mn-ea"/>
+                          <a:cs typeface="+mn-cs"/>
+                        </a:rPr>
+                        <a:t>个版本</a:t>
+                      </a:r>
+                      <a:endParaRPr lang="en-US" altLang="zh-CN" sz="1200" b="0" i="0" kern="1200" dirty="0" smtClean="0">
+                        <a:solidFill>
+                          <a:schemeClr val="dk1"/>
+                        </a:solidFill>
+                        <a:effectLst/>
+                        <a:latin typeface="+mn-lt"/>
+                        <a:ea typeface="+mn-ea"/>
+                        <a:cs typeface="+mn-cs"/>
+                      </a:endParaRPr>
+                    </a:p>
+                    <a:p>
+                      <a:r>
+                        <a:rPr lang="en-US" altLang="zh-CN" sz="1200" b="0" i="0" kern="1200" dirty="0" smtClean="0">
+                          <a:solidFill>
+                            <a:schemeClr val="dk1"/>
+                          </a:solidFill>
+                          <a:effectLst/>
+                          <a:latin typeface="+mn-lt"/>
+                          <a:ea typeface="+mn-ea"/>
+                          <a:cs typeface="+mn-cs"/>
+                        </a:rPr>
+                        <a:t>2</a:t>
+                      </a:r>
+                      <a:r>
+                        <a:rPr lang="zh-CN" altLang="en-US" sz="1200" b="0" i="0" kern="1200" dirty="0" smtClean="0">
+                          <a:solidFill>
+                            <a:schemeClr val="dk1"/>
+                          </a:solidFill>
+                          <a:effectLst/>
+                          <a:latin typeface="+mn-lt"/>
+                          <a:ea typeface="+mn-ea"/>
+                          <a:cs typeface="+mn-cs"/>
+                        </a:rPr>
+                        <a:t>、根据</a:t>
+                      </a:r>
+                      <a:r>
+                        <a:rPr lang="en-US" altLang="zh-CN" sz="1200" b="0" i="0" kern="1200" dirty="0" smtClean="0">
+                          <a:solidFill>
+                            <a:schemeClr val="dk1"/>
+                          </a:solidFill>
+                          <a:effectLst/>
+                          <a:latin typeface="+mn-lt"/>
+                          <a:ea typeface="+mn-ea"/>
+                          <a:cs typeface="+mn-cs"/>
+                        </a:rPr>
+                        <a:t>UI</a:t>
+                      </a:r>
+                      <a:r>
+                        <a:rPr lang="zh-CN" altLang="en-US" sz="1200" b="0" i="0" kern="1200" dirty="0" smtClean="0">
+                          <a:solidFill>
+                            <a:schemeClr val="dk1"/>
+                          </a:solidFill>
+                          <a:effectLst/>
+                          <a:latin typeface="+mn-lt"/>
+                          <a:ea typeface="+mn-ea"/>
+                          <a:cs typeface="+mn-cs"/>
+                        </a:rPr>
+                        <a:t>图输出编辑、预览、素材库</a:t>
+                      </a:r>
+                      <a:r>
+                        <a:rPr lang="en-US" altLang="zh-CN" sz="1200" b="0" i="0" kern="1200" dirty="0" smtClean="0">
+                          <a:solidFill>
+                            <a:schemeClr val="dk1"/>
+                          </a:solidFill>
+                          <a:effectLst/>
+                          <a:latin typeface="+mn-lt"/>
+                          <a:ea typeface="+mn-ea"/>
+                          <a:cs typeface="+mn-cs"/>
+                        </a:rPr>
+                        <a:t>3</a:t>
+                      </a:r>
+                      <a:r>
+                        <a:rPr lang="zh-CN" altLang="en-US" sz="1200" b="0" i="0" kern="1200" dirty="0" smtClean="0">
+                          <a:solidFill>
+                            <a:schemeClr val="dk1"/>
+                          </a:solidFill>
+                          <a:effectLst/>
+                          <a:latin typeface="+mn-lt"/>
+                          <a:ea typeface="+mn-ea"/>
+                          <a:cs typeface="+mn-cs"/>
+                        </a:rPr>
+                        <a:t>大</a:t>
+                      </a:r>
+                      <a:r>
+                        <a:rPr lang="zh-CN" altLang="en-US" sz="1200" dirty="0" smtClean="0"/>
+                        <a:t>静态页面代码</a:t>
+                      </a:r>
+                      <a:endParaRPr lang="en-US" altLang="zh-CN" sz="1200" dirty="0" smtClean="0"/>
+                    </a:p>
+                    <a:p>
+                      <a:pPr marL="0" marR="0" indent="0" algn="l" defTabSz="914400" rtl="0" eaLnBrk="1" fontAlgn="auto" latinLnBrk="0" hangingPunct="1">
+                        <a:lnSpc>
+                          <a:spcPct val="100000"/>
+                        </a:lnSpc>
+                        <a:spcBef>
+                          <a:spcPts val="0"/>
+                        </a:spcBef>
+                        <a:spcAft>
+                          <a:spcPts val="0"/>
+                        </a:spcAft>
+                        <a:buClrTx/>
+                        <a:buSzTx/>
+                        <a:buFontTx/>
+                        <a:buNone/>
+                        <a:tabLst/>
+                        <a:defRPr/>
+                      </a:pPr>
+                      <a:r>
+                        <a:rPr lang="en-US" altLang="zh-CN" sz="1200" b="0" i="0" kern="1200" dirty="0" smtClean="0">
+                          <a:solidFill>
+                            <a:schemeClr val="dk1"/>
+                          </a:solidFill>
+                          <a:effectLst/>
+                          <a:latin typeface="+mn-lt"/>
+                          <a:ea typeface="+mn-ea"/>
+                          <a:cs typeface="+mn-cs"/>
+                        </a:rPr>
+                        <a:t>3</a:t>
+                      </a:r>
+                      <a:r>
+                        <a:rPr lang="zh-CN" altLang="en-US" sz="1200" b="0" i="0" kern="1200" dirty="0" smtClean="0">
+                          <a:solidFill>
+                            <a:schemeClr val="dk1"/>
+                          </a:solidFill>
+                          <a:effectLst/>
+                          <a:latin typeface="+mn-lt"/>
+                          <a:ea typeface="+mn-ea"/>
+                          <a:cs typeface="+mn-cs"/>
+                        </a:rPr>
+                        <a:t>、组件模块：开发</a:t>
+                      </a:r>
+                      <a:r>
+                        <a:rPr lang="zh-CN" altLang="en-US" sz="1200" dirty="0" smtClean="0"/>
+                        <a:t>基础组件和数据组件共</a:t>
+                      </a:r>
+                      <a:r>
+                        <a:rPr lang="en-US" altLang="zh-CN" sz="1200" dirty="0" smtClean="0"/>
+                        <a:t>15</a:t>
+                      </a:r>
+                      <a:r>
+                        <a:rPr lang="zh-CN" altLang="en-US" sz="1200" dirty="0" smtClean="0"/>
+                        <a:t>个，导航模块：开发组件操作和画布操作功能共</a:t>
+                      </a:r>
+                      <a:r>
+                        <a:rPr lang="en-US" altLang="zh-CN" sz="1200" dirty="0" smtClean="0"/>
+                        <a:t>22</a:t>
+                      </a:r>
+                      <a:r>
+                        <a:rPr lang="zh-CN" altLang="en-US" sz="1200" dirty="0" smtClean="0"/>
+                        <a:t>个，预览模块：开发部分组件动画及事件响应功能。</a:t>
+                      </a:r>
+                    </a:p>
+                  </a:txBody>
+                  <a:tcPr/>
+                </a:tc>
+                <a:tc>
+                  <a:txBody>
+                    <a:bodyPr/>
+                    <a:lstStyle/>
+                    <a:p>
+                      <a:endParaRPr lang="zh-CN" altLang="en-US" sz="1200" dirty="0"/>
+                    </a:p>
+                  </a:txBody>
+                  <a:tcPr/>
+                </a:tc>
+              </a:tr>
+              <a:tr h="488239">
+                <a:tc>
+                  <a:txBody>
+                    <a:bodyPr/>
+                    <a:lstStyle/>
+                    <a:p>
+                      <a:pPr algn="ctr"/>
+                      <a:r>
+                        <a:rPr lang="en-US" altLang="zh-CN" sz="1600" dirty="0" smtClean="0"/>
+                        <a:t>2</a:t>
+                      </a:r>
+                      <a:r>
+                        <a:rPr lang="zh-CN" altLang="en-US" sz="1600" dirty="0" smtClean="0"/>
+                        <a:t>、空压机物联网监控</a:t>
+                      </a:r>
+                      <a:r>
+                        <a:rPr lang="en-US" altLang="zh-CN" sz="1600" dirty="0" smtClean="0"/>
+                        <a:t>APP</a:t>
+                      </a:r>
+                      <a:endParaRPr lang="zh-CN" altLang="en-US" sz="1600" dirty="0"/>
+                    </a:p>
+                  </a:txBody>
+                  <a:tcPr/>
+                </a:tc>
+                <a:tc>
+                  <a:txBody>
+                    <a:bodyPr/>
+                    <a:lstStyle/>
+                    <a:p>
+                      <a:r>
+                        <a:rPr lang="en-US" altLang="zh-CN" sz="1200" dirty="0" smtClean="0"/>
+                        <a:t>1</a:t>
+                      </a:r>
+                      <a:r>
+                        <a:rPr lang="zh-CN" altLang="en-US" sz="1200" dirty="0" smtClean="0"/>
+                        <a:t>、首页</a:t>
+                      </a:r>
+                      <a:r>
+                        <a:rPr lang="en-US" altLang="zh-CN" sz="1200" dirty="0" smtClean="0"/>
+                        <a:t>UI</a:t>
+                      </a:r>
+                      <a:r>
+                        <a:rPr lang="zh-CN" altLang="en-US" sz="1200" dirty="0" smtClean="0"/>
+                        <a:t>效果图设计</a:t>
+                      </a:r>
+                      <a:endParaRPr lang="zh-CN" altLang="en-US" sz="1200" dirty="0"/>
+                    </a:p>
+                  </a:txBody>
+                  <a:tcPr/>
+                </a:tc>
+                <a:tc>
+                  <a:txBody>
+                    <a:bodyPr/>
+                    <a:lstStyle/>
+                    <a:p>
+                      <a:endParaRPr lang="zh-CN" altLang="en-US" sz="1200" dirty="0"/>
+                    </a:p>
+                  </a:txBody>
+                  <a:tcPr/>
+                </a:tc>
+                <a:tc>
+                  <a:txBody>
+                    <a:bodyPr/>
+                    <a:lstStyle/>
+                    <a:p>
+                      <a:endParaRPr lang="zh-CN" altLang="en-US" sz="1200" dirty="0"/>
+                    </a:p>
+                  </a:txBody>
+                  <a:tcPr/>
+                </a:tc>
+              </a:tr>
+            </a:tbl>
+          </a:graphicData>
+        </a:graphic>
+      </p:graphicFrame>
       <p:pic>
         <p:nvPicPr>
-          <p:cNvPr id="40" name="图片占位符 11" descr="图片包含 人, 桌子, 笔记本, 女人&#10;&#10;描述已自动生成">
-            <a:extLst>
-              <a:ext uri="{FF2B5EF4-FFF2-40B4-BE49-F238E27FC236}">
-                <a16:creationId xmlns="" xmlns:a16="http://schemas.microsoft.com/office/drawing/2014/main" id="{D041FF84-E1B8-4245-A04E-F0BCE6709F48}"/>
-              </a:ext>
-            </a:extLst>
-          </p:cNvPr>
+          <p:cNvPr id="1026" name="Picture 2"/>
           <p:cNvPicPr>
-            <a:picLocks noChangeAspect="1"/>
+            <a:picLocks noChangeAspect="1" noChangeArrowheads="1"/>
           </p:cNvPicPr>
           <p:nvPr/>
         </p:nvPicPr>
         <p:blipFill>
-          <a:blip r:embed="rId2" cstate="screen">
+          <a:blip r:embed="rId3" cstate="print">
             <a:extLst>
               <a:ext uri="{28A0092B-C50C-407E-A947-70E740481C1C}">
-                <a14:useLocalDpi xmlns:a14="http://schemas.microsoft.com/office/drawing/2010/main"/>
+                <a14:useLocalDpi xmlns:a14="http://schemas.microsoft.com/office/drawing/2010/main" val="0"/>
               </a:ext>
             </a:extLst>
           </a:blip>
@@ -26711,608 +27403,49 @@
             <a:fillRect/>
           </a:stretch>
         </p:blipFill>
-        <p:spPr>
+        <p:spPr bwMode="auto">
           <a:xfrm>
-            <a:off x="5267325" y="1209675"/>
-            <a:ext cx="3876675" cy="1362075"/>
-          </a:xfrm>
-          <a:prstGeom prst="rect">
-            <a:avLst/>
-          </a:prstGeom>
-        </p:spPr>
-      </p:pic>
-      <p:grpSp>
-        <p:nvGrpSpPr>
-          <p:cNvPr id="41" name="组合 40">
-            <a:extLst>
-              <a:ext uri="{FF2B5EF4-FFF2-40B4-BE49-F238E27FC236}">
-                <a16:creationId xmlns="" xmlns:a16="http://schemas.microsoft.com/office/drawing/2014/main" id="{25878769-0C15-477B-B1E1-9A5E0684A82C}"/>
-              </a:ext>
-            </a:extLst>
-          </p:cNvPr>
-          <p:cNvGrpSpPr/>
-          <p:nvPr/>
-        </p:nvGrpSpPr>
-        <p:grpSpPr>
-          <a:xfrm>
-            <a:off x="981076" y="1134310"/>
-            <a:ext cx="3014860" cy="830997"/>
-            <a:chOff x="981076" y="1134310"/>
-            <a:chExt cx="2371725" cy="830997"/>
-          </a:xfrm>
-        </p:grpSpPr>
-        <p:sp>
-          <p:nvSpPr>
-            <p:cNvPr id="42" name="TextBox 21">
-              <a:extLst>
-                <a:ext uri="{FF2B5EF4-FFF2-40B4-BE49-F238E27FC236}">
-                  <a16:creationId xmlns="" xmlns:a16="http://schemas.microsoft.com/office/drawing/2014/main" id="{2952DE90-34BC-4261-97B6-0AF81DF374D0}"/>
-                </a:ext>
-              </a:extLst>
-            </p:cNvPr>
-            <p:cNvSpPr txBox="1"/>
-            <p:nvPr/>
-          </p:nvSpPr>
-          <p:spPr>
-            <a:xfrm>
-              <a:off x="981076" y="1134310"/>
-              <a:ext cx="2371725" cy="830997"/>
-            </a:xfrm>
-            <a:prstGeom prst="rect">
-              <a:avLst/>
-            </a:prstGeom>
-            <a:noFill/>
-          </p:spPr>
-          <p:txBody>
-            <a:bodyPr wrap="square" rtlCol="0">
-              <a:spAutoFit/>
-            </a:bodyPr>
-            <a:lstStyle/>
-            <a:p>
-              <a:r>
-                <a:rPr lang="zh-CN" altLang="en-US" sz="2400" dirty="0" smtClean="0">
-                  <a:gradFill>
-                    <a:gsLst>
-                      <a:gs pos="0">
-                        <a:srgbClr val="5877B6"/>
-                      </a:gs>
-                      <a:gs pos="100000">
-                        <a:srgbClr val="465E96"/>
-                      </a:gs>
-                    </a:gsLst>
-                    <a:lin ang="5400000" scaled="0"/>
-                  </a:gradFill>
-                  <a:effectLst>
-                    <a:outerShdw blurRad="254000" dist="101600" dir="5400000" algn="ctr" rotWithShape="0">
-                      <a:srgbClr val="000000">
-                        <a:alpha val="15000"/>
-                      </a:srgbClr>
-                    </a:outerShdw>
-                  </a:effectLst>
-                  <a:cs typeface="+mn-ea"/>
-                  <a:sym typeface="+mn-lt"/>
-                </a:rPr>
-                <a:t>角色转变及公司环境</a:t>
-              </a:r>
-              <a:endParaRPr lang="zh-CN" altLang="en-US" sz="2400" dirty="0">
-                <a:gradFill>
-                  <a:gsLst>
-                    <a:gs pos="0">
-                      <a:srgbClr val="5877B6"/>
-                    </a:gs>
-                    <a:gs pos="100000">
-                      <a:srgbClr val="465E96"/>
-                    </a:gs>
-                  </a:gsLst>
-                  <a:lin ang="5400000" scaled="0"/>
-                </a:gradFill>
-                <a:effectLst>
-                  <a:outerShdw blurRad="254000" dist="101600" dir="5400000" algn="ctr" rotWithShape="0">
-                    <a:srgbClr val="000000">
-                      <a:alpha val="15000"/>
-                    </a:srgbClr>
-                  </a:outerShdw>
-                </a:effectLst>
-                <a:cs typeface="+mn-ea"/>
-                <a:sym typeface="+mn-lt"/>
-              </a:endParaRPr>
-            </a:p>
-          </p:txBody>
-        </p:sp>
-        <p:sp>
-          <p:nvSpPr>
-            <p:cNvPr id="43" name="TextBox 21">
-              <a:extLst>
-                <a:ext uri="{FF2B5EF4-FFF2-40B4-BE49-F238E27FC236}">
-                  <a16:creationId xmlns="" xmlns:a16="http://schemas.microsoft.com/office/drawing/2014/main" id="{F5F69AA2-E453-4630-BF00-804ADF875C19}"/>
-                </a:ext>
-              </a:extLst>
-            </p:cNvPr>
-            <p:cNvSpPr txBox="1"/>
-            <p:nvPr/>
-          </p:nvSpPr>
-          <p:spPr>
-            <a:xfrm>
-              <a:off x="981076" y="1574873"/>
-              <a:ext cx="1853271" cy="261610"/>
-            </a:xfrm>
-            <a:prstGeom prst="rect">
-              <a:avLst/>
-            </a:prstGeom>
-            <a:noFill/>
-          </p:spPr>
-          <p:txBody>
-            <a:bodyPr wrap="square" rtlCol="0">
-              <a:spAutoFit/>
-            </a:bodyPr>
-            <a:lstStyle/>
-            <a:p>
-              <a:r>
-                <a:rPr lang="en-US" altLang="zh-CN" sz="1100" dirty="0">
-                  <a:solidFill>
-                    <a:schemeClr val="bg1">
-                      <a:lumMod val="50000"/>
-                    </a:schemeClr>
-                  </a:solidFill>
-                  <a:cs typeface="+mn-ea"/>
-                  <a:sym typeface="+mn-lt"/>
-                </a:rPr>
-                <a:t>GENERAL  VIEW</a:t>
-              </a:r>
-              <a:endParaRPr lang="en-US" altLang="zh-CN" sz="1100" b="1" dirty="0">
-                <a:solidFill>
-                  <a:schemeClr val="accent1"/>
-                </a:solidFill>
-                <a:cs typeface="+mn-ea"/>
-                <a:sym typeface="+mn-lt"/>
-              </a:endParaRPr>
-            </a:p>
-          </p:txBody>
-        </p:sp>
-      </p:grpSp>
-      <p:sp>
-        <p:nvSpPr>
-          <p:cNvPr id="44" name="TextBox 28">
-            <a:extLst>
-              <a:ext uri="{FF2B5EF4-FFF2-40B4-BE49-F238E27FC236}">
-                <a16:creationId xmlns="" xmlns:a16="http://schemas.microsoft.com/office/drawing/2014/main" id="{A7D764F6-35A0-476E-BAB1-7D9EB90A90D6}"/>
-              </a:ext>
-            </a:extLst>
-          </p:cNvPr>
-          <p:cNvSpPr txBox="1"/>
-          <p:nvPr/>
-        </p:nvSpPr>
-        <p:spPr>
-          <a:xfrm>
-            <a:off x="981076" y="2300972"/>
-            <a:ext cx="1975538" cy="338554"/>
+            <a:off x="6156176" y="1392186"/>
+            <a:ext cx="2304256" cy="1162831"/>
           </a:xfrm>
           <a:prstGeom prst="rect">
             <a:avLst/>
           </a:prstGeom>
           <a:noFill/>
-        </p:spPr>
-        <p:txBody>
-          <a:bodyPr wrap="square" rtlCol="0">
-            <a:spAutoFit/>
-          </a:bodyPr>
-          <a:lstStyle/>
-          <a:p>
-            <a:r>
-              <a:rPr lang="en-US" altLang="zh-CN" sz="1600" dirty="0">
-                <a:gradFill>
-                  <a:gsLst>
-                    <a:gs pos="0">
-                      <a:srgbClr val="5877B6"/>
-                    </a:gs>
-                    <a:gs pos="100000">
-                      <a:srgbClr val="465E96"/>
-                    </a:gs>
-                  </a:gsLst>
-                  <a:lin ang="5400000" scaled="0"/>
-                </a:gradFill>
+          <a:ln>
+            <a:noFill/>
+          </a:ln>
+          <a:effectLst/>
+          <a:extLst>
+            <a:ext uri="{909E8E84-426E-40DD-AFC4-6F175D3DCCD1}">
+              <a14:hiddenFill xmlns:a14="http://schemas.microsoft.com/office/drawing/2010/main">
+                <a:solidFill>
+                  <a:schemeClr val="accent1"/>
+                </a:solidFill>
+              </a14:hiddenFill>
+            </a:ext>
+            <a:ext uri="{91240B29-F687-4F45-9708-019B960494DF}">
+              <a14:hiddenLine xmlns:a14="http://schemas.microsoft.com/office/drawing/2010/main" w="9525">
+                <a:solidFill>
+                  <a:schemeClr val="tx1"/>
+                </a:solidFill>
+                <a:miter lim="800000"/>
+                <a:headEnd/>
+                <a:tailEnd/>
+              </a14:hiddenLine>
+            </a:ext>
+            <a:ext uri="{AF507438-7753-43E0-B8FC-AC1667EBCBE1}">
+              <a14:hiddenEffects xmlns:a14="http://schemas.microsoft.com/office/drawing/2010/main">
                 <a:effectLst>
-                  <a:outerShdw blurRad="254000" dist="101600" dir="5400000" algn="ctr" rotWithShape="0">
-                    <a:srgbClr val="5877B6">
-                      <a:alpha val="23000"/>
-                    </a:srgbClr>
+                  <a:outerShdw dist="35921" dir="2700000" algn="ctr" rotWithShape="0">
+                    <a:schemeClr val="bg2"/>
                   </a:outerShdw>
                 </a:effectLst>
-                <a:cs typeface="+mn-ea"/>
-                <a:sym typeface="+mn-lt"/>
-              </a:rPr>
-              <a:t>01  </a:t>
-            </a:r>
-            <a:r>
-              <a:rPr lang="zh-CN" altLang="en-US" sz="1600" dirty="0" smtClean="0">
-                <a:gradFill>
-                  <a:gsLst>
-                    <a:gs pos="0">
-                      <a:srgbClr val="5877B6"/>
-                    </a:gs>
-                    <a:gs pos="100000">
-                      <a:srgbClr val="465E96"/>
-                    </a:gs>
-                  </a:gsLst>
-                  <a:lin ang="5400000" scaled="0"/>
-                </a:gradFill>
-                <a:effectLst>
-                  <a:outerShdw blurRad="254000" dist="101600" dir="5400000" algn="ctr" rotWithShape="0">
-                    <a:srgbClr val="5877B6">
-                      <a:alpha val="23000"/>
-                    </a:srgbClr>
-                  </a:outerShdw>
-                </a:effectLst>
-                <a:cs typeface="+mn-ea"/>
-                <a:sym typeface="+mn-lt"/>
-              </a:rPr>
-              <a:t>角色转变</a:t>
-            </a:r>
-            <a:endParaRPr lang="en-US" altLang="zh-CN" sz="1600" dirty="0">
-              <a:gradFill>
-                <a:gsLst>
-                  <a:gs pos="0">
-                    <a:srgbClr val="5877B6"/>
-                  </a:gs>
-                  <a:gs pos="100000">
-                    <a:srgbClr val="465E96"/>
-                  </a:gs>
-                </a:gsLst>
-                <a:lin ang="5400000" scaled="0"/>
-              </a:gradFill>
-              <a:effectLst>
-                <a:outerShdw blurRad="254000" dist="101600" dir="5400000" algn="ctr" rotWithShape="0">
-                  <a:srgbClr val="5877B6">
-                    <a:alpha val="23000"/>
-                  </a:srgbClr>
-                </a:outerShdw>
-              </a:effectLst>
-              <a:cs typeface="+mn-ea"/>
-              <a:sym typeface="+mn-lt"/>
-            </a:endParaRPr>
-          </a:p>
-        </p:txBody>
-      </p:sp>
-      <p:sp>
-        <p:nvSpPr>
-          <p:cNvPr id="45" name="Rectangle 5">
-            <a:extLst>
-              <a:ext uri="{FF2B5EF4-FFF2-40B4-BE49-F238E27FC236}">
-                <a16:creationId xmlns="" xmlns:a16="http://schemas.microsoft.com/office/drawing/2014/main" id="{CAD3C804-44EB-4773-B634-C25F87B7E400}"/>
-              </a:ext>
-            </a:extLst>
-          </p:cNvPr>
-          <p:cNvSpPr/>
-          <p:nvPr/>
-        </p:nvSpPr>
-        <p:spPr>
-          <a:xfrm>
-            <a:off x="981076" y="2581095"/>
-            <a:ext cx="3175981" cy="317266"/>
-          </a:xfrm>
-          <a:prstGeom prst="rect">
-            <a:avLst/>
-          </a:prstGeom>
+              </a14:hiddenEffects>
+            </a:ext>
+          </a:extLst>
         </p:spPr>
-        <p:txBody>
-          <a:bodyPr wrap="square">
-            <a:spAutoFit/>
-          </a:bodyPr>
-          <a:lstStyle/>
-          <a:p>
-            <a:pPr>
-              <a:lnSpc>
-                <a:spcPct val="150000"/>
-              </a:lnSpc>
-            </a:pPr>
-            <a:r>
-              <a:rPr lang="zh-CN" altLang="en-US" sz="1100" dirty="0" smtClean="0">
-                <a:solidFill>
-                  <a:schemeClr val="tx1">
-                    <a:lumMod val="65000"/>
-                    <a:lumOff val="35000"/>
-                  </a:schemeClr>
-                </a:solidFill>
-                <a:cs typeface="+mn-ea"/>
-                <a:sym typeface="+mn-lt"/>
-              </a:rPr>
-              <a:t>学生转变为职场人</a:t>
-            </a:r>
-            <a:endParaRPr lang="en-US" sz="1100" dirty="0">
-              <a:solidFill>
-                <a:schemeClr val="tx1">
-                  <a:lumMod val="75000"/>
-                  <a:lumOff val="25000"/>
-                </a:schemeClr>
-              </a:solidFill>
-              <a:cs typeface="+mn-ea"/>
-              <a:sym typeface="+mn-lt"/>
-            </a:endParaRPr>
-          </a:p>
-        </p:txBody>
-      </p:sp>
-      <p:sp>
-        <p:nvSpPr>
-          <p:cNvPr id="46" name="TextBox 28">
-            <a:extLst>
-              <a:ext uri="{FF2B5EF4-FFF2-40B4-BE49-F238E27FC236}">
-                <a16:creationId xmlns="" xmlns:a16="http://schemas.microsoft.com/office/drawing/2014/main" id="{4C9ACE23-08EA-4033-8D4B-F5D432269CC2}"/>
-              </a:ext>
-            </a:extLst>
-          </p:cNvPr>
-          <p:cNvSpPr txBox="1"/>
-          <p:nvPr/>
-        </p:nvSpPr>
-        <p:spPr>
-          <a:xfrm>
-            <a:off x="981076" y="3484425"/>
-            <a:ext cx="1975538" cy="338554"/>
-          </a:xfrm>
-          <a:prstGeom prst="rect">
-            <a:avLst/>
-          </a:prstGeom>
-          <a:noFill/>
-        </p:spPr>
-        <p:txBody>
-          <a:bodyPr wrap="square" rtlCol="0">
-            <a:spAutoFit/>
-          </a:bodyPr>
-          <a:lstStyle/>
-          <a:p>
-            <a:r>
-              <a:rPr lang="en-US" altLang="zh-CN" sz="1600" dirty="0">
-                <a:gradFill>
-                  <a:gsLst>
-                    <a:gs pos="0">
-                      <a:srgbClr val="5877B6"/>
-                    </a:gs>
-                    <a:gs pos="100000">
-                      <a:srgbClr val="465E96"/>
-                    </a:gs>
-                  </a:gsLst>
-                  <a:lin ang="5400000" scaled="0"/>
-                </a:gradFill>
-                <a:effectLst>
-                  <a:outerShdw blurRad="254000" dist="101600" dir="5400000" algn="ctr" rotWithShape="0">
-                    <a:srgbClr val="5877B6">
-                      <a:alpha val="23000"/>
-                    </a:srgbClr>
-                  </a:outerShdw>
-                </a:effectLst>
-                <a:cs typeface="+mn-ea"/>
-                <a:sym typeface="+mn-lt"/>
-              </a:rPr>
-              <a:t>02  </a:t>
-            </a:r>
-            <a:r>
-              <a:rPr lang="zh-CN" altLang="en-US" sz="1600" dirty="0" smtClean="0">
-                <a:gradFill>
-                  <a:gsLst>
-                    <a:gs pos="0">
-                      <a:srgbClr val="5877B6"/>
-                    </a:gs>
-                    <a:gs pos="100000">
-                      <a:srgbClr val="465E96"/>
-                    </a:gs>
-                  </a:gsLst>
-                  <a:lin ang="5400000" scaled="0"/>
-                </a:gradFill>
-                <a:effectLst>
-                  <a:outerShdw blurRad="254000" dist="101600" dir="5400000" algn="ctr" rotWithShape="0">
-                    <a:srgbClr val="5877B6">
-                      <a:alpha val="23000"/>
-                    </a:srgbClr>
-                  </a:outerShdw>
-                </a:effectLst>
-                <a:cs typeface="+mn-ea"/>
-                <a:sym typeface="+mn-lt"/>
-              </a:rPr>
-              <a:t>公司环境</a:t>
-            </a:r>
-            <a:endParaRPr lang="en-US" altLang="zh-CN" sz="1600" dirty="0">
-              <a:gradFill>
-                <a:gsLst>
-                  <a:gs pos="0">
-                    <a:srgbClr val="5877B6"/>
-                  </a:gs>
-                  <a:gs pos="100000">
-                    <a:srgbClr val="465E96"/>
-                  </a:gs>
-                </a:gsLst>
-                <a:lin ang="5400000" scaled="0"/>
-              </a:gradFill>
-              <a:effectLst>
-                <a:outerShdw blurRad="254000" dist="101600" dir="5400000" algn="ctr" rotWithShape="0">
-                  <a:srgbClr val="5877B6">
-                    <a:alpha val="23000"/>
-                  </a:srgbClr>
-                </a:outerShdw>
-              </a:effectLst>
-              <a:cs typeface="+mn-ea"/>
-              <a:sym typeface="+mn-lt"/>
-            </a:endParaRPr>
-          </a:p>
-        </p:txBody>
-      </p:sp>
-      <p:sp>
-        <p:nvSpPr>
-          <p:cNvPr id="47" name="Rectangle 5">
-            <a:extLst>
-              <a:ext uri="{FF2B5EF4-FFF2-40B4-BE49-F238E27FC236}">
-                <a16:creationId xmlns="" xmlns:a16="http://schemas.microsoft.com/office/drawing/2014/main" id="{92C02C2A-DA1D-4C5B-9B6B-DD571DD84E3C}"/>
-              </a:ext>
-            </a:extLst>
-          </p:cNvPr>
-          <p:cNvSpPr/>
-          <p:nvPr/>
-        </p:nvSpPr>
-        <p:spPr>
-          <a:xfrm>
-            <a:off x="981076" y="3764548"/>
-            <a:ext cx="3175981" cy="571182"/>
-          </a:xfrm>
-          <a:prstGeom prst="rect">
-            <a:avLst/>
-          </a:prstGeom>
-        </p:spPr>
-        <p:txBody>
-          <a:bodyPr wrap="square">
-            <a:spAutoFit/>
-          </a:bodyPr>
-          <a:lstStyle/>
-          <a:p>
-            <a:pPr>
-              <a:lnSpc>
-                <a:spcPct val="150000"/>
-              </a:lnSpc>
-            </a:pPr>
-            <a:r>
-              <a:rPr lang="zh-CN" altLang="en-US" sz="1100" dirty="0" smtClean="0">
-                <a:solidFill>
-                  <a:schemeClr val="tx1">
-                    <a:lumMod val="65000"/>
-                    <a:lumOff val="35000"/>
-                  </a:schemeClr>
-                </a:solidFill>
-                <a:cs typeface="+mn-ea"/>
-                <a:sym typeface="+mn-lt"/>
-              </a:rPr>
-              <a:t>公司周边环境</a:t>
-            </a:r>
-            <a:endParaRPr lang="en-US" altLang="zh-CN" sz="1100" dirty="0" smtClean="0">
-              <a:solidFill>
-                <a:schemeClr val="tx1">
-                  <a:lumMod val="65000"/>
-                  <a:lumOff val="35000"/>
-                </a:schemeClr>
-              </a:solidFill>
-              <a:cs typeface="+mn-ea"/>
-              <a:sym typeface="+mn-lt"/>
-            </a:endParaRPr>
-          </a:p>
-          <a:p>
-            <a:pPr>
-              <a:lnSpc>
-                <a:spcPct val="150000"/>
-              </a:lnSpc>
-            </a:pPr>
-            <a:r>
-              <a:rPr lang="zh-CN" altLang="en-US" sz="1100" dirty="0" smtClean="0">
-                <a:solidFill>
-                  <a:schemeClr val="tx1">
-                    <a:lumMod val="65000"/>
-                    <a:lumOff val="35000"/>
-                  </a:schemeClr>
-                </a:solidFill>
-                <a:cs typeface="+mn-ea"/>
-                <a:sym typeface="+mn-lt"/>
-              </a:rPr>
-              <a:t>公司</a:t>
-            </a:r>
-            <a:r>
-              <a:rPr lang="zh-CN" altLang="en-US" sz="1100" dirty="0">
-                <a:solidFill>
-                  <a:schemeClr val="tx1">
-                    <a:lumMod val="65000"/>
-                    <a:lumOff val="35000"/>
-                  </a:schemeClr>
-                </a:solidFill>
-                <a:cs typeface="+mn-ea"/>
-                <a:sym typeface="+mn-lt"/>
-              </a:rPr>
-              <a:t>内部环境（</a:t>
-            </a:r>
-            <a:r>
-              <a:rPr lang="zh-CN" altLang="en-US" sz="1100" dirty="0" smtClean="0">
-                <a:solidFill>
-                  <a:schemeClr val="tx1">
-                    <a:lumMod val="65000"/>
-                    <a:lumOff val="35000"/>
-                  </a:schemeClr>
-                </a:solidFill>
-                <a:cs typeface="+mn-ea"/>
-                <a:sym typeface="+mn-lt"/>
-              </a:rPr>
-              <a:t>工作环境</a:t>
-            </a:r>
-            <a:r>
-              <a:rPr lang="zh-CN" altLang="en-US" sz="1100" dirty="0" smtClean="0">
-                <a:solidFill>
-                  <a:schemeClr val="tx1">
-                    <a:lumMod val="65000"/>
-                    <a:lumOff val="35000"/>
-                  </a:schemeClr>
-                </a:solidFill>
-                <a:cs typeface="+mn-ea"/>
-                <a:sym typeface="+mn-lt"/>
-              </a:rPr>
-              <a:t>）</a:t>
-            </a:r>
-            <a:endParaRPr lang="en-US" altLang="zh-CN" sz="1100" dirty="0" smtClean="0">
-              <a:solidFill>
-                <a:schemeClr val="tx1">
-                  <a:lumMod val="65000"/>
-                  <a:lumOff val="35000"/>
-                </a:schemeClr>
-              </a:solidFill>
-              <a:cs typeface="+mn-ea"/>
-              <a:sym typeface="+mn-lt"/>
-            </a:endParaRPr>
-          </a:p>
-        </p:txBody>
-      </p:sp>
-      <p:sp>
-        <p:nvSpPr>
-          <p:cNvPr id="48" name="TextBox 53">
-            <a:extLst>
-              <a:ext uri="{FF2B5EF4-FFF2-40B4-BE49-F238E27FC236}">
-                <a16:creationId xmlns="" xmlns:a16="http://schemas.microsoft.com/office/drawing/2014/main" id="{F018CD2E-BD27-47BA-8ABB-19476E3FF0F6}"/>
-              </a:ext>
-            </a:extLst>
-          </p:cNvPr>
-          <p:cNvSpPr txBox="1"/>
-          <p:nvPr/>
-        </p:nvSpPr>
-        <p:spPr>
-          <a:xfrm>
-            <a:off x="5267325" y="3159038"/>
-            <a:ext cx="2695575" cy="1107996"/>
-          </a:xfrm>
-          <a:prstGeom prst="rect">
-            <a:avLst/>
-          </a:prstGeom>
-          <a:noFill/>
-        </p:spPr>
-        <p:txBody>
-          <a:bodyPr wrap="square" lIns="0" tIns="0" rIns="0" bIns="0" rtlCol="0">
-            <a:spAutoFit/>
-          </a:bodyPr>
-          <a:lstStyle/>
-          <a:p>
-            <a:pPr algn="just">
-              <a:lnSpc>
-                <a:spcPct val="150000"/>
-              </a:lnSpc>
-              <a:spcAft>
-                <a:spcPts val="1200"/>
-              </a:spcAft>
-            </a:pPr>
-            <a:r>
-              <a:rPr lang="zh-CN" altLang="en-US" sz="1200" dirty="0">
-                <a:solidFill>
-                  <a:schemeClr val="tx1">
-                    <a:lumMod val="65000"/>
-                    <a:lumOff val="35000"/>
-                  </a:schemeClr>
-                </a:solidFill>
-                <a:cs typeface="+mn-ea"/>
-                <a:sym typeface="+mn-lt"/>
-              </a:rPr>
-              <a:t>您的内容打在这里，或者通过复制您的文本后，在此框中选择粘贴，并选择只保留文字。您的内容打在这里或者通过复制您的文本后，</a:t>
-            </a:r>
-          </a:p>
-        </p:txBody>
-      </p:sp>
+      </p:pic>
     </p:spTree>
     <p:extLst>
       <p:ext uri="{BB962C8B-B14F-4D97-AF65-F5344CB8AC3E}">
@@ -27326,627 +27459,9 @@
   <p:timing>
     <p:tnLst>
       <p:par>
-        <p:cTn id="1" dur="indefinite" restart="never" nodeType="tmRoot">
-          <p:childTnLst>
-            <p:seq concurrent="1" nextAc="seek">
-              <p:cTn id="2" dur="indefinite" nodeType="mainSeq">
-                <p:childTnLst>
-                  <p:par>
-                    <p:cTn id="3" fill="hold">
-                      <p:stCondLst>
-                        <p:cond delay="indefinite"/>
-                        <p:cond evt="onBegin" delay="0">
-                          <p:tn val="2"/>
-                        </p:cond>
-                      </p:stCondLst>
-                      <p:childTnLst>
-                        <p:par>
-                          <p:cTn id="4" fill="hold">
-                            <p:stCondLst>
-                              <p:cond delay="0"/>
-                            </p:stCondLst>
-                            <p:childTnLst>
-                              <p:par>
-                                <p:cTn id="5" presetID="42" presetClass="entr" presetSubtype="0" fill="hold" grpId="0" nodeType="withEffect">
-                                  <p:stCondLst>
-                                    <p:cond delay="0"/>
-                                  </p:stCondLst>
-                                  <p:childTnLst>
-                                    <p:set>
-                                      <p:cBhvr>
-                                        <p:cTn id="6" dur="1" fill="hold">
-                                          <p:stCondLst>
-                                            <p:cond delay="0"/>
-                                          </p:stCondLst>
-                                        </p:cTn>
-                                        <p:tgtEl>
-                                          <p:spTgt spid="48"/>
-                                        </p:tgtEl>
-                                        <p:attrNameLst>
-                                          <p:attrName>style.visibility</p:attrName>
-                                        </p:attrNameLst>
-                                      </p:cBhvr>
-                                      <p:to>
-                                        <p:strVal val="visible"/>
-                                      </p:to>
-                                    </p:set>
-                                    <p:animEffect transition="in" filter="fade">
-                                      <p:cBhvr>
-                                        <p:cTn id="7" dur="500"/>
-                                        <p:tgtEl>
-                                          <p:spTgt spid="48"/>
-                                        </p:tgtEl>
-                                      </p:cBhvr>
-                                    </p:animEffect>
-                                    <p:anim calcmode="lin" valueType="num">
-                                      <p:cBhvr>
-                                        <p:cTn id="8" dur="500" fill="hold"/>
-                                        <p:tgtEl>
-                                          <p:spTgt spid="48"/>
-                                        </p:tgtEl>
-                                        <p:attrNameLst>
-                                          <p:attrName>ppt_x</p:attrName>
-                                        </p:attrNameLst>
-                                      </p:cBhvr>
-                                      <p:tavLst>
-                                        <p:tav tm="0">
-                                          <p:val>
-                                            <p:strVal val="#ppt_x"/>
-                                          </p:val>
-                                        </p:tav>
-                                        <p:tav tm="100000">
-                                          <p:val>
-                                            <p:strVal val="#ppt_x"/>
-                                          </p:val>
-                                        </p:tav>
-                                      </p:tavLst>
-                                    </p:anim>
-                                    <p:anim calcmode="lin" valueType="num">
-                                      <p:cBhvr>
-                                        <p:cTn id="9" dur="500" fill="hold"/>
-                                        <p:tgtEl>
-                                          <p:spTgt spid="48"/>
-                                        </p:tgtEl>
-                                        <p:attrNameLst>
-                                          <p:attrName>ppt_y</p:attrName>
-                                        </p:attrNameLst>
-                                      </p:cBhvr>
-                                      <p:tavLst>
-                                        <p:tav tm="0">
-                                          <p:val>
-                                            <p:strVal val="#ppt_y+.1"/>
-                                          </p:val>
-                                        </p:tav>
-                                        <p:tav tm="100000">
-                                          <p:val>
-                                            <p:strVal val="#ppt_y"/>
-                                          </p:val>
-                                        </p:tav>
-                                      </p:tavLst>
-                                    </p:anim>
-                                  </p:childTnLst>
-                                </p:cTn>
-                              </p:par>
-                              <p:par>
-                                <p:cTn id="10" presetID="42" presetClass="entr" presetSubtype="0" fill="hold" nodeType="withEffect">
-                                  <p:stCondLst>
-                                    <p:cond delay="0"/>
-                                  </p:stCondLst>
-                                  <p:childTnLst>
-                                    <p:set>
-                                      <p:cBhvr>
-                                        <p:cTn id="11" dur="1" fill="hold">
-                                          <p:stCondLst>
-                                            <p:cond delay="0"/>
-                                          </p:stCondLst>
-                                        </p:cTn>
-                                        <p:tgtEl>
-                                          <p:spTgt spid="40"/>
-                                        </p:tgtEl>
-                                        <p:attrNameLst>
-                                          <p:attrName>style.visibility</p:attrName>
-                                        </p:attrNameLst>
-                                      </p:cBhvr>
-                                      <p:to>
-                                        <p:strVal val="visible"/>
-                                      </p:to>
-                                    </p:set>
-                                    <p:animEffect transition="in" filter="fade">
-                                      <p:cBhvr>
-                                        <p:cTn id="12" dur="500"/>
-                                        <p:tgtEl>
-                                          <p:spTgt spid="40"/>
-                                        </p:tgtEl>
-                                      </p:cBhvr>
-                                    </p:animEffect>
-                                    <p:anim calcmode="lin" valueType="num">
-                                      <p:cBhvr>
-                                        <p:cTn id="13" dur="500" fill="hold"/>
-                                        <p:tgtEl>
-                                          <p:spTgt spid="40"/>
-                                        </p:tgtEl>
-                                        <p:attrNameLst>
-                                          <p:attrName>ppt_x</p:attrName>
-                                        </p:attrNameLst>
-                                      </p:cBhvr>
-                                      <p:tavLst>
-                                        <p:tav tm="0">
-                                          <p:val>
-                                            <p:strVal val="#ppt_x"/>
-                                          </p:val>
-                                        </p:tav>
-                                        <p:tav tm="100000">
-                                          <p:val>
-                                            <p:strVal val="#ppt_x"/>
-                                          </p:val>
-                                        </p:tav>
-                                      </p:tavLst>
-                                    </p:anim>
-                                    <p:anim calcmode="lin" valueType="num">
-                                      <p:cBhvr>
-                                        <p:cTn id="14" dur="500" fill="hold"/>
-                                        <p:tgtEl>
-                                          <p:spTgt spid="40"/>
-                                        </p:tgtEl>
-                                        <p:attrNameLst>
-                                          <p:attrName>ppt_y</p:attrName>
-                                        </p:attrNameLst>
-                                      </p:cBhvr>
-                                      <p:tavLst>
-                                        <p:tav tm="0">
-                                          <p:val>
-                                            <p:strVal val="#ppt_y+.1"/>
-                                          </p:val>
-                                        </p:tav>
-                                        <p:tav tm="100000">
-                                          <p:val>
-                                            <p:strVal val="#ppt_y"/>
-                                          </p:val>
-                                        </p:tav>
-                                      </p:tavLst>
-                                    </p:anim>
-                                  </p:childTnLst>
-                                </p:cTn>
-                              </p:par>
-                              <p:par>
-                                <p:cTn id="15" presetID="42" presetClass="entr" presetSubtype="0" fill="hold" nodeType="withEffect">
-                                  <p:stCondLst>
-                                    <p:cond delay="0"/>
-                                  </p:stCondLst>
-                                  <p:childTnLst>
-                                    <p:set>
-                                      <p:cBhvr>
-                                        <p:cTn id="16" dur="1" fill="hold">
-                                          <p:stCondLst>
-                                            <p:cond delay="0"/>
-                                          </p:stCondLst>
-                                        </p:cTn>
-                                        <p:tgtEl>
-                                          <p:spTgt spid="41"/>
-                                        </p:tgtEl>
-                                        <p:attrNameLst>
-                                          <p:attrName>style.visibility</p:attrName>
-                                        </p:attrNameLst>
-                                      </p:cBhvr>
-                                      <p:to>
-                                        <p:strVal val="visible"/>
-                                      </p:to>
-                                    </p:set>
-                                    <p:animEffect transition="in" filter="fade">
-                                      <p:cBhvr>
-                                        <p:cTn id="17" dur="500"/>
-                                        <p:tgtEl>
-                                          <p:spTgt spid="41"/>
-                                        </p:tgtEl>
-                                      </p:cBhvr>
-                                    </p:animEffect>
-                                    <p:anim calcmode="lin" valueType="num">
-                                      <p:cBhvr>
-                                        <p:cTn id="18" dur="500" fill="hold"/>
-                                        <p:tgtEl>
-                                          <p:spTgt spid="41"/>
-                                        </p:tgtEl>
-                                        <p:attrNameLst>
-                                          <p:attrName>ppt_x</p:attrName>
-                                        </p:attrNameLst>
-                                      </p:cBhvr>
-                                      <p:tavLst>
-                                        <p:tav tm="0">
-                                          <p:val>
-                                            <p:strVal val="#ppt_x"/>
-                                          </p:val>
-                                        </p:tav>
-                                        <p:tav tm="100000">
-                                          <p:val>
-                                            <p:strVal val="#ppt_x"/>
-                                          </p:val>
-                                        </p:tav>
-                                      </p:tavLst>
-                                    </p:anim>
-                                    <p:anim calcmode="lin" valueType="num">
-                                      <p:cBhvr>
-                                        <p:cTn id="19" dur="500" fill="hold"/>
-                                        <p:tgtEl>
-                                          <p:spTgt spid="41"/>
-                                        </p:tgtEl>
-                                        <p:attrNameLst>
-                                          <p:attrName>ppt_y</p:attrName>
-                                        </p:attrNameLst>
-                                      </p:cBhvr>
-                                      <p:tavLst>
-                                        <p:tav tm="0">
-                                          <p:val>
-                                            <p:strVal val="#ppt_y+.1"/>
-                                          </p:val>
-                                        </p:tav>
-                                        <p:tav tm="100000">
-                                          <p:val>
-                                            <p:strVal val="#ppt_y"/>
-                                          </p:val>
-                                        </p:tav>
-                                      </p:tavLst>
-                                    </p:anim>
-                                  </p:childTnLst>
-                                </p:cTn>
-                              </p:par>
-                              <p:par>
-                                <p:cTn id="20" presetID="42" presetClass="entr" presetSubtype="0" fill="hold" grpId="0" nodeType="withEffect">
-                                  <p:stCondLst>
-                                    <p:cond delay="0"/>
-                                  </p:stCondLst>
-                                  <p:childTnLst>
-                                    <p:set>
-                                      <p:cBhvr>
-                                        <p:cTn id="21" dur="1" fill="hold">
-                                          <p:stCondLst>
-                                            <p:cond delay="0"/>
-                                          </p:stCondLst>
-                                        </p:cTn>
-                                        <p:tgtEl>
-                                          <p:spTgt spid="44"/>
-                                        </p:tgtEl>
-                                        <p:attrNameLst>
-                                          <p:attrName>style.visibility</p:attrName>
-                                        </p:attrNameLst>
-                                      </p:cBhvr>
-                                      <p:to>
-                                        <p:strVal val="visible"/>
-                                      </p:to>
-                                    </p:set>
-                                    <p:animEffect transition="in" filter="fade">
-                                      <p:cBhvr>
-                                        <p:cTn id="22" dur="500"/>
-                                        <p:tgtEl>
-                                          <p:spTgt spid="44"/>
-                                        </p:tgtEl>
-                                      </p:cBhvr>
-                                    </p:animEffect>
-                                    <p:anim calcmode="lin" valueType="num">
-                                      <p:cBhvr>
-                                        <p:cTn id="23" dur="500" fill="hold"/>
-                                        <p:tgtEl>
-                                          <p:spTgt spid="44"/>
-                                        </p:tgtEl>
-                                        <p:attrNameLst>
-                                          <p:attrName>ppt_x</p:attrName>
-                                        </p:attrNameLst>
-                                      </p:cBhvr>
-                                      <p:tavLst>
-                                        <p:tav tm="0">
-                                          <p:val>
-                                            <p:strVal val="#ppt_x"/>
-                                          </p:val>
-                                        </p:tav>
-                                        <p:tav tm="100000">
-                                          <p:val>
-                                            <p:strVal val="#ppt_x"/>
-                                          </p:val>
-                                        </p:tav>
-                                      </p:tavLst>
-                                    </p:anim>
-                                    <p:anim calcmode="lin" valueType="num">
-                                      <p:cBhvr>
-                                        <p:cTn id="24" dur="500" fill="hold"/>
-                                        <p:tgtEl>
-                                          <p:spTgt spid="44"/>
-                                        </p:tgtEl>
-                                        <p:attrNameLst>
-                                          <p:attrName>ppt_y</p:attrName>
-                                        </p:attrNameLst>
-                                      </p:cBhvr>
-                                      <p:tavLst>
-                                        <p:tav tm="0">
-                                          <p:val>
-                                            <p:strVal val="#ppt_y+.1"/>
-                                          </p:val>
-                                        </p:tav>
-                                        <p:tav tm="100000">
-                                          <p:val>
-                                            <p:strVal val="#ppt_y"/>
-                                          </p:val>
-                                        </p:tav>
-                                      </p:tavLst>
-                                    </p:anim>
-                                  </p:childTnLst>
-                                </p:cTn>
-                              </p:par>
-                              <p:par>
-                                <p:cTn id="25" presetID="42" presetClass="entr" presetSubtype="0" fill="hold" grpId="0" nodeType="withEffect">
-                                  <p:stCondLst>
-                                    <p:cond delay="0"/>
-                                  </p:stCondLst>
-                                  <p:childTnLst>
-                                    <p:set>
-                                      <p:cBhvr>
-                                        <p:cTn id="26" dur="1" fill="hold">
-                                          <p:stCondLst>
-                                            <p:cond delay="0"/>
-                                          </p:stCondLst>
-                                        </p:cTn>
-                                        <p:tgtEl>
-                                          <p:spTgt spid="45"/>
-                                        </p:tgtEl>
-                                        <p:attrNameLst>
-                                          <p:attrName>style.visibility</p:attrName>
-                                        </p:attrNameLst>
-                                      </p:cBhvr>
-                                      <p:to>
-                                        <p:strVal val="visible"/>
-                                      </p:to>
-                                    </p:set>
-                                    <p:animEffect transition="in" filter="fade">
-                                      <p:cBhvr>
-                                        <p:cTn id="27" dur="500"/>
-                                        <p:tgtEl>
-                                          <p:spTgt spid="45"/>
-                                        </p:tgtEl>
-                                      </p:cBhvr>
-                                    </p:animEffect>
-                                    <p:anim calcmode="lin" valueType="num">
-                                      <p:cBhvr>
-                                        <p:cTn id="28" dur="500" fill="hold"/>
-                                        <p:tgtEl>
-                                          <p:spTgt spid="45"/>
-                                        </p:tgtEl>
-                                        <p:attrNameLst>
-                                          <p:attrName>ppt_x</p:attrName>
-                                        </p:attrNameLst>
-                                      </p:cBhvr>
-                                      <p:tavLst>
-                                        <p:tav tm="0">
-                                          <p:val>
-                                            <p:strVal val="#ppt_x"/>
-                                          </p:val>
-                                        </p:tav>
-                                        <p:tav tm="100000">
-                                          <p:val>
-                                            <p:strVal val="#ppt_x"/>
-                                          </p:val>
-                                        </p:tav>
-                                      </p:tavLst>
-                                    </p:anim>
-                                    <p:anim calcmode="lin" valueType="num">
-                                      <p:cBhvr>
-                                        <p:cTn id="29" dur="500" fill="hold"/>
-                                        <p:tgtEl>
-                                          <p:spTgt spid="45"/>
-                                        </p:tgtEl>
-                                        <p:attrNameLst>
-                                          <p:attrName>ppt_y</p:attrName>
-                                        </p:attrNameLst>
-                                      </p:cBhvr>
-                                      <p:tavLst>
-                                        <p:tav tm="0">
-                                          <p:val>
-                                            <p:strVal val="#ppt_y+.1"/>
-                                          </p:val>
-                                        </p:tav>
-                                        <p:tav tm="100000">
-                                          <p:val>
-                                            <p:strVal val="#ppt_y"/>
-                                          </p:val>
-                                        </p:tav>
-                                      </p:tavLst>
-                                    </p:anim>
-                                  </p:childTnLst>
-                                </p:cTn>
-                              </p:par>
-                              <p:par>
-                                <p:cTn id="30" presetID="42" presetClass="entr" presetSubtype="0" fill="hold" grpId="0" nodeType="withEffect">
-                                  <p:stCondLst>
-                                    <p:cond delay="0"/>
-                                  </p:stCondLst>
-                                  <p:childTnLst>
-                                    <p:set>
-                                      <p:cBhvr>
-                                        <p:cTn id="31" dur="1" fill="hold">
-                                          <p:stCondLst>
-                                            <p:cond delay="0"/>
-                                          </p:stCondLst>
-                                        </p:cTn>
-                                        <p:tgtEl>
-                                          <p:spTgt spid="46"/>
-                                        </p:tgtEl>
-                                        <p:attrNameLst>
-                                          <p:attrName>style.visibility</p:attrName>
-                                        </p:attrNameLst>
-                                      </p:cBhvr>
-                                      <p:to>
-                                        <p:strVal val="visible"/>
-                                      </p:to>
-                                    </p:set>
-                                    <p:animEffect transition="in" filter="fade">
-                                      <p:cBhvr>
-                                        <p:cTn id="32" dur="500"/>
-                                        <p:tgtEl>
-                                          <p:spTgt spid="46"/>
-                                        </p:tgtEl>
-                                      </p:cBhvr>
-                                    </p:animEffect>
-                                    <p:anim calcmode="lin" valueType="num">
-                                      <p:cBhvr>
-                                        <p:cTn id="33" dur="500" fill="hold"/>
-                                        <p:tgtEl>
-                                          <p:spTgt spid="46"/>
-                                        </p:tgtEl>
-                                        <p:attrNameLst>
-                                          <p:attrName>ppt_x</p:attrName>
-                                        </p:attrNameLst>
-                                      </p:cBhvr>
-                                      <p:tavLst>
-                                        <p:tav tm="0">
-                                          <p:val>
-                                            <p:strVal val="#ppt_x"/>
-                                          </p:val>
-                                        </p:tav>
-                                        <p:tav tm="100000">
-                                          <p:val>
-                                            <p:strVal val="#ppt_x"/>
-                                          </p:val>
-                                        </p:tav>
-                                      </p:tavLst>
-                                    </p:anim>
-                                    <p:anim calcmode="lin" valueType="num">
-                                      <p:cBhvr>
-                                        <p:cTn id="34" dur="500" fill="hold"/>
-                                        <p:tgtEl>
-                                          <p:spTgt spid="46"/>
-                                        </p:tgtEl>
-                                        <p:attrNameLst>
-                                          <p:attrName>ppt_y</p:attrName>
-                                        </p:attrNameLst>
-                                      </p:cBhvr>
-                                      <p:tavLst>
-                                        <p:tav tm="0">
-                                          <p:val>
-                                            <p:strVal val="#ppt_y+.1"/>
-                                          </p:val>
-                                        </p:tav>
-                                        <p:tav tm="100000">
-                                          <p:val>
-                                            <p:strVal val="#ppt_y"/>
-                                          </p:val>
-                                        </p:tav>
-                                      </p:tavLst>
-                                    </p:anim>
-                                  </p:childTnLst>
-                                </p:cTn>
-                              </p:par>
-                              <p:par>
-                                <p:cTn id="35" presetID="42" presetClass="entr" presetSubtype="0" fill="hold" grpId="0" nodeType="withEffect">
-                                  <p:stCondLst>
-                                    <p:cond delay="0"/>
-                                  </p:stCondLst>
-                                  <p:childTnLst>
-                                    <p:set>
-                                      <p:cBhvr>
-                                        <p:cTn id="36" dur="1" fill="hold">
-                                          <p:stCondLst>
-                                            <p:cond delay="0"/>
-                                          </p:stCondLst>
-                                        </p:cTn>
-                                        <p:tgtEl>
-                                          <p:spTgt spid="47"/>
-                                        </p:tgtEl>
-                                        <p:attrNameLst>
-                                          <p:attrName>style.visibility</p:attrName>
-                                        </p:attrNameLst>
-                                      </p:cBhvr>
-                                      <p:to>
-                                        <p:strVal val="visible"/>
-                                      </p:to>
-                                    </p:set>
-                                    <p:animEffect transition="in" filter="fade">
-                                      <p:cBhvr>
-                                        <p:cTn id="37" dur="500"/>
-                                        <p:tgtEl>
-                                          <p:spTgt spid="47"/>
-                                        </p:tgtEl>
-                                      </p:cBhvr>
-                                    </p:animEffect>
-                                    <p:anim calcmode="lin" valueType="num">
-                                      <p:cBhvr>
-                                        <p:cTn id="38" dur="500" fill="hold"/>
-                                        <p:tgtEl>
-                                          <p:spTgt spid="47"/>
-                                        </p:tgtEl>
-                                        <p:attrNameLst>
-                                          <p:attrName>ppt_x</p:attrName>
-                                        </p:attrNameLst>
-                                      </p:cBhvr>
-                                      <p:tavLst>
-                                        <p:tav tm="0">
-                                          <p:val>
-                                            <p:strVal val="#ppt_x"/>
-                                          </p:val>
-                                        </p:tav>
-                                        <p:tav tm="100000">
-                                          <p:val>
-                                            <p:strVal val="#ppt_x"/>
-                                          </p:val>
-                                        </p:tav>
-                                      </p:tavLst>
-                                    </p:anim>
-                                    <p:anim calcmode="lin" valueType="num">
-                                      <p:cBhvr>
-                                        <p:cTn id="39" dur="500" fill="hold"/>
-                                        <p:tgtEl>
-                                          <p:spTgt spid="47"/>
-                                        </p:tgtEl>
-                                        <p:attrNameLst>
-                                          <p:attrName>ppt_y</p:attrName>
-                                        </p:attrNameLst>
-                                      </p:cBhvr>
-                                      <p:tavLst>
-                                        <p:tav tm="0">
-                                          <p:val>
-                                            <p:strVal val="#ppt_y+.1"/>
-                                          </p:val>
-                                        </p:tav>
-                                        <p:tav tm="100000">
-                                          <p:val>
-                                            <p:strVal val="#ppt_y"/>
-                                          </p:val>
-                                        </p:tav>
-                                      </p:tavLst>
-                                    </p:anim>
-                                  </p:childTnLst>
-                                </p:cTn>
-                              </p:par>
-                            </p:childTnLst>
-                          </p:cTn>
-                        </p:par>
-                      </p:childTnLst>
-                    </p:cTn>
-                  </p:par>
-                </p:childTnLst>
-              </p:cTn>
-              <p:prevCondLst>
-                <p:cond evt="onPrev" delay="0">
-                  <p:tgtEl>
-                    <p:sldTgt/>
-                  </p:tgtEl>
-                </p:cond>
-              </p:prevCondLst>
-              <p:nextCondLst>
-                <p:cond evt="onNext" delay="0">
-                  <p:tgtEl>
-                    <p:sldTgt/>
-                  </p:tgtEl>
-                </p:cond>
-              </p:nextCondLst>
-            </p:seq>
-          </p:childTnLst>
-        </p:cTn>
+        <p:cTn id="1" dur="indefinite" restart="never" nodeType="tmRoot"/>
       </p:par>
     </p:tnLst>
-    <p:bldLst>
-      <p:bldP spid="44" grpId="0"/>
-      <p:bldP spid="45" grpId="0"/>
-      <p:bldP spid="46" grpId="0"/>
-      <p:bldP spid="47" grpId="0"/>
-      <p:bldP spid="48" grpId="0"/>
-    </p:bldLst>
   </p:timing>
 </p:sld>
 </file>
@@ -28015,17 +27530,7 @@
                 <a:latin typeface="微软雅黑" panose="020B0503020204020204" pitchFamily="34" charset="-122"/>
                 <a:ea typeface="微软雅黑" panose="020B0503020204020204" pitchFamily="34" charset="-122"/>
               </a:rPr>
-              <a:t>试用期工作总结及</a:t>
-            </a:r>
-            <a:r>
-              <a:rPr lang="zh-CN" altLang="en-US" sz="2400" b="1" dirty="0" smtClean="0">
-                <a:solidFill>
-                  <a:srgbClr val="0070C0"/>
-                </a:solidFill>
-                <a:latin typeface="微软雅黑" panose="020B0503020204020204" pitchFamily="34" charset="-122"/>
-                <a:ea typeface="微软雅黑" panose="020B0503020204020204" pitchFamily="34" charset="-122"/>
-              </a:rPr>
-              <a:t>理解</a:t>
+              <a:t>试用期工作总结及理解</a:t>
             </a:r>
             <a:endParaRPr lang="zh-CN" altLang="en-US" sz="2400" b="1" dirty="0">
               <a:solidFill>
@@ -29696,7 +29201,7 @@
           <p:cNvPr id="39" name="组合 38">
             <a:extLst>
               <a:ext uri="{FF2B5EF4-FFF2-40B4-BE49-F238E27FC236}">
-                <a16:creationId xmlns="" xmlns:a16="http://schemas.microsoft.com/office/drawing/2014/main" id="{9434613C-B28A-4E1E-BA1F-B67987AE4995}"/>
+                <a16:creationId xmlns:a16="http://schemas.microsoft.com/office/drawing/2014/main" xmlns="" id="{9434613C-B28A-4E1E-BA1F-B67987AE4995}"/>
               </a:ext>
             </a:extLst>
           </p:cNvPr>
@@ -29716,7 +29221,7 @@
             <p:cNvPr id="49" name="TextBox 21">
               <a:extLst>
                 <a:ext uri="{FF2B5EF4-FFF2-40B4-BE49-F238E27FC236}">
-                  <a16:creationId xmlns="" xmlns:a16="http://schemas.microsoft.com/office/drawing/2014/main" id="{7ADA2C56-7D22-4222-B026-22E3C90844D6}"/>
+                  <a16:creationId xmlns:a16="http://schemas.microsoft.com/office/drawing/2014/main" xmlns="" id="{7ADA2C56-7D22-4222-B026-22E3C90844D6}"/>
                 </a:ext>
               </a:extLst>
             </p:cNvPr>
@@ -29820,7 +29325,7 @@
             <p:cNvPr id="50" name="TextBox 21">
               <a:extLst>
                 <a:ext uri="{FF2B5EF4-FFF2-40B4-BE49-F238E27FC236}">
-                  <a16:creationId xmlns="" xmlns:a16="http://schemas.microsoft.com/office/drawing/2014/main" id="{6AED8746-F343-46F4-8100-01121E9865E5}"/>
+                  <a16:creationId xmlns:a16="http://schemas.microsoft.com/office/drawing/2014/main" xmlns="" id="{6AED8746-F343-46F4-8100-01121E9865E5}"/>
                 </a:ext>
               </a:extLst>
             </p:cNvPr>
@@ -32308,7 +31813,7 @@
   <a:extraClrSchemeLst/>
   <a:extLst>
     <a:ext uri="{05A4C25C-085E-4340-85A3-A5531E510DB2}">
-      <thm15:themeFamily xmlns="" xmlns:thm15="http://schemas.microsoft.com/office/thememl/2012/main" name="Office Theme" id="{62F939B6-93AF-4DB8-9C6B-D6C7DFDC589F}" vid="{4A3C46E8-61CC-4603-A589-7422A47A8E4A}"/>
+      <thm15:themeFamily xmlns:thm15="http://schemas.microsoft.com/office/thememl/2012/main" xmlns="" name="Office Theme" id="{62F939B6-93AF-4DB8-9C6B-D6C7DFDC589F}" vid="{4A3C46E8-61CC-4603-A589-7422A47A8E4A}"/>
     </a:ext>
   </a:extLst>
 </a:theme>
@@ -32598,7 +32103,7 @@
   <a:extraClrSchemeLst/>
   <a:extLst>
     <a:ext uri="{05A4C25C-085E-4340-85A3-A5531E510DB2}">
-      <thm15:themeFamily xmlns="" xmlns:thm15="http://schemas.microsoft.com/office/thememl/2012/main" name="Office Theme" id="{62F939B6-93AF-4DB8-9C6B-D6C7DFDC589F}" vid="{4A3C46E8-61CC-4603-A589-7422A47A8E4A}"/>
+      <thm15:themeFamily xmlns:thm15="http://schemas.microsoft.com/office/thememl/2012/main" xmlns="" name="Office Theme" id="{62F939B6-93AF-4DB8-9C6B-D6C7DFDC589F}" vid="{4A3C46E8-61CC-4603-A589-7422A47A8E4A}"/>
     </a:ext>
   </a:extLst>
 </a:theme>
@@ -32888,7 +32393,7 @@
   <a:extraClrSchemeLst/>
   <a:extLst>
     <a:ext uri="{05A4C25C-085E-4340-85A3-A5531E510DB2}">
-      <thm15:themeFamily xmlns="" xmlns:thm15="http://schemas.microsoft.com/office/thememl/2012/main" name="Office Theme" id="{62F939B6-93AF-4DB8-9C6B-D6C7DFDC589F}" vid="{4A3C46E8-61CC-4603-A589-7422A47A8E4A}"/>
+      <thm15:themeFamily xmlns:thm15="http://schemas.microsoft.com/office/thememl/2012/main" xmlns="" name="Office Theme" id="{62F939B6-93AF-4DB8-9C6B-D6C7DFDC589F}" vid="{4A3C46E8-61CC-4603-A589-7422A47A8E4A}"/>
     </a:ext>
   </a:extLst>
 </a:theme>
@@ -33178,7 +32683,7 @@
   <a:extraClrSchemeLst/>
   <a:extLst>
     <a:ext uri="{05A4C25C-085E-4340-85A3-A5531E510DB2}">
-      <thm15:themeFamily xmlns="" xmlns:thm15="http://schemas.microsoft.com/office/thememl/2012/main" name="Office Theme" id="{62F939B6-93AF-4DB8-9C6B-D6C7DFDC589F}" vid="{4A3C46E8-61CC-4603-A589-7422A47A8E4A}"/>
+      <thm15:themeFamily xmlns:thm15="http://schemas.microsoft.com/office/thememl/2012/main" xmlns="" name="Office Theme" id="{62F939B6-93AF-4DB8-9C6B-D6C7DFDC589F}" vid="{4A3C46E8-61CC-4603-A589-7422A47A8E4A}"/>
     </a:ext>
   </a:extLst>
 </a:theme>
@@ -33468,7 +32973,7 @@
   <a:extraClrSchemeLst/>
   <a:extLst>
     <a:ext uri="{05A4C25C-085E-4340-85A3-A5531E510DB2}">
-      <thm15:themeFamily xmlns="" xmlns:thm15="http://schemas.microsoft.com/office/thememl/2012/main" name="Office Theme" id="{62F939B6-93AF-4DB8-9C6B-D6C7DFDC589F}" vid="{4A3C46E8-61CC-4603-A589-7422A47A8E4A}"/>
+      <thm15:themeFamily xmlns:thm15="http://schemas.microsoft.com/office/thememl/2012/main" xmlns="" name="Office Theme" id="{62F939B6-93AF-4DB8-9C6B-D6C7DFDC589F}" vid="{4A3C46E8-61CC-4603-A589-7422A47A8E4A}"/>
     </a:ext>
   </a:extLst>
 </a:theme>
@@ -33758,7 +33263,7 @@
   <a:extraClrSchemeLst/>
   <a:extLst>
     <a:ext uri="{05A4C25C-085E-4340-85A3-A5531E510DB2}">
-      <thm15:themeFamily xmlns="" xmlns:thm15="http://schemas.microsoft.com/office/thememl/2012/main" name="Office Theme" id="{62F939B6-93AF-4DB8-9C6B-D6C7DFDC589F}" vid="{4A3C46E8-61CC-4603-A589-7422A47A8E4A}"/>
+      <thm15:themeFamily xmlns:thm15="http://schemas.microsoft.com/office/thememl/2012/main" xmlns="" name="Office Theme" id="{62F939B6-93AF-4DB8-9C6B-D6C7DFDC589F}" vid="{4A3C46E8-61CC-4603-A589-7422A47A8E4A}"/>
     </a:ext>
   </a:extLst>
 </a:theme>
@@ -34048,7 +33553,7 @@
   <a:extraClrSchemeLst/>
   <a:extLst>
     <a:ext uri="{05A4C25C-085E-4340-85A3-A5531E510DB2}">
-      <thm15:themeFamily xmlns="" xmlns:thm15="http://schemas.microsoft.com/office/thememl/2012/main" name="Office Theme" id="{62F939B6-93AF-4DB8-9C6B-D6C7DFDC589F}" vid="{4A3C46E8-61CC-4603-A589-7422A47A8E4A}"/>
+      <thm15:themeFamily xmlns:thm15="http://schemas.microsoft.com/office/thememl/2012/main" xmlns="" name="Office Theme" id="{62F939B6-93AF-4DB8-9C6B-D6C7DFDC589F}" vid="{4A3C46E8-61CC-4603-A589-7422A47A8E4A}"/>
     </a:ext>
   </a:extLst>
 </a:theme>
